--- a/presentations/session-6-ethics-of-ai.pptx
+++ b/presentations/session-6-ethics-of-ai.pptx
@@ -5,43 +5,26 @@
     <p:sldMasterId id="2147483648" r:id="rId1"/>
   </p:sldMasterIdLst>
   <p:notesMasterIdLst>
-    <p:notesMasterId r:id="rId36"/>
+    <p:notesMasterId r:id="rId19"/>
   </p:notesMasterIdLst>
   <p:sldIdLst>
     <p:sldId id="263" r:id="rId2"/>
     <p:sldId id="538" r:id="rId3"/>
     <p:sldId id="542" r:id="rId4"/>
     <p:sldId id="433" r:id="rId5"/>
-    <p:sldId id="551" r:id="rId6"/>
-    <p:sldId id="552" r:id="rId7"/>
-    <p:sldId id="553" r:id="rId8"/>
-    <p:sldId id="556" r:id="rId9"/>
-    <p:sldId id="557" r:id="rId10"/>
-    <p:sldId id="558" r:id="rId11"/>
-    <p:sldId id="559" r:id="rId12"/>
-    <p:sldId id="560" r:id="rId13"/>
-    <p:sldId id="561" r:id="rId14"/>
-    <p:sldId id="562" r:id="rId15"/>
-    <p:sldId id="566" r:id="rId16"/>
-    <p:sldId id="563" r:id="rId17"/>
-    <p:sldId id="554" r:id="rId18"/>
-    <p:sldId id="564" r:id="rId19"/>
-    <p:sldId id="565" r:id="rId20"/>
-    <p:sldId id="568" r:id="rId21"/>
-    <p:sldId id="567" r:id="rId22"/>
-    <p:sldId id="569" r:id="rId23"/>
-    <p:sldId id="570" r:id="rId24"/>
-    <p:sldId id="571" r:id="rId25"/>
-    <p:sldId id="572" r:id="rId26"/>
-    <p:sldId id="573" r:id="rId27"/>
-    <p:sldId id="574" r:id="rId28"/>
-    <p:sldId id="575" r:id="rId29"/>
-    <p:sldId id="577" r:id="rId30"/>
-    <p:sldId id="578" r:id="rId31"/>
-    <p:sldId id="579" r:id="rId32"/>
-    <p:sldId id="580" r:id="rId33"/>
-    <p:sldId id="581" r:id="rId34"/>
-    <p:sldId id="582" r:id="rId35"/>
+    <p:sldId id="557" r:id="rId6"/>
+    <p:sldId id="556" r:id="rId7"/>
+    <p:sldId id="558" r:id="rId8"/>
+    <p:sldId id="559" r:id="rId9"/>
+    <p:sldId id="561" r:id="rId10"/>
+    <p:sldId id="562" r:id="rId11"/>
+    <p:sldId id="563" r:id="rId12"/>
+    <p:sldId id="564" r:id="rId13"/>
+    <p:sldId id="565" r:id="rId14"/>
+    <p:sldId id="566" r:id="rId15"/>
+    <p:sldId id="567" r:id="rId16"/>
+    <p:sldId id="568" r:id="rId17"/>
+    <p:sldId id="569" r:id="rId18"/>
   </p:sldIdLst>
   <p:sldSz cx="12192000" cy="6858000"/>
   <p:notesSz cx="6797675" cy="9874250"/>
@@ -241,7 +224,7 @@
           <a:p>
             <a:fld id="{74B0C4F4-A186-4C13-8E85-1B7149B65718}" type="datetimeFigureOut">
               <a:rPr lang="en-US" smtClean="0"/>
-              <a:t>10/23/18</a:t>
+              <a:t>10/25/18</a:t>
             </a:fld>
             <a:endParaRPr lang="en-US"/>
           </a:p>
@@ -666,7 +649,7 @@
     </p:spTree>
     <p:extLst>
       <p:ext uri="{BB962C8B-B14F-4D97-AF65-F5344CB8AC3E}">
-        <p14:creationId xmlns:p14="http://schemas.microsoft.com/office/powerpoint/2010/main" val="3289263618"/>
+        <p14:creationId xmlns:p14="http://schemas.microsoft.com/office/powerpoint/2010/main" val="3797695640"/>
       </p:ext>
     </p:extLst>
   </p:cSld>
@@ -750,7 +733,7 @@
     </p:spTree>
     <p:extLst>
       <p:ext uri="{BB962C8B-B14F-4D97-AF65-F5344CB8AC3E}">
-        <p14:creationId xmlns:p14="http://schemas.microsoft.com/office/powerpoint/2010/main" val="2303648038"/>
+        <p14:creationId xmlns:p14="http://schemas.microsoft.com/office/powerpoint/2010/main" val="770735575"/>
       </p:ext>
     </p:extLst>
   </p:cSld>
@@ -834,7 +817,7 @@
     </p:spTree>
     <p:extLst>
       <p:ext uri="{BB962C8B-B14F-4D97-AF65-F5344CB8AC3E}">
-        <p14:creationId xmlns:p14="http://schemas.microsoft.com/office/powerpoint/2010/main" val="245443772"/>
+        <p14:creationId xmlns:p14="http://schemas.microsoft.com/office/powerpoint/2010/main" val="1719458320"/>
       </p:ext>
     </p:extLst>
   </p:cSld>
@@ -918,7 +901,7 @@
     </p:spTree>
     <p:extLst>
       <p:ext uri="{BB962C8B-B14F-4D97-AF65-F5344CB8AC3E}">
-        <p14:creationId xmlns:p14="http://schemas.microsoft.com/office/powerpoint/2010/main" val="362796267"/>
+        <p14:creationId xmlns:p14="http://schemas.microsoft.com/office/powerpoint/2010/main" val="840027298"/>
       </p:ext>
     </p:extLst>
   </p:cSld>
@@ -1002,7 +985,7 @@
     </p:spTree>
     <p:extLst>
       <p:ext uri="{BB962C8B-B14F-4D97-AF65-F5344CB8AC3E}">
-        <p14:creationId xmlns:p14="http://schemas.microsoft.com/office/powerpoint/2010/main" val="3740079026"/>
+        <p14:creationId xmlns:p14="http://schemas.microsoft.com/office/powerpoint/2010/main" val="2413600801"/>
       </p:ext>
     </p:extLst>
   </p:cSld>
@@ -1086,7 +1069,7 @@
     </p:spTree>
     <p:extLst>
       <p:ext uri="{BB962C8B-B14F-4D97-AF65-F5344CB8AC3E}">
-        <p14:creationId xmlns:p14="http://schemas.microsoft.com/office/powerpoint/2010/main" val="3920724688"/>
+        <p14:creationId xmlns:p14="http://schemas.microsoft.com/office/powerpoint/2010/main" val="3504541692"/>
       </p:ext>
     </p:extLst>
   </p:cSld>
@@ -1170,7 +1153,7 @@
     </p:spTree>
     <p:extLst>
       <p:ext uri="{BB962C8B-B14F-4D97-AF65-F5344CB8AC3E}">
-        <p14:creationId xmlns:p14="http://schemas.microsoft.com/office/powerpoint/2010/main" val="3345307130"/>
+        <p14:creationId xmlns:p14="http://schemas.microsoft.com/office/powerpoint/2010/main" val="3725140350"/>
       </p:ext>
     </p:extLst>
   </p:cSld>
@@ -1254,175 +1237,7 @@
     </p:spTree>
     <p:extLst>
       <p:ext uri="{BB962C8B-B14F-4D97-AF65-F5344CB8AC3E}">
-        <p14:creationId xmlns:p14="http://schemas.microsoft.com/office/powerpoint/2010/main" val="1697799107"/>
-      </p:ext>
-    </p:extLst>
-  </p:cSld>
-  <p:clrMapOvr>
-    <a:masterClrMapping/>
-  </p:clrMapOvr>
-</p:notes>
-</file>
-
-<file path=ppt/notesSlides/notesSlide18.xml><?xml version="1.0" encoding="utf-8"?>
-<p:notes xmlns:a="http://schemas.openxmlformats.org/drawingml/2006/main" xmlns:r="http://schemas.openxmlformats.org/officeDocument/2006/relationships" xmlns:p="http://schemas.openxmlformats.org/presentationml/2006/main">
-  <p:cSld>
-    <p:spTree>
-      <p:nvGrpSpPr>
-        <p:cNvPr id="1" name=""/>
-        <p:cNvGrpSpPr/>
-        <p:nvPr/>
-      </p:nvGrpSpPr>
-      <p:grpSpPr>
-        <a:xfrm>
-          <a:off x="0" y="0"/>
-          <a:ext cx="0" cy="0"/>
-          <a:chOff x="0" y="0"/>
-          <a:chExt cx="0" cy="0"/>
-        </a:xfrm>
-      </p:grpSpPr>
-      <p:sp>
-        <p:nvSpPr>
-          <p:cNvPr id="2" name="Slide Image Placeholder 1"/>
-          <p:cNvSpPr>
-            <a:spLocks noGrp="1" noRot="1" noChangeAspect="1"/>
-          </p:cNvSpPr>
-          <p:nvPr>
-            <p:ph type="sldImg"/>
-          </p:nvPr>
-        </p:nvSpPr>
-        <p:spPr/>
-      </p:sp>
-      <p:sp>
-        <p:nvSpPr>
-          <p:cNvPr id="3" name="Notes Placeholder 2"/>
-          <p:cNvSpPr>
-            <a:spLocks noGrp="1"/>
-          </p:cNvSpPr>
-          <p:nvPr>
-            <p:ph type="body" idx="1"/>
-          </p:nvPr>
-        </p:nvSpPr>
-        <p:spPr/>
-        <p:txBody>
-          <a:bodyPr/>
-          <a:lstStyle/>
-          <a:p>
-            <a:endParaRPr lang="en-US" dirty="0"/>
-          </a:p>
-        </p:txBody>
-      </p:sp>
-      <p:sp>
-        <p:nvSpPr>
-          <p:cNvPr id="4" name="Slide Number Placeholder 3"/>
-          <p:cNvSpPr>
-            <a:spLocks noGrp="1"/>
-          </p:cNvSpPr>
-          <p:nvPr>
-            <p:ph type="sldNum" sz="quarter" idx="10"/>
-          </p:nvPr>
-        </p:nvSpPr>
-        <p:spPr/>
-        <p:txBody>
-          <a:bodyPr/>
-          <a:lstStyle/>
-          <a:p>
-            <a:fld id="{2F6F93F9-6E01-423B-ABB3-8FB3B0651941}" type="slidenum">
-              <a:rPr lang="en-US" smtClean="0"/>
-              <a:t>18</a:t>
-            </a:fld>
-            <a:endParaRPr lang="en-US"/>
-          </a:p>
-        </p:txBody>
-      </p:sp>
-    </p:spTree>
-    <p:extLst>
-      <p:ext uri="{BB962C8B-B14F-4D97-AF65-F5344CB8AC3E}">
-        <p14:creationId xmlns:p14="http://schemas.microsoft.com/office/powerpoint/2010/main" val="838097275"/>
-      </p:ext>
-    </p:extLst>
-  </p:cSld>
-  <p:clrMapOvr>
-    <a:masterClrMapping/>
-  </p:clrMapOvr>
-</p:notes>
-</file>
-
-<file path=ppt/notesSlides/notesSlide19.xml><?xml version="1.0" encoding="utf-8"?>
-<p:notes xmlns:a="http://schemas.openxmlformats.org/drawingml/2006/main" xmlns:r="http://schemas.openxmlformats.org/officeDocument/2006/relationships" xmlns:p="http://schemas.openxmlformats.org/presentationml/2006/main">
-  <p:cSld>
-    <p:spTree>
-      <p:nvGrpSpPr>
-        <p:cNvPr id="1" name=""/>
-        <p:cNvGrpSpPr/>
-        <p:nvPr/>
-      </p:nvGrpSpPr>
-      <p:grpSpPr>
-        <a:xfrm>
-          <a:off x="0" y="0"/>
-          <a:ext cx="0" cy="0"/>
-          <a:chOff x="0" y="0"/>
-          <a:chExt cx="0" cy="0"/>
-        </a:xfrm>
-      </p:grpSpPr>
-      <p:sp>
-        <p:nvSpPr>
-          <p:cNvPr id="2" name="Slide Image Placeholder 1"/>
-          <p:cNvSpPr>
-            <a:spLocks noGrp="1" noRot="1" noChangeAspect="1"/>
-          </p:cNvSpPr>
-          <p:nvPr>
-            <p:ph type="sldImg"/>
-          </p:nvPr>
-        </p:nvSpPr>
-        <p:spPr/>
-      </p:sp>
-      <p:sp>
-        <p:nvSpPr>
-          <p:cNvPr id="3" name="Notes Placeholder 2"/>
-          <p:cNvSpPr>
-            <a:spLocks noGrp="1"/>
-          </p:cNvSpPr>
-          <p:nvPr>
-            <p:ph type="body" idx="1"/>
-          </p:nvPr>
-        </p:nvSpPr>
-        <p:spPr/>
-        <p:txBody>
-          <a:bodyPr/>
-          <a:lstStyle/>
-          <a:p>
-            <a:endParaRPr lang="en-US" dirty="0"/>
-          </a:p>
-        </p:txBody>
-      </p:sp>
-      <p:sp>
-        <p:nvSpPr>
-          <p:cNvPr id="4" name="Slide Number Placeholder 3"/>
-          <p:cNvSpPr>
-            <a:spLocks noGrp="1"/>
-          </p:cNvSpPr>
-          <p:nvPr>
-            <p:ph type="sldNum" sz="quarter" idx="10"/>
-          </p:nvPr>
-        </p:nvSpPr>
-        <p:spPr/>
-        <p:txBody>
-          <a:bodyPr/>
-          <a:lstStyle/>
-          <a:p>
-            <a:fld id="{2F6F93F9-6E01-423B-ABB3-8FB3B0651941}" type="slidenum">
-              <a:rPr lang="en-US" smtClean="0"/>
-              <a:t>19</a:t>
-            </a:fld>
-            <a:endParaRPr lang="en-US"/>
-          </a:p>
-        </p:txBody>
-      </p:sp>
-    </p:spTree>
-    <p:extLst>
-      <p:ext uri="{BB962C8B-B14F-4D97-AF65-F5344CB8AC3E}">
-        <p14:creationId xmlns:p14="http://schemas.microsoft.com/office/powerpoint/2010/main" val="333752062"/>
+        <p14:creationId xmlns:p14="http://schemas.microsoft.com/office/powerpoint/2010/main" val="2230542340"/>
       </p:ext>
     </p:extLst>
   </p:cSld>
@@ -1516,906 +1331,6 @@
 </p:notes>
 </file>
 
-<file path=ppt/notesSlides/notesSlide20.xml><?xml version="1.0" encoding="utf-8"?>
-<p:notes xmlns:a="http://schemas.openxmlformats.org/drawingml/2006/main" xmlns:r="http://schemas.openxmlformats.org/officeDocument/2006/relationships" xmlns:p="http://schemas.openxmlformats.org/presentationml/2006/main">
-  <p:cSld>
-    <p:spTree>
-      <p:nvGrpSpPr>
-        <p:cNvPr id="1" name=""/>
-        <p:cNvGrpSpPr/>
-        <p:nvPr/>
-      </p:nvGrpSpPr>
-      <p:grpSpPr>
-        <a:xfrm>
-          <a:off x="0" y="0"/>
-          <a:ext cx="0" cy="0"/>
-          <a:chOff x="0" y="0"/>
-          <a:chExt cx="0" cy="0"/>
-        </a:xfrm>
-      </p:grpSpPr>
-      <p:sp>
-        <p:nvSpPr>
-          <p:cNvPr id="2" name="Slide Image Placeholder 1"/>
-          <p:cNvSpPr>
-            <a:spLocks noGrp="1" noRot="1" noChangeAspect="1"/>
-          </p:cNvSpPr>
-          <p:nvPr>
-            <p:ph type="sldImg"/>
-          </p:nvPr>
-        </p:nvSpPr>
-        <p:spPr/>
-      </p:sp>
-      <p:sp>
-        <p:nvSpPr>
-          <p:cNvPr id="3" name="Notes Placeholder 2"/>
-          <p:cNvSpPr>
-            <a:spLocks noGrp="1"/>
-          </p:cNvSpPr>
-          <p:nvPr>
-            <p:ph type="body" idx="1"/>
-          </p:nvPr>
-        </p:nvSpPr>
-        <p:spPr/>
-        <p:txBody>
-          <a:bodyPr/>
-          <a:lstStyle/>
-          <a:p>
-            <a:endParaRPr lang="en-US" dirty="0"/>
-          </a:p>
-        </p:txBody>
-      </p:sp>
-      <p:sp>
-        <p:nvSpPr>
-          <p:cNvPr id="4" name="Slide Number Placeholder 3"/>
-          <p:cNvSpPr>
-            <a:spLocks noGrp="1"/>
-          </p:cNvSpPr>
-          <p:nvPr>
-            <p:ph type="sldNum" sz="quarter" idx="10"/>
-          </p:nvPr>
-        </p:nvSpPr>
-        <p:spPr/>
-        <p:txBody>
-          <a:bodyPr/>
-          <a:lstStyle/>
-          <a:p>
-            <a:fld id="{2F6F93F9-6E01-423B-ABB3-8FB3B0651941}" type="slidenum">
-              <a:rPr lang="en-US" smtClean="0"/>
-              <a:t>20</a:t>
-            </a:fld>
-            <a:endParaRPr lang="en-US"/>
-          </a:p>
-        </p:txBody>
-      </p:sp>
-    </p:spTree>
-    <p:extLst>
-      <p:ext uri="{BB962C8B-B14F-4D97-AF65-F5344CB8AC3E}">
-        <p14:creationId xmlns:p14="http://schemas.microsoft.com/office/powerpoint/2010/main" val="1586155269"/>
-      </p:ext>
-    </p:extLst>
-  </p:cSld>
-  <p:clrMapOvr>
-    <a:masterClrMapping/>
-  </p:clrMapOvr>
-</p:notes>
-</file>
-
-<file path=ppt/notesSlides/notesSlide21.xml><?xml version="1.0" encoding="utf-8"?>
-<p:notes xmlns:a="http://schemas.openxmlformats.org/drawingml/2006/main" xmlns:r="http://schemas.openxmlformats.org/officeDocument/2006/relationships" xmlns:p="http://schemas.openxmlformats.org/presentationml/2006/main">
-  <p:cSld>
-    <p:spTree>
-      <p:nvGrpSpPr>
-        <p:cNvPr id="1" name=""/>
-        <p:cNvGrpSpPr/>
-        <p:nvPr/>
-      </p:nvGrpSpPr>
-      <p:grpSpPr>
-        <a:xfrm>
-          <a:off x="0" y="0"/>
-          <a:ext cx="0" cy="0"/>
-          <a:chOff x="0" y="0"/>
-          <a:chExt cx="0" cy="0"/>
-        </a:xfrm>
-      </p:grpSpPr>
-      <p:sp>
-        <p:nvSpPr>
-          <p:cNvPr id="2" name="Slide Image Placeholder 1"/>
-          <p:cNvSpPr>
-            <a:spLocks noGrp="1" noRot="1" noChangeAspect="1"/>
-          </p:cNvSpPr>
-          <p:nvPr>
-            <p:ph type="sldImg"/>
-          </p:nvPr>
-        </p:nvSpPr>
-        <p:spPr/>
-      </p:sp>
-      <p:sp>
-        <p:nvSpPr>
-          <p:cNvPr id="3" name="Notes Placeholder 2"/>
-          <p:cNvSpPr>
-            <a:spLocks noGrp="1"/>
-          </p:cNvSpPr>
-          <p:nvPr>
-            <p:ph type="body" idx="1"/>
-          </p:nvPr>
-        </p:nvSpPr>
-        <p:spPr/>
-        <p:txBody>
-          <a:bodyPr/>
-          <a:lstStyle/>
-          <a:p>
-            <a:r>
-              <a:rPr lang="fr-FR" dirty="0"/>
-              <a:t>Ex: </a:t>
-            </a:r>
-            <a:r>
-              <a:rPr lang="fr-FR" dirty="0" err="1"/>
-              <a:t>soil</a:t>
-            </a:r>
-            <a:r>
-              <a:rPr lang="fr-FR" dirty="0"/>
-              <a:t> </a:t>
-            </a:r>
-            <a:r>
-              <a:rPr lang="fr-FR" dirty="0" err="1"/>
-              <a:t>moisture</a:t>
-            </a:r>
-            <a:r>
-              <a:rPr lang="fr-FR" dirty="0"/>
-              <a:t> (</a:t>
-            </a:r>
-            <a:r>
-              <a:rPr lang="fr-FR" dirty="0" err="1"/>
-              <a:t>target</a:t>
-            </a:r>
-            <a:r>
-              <a:rPr lang="fr-FR" dirty="0"/>
-              <a:t>) </a:t>
-            </a:r>
-            <a:r>
-              <a:rPr lang="fr-FR" dirty="0" err="1"/>
-              <a:t>given</a:t>
-            </a:r>
-            <a:r>
-              <a:rPr lang="fr-FR" dirty="0"/>
-              <a:t> </a:t>
-            </a:r>
-            <a:r>
-              <a:rPr lang="fr-FR" dirty="0" err="1"/>
-              <a:t>temperature</a:t>
-            </a:r>
-            <a:r>
-              <a:rPr lang="fr-FR" dirty="0"/>
-              <a:t>, distance </a:t>
-            </a:r>
-            <a:r>
-              <a:rPr lang="fr-FR" dirty="0" err="1"/>
-              <a:t>from</a:t>
-            </a:r>
-            <a:r>
-              <a:rPr lang="fr-FR" dirty="0"/>
-              <a:t> river, ... (</a:t>
-            </a:r>
-            <a:r>
-              <a:rPr lang="fr-FR" dirty="0" err="1"/>
-              <a:t>features</a:t>
-            </a:r>
-            <a:r>
-              <a:rPr lang="fr-FR" dirty="0"/>
-              <a:t>)</a:t>
-            </a:r>
-            <a:endParaRPr lang="en-US" dirty="0"/>
-          </a:p>
-        </p:txBody>
-      </p:sp>
-      <p:sp>
-        <p:nvSpPr>
-          <p:cNvPr id="4" name="Slide Number Placeholder 3"/>
-          <p:cNvSpPr>
-            <a:spLocks noGrp="1"/>
-          </p:cNvSpPr>
-          <p:nvPr>
-            <p:ph type="sldNum" sz="quarter" idx="10"/>
-          </p:nvPr>
-        </p:nvSpPr>
-        <p:spPr/>
-        <p:txBody>
-          <a:bodyPr/>
-          <a:lstStyle/>
-          <a:p>
-            <a:fld id="{2F6F93F9-6E01-423B-ABB3-8FB3B0651941}" type="slidenum">
-              <a:rPr lang="en-US" smtClean="0"/>
-              <a:t>21</a:t>
-            </a:fld>
-            <a:endParaRPr lang="en-US"/>
-          </a:p>
-        </p:txBody>
-      </p:sp>
-    </p:spTree>
-    <p:extLst>
-      <p:ext uri="{BB962C8B-B14F-4D97-AF65-F5344CB8AC3E}">
-        <p14:creationId xmlns:p14="http://schemas.microsoft.com/office/powerpoint/2010/main" val="2821334826"/>
-      </p:ext>
-    </p:extLst>
-  </p:cSld>
-  <p:clrMapOvr>
-    <a:masterClrMapping/>
-  </p:clrMapOvr>
-</p:notes>
-</file>
-
-<file path=ppt/notesSlides/notesSlide22.xml><?xml version="1.0" encoding="utf-8"?>
-<p:notes xmlns:a="http://schemas.openxmlformats.org/drawingml/2006/main" xmlns:r="http://schemas.openxmlformats.org/officeDocument/2006/relationships" xmlns:p="http://schemas.openxmlformats.org/presentationml/2006/main">
-  <p:cSld>
-    <p:spTree>
-      <p:nvGrpSpPr>
-        <p:cNvPr id="1" name=""/>
-        <p:cNvGrpSpPr/>
-        <p:nvPr/>
-      </p:nvGrpSpPr>
-      <p:grpSpPr>
-        <a:xfrm>
-          <a:off x="0" y="0"/>
-          <a:ext cx="0" cy="0"/>
-          <a:chOff x="0" y="0"/>
-          <a:chExt cx="0" cy="0"/>
-        </a:xfrm>
-      </p:grpSpPr>
-      <p:sp>
-        <p:nvSpPr>
-          <p:cNvPr id="2" name="Slide Image Placeholder 1"/>
-          <p:cNvSpPr>
-            <a:spLocks noGrp="1" noRot="1" noChangeAspect="1"/>
-          </p:cNvSpPr>
-          <p:nvPr>
-            <p:ph type="sldImg"/>
-          </p:nvPr>
-        </p:nvSpPr>
-        <p:spPr/>
-      </p:sp>
-      <p:sp>
-        <p:nvSpPr>
-          <p:cNvPr id="3" name="Notes Placeholder 2"/>
-          <p:cNvSpPr>
-            <a:spLocks noGrp="1"/>
-          </p:cNvSpPr>
-          <p:nvPr>
-            <p:ph type="body" idx="1"/>
-          </p:nvPr>
-        </p:nvSpPr>
-        <p:spPr/>
-        <p:txBody>
-          <a:bodyPr/>
-          <a:lstStyle/>
-          <a:p>
-            <a:endParaRPr lang="en-US" dirty="0"/>
-          </a:p>
-        </p:txBody>
-      </p:sp>
-      <p:sp>
-        <p:nvSpPr>
-          <p:cNvPr id="4" name="Slide Number Placeholder 3"/>
-          <p:cNvSpPr>
-            <a:spLocks noGrp="1"/>
-          </p:cNvSpPr>
-          <p:nvPr>
-            <p:ph type="sldNum" sz="quarter" idx="10"/>
-          </p:nvPr>
-        </p:nvSpPr>
-        <p:spPr/>
-        <p:txBody>
-          <a:bodyPr/>
-          <a:lstStyle/>
-          <a:p>
-            <a:fld id="{2F6F93F9-6E01-423B-ABB3-8FB3B0651941}" type="slidenum">
-              <a:rPr lang="en-US" smtClean="0"/>
-              <a:t>22</a:t>
-            </a:fld>
-            <a:endParaRPr lang="en-US"/>
-          </a:p>
-        </p:txBody>
-      </p:sp>
-    </p:spTree>
-    <p:extLst>
-      <p:ext uri="{BB962C8B-B14F-4D97-AF65-F5344CB8AC3E}">
-        <p14:creationId xmlns:p14="http://schemas.microsoft.com/office/powerpoint/2010/main" val="1179908455"/>
-      </p:ext>
-    </p:extLst>
-  </p:cSld>
-  <p:clrMapOvr>
-    <a:masterClrMapping/>
-  </p:clrMapOvr>
-</p:notes>
-</file>
-
-<file path=ppt/notesSlides/notesSlide23.xml><?xml version="1.0" encoding="utf-8"?>
-<p:notes xmlns:a="http://schemas.openxmlformats.org/drawingml/2006/main" xmlns:r="http://schemas.openxmlformats.org/officeDocument/2006/relationships" xmlns:p="http://schemas.openxmlformats.org/presentationml/2006/main">
-  <p:cSld>
-    <p:spTree>
-      <p:nvGrpSpPr>
-        <p:cNvPr id="1" name=""/>
-        <p:cNvGrpSpPr/>
-        <p:nvPr/>
-      </p:nvGrpSpPr>
-      <p:grpSpPr>
-        <a:xfrm>
-          <a:off x="0" y="0"/>
-          <a:ext cx="0" cy="0"/>
-          <a:chOff x="0" y="0"/>
-          <a:chExt cx="0" cy="0"/>
-        </a:xfrm>
-      </p:grpSpPr>
-      <p:sp>
-        <p:nvSpPr>
-          <p:cNvPr id="2" name="Slide Image Placeholder 1"/>
-          <p:cNvSpPr>
-            <a:spLocks noGrp="1" noRot="1" noChangeAspect="1"/>
-          </p:cNvSpPr>
-          <p:nvPr>
-            <p:ph type="sldImg"/>
-          </p:nvPr>
-        </p:nvSpPr>
-        <p:spPr/>
-      </p:sp>
-      <p:sp>
-        <p:nvSpPr>
-          <p:cNvPr id="3" name="Notes Placeholder 2"/>
-          <p:cNvSpPr>
-            <a:spLocks noGrp="1"/>
-          </p:cNvSpPr>
-          <p:nvPr>
-            <p:ph type="body" idx="1"/>
-          </p:nvPr>
-        </p:nvSpPr>
-        <p:spPr/>
-        <p:txBody>
-          <a:bodyPr/>
-          <a:lstStyle/>
-          <a:p>
-            <a:endParaRPr lang="en-US" dirty="0"/>
-          </a:p>
-        </p:txBody>
-      </p:sp>
-      <p:sp>
-        <p:nvSpPr>
-          <p:cNvPr id="4" name="Slide Number Placeholder 3"/>
-          <p:cNvSpPr>
-            <a:spLocks noGrp="1"/>
-          </p:cNvSpPr>
-          <p:nvPr>
-            <p:ph type="sldNum" sz="quarter" idx="10"/>
-          </p:nvPr>
-        </p:nvSpPr>
-        <p:spPr/>
-        <p:txBody>
-          <a:bodyPr/>
-          <a:lstStyle/>
-          <a:p>
-            <a:fld id="{2F6F93F9-6E01-423B-ABB3-8FB3B0651941}" type="slidenum">
-              <a:rPr lang="en-US" smtClean="0"/>
-              <a:t>23</a:t>
-            </a:fld>
-            <a:endParaRPr lang="en-US"/>
-          </a:p>
-        </p:txBody>
-      </p:sp>
-    </p:spTree>
-    <p:extLst>
-      <p:ext uri="{BB962C8B-B14F-4D97-AF65-F5344CB8AC3E}">
-        <p14:creationId xmlns:p14="http://schemas.microsoft.com/office/powerpoint/2010/main" val="3086997894"/>
-      </p:ext>
-    </p:extLst>
-  </p:cSld>
-  <p:clrMapOvr>
-    <a:masterClrMapping/>
-  </p:clrMapOvr>
-</p:notes>
-</file>
-
-<file path=ppt/notesSlides/notesSlide24.xml><?xml version="1.0" encoding="utf-8"?>
-<p:notes xmlns:a="http://schemas.openxmlformats.org/drawingml/2006/main" xmlns:r="http://schemas.openxmlformats.org/officeDocument/2006/relationships" xmlns:p="http://schemas.openxmlformats.org/presentationml/2006/main">
-  <p:cSld>
-    <p:spTree>
-      <p:nvGrpSpPr>
-        <p:cNvPr id="1" name=""/>
-        <p:cNvGrpSpPr/>
-        <p:nvPr/>
-      </p:nvGrpSpPr>
-      <p:grpSpPr>
-        <a:xfrm>
-          <a:off x="0" y="0"/>
-          <a:ext cx="0" cy="0"/>
-          <a:chOff x="0" y="0"/>
-          <a:chExt cx="0" cy="0"/>
-        </a:xfrm>
-      </p:grpSpPr>
-      <p:sp>
-        <p:nvSpPr>
-          <p:cNvPr id="2" name="Slide Image Placeholder 1"/>
-          <p:cNvSpPr>
-            <a:spLocks noGrp="1" noRot="1" noChangeAspect="1"/>
-          </p:cNvSpPr>
-          <p:nvPr>
-            <p:ph type="sldImg"/>
-          </p:nvPr>
-        </p:nvSpPr>
-        <p:spPr/>
-      </p:sp>
-      <p:sp>
-        <p:nvSpPr>
-          <p:cNvPr id="3" name="Notes Placeholder 2"/>
-          <p:cNvSpPr>
-            <a:spLocks noGrp="1"/>
-          </p:cNvSpPr>
-          <p:nvPr>
-            <p:ph type="body" idx="1"/>
-          </p:nvPr>
-        </p:nvSpPr>
-        <p:spPr/>
-        <p:txBody>
-          <a:bodyPr/>
-          <a:lstStyle/>
-          <a:p>
-            <a:endParaRPr lang="en-US" dirty="0"/>
-          </a:p>
-        </p:txBody>
-      </p:sp>
-      <p:sp>
-        <p:nvSpPr>
-          <p:cNvPr id="4" name="Slide Number Placeholder 3"/>
-          <p:cNvSpPr>
-            <a:spLocks noGrp="1"/>
-          </p:cNvSpPr>
-          <p:nvPr>
-            <p:ph type="sldNum" sz="quarter" idx="10"/>
-          </p:nvPr>
-        </p:nvSpPr>
-        <p:spPr/>
-        <p:txBody>
-          <a:bodyPr/>
-          <a:lstStyle/>
-          <a:p>
-            <a:fld id="{2F6F93F9-6E01-423B-ABB3-8FB3B0651941}" type="slidenum">
-              <a:rPr lang="en-US" smtClean="0"/>
-              <a:t>24</a:t>
-            </a:fld>
-            <a:endParaRPr lang="en-US"/>
-          </a:p>
-        </p:txBody>
-      </p:sp>
-    </p:spTree>
-    <p:extLst>
-      <p:ext uri="{BB962C8B-B14F-4D97-AF65-F5344CB8AC3E}">
-        <p14:creationId xmlns:p14="http://schemas.microsoft.com/office/powerpoint/2010/main" val="1099359813"/>
-      </p:ext>
-    </p:extLst>
-  </p:cSld>
-  <p:clrMapOvr>
-    <a:masterClrMapping/>
-  </p:clrMapOvr>
-</p:notes>
-</file>
-
-<file path=ppt/notesSlides/notesSlide25.xml><?xml version="1.0" encoding="utf-8"?>
-<p:notes xmlns:a="http://schemas.openxmlformats.org/drawingml/2006/main" xmlns:r="http://schemas.openxmlformats.org/officeDocument/2006/relationships" xmlns:p="http://schemas.openxmlformats.org/presentationml/2006/main">
-  <p:cSld>
-    <p:spTree>
-      <p:nvGrpSpPr>
-        <p:cNvPr id="1" name=""/>
-        <p:cNvGrpSpPr/>
-        <p:nvPr/>
-      </p:nvGrpSpPr>
-      <p:grpSpPr>
-        <a:xfrm>
-          <a:off x="0" y="0"/>
-          <a:ext cx="0" cy="0"/>
-          <a:chOff x="0" y="0"/>
-          <a:chExt cx="0" cy="0"/>
-        </a:xfrm>
-      </p:grpSpPr>
-      <p:sp>
-        <p:nvSpPr>
-          <p:cNvPr id="2" name="Slide Image Placeholder 1"/>
-          <p:cNvSpPr>
-            <a:spLocks noGrp="1" noRot="1" noChangeAspect="1"/>
-          </p:cNvSpPr>
-          <p:nvPr>
-            <p:ph type="sldImg"/>
-          </p:nvPr>
-        </p:nvSpPr>
-        <p:spPr/>
-      </p:sp>
-      <p:sp>
-        <p:nvSpPr>
-          <p:cNvPr id="3" name="Notes Placeholder 2"/>
-          <p:cNvSpPr>
-            <a:spLocks noGrp="1"/>
-          </p:cNvSpPr>
-          <p:nvPr>
-            <p:ph type="body" idx="1"/>
-          </p:nvPr>
-        </p:nvSpPr>
-        <p:spPr/>
-        <p:txBody>
-          <a:bodyPr/>
-          <a:lstStyle/>
-          <a:p>
-            <a:endParaRPr lang="en-US" dirty="0"/>
-          </a:p>
-        </p:txBody>
-      </p:sp>
-      <p:sp>
-        <p:nvSpPr>
-          <p:cNvPr id="4" name="Slide Number Placeholder 3"/>
-          <p:cNvSpPr>
-            <a:spLocks noGrp="1"/>
-          </p:cNvSpPr>
-          <p:nvPr>
-            <p:ph type="sldNum" sz="quarter" idx="10"/>
-          </p:nvPr>
-        </p:nvSpPr>
-        <p:spPr/>
-        <p:txBody>
-          <a:bodyPr/>
-          <a:lstStyle/>
-          <a:p>
-            <a:fld id="{2F6F93F9-6E01-423B-ABB3-8FB3B0651941}" type="slidenum">
-              <a:rPr lang="en-US" smtClean="0"/>
-              <a:t>25</a:t>
-            </a:fld>
-            <a:endParaRPr lang="en-US"/>
-          </a:p>
-        </p:txBody>
-      </p:sp>
-    </p:spTree>
-    <p:extLst>
-      <p:ext uri="{BB962C8B-B14F-4D97-AF65-F5344CB8AC3E}">
-        <p14:creationId xmlns:p14="http://schemas.microsoft.com/office/powerpoint/2010/main" val="538600896"/>
-      </p:ext>
-    </p:extLst>
-  </p:cSld>
-  <p:clrMapOvr>
-    <a:masterClrMapping/>
-  </p:clrMapOvr>
-</p:notes>
-</file>
-
-<file path=ppt/notesSlides/notesSlide26.xml><?xml version="1.0" encoding="utf-8"?>
-<p:notes xmlns:a="http://schemas.openxmlformats.org/drawingml/2006/main" xmlns:r="http://schemas.openxmlformats.org/officeDocument/2006/relationships" xmlns:p="http://schemas.openxmlformats.org/presentationml/2006/main">
-  <p:cSld>
-    <p:spTree>
-      <p:nvGrpSpPr>
-        <p:cNvPr id="1" name=""/>
-        <p:cNvGrpSpPr/>
-        <p:nvPr/>
-      </p:nvGrpSpPr>
-      <p:grpSpPr>
-        <a:xfrm>
-          <a:off x="0" y="0"/>
-          <a:ext cx="0" cy="0"/>
-          <a:chOff x="0" y="0"/>
-          <a:chExt cx="0" cy="0"/>
-        </a:xfrm>
-      </p:grpSpPr>
-      <p:sp>
-        <p:nvSpPr>
-          <p:cNvPr id="2" name="Slide Image Placeholder 1"/>
-          <p:cNvSpPr>
-            <a:spLocks noGrp="1" noRot="1" noChangeAspect="1"/>
-          </p:cNvSpPr>
-          <p:nvPr>
-            <p:ph type="sldImg"/>
-          </p:nvPr>
-        </p:nvSpPr>
-        <p:spPr/>
-      </p:sp>
-      <p:sp>
-        <p:nvSpPr>
-          <p:cNvPr id="3" name="Notes Placeholder 2"/>
-          <p:cNvSpPr>
-            <a:spLocks noGrp="1"/>
-          </p:cNvSpPr>
-          <p:nvPr>
-            <p:ph type="body" idx="1"/>
-          </p:nvPr>
-        </p:nvSpPr>
-        <p:spPr/>
-        <p:txBody>
-          <a:bodyPr/>
-          <a:lstStyle/>
-          <a:p>
-            <a:endParaRPr lang="en-US" dirty="0"/>
-          </a:p>
-        </p:txBody>
-      </p:sp>
-      <p:sp>
-        <p:nvSpPr>
-          <p:cNvPr id="4" name="Slide Number Placeholder 3"/>
-          <p:cNvSpPr>
-            <a:spLocks noGrp="1"/>
-          </p:cNvSpPr>
-          <p:nvPr>
-            <p:ph type="sldNum" sz="quarter" idx="10"/>
-          </p:nvPr>
-        </p:nvSpPr>
-        <p:spPr/>
-        <p:txBody>
-          <a:bodyPr/>
-          <a:lstStyle/>
-          <a:p>
-            <a:fld id="{2F6F93F9-6E01-423B-ABB3-8FB3B0651941}" type="slidenum">
-              <a:rPr lang="en-US" smtClean="0"/>
-              <a:t>26</a:t>
-            </a:fld>
-            <a:endParaRPr lang="en-US"/>
-          </a:p>
-        </p:txBody>
-      </p:sp>
-    </p:spTree>
-    <p:extLst>
-      <p:ext uri="{BB962C8B-B14F-4D97-AF65-F5344CB8AC3E}">
-        <p14:creationId xmlns:p14="http://schemas.microsoft.com/office/powerpoint/2010/main" val="2118833780"/>
-      </p:ext>
-    </p:extLst>
-  </p:cSld>
-  <p:clrMapOvr>
-    <a:masterClrMapping/>
-  </p:clrMapOvr>
-</p:notes>
-</file>
-
-<file path=ppt/notesSlides/notesSlide27.xml><?xml version="1.0" encoding="utf-8"?>
-<p:notes xmlns:a="http://schemas.openxmlformats.org/drawingml/2006/main" xmlns:r="http://schemas.openxmlformats.org/officeDocument/2006/relationships" xmlns:p="http://schemas.openxmlformats.org/presentationml/2006/main">
-  <p:cSld>
-    <p:spTree>
-      <p:nvGrpSpPr>
-        <p:cNvPr id="1" name=""/>
-        <p:cNvGrpSpPr/>
-        <p:nvPr/>
-      </p:nvGrpSpPr>
-      <p:grpSpPr>
-        <a:xfrm>
-          <a:off x="0" y="0"/>
-          <a:ext cx="0" cy="0"/>
-          <a:chOff x="0" y="0"/>
-          <a:chExt cx="0" cy="0"/>
-        </a:xfrm>
-      </p:grpSpPr>
-      <p:sp>
-        <p:nvSpPr>
-          <p:cNvPr id="2" name="Slide Image Placeholder 1"/>
-          <p:cNvSpPr>
-            <a:spLocks noGrp="1" noRot="1" noChangeAspect="1"/>
-          </p:cNvSpPr>
-          <p:nvPr>
-            <p:ph type="sldImg"/>
-          </p:nvPr>
-        </p:nvSpPr>
-        <p:spPr/>
-      </p:sp>
-      <p:sp>
-        <p:nvSpPr>
-          <p:cNvPr id="3" name="Notes Placeholder 2"/>
-          <p:cNvSpPr>
-            <a:spLocks noGrp="1"/>
-          </p:cNvSpPr>
-          <p:nvPr>
-            <p:ph type="body" idx="1"/>
-          </p:nvPr>
-        </p:nvSpPr>
-        <p:spPr/>
-        <p:txBody>
-          <a:bodyPr/>
-          <a:lstStyle/>
-          <a:p>
-            <a:endParaRPr lang="en-US" dirty="0"/>
-          </a:p>
-        </p:txBody>
-      </p:sp>
-      <p:sp>
-        <p:nvSpPr>
-          <p:cNvPr id="4" name="Slide Number Placeholder 3"/>
-          <p:cNvSpPr>
-            <a:spLocks noGrp="1"/>
-          </p:cNvSpPr>
-          <p:nvPr>
-            <p:ph type="sldNum" sz="quarter" idx="10"/>
-          </p:nvPr>
-        </p:nvSpPr>
-        <p:spPr/>
-        <p:txBody>
-          <a:bodyPr/>
-          <a:lstStyle/>
-          <a:p>
-            <a:fld id="{2F6F93F9-6E01-423B-ABB3-8FB3B0651941}" type="slidenum">
-              <a:rPr lang="en-US" smtClean="0"/>
-              <a:t>27</a:t>
-            </a:fld>
-            <a:endParaRPr lang="en-US"/>
-          </a:p>
-        </p:txBody>
-      </p:sp>
-    </p:spTree>
-    <p:extLst>
-      <p:ext uri="{BB962C8B-B14F-4D97-AF65-F5344CB8AC3E}">
-        <p14:creationId xmlns:p14="http://schemas.microsoft.com/office/powerpoint/2010/main" val="2539212987"/>
-      </p:ext>
-    </p:extLst>
-  </p:cSld>
-  <p:clrMapOvr>
-    <a:masterClrMapping/>
-  </p:clrMapOvr>
-</p:notes>
-</file>
-
-<file path=ppt/notesSlides/notesSlide28.xml><?xml version="1.0" encoding="utf-8"?>
-<p:notes xmlns:a="http://schemas.openxmlformats.org/drawingml/2006/main" xmlns:r="http://schemas.openxmlformats.org/officeDocument/2006/relationships" xmlns:p="http://schemas.openxmlformats.org/presentationml/2006/main">
-  <p:cSld>
-    <p:spTree>
-      <p:nvGrpSpPr>
-        <p:cNvPr id="1" name=""/>
-        <p:cNvGrpSpPr/>
-        <p:nvPr/>
-      </p:nvGrpSpPr>
-      <p:grpSpPr>
-        <a:xfrm>
-          <a:off x="0" y="0"/>
-          <a:ext cx="0" cy="0"/>
-          <a:chOff x="0" y="0"/>
-          <a:chExt cx="0" cy="0"/>
-        </a:xfrm>
-      </p:grpSpPr>
-      <p:sp>
-        <p:nvSpPr>
-          <p:cNvPr id="2" name="Slide Image Placeholder 1"/>
-          <p:cNvSpPr>
-            <a:spLocks noGrp="1" noRot="1" noChangeAspect="1"/>
-          </p:cNvSpPr>
-          <p:nvPr>
-            <p:ph type="sldImg"/>
-          </p:nvPr>
-        </p:nvSpPr>
-        <p:spPr/>
-      </p:sp>
-      <p:sp>
-        <p:nvSpPr>
-          <p:cNvPr id="3" name="Notes Placeholder 2"/>
-          <p:cNvSpPr>
-            <a:spLocks noGrp="1"/>
-          </p:cNvSpPr>
-          <p:nvPr>
-            <p:ph type="body" idx="1"/>
-          </p:nvPr>
-        </p:nvSpPr>
-        <p:spPr/>
-        <p:txBody>
-          <a:bodyPr/>
-          <a:lstStyle/>
-          <a:p>
-            <a:endParaRPr lang="en-US" dirty="0"/>
-          </a:p>
-        </p:txBody>
-      </p:sp>
-      <p:sp>
-        <p:nvSpPr>
-          <p:cNvPr id="4" name="Slide Number Placeholder 3"/>
-          <p:cNvSpPr>
-            <a:spLocks noGrp="1"/>
-          </p:cNvSpPr>
-          <p:nvPr>
-            <p:ph type="sldNum" sz="quarter" idx="10"/>
-          </p:nvPr>
-        </p:nvSpPr>
-        <p:spPr/>
-        <p:txBody>
-          <a:bodyPr/>
-          <a:lstStyle/>
-          <a:p>
-            <a:fld id="{2F6F93F9-6E01-423B-ABB3-8FB3B0651941}" type="slidenum">
-              <a:rPr lang="en-US" smtClean="0"/>
-              <a:t>28</a:t>
-            </a:fld>
-            <a:endParaRPr lang="en-US"/>
-          </a:p>
-        </p:txBody>
-      </p:sp>
-    </p:spTree>
-    <p:extLst>
-      <p:ext uri="{BB962C8B-B14F-4D97-AF65-F5344CB8AC3E}">
-        <p14:creationId xmlns:p14="http://schemas.microsoft.com/office/powerpoint/2010/main" val="2038087505"/>
-      </p:ext>
-    </p:extLst>
-  </p:cSld>
-  <p:clrMapOvr>
-    <a:masterClrMapping/>
-  </p:clrMapOvr>
-</p:notes>
-</file>
-
-<file path=ppt/notesSlides/notesSlide29.xml><?xml version="1.0" encoding="utf-8"?>
-<p:notes xmlns:a="http://schemas.openxmlformats.org/drawingml/2006/main" xmlns:r="http://schemas.openxmlformats.org/officeDocument/2006/relationships" xmlns:p="http://schemas.openxmlformats.org/presentationml/2006/main">
-  <p:cSld>
-    <p:spTree>
-      <p:nvGrpSpPr>
-        <p:cNvPr id="1" name=""/>
-        <p:cNvGrpSpPr/>
-        <p:nvPr/>
-      </p:nvGrpSpPr>
-      <p:grpSpPr>
-        <a:xfrm>
-          <a:off x="0" y="0"/>
-          <a:ext cx="0" cy="0"/>
-          <a:chOff x="0" y="0"/>
-          <a:chExt cx="0" cy="0"/>
-        </a:xfrm>
-      </p:grpSpPr>
-      <p:sp>
-        <p:nvSpPr>
-          <p:cNvPr id="2" name="Slide Image Placeholder 1"/>
-          <p:cNvSpPr>
-            <a:spLocks noGrp="1" noRot="1" noChangeAspect="1"/>
-          </p:cNvSpPr>
-          <p:nvPr>
-            <p:ph type="sldImg"/>
-          </p:nvPr>
-        </p:nvSpPr>
-        <p:spPr/>
-      </p:sp>
-      <p:sp>
-        <p:nvSpPr>
-          <p:cNvPr id="3" name="Notes Placeholder 2"/>
-          <p:cNvSpPr>
-            <a:spLocks noGrp="1"/>
-          </p:cNvSpPr>
-          <p:nvPr>
-            <p:ph type="body" idx="1"/>
-          </p:nvPr>
-        </p:nvSpPr>
-        <p:spPr/>
-        <p:txBody>
-          <a:bodyPr/>
-          <a:lstStyle/>
-          <a:p>
-            <a:endParaRPr lang="en-US" dirty="0"/>
-          </a:p>
-        </p:txBody>
-      </p:sp>
-      <p:sp>
-        <p:nvSpPr>
-          <p:cNvPr id="4" name="Slide Number Placeholder 3"/>
-          <p:cNvSpPr>
-            <a:spLocks noGrp="1"/>
-          </p:cNvSpPr>
-          <p:nvPr>
-            <p:ph type="sldNum" sz="quarter" idx="10"/>
-          </p:nvPr>
-        </p:nvSpPr>
-        <p:spPr/>
-        <p:txBody>
-          <a:bodyPr/>
-          <a:lstStyle/>
-          <a:p>
-            <a:fld id="{2F6F93F9-6E01-423B-ABB3-8FB3B0651941}" type="slidenum">
-              <a:rPr lang="en-US" smtClean="0"/>
-              <a:t>29</a:t>
-            </a:fld>
-            <a:endParaRPr lang="en-US"/>
-          </a:p>
-        </p:txBody>
-      </p:sp>
-    </p:spTree>
-    <p:extLst>
-      <p:ext uri="{BB962C8B-B14F-4D97-AF65-F5344CB8AC3E}">
-        <p14:creationId xmlns:p14="http://schemas.microsoft.com/office/powerpoint/2010/main" val="997152534"/>
-      </p:ext>
-    </p:extLst>
-  </p:cSld>
-  <p:clrMapOvr>
-    <a:masterClrMapping/>
-  </p:clrMapOvr>
-</p:notes>
-</file>
-
 <file path=ppt/notesSlides/notesSlide3.xml><?xml version="1.0" encoding="utf-8"?>
 <p:notes xmlns:a="http://schemas.openxmlformats.org/drawingml/2006/main" xmlns:r="http://schemas.openxmlformats.org/officeDocument/2006/relationships" xmlns:p="http://schemas.openxmlformats.org/presentationml/2006/main">
   <p:cSld>
@@ -2495,426 +1410,6 @@
     <p:extLst>
       <p:ext uri="{BB962C8B-B14F-4D97-AF65-F5344CB8AC3E}">
         <p14:creationId xmlns:p14="http://schemas.microsoft.com/office/powerpoint/2010/main" val="2558065195"/>
-      </p:ext>
-    </p:extLst>
-  </p:cSld>
-  <p:clrMapOvr>
-    <a:masterClrMapping/>
-  </p:clrMapOvr>
-</p:notes>
-</file>
-
-<file path=ppt/notesSlides/notesSlide30.xml><?xml version="1.0" encoding="utf-8"?>
-<p:notes xmlns:a="http://schemas.openxmlformats.org/drawingml/2006/main" xmlns:r="http://schemas.openxmlformats.org/officeDocument/2006/relationships" xmlns:p="http://schemas.openxmlformats.org/presentationml/2006/main">
-  <p:cSld>
-    <p:spTree>
-      <p:nvGrpSpPr>
-        <p:cNvPr id="1" name=""/>
-        <p:cNvGrpSpPr/>
-        <p:nvPr/>
-      </p:nvGrpSpPr>
-      <p:grpSpPr>
-        <a:xfrm>
-          <a:off x="0" y="0"/>
-          <a:ext cx="0" cy="0"/>
-          <a:chOff x="0" y="0"/>
-          <a:chExt cx="0" cy="0"/>
-        </a:xfrm>
-      </p:grpSpPr>
-      <p:sp>
-        <p:nvSpPr>
-          <p:cNvPr id="2" name="Slide Image Placeholder 1"/>
-          <p:cNvSpPr>
-            <a:spLocks noGrp="1" noRot="1" noChangeAspect="1"/>
-          </p:cNvSpPr>
-          <p:nvPr>
-            <p:ph type="sldImg"/>
-          </p:nvPr>
-        </p:nvSpPr>
-        <p:spPr/>
-      </p:sp>
-      <p:sp>
-        <p:nvSpPr>
-          <p:cNvPr id="3" name="Notes Placeholder 2"/>
-          <p:cNvSpPr>
-            <a:spLocks noGrp="1"/>
-          </p:cNvSpPr>
-          <p:nvPr>
-            <p:ph type="body" idx="1"/>
-          </p:nvPr>
-        </p:nvSpPr>
-        <p:spPr/>
-        <p:txBody>
-          <a:bodyPr/>
-          <a:lstStyle/>
-          <a:p>
-            <a:endParaRPr lang="en-US" dirty="0"/>
-          </a:p>
-        </p:txBody>
-      </p:sp>
-      <p:sp>
-        <p:nvSpPr>
-          <p:cNvPr id="4" name="Slide Number Placeholder 3"/>
-          <p:cNvSpPr>
-            <a:spLocks noGrp="1"/>
-          </p:cNvSpPr>
-          <p:nvPr>
-            <p:ph type="sldNum" sz="quarter" idx="10"/>
-          </p:nvPr>
-        </p:nvSpPr>
-        <p:spPr/>
-        <p:txBody>
-          <a:bodyPr/>
-          <a:lstStyle/>
-          <a:p>
-            <a:fld id="{2F6F93F9-6E01-423B-ABB3-8FB3B0651941}" type="slidenum">
-              <a:rPr lang="en-US" smtClean="0"/>
-              <a:t>30</a:t>
-            </a:fld>
-            <a:endParaRPr lang="en-US"/>
-          </a:p>
-        </p:txBody>
-      </p:sp>
-    </p:spTree>
-    <p:extLst>
-      <p:ext uri="{BB962C8B-B14F-4D97-AF65-F5344CB8AC3E}">
-        <p14:creationId xmlns:p14="http://schemas.microsoft.com/office/powerpoint/2010/main" val="242776460"/>
-      </p:ext>
-    </p:extLst>
-  </p:cSld>
-  <p:clrMapOvr>
-    <a:masterClrMapping/>
-  </p:clrMapOvr>
-</p:notes>
-</file>
-
-<file path=ppt/notesSlides/notesSlide31.xml><?xml version="1.0" encoding="utf-8"?>
-<p:notes xmlns:a="http://schemas.openxmlformats.org/drawingml/2006/main" xmlns:r="http://schemas.openxmlformats.org/officeDocument/2006/relationships" xmlns:p="http://schemas.openxmlformats.org/presentationml/2006/main">
-  <p:cSld>
-    <p:spTree>
-      <p:nvGrpSpPr>
-        <p:cNvPr id="1" name=""/>
-        <p:cNvGrpSpPr/>
-        <p:nvPr/>
-      </p:nvGrpSpPr>
-      <p:grpSpPr>
-        <a:xfrm>
-          <a:off x="0" y="0"/>
-          <a:ext cx="0" cy="0"/>
-          <a:chOff x="0" y="0"/>
-          <a:chExt cx="0" cy="0"/>
-        </a:xfrm>
-      </p:grpSpPr>
-      <p:sp>
-        <p:nvSpPr>
-          <p:cNvPr id="2" name="Slide Image Placeholder 1"/>
-          <p:cNvSpPr>
-            <a:spLocks noGrp="1" noRot="1" noChangeAspect="1"/>
-          </p:cNvSpPr>
-          <p:nvPr>
-            <p:ph type="sldImg"/>
-          </p:nvPr>
-        </p:nvSpPr>
-        <p:spPr/>
-      </p:sp>
-      <p:sp>
-        <p:nvSpPr>
-          <p:cNvPr id="3" name="Notes Placeholder 2"/>
-          <p:cNvSpPr>
-            <a:spLocks noGrp="1"/>
-          </p:cNvSpPr>
-          <p:nvPr>
-            <p:ph type="body" idx="1"/>
-          </p:nvPr>
-        </p:nvSpPr>
-        <p:spPr/>
-        <p:txBody>
-          <a:bodyPr/>
-          <a:lstStyle/>
-          <a:p>
-            <a:endParaRPr lang="en-US" dirty="0"/>
-          </a:p>
-        </p:txBody>
-      </p:sp>
-      <p:sp>
-        <p:nvSpPr>
-          <p:cNvPr id="4" name="Slide Number Placeholder 3"/>
-          <p:cNvSpPr>
-            <a:spLocks noGrp="1"/>
-          </p:cNvSpPr>
-          <p:nvPr>
-            <p:ph type="sldNum" sz="quarter" idx="10"/>
-          </p:nvPr>
-        </p:nvSpPr>
-        <p:spPr/>
-        <p:txBody>
-          <a:bodyPr/>
-          <a:lstStyle/>
-          <a:p>
-            <a:fld id="{2F6F93F9-6E01-423B-ABB3-8FB3B0651941}" type="slidenum">
-              <a:rPr lang="en-US" smtClean="0"/>
-              <a:t>31</a:t>
-            </a:fld>
-            <a:endParaRPr lang="en-US"/>
-          </a:p>
-        </p:txBody>
-      </p:sp>
-    </p:spTree>
-    <p:extLst>
-      <p:ext uri="{BB962C8B-B14F-4D97-AF65-F5344CB8AC3E}">
-        <p14:creationId xmlns:p14="http://schemas.microsoft.com/office/powerpoint/2010/main" val="2802083561"/>
-      </p:ext>
-    </p:extLst>
-  </p:cSld>
-  <p:clrMapOvr>
-    <a:masterClrMapping/>
-  </p:clrMapOvr>
-</p:notes>
-</file>
-
-<file path=ppt/notesSlides/notesSlide32.xml><?xml version="1.0" encoding="utf-8"?>
-<p:notes xmlns:a="http://schemas.openxmlformats.org/drawingml/2006/main" xmlns:r="http://schemas.openxmlformats.org/officeDocument/2006/relationships" xmlns:p="http://schemas.openxmlformats.org/presentationml/2006/main">
-  <p:cSld>
-    <p:spTree>
-      <p:nvGrpSpPr>
-        <p:cNvPr id="1" name=""/>
-        <p:cNvGrpSpPr/>
-        <p:nvPr/>
-      </p:nvGrpSpPr>
-      <p:grpSpPr>
-        <a:xfrm>
-          <a:off x="0" y="0"/>
-          <a:ext cx="0" cy="0"/>
-          <a:chOff x="0" y="0"/>
-          <a:chExt cx="0" cy="0"/>
-        </a:xfrm>
-      </p:grpSpPr>
-      <p:sp>
-        <p:nvSpPr>
-          <p:cNvPr id="2" name="Slide Image Placeholder 1"/>
-          <p:cNvSpPr>
-            <a:spLocks noGrp="1" noRot="1" noChangeAspect="1"/>
-          </p:cNvSpPr>
-          <p:nvPr>
-            <p:ph type="sldImg"/>
-          </p:nvPr>
-        </p:nvSpPr>
-        <p:spPr/>
-      </p:sp>
-      <p:sp>
-        <p:nvSpPr>
-          <p:cNvPr id="3" name="Notes Placeholder 2"/>
-          <p:cNvSpPr>
-            <a:spLocks noGrp="1"/>
-          </p:cNvSpPr>
-          <p:nvPr>
-            <p:ph type="body" idx="1"/>
-          </p:nvPr>
-        </p:nvSpPr>
-        <p:spPr/>
-        <p:txBody>
-          <a:bodyPr/>
-          <a:lstStyle/>
-          <a:p>
-            <a:endParaRPr lang="en-US" dirty="0"/>
-          </a:p>
-        </p:txBody>
-      </p:sp>
-      <p:sp>
-        <p:nvSpPr>
-          <p:cNvPr id="4" name="Slide Number Placeholder 3"/>
-          <p:cNvSpPr>
-            <a:spLocks noGrp="1"/>
-          </p:cNvSpPr>
-          <p:nvPr>
-            <p:ph type="sldNum" sz="quarter" idx="10"/>
-          </p:nvPr>
-        </p:nvSpPr>
-        <p:spPr/>
-        <p:txBody>
-          <a:bodyPr/>
-          <a:lstStyle/>
-          <a:p>
-            <a:fld id="{2F6F93F9-6E01-423B-ABB3-8FB3B0651941}" type="slidenum">
-              <a:rPr lang="en-US" smtClean="0"/>
-              <a:t>32</a:t>
-            </a:fld>
-            <a:endParaRPr lang="en-US"/>
-          </a:p>
-        </p:txBody>
-      </p:sp>
-    </p:spTree>
-    <p:extLst>
-      <p:ext uri="{BB962C8B-B14F-4D97-AF65-F5344CB8AC3E}">
-        <p14:creationId xmlns:p14="http://schemas.microsoft.com/office/powerpoint/2010/main" val="1824914223"/>
-      </p:ext>
-    </p:extLst>
-  </p:cSld>
-  <p:clrMapOvr>
-    <a:masterClrMapping/>
-  </p:clrMapOvr>
-</p:notes>
-</file>
-
-<file path=ppt/notesSlides/notesSlide33.xml><?xml version="1.0" encoding="utf-8"?>
-<p:notes xmlns:a="http://schemas.openxmlformats.org/drawingml/2006/main" xmlns:r="http://schemas.openxmlformats.org/officeDocument/2006/relationships" xmlns:p="http://schemas.openxmlformats.org/presentationml/2006/main">
-  <p:cSld>
-    <p:spTree>
-      <p:nvGrpSpPr>
-        <p:cNvPr id="1" name=""/>
-        <p:cNvGrpSpPr/>
-        <p:nvPr/>
-      </p:nvGrpSpPr>
-      <p:grpSpPr>
-        <a:xfrm>
-          <a:off x="0" y="0"/>
-          <a:ext cx="0" cy="0"/>
-          <a:chOff x="0" y="0"/>
-          <a:chExt cx="0" cy="0"/>
-        </a:xfrm>
-      </p:grpSpPr>
-      <p:sp>
-        <p:nvSpPr>
-          <p:cNvPr id="2" name="Slide Image Placeholder 1"/>
-          <p:cNvSpPr>
-            <a:spLocks noGrp="1" noRot="1" noChangeAspect="1"/>
-          </p:cNvSpPr>
-          <p:nvPr>
-            <p:ph type="sldImg"/>
-          </p:nvPr>
-        </p:nvSpPr>
-        <p:spPr/>
-      </p:sp>
-      <p:sp>
-        <p:nvSpPr>
-          <p:cNvPr id="3" name="Notes Placeholder 2"/>
-          <p:cNvSpPr>
-            <a:spLocks noGrp="1"/>
-          </p:cNvSpPr>
-          <p:nvPr>
-            <p:ph type="body" idx="1"/>
-          </p:nvPr>
-        </p:nvSpPr>
-        <p:spPr/>
-        <p:txBody>
-          <a:bodyPr/>
-          <a:lstStyle/>
-          <a:p>
-            <a:endParaRPr lang="en-US" dirty="0"/>
-          </a:p>
-        </p:txBody>
-      </p:sp>
-      <p:sp>
-        <p:nvSpPr>
-          <p:cNvPr id="4" name="Slide Number Placeholder 3"/>
-          <p:cNvSpPr>
-            <a:spLocks noGrp="1"/>
-          </p:cNvSpPr>
-          <p:nvPr>
-            <p:ph type="sldNum" sz="quarter" idx="10"/>
-          </p:nvPr>
-        </p:nvSpPr>
-        <p:spPr/>
-        <p:txBody>
-          <a:bodyPr/>
-          <a:lstStyle/>
-          <a:p>
-            <a:fld id="{2F6F93F9-6E01-423B-ABB3-8FB3B0651941}" type="slidenum">
-              <a:rPr lang="en-US" smtClean="0"/>
-              <a:t>33</a:t>
-            </a:fld>
-            <a:endParaRPr lang="en-US"/>
-          </a:p>
-        </p:txBody>
-      </p:sp>
-    </p:spTree>
-    <p:extLst>
-      <p:ext uri="{BB962C8B-B14F-4D97-AF65-F5344CB8AC3E}">
-        <p14:creationId xmlns:p14="http://schemas.microsoft.com/office/powerpoint/2010/main" val="1096447992"/>
-      </p:ext>
-    </p:extLst>
-  </p:cSld>
-  <p:clrMapOvr>
-    <a:masterClrMapping/>
-  </p:clrMapOvr>
-</p:notes>
-</file>
-
-<file path=ppt/notesSlides/notesSlide34.xml><?xml version="1.0" encoding="utf-8"?>
-<p:notes xmlns:a="http://schemas.openxmlformats.org/drawingml/2006/main" xmlns:r="http://schemas.openxmlformats.org/officeDocument/2006/relationships" xmlns:p="http://schemas.openxmlformats.org/presentationml/2006/main">
-  <p:cSld>
-    <p:spTree>
-      <p:nvGrpSpPr>
-        <p:cNvPr id="1" name=""/>
-        <p:cNvGrpSpPr/>
-        <p:nvPr/>
-      </p:nvGrpSpPr>
-      <p:grpSpPr>
-        <a:xfrm>
-          <a:off x="0" y="0"/>
-          <a:ext cx="0" cy="0"/>
-          <a:chOff x="0" y="0"/>
-          <a:chExt cx="0" cy="0"/>
-        </a:xfrm>
-      </p:grpSpPr>
-      <p:sp>
-        <p:nvSpPr>
-          <p:cNvPr id="2" name="Slide Image Placeholder 1"/>
-          <p:cNvSpPr>
-            <a:spLocks noGrp="1" noRot="1" noChangeAspect="1"/>
-          </p:cNvSpPr>
-          <p:nvPr>
-            <p:ph type="sldImg"/>
-          </p:nvPr>
-        </p:nvSpPr>
-        <p:spPr/>
-      </p:sp>
-      <p:sp>
-        <p:nvSpPr>
-          <p:cNvPr id="3" name="Notes Placeholder 2"/>
-          <p:cNvSpPr>
-            <a:spLocks noGrp="1"/>
-          </p:cNvSpPr>
-          <p:nvPr>
-            <p:ph type="body" idx="1"/>
-          </p:nvPr>
-        </p:nvSpPr>
-        <p:spPr/>
-        <p:txBody>
-          <a:bodyPr/>
-          <a:lstStyle/>
-          <a:p>
-            <a:endParaRPr lang="en-US" dirty="0"/>
-          </a:p>
-        </p:txBody>
-      </p:sp>
-      <p:sp>
-        <p:nvSpPr>
-          <p:cNvPr id="4" name="Slide Number Placeholder 3"/>
-          <p:cNvSpPr>
-            <a:spLocks noGrp="1"/>
-          </p:cNvSpPr>
-          <p:nvPr>
-            <p:ph type="sldNum" sz="quarter" idx="10"/>
-          </p:nvPr>
-        </p:nvSpPr>
-        <p:spPr/>
-        <p:txBody>
-          <a:bodyPr/>
-          <a:lstStyle/>
-          <a:p>
-            <a:fld id="{2F6F93F9-6E01-423B-ABB3-8FB3B0651941}" type="slidenum">
-              <a:rPr lang="en-US" smtClean="0"/>
-              <a:t>34</a:t>
-            </a:fld>
-            <a:endParaRPr lang="en-US"/>
-          </a:p>
-        </p:txBody>
-      </p:sp>
-    </p:spTree>
-    <p:extLst>
-      <p:ext uri="{BB962C8B-B14F-4D97-AF65-F5344CB8AC3E}">
-        <p14:creationId xmlns:p14="http://schemas.microsoft.com/office/powerpoint/2010/main" val="527898486"/>
       </p:ext>
     </p:extLst>
   </p:cSld>
@@ -3082,7 +1577,7 @@
     </p:spTree>
     <p:extLst>
       <p:ext uri="{BB962C8B-B14F-4D97-AF65-F5344CB8AC3E}">
-        <p14:creationId xmlns:p14="http://schemas.microsoft.com/office/powerpoint/2010/main" val="1805977313"/>
+        <p14:creationId xmlns:p14="http://schemas.microsoft.com/office/powerpoint/2010/main" val="2419125101"/>
       </p:ext>
     </p:extLst>
   </p:cSld>
@@ -3166,7 +1661,7 @@
     </p:spTree>
     <p:extLst>
       <p:ext uri="{BB962C8B-B14F-4D97-AF65-F5344CB8AC3E}">
-        <p14:creationId xmlns:p14="http://schemas.microsoft.com/office/powerpoint/2010/main" val="4251780890"/>
+        <p14:creationId xmlns:p14="http://schemas.microsoft.com/office/powerpoint/2010/main" val="2170746578"/>
       </p:ext>
     </p:extLst>
   </p:cSld>
@@ -3250,7 +1745,7 @@
     </p:spTree>
     <p:extLst>
       <p:ext uri="{BB962C8B-B14F-4D97-AF65-F5344CB8AC3E}">
-        <p14:creationId xmlns:p14="http://schemas.microsoft.com/office/powerpoint/2010/main" val="3604218233"/>
+        <p14:creationId xmlns:p14="http://schemas.microsoft.com/office/powerpoint/2010/main" val="1465998514"/>
       </p:ext>
     </p:extLst>
   </p:cSld>
@@ -3334,7 +1829,7 @@
     </p:spTree>
     <p:extLst>
       <p:ext uri="{BB962C8B-B14F-4D97-AF65-F5344CB8AC3E}">
-        <p14:creationId xmlns:p14="http://schemas.microsoft.com/office/powerpoint/2010/main" val="2170746578"/>
+        <p14:creationId xmlns:p14="http://schemas.microsoft.com/office/powerpoint/2010/main" val="1987829258"/>
       </p:ext>
     </p:extLst>
   </p:cSld>
@@ -3418,7 +1913,7 @@
     </p:spTree>
     <p:extLst>
       <p:ext uri="{BB962C8B-B14F-4D97-AF65-F5344CB8AC3E}">
-        <p14:creationId xmlns:p14="http://schemas.microsoft.com/office/powerpoint/2010/main" val="4288004376"/>
+        <p14:creationId xmlns:p14="http://schemas.microsoft.com/office/powerpoint/2010/main" val="252226360"/>
       </p:ext>
     </p:extLst>
   </p:cSld>
@@ -6095,7 +4590,7 @@
                 </a:solidFill>
                 <a:latin typeface="Cambria" panose="02040503050406030204" pitchFamily="18" charset="0"/>
               </a:rPr>
-              <a:t>SESSION 5: APPLICATIONS OF AI</a:t>
+              <a:t>SESSION 6: ETHICS OF AI</a:t>
             </a:r>
             <a:endParaRPr lang="en-US" sz="3200" dirty="0">
               <a:solidFill>
@@ -6219,94 +4714,212 @@
                 </a:solidFill>
                 <a:latin typeface="Cambria" panose="02040503050406030204" pitchFamily="18" charset="0"/>
               </a:rPr>
-              <a:t>SMART FARMING</a:t>
-            </a:r>
-          </a:p>
-        </p:txBody>
-      </p:sp>
-      <p:sp>
-        <p:nvSpPr>
-          <p:cNvPr id="3" name="Rectangle 2">
-            <a:extLst>
-              <a:ext uri="{FF2B5EF4-FFF2-40B4-BE49-F238E27FC236}">
-                <a16:creationId xmlns:a16="http://schemas.microsoft.com/office/drawing/2014/main" id="{FD0260EC-A37A-7740-9796-33553F873E40}"/>
-              </a:ext>
-            </a:extLst>
-          </p:cNvPr>
-          <p:cNvSpPr/>
+              <a:t>WHAT ARE SENSITIVE AREAS?</a:t>
+            </a:r>
+          </a:p>
+        </p:txBody>
+      </p:sp>
+      <p:sp>
+        <p:nvSpPr>
+          <p:cNvPr id="9" name="TextBox 8"/>
+          <p:cNvSpPr txBox="1"/>
           <p:nvPr/>
         </p:nvSpPr>
         <p:spPr>
           <a:xfrm>
-            <a:off x="1402080" y="5636452"/>
-            <a:ext cx="3001078" cy="369332"/>
+            <a:off x="1275701" y="1830236"/>
+            <a:ext cx="9909364" cy="4524315"/>
           </a:xfrm>
           <a:prstGeom prst="rect">
             <a:avLst/>
           </a:prstGeom>
+          <a:noFill/>
         </p:spPr>
         <p:txBody>
-          <a:bodyPr wrap="none">
+          <a:bodyPr wrap="square" rtlCol="0">
             <a:spAutoFit/>
           </a:bodyPr>
           <a:lstStyle/>
           <a:p>
-            <a:r>
-              <a:rPr lang="fr-FR" dirty="0">
-                <a:hlinkClick r:id="rId3"/>
-              </a:rPr>
-              <a:t>https://</a:t>
-            </a:r>
-            <a:r>
-              <a:rPr lang="fr-FR" dirty="0" err="1">
-                <a:hlinkClick r:id="rId3"/>
-              </a:rPr>
-              <a:t>tinyurl.com</a:t>
-            </a:r>
-            <a:r>
-              <a:rPr lang="fr-FR" dirty="0">
-                <a:hlinkClick r:id="rId3"/>
-              </a:rPr>
-              <a:t>/y7js7scm</a:t>
-            </a:r>
-            <a:endParaRPr lang="fr-FR" dirty="0"/>
-          </a:p>
-        </p:txBody>
-      </p:sp>
-      <p:pic>
-        <p:nvPicPr>
-          <p:cNvPr id="5" name="Picture 4">
-            <a:extLst>
-              <a:ext uri="{FF2B5EF4-FFF2-40B4-BE49-F238E27FC236}">
-                <a16:creationId xmlns:a16="http://schemas.microsoft.com/office/drawing/2014/main" id="{B4EC924F-4BD8-3845-A6D3-C9D7A012A889}"/>
-              </a:ext>
-            </a:extLst>
-          </p:cNvPr>
-          <p:cNvPicPr>
-            <a:picLocks noChangeAspect="1"/>
-          </p:cNvPicPr>
-          <p:nvPr/>
-        </p:nvPicPr>
-        <p:blipFill>
-          <a:blip r:embed="rId4"/>
-          <a:stretch>
-            <a:fillRect/>
-          </a:stretch>
-        </p:blipFill>
-        <p:spPr>
-          <a:xfrm>
-            <a:off x="1271768" y="1971548"/>
-            <a:ext cx="9326880" cy="2749246"/>
-          </a:xfrm>
-          <a:prstGeom prst="rect">
-            <a:avLst/>
-          </a:prstGeom>
-        </p:spPr>
-      </p:pic>
+            <a:pPr marL="342900" indent="-342900">
+              <a:buFont typeface="Arial"/>
+              <a:buChar char="•"/>
+            </a:pPr>
+            <a:r>
+              <a:rPr lang="en-US" sz="2400" b="1" dirty="0">
+                <a:solidFill>
+                  <a:schemeClr val="accent1"/>
+                </a:solidFill>
+                <a:latin typeface="Cambria" panose="02040503050406030204" pitchFamily="18" charset="0"/>
+              </a:rPr>
+              <a:t>COURTS</a:t>
+            </a:r>
+            <a:br>
+              <a:rPr lang="en-US" sz="2400" b="1" dirty="0">
+                <a:solidFill>
+                  <a:schemeClr val="accent1"/>
+                </a:solidFill>
+                <a:latin typeface="Cambria" panose="02040503050406030204" pitchFamily="18" charset="0"/>
+              </a:rPr>
+            </a:br>
+            <a:endParaRPr lang="en-US" sz="2400" b="1" dirty="0">
+              <a:solidFill>
+                <a:schemeClr val="accent1"/>
+              </a:solidFill>
+              <a:latin typeface="Cambria" panose="02040503050406030204" pitchFamily="18" charset="0"/>
+            </a:endParaRPr>
+          </a:p>
+          <a:p>
+            <a:pPr marL="342900" indent="-342900">
+              <a:buFont typeface="Arial"/>
+              <a:buChar char="•"/>
+            </a:pPr>
+            <a:r>
+              <a:rPr lang="en-US" sz="2400" b="1" dirty="0">
+                <a:solidFill>
+                  <a:schemeClr val="accent1"/>
+                </a:solidFill>
+                <a:latin typeface="Cambria" panose="02040503050406030204" pitchFamily="18" charset="0"/>
+              </a:rPr>
+              <a:t>DEFENCE</a:t>
+            </a:r>
+            <a:br>
+              <a:rPr lang="en-US" sz="2400" b="1" dirty="0">
+                <a:solidFill>
+                  <a:schemeClr val="accent1"/>
+                </a:solidFill>
+                <a:latin typeface="Cambria" panose="02040503050406030204" pitchFamily="18" charset="0"/>
+              </a:rPr>
+            </a:br>
+            <a:endParaRPr lang="en-US" sz="2400" b="1" dirty="0">
+              <a:solidFill>
+                <a:schemeClr val="accent1"/>
+              </a:solidFill>
+              <a:latin typeface="Cambria" panose="02040503050406030204" pitchFamily="18" charset="0"/>
+            </a:endParaRPr>
+          </a:p>
+          <a:p>
+            <a:pPr marL="342900" indent="-342900">
+              <a:buFont typeface="Arial"/>
+              <a:buChar char="•"/>
+            </a:pPr>
+            <a:r>
+              <a:rPr lang="en-US" sz="2400" b="1" dirty="0">
+                <a:solidFill>
+                  <a:schemeClr val="accent1"/>
+                </a:solidFill>
+                <a:latin typeface="Cambria" panose="02040503050406030204" pitchFamily="18" charset="0"/>
+              </a:rPr>
+              <a:t>INSURANCE</a:t>
+            </a:r>
+            <a:br>
+              <a:rPr lang="en-US" sz="2400" b="1" dirty="0">
+                <a:solidFill>
+                  <a:schemeClr val="accent1"/>
+                </a:solidFill>
+                <a:latin typeface="Cambria" panose="02040503050406030204" pitchFamily="18" charset="0"/>
+              </a:rPr>
+            </a:br>
+            <a:endParaRPr lang="en-US" sz="2400" b="1" dirty="0">
+              <a:solidFill>
+                <a:schemeClr val="accent1"/>
+              </a:solidFill>
+              <a:latin typeface="Cambria" panose="02040503050406030204" pitchFamily="18" charset="0"/>
+            </a:endParaRPr>
+          </a:p>
+          <a:p>
+            <a:pPr marL="342900" indent="-342900">
+              <a:buFont typeface="Arial"/>
+              <a:buChar char="•"/>
+            </a:pPr>
+            <a:r>
+              <a:rPr lang="en-US" sz="2400" b="1" dirty="0">
+                <a:solidFill>
+                  <a:schemeClr val="accent1"/>
+                </a:solidFill>
+                <a:latin typeface="Cambria" panose="02040503050406030204" pitchFamily="18" charset="0"/>
+              </a:rPr>
+              <a:t>POLICING</a:t>
+            </a:r>
+            <a:br>
+              <a:rPr lang="en-US" sz="2400" b="1" dirty="0">
+                <a:solidFill>
+                  <a:schemeClr val="accent1"/>
+                </a:solidFill>
+                <a:latin typeface="Cambria" panose="02040503050406030204" pitchFamily="18" charset="0"/>
+              </a:rPr>
+            </a:br>
+            <a:endParaRPr lang="en-US" sz="2400" b="1" dirty="0">
+              <a:solidFill>
+                <a:schemeClr val="accent1"/>
+              </a:solidFill>
+              <a:latin typeface="Cambria" panose="02040503050406030204" pitchFamily="18" charset="0"/>
+            </a:endParaRPr>
+          </a:p>
+          <a:p>
+            <a:pPr marL="342900" indent="-342900">
+              <a:buFont typeface="Arial"/>
+              <a:buChar char="•"/>
+            </a:pPr>
+            <a:r>
+              <a:rPr lang="en-US" sz="2400" b="1" dirty="0">
+                <a:solidFill>
+                  <a:schemeClr val="accent1"/>
+                </a:solidFill>
+                <a:latin typeface="Cambria" panose="02040503050406030204" pitchFamily="18" charset="0"/>
+              </a:rPr>
+              <a:t>BANKING</a:t>
+            </a:r>
+            <a:br>
+              <a:rPr lang="en-US" sz="2400" b="1" dirty="0">
+                <a:solidFill>
+                  <a:schemeClr val="accent1"/>
+                </a:solidFill>
+                <a:latin typeface="Cambria" panose="02040503050406030204" pitchFamily="18" charset="0"/>
+              </a:rPr>
+            </a:br>
+            <a:endParaRPr lang="en-US" sz="2400" b="1" dirty="0">
+              <a:solidFill>
+                <a:schemeClr val="accent1"/>
+              </a:solidFill>
+              <a:latin typeface="Cambria" panose="02040503050406030204" pitchFamily="18" charset="0"/>
+            </a:endParaRPr>
+          </a:p>
+          <a:p>
+            <a:pPr marL="342900" indent="-342900">
+              <a:buFont typeface="Arial"/>
+              <a:buChar char="•"/>
+            </a:pPr>
+            <a:r>
+              <a:rPr lang="en-US" sz="2400" dirty="0">
+                <a:solidFill>
+                  <a:schemeClr val="accent1"/>
+                </a:solidFill>
+                <a:latin typeface="Cambria" panose="02040503050406030204" pitchFamily="18" charset="0"/>
+              </a:rPr>
+              <a:t>…</a:t>
+            </a:r>
+            <a:br>
+              <a:rPr lang="en-US" sz="2400" dirty="0">
+                <a:solidFill>
+                  <a:schemeClr val="accent1"/>
+                </a:solidFill>
+                <a:latin typeface="Cambria" panose="02040503050406030204" pitchFamily="18" charset="0"/>
+              </a:rPr>
+            </a:br>
+            <a:endParaRPr lang="en-US" sz="2400" dirty="0">
+              <a:solidFill>
+                <a:schemeClr val="accent1"/>
+              </a:solidFill>
+              <a:latin typeface="Cambria" panose="02040503050406030204" pitchFamily="18" charset="0"/>
+            </a:endParaRPr>
+          </a:p>
+        </p:txBody>
+      </p:sp>
     </p:spTree>
     <p:extLst>
       <p:ext uri="{BB962C8B-B14F-4D97-AF65-F5344CB8AC3E}">
-        <p14:creationId xmlns:p14="http://schemas.microsoft.com/office/powerpoint/2010/main" val="3575902748"/>
+        <p14:creationId xmlns:p14="http://schemas.microsoft.com/office/powerpoint/2010/main" val="1135459681"/>
       </p:ext>
     </p:extLst>
   </p:cSld>
@@ -6374,100 +4987,96 @@
                 </a:solidFill>
                 <a:latin typeface="Cambria" panose="02040503050406030204" pitchFamily="18" charset="0"/>
               </a:rPr>
-              <a:t>AIR QUALITY PREDICTION</a:t>
-            </a:r>
-          </a:p>
-        </p:txBody>
-      </p:sp>
-      <p:sp>
-        <p:nvSpPr>
-          <p:cNvPr id="3" name="Rectangle 2">
-            <a:extLst>
-              <a:ext uri="{FF2B5EF4-FFF2-40B4-BE49-F238E27FC236}">
-                <a16:creationId xmlns:a16="http://schemas.microsoft.com/office/drawing/2014/main" id="{FD0260EC-A37A-7740-9796-33553F873E40}"/>
-              </a:ext>
-            </a:extLst>
-          </p:cNvPr>
-          <p:cNvSpPr/>
+              <a:t>ACCOUNTABILITY &amp; FALLABILITY</a:t>
+            </a:r>
+          </a:p>
+        </p:txBody>
+      </p:sp>
+      <p:sp>
+        <p:nvSpPr>
+          <p:cNvPr id="9" name="TextBox 8"/>
+          <p:cNvSpPr txBox="1"/>
           <p:nvPr/>
         </p:nvSpPr>
         <p:spPr>
           <a:xfrm>
-            <a:off x="1402080" y="5636452"/>
-            <a:ext cx="4152227" cy="369332"/>
+            <a:off x="1275701" y="1837856"/>
+            <a:ext cx="9909364" cy="1938992"/>
           </a:xfrm>
           <a:prstGeom prst="rect">
             <a:avLst/>
           </a:prstGeom>
+          <a:noFill/>
         </p:spPr>
         <p:txBody>
-          <a:bodyPr wrap="none">
+          <a:bodyPr wrap="square" rtlCol="0">
             <a:spAutoFit/>
           </a:bodyPr>
           <a:lstStyle/>
           <a:p>
-            <a:r>
-              <a:rPr lang="fr-FR" dirty="0">
-                <a:hlinkClick r:id="rId3"/>
-              </a:rPr>
-              <a:t>https://</a:t>
-            </a:r>
-            <a:r>
-              <a:rPr lang="fr-FR" dirty="0" err="1">
-                <a:hlinkClick r:id="rId3"/>
-              </a:rPr>
-              <a:t>www.kaggle.com</a:t>
-            </a:r>
-            <a:r>
-              <a:rPr lang="fr-FR" dirty="0">
-                <a:hlinkClick r:id="rId3"/>
-              </a:rPr>
-              <a:t>/c/</a:t>
-            </a:r>
-            <a:r>
-              <a:rPr lang="fr-FR" dirty="0" err="1">
-                <a:hlinkClick r:id="rId3"/>
-              </a:rPr>
-              <a:t>dsg-hackathon</a:t>
-            </a:r>
-            <a:endParaRPr lang="fr-FR" dirty="0"/>
-          </a:p>
-        </p:txBody>
-      </p:sp>
-      <p:pic>
-        <p:nvPicPr>
-          <p:cNvPr id="2" name="Picture 1">
-            <a:extLst>
-              <a:ext uri="{FF2B5EF4-FFF2-40B4-BE49-F238E27FC236}">
-                <a16:creationId xmlns:a16="http://schemas.microsoft.com/office/drawing/2014/main" id="{F9340A44-94E0-6E4A-9AF4-E02BB8215BD2}"/>
-              </a:ext>
-            </a:extLst>
-          </p:cNvPr>
-          <p:cNvPicPr>
-            <a:picLocks noChangeAspect="1"/>
-          </p:cNvPicPr>
-          <p:nvPr/>
-        </p:nvPicPr>
-        <p:blipFill>
-          <a:blip r:embed="rId4"/>
-          <a:stretch>
-            <a:fillRect/>
-          </a:stretch>
-        </p:blipFill>
-        <p:spPr>
-          <a:xfrm>
-            <a:off x="1271768" y="1941935"/>
-            <a:ext cx="10624457" cy="2732912"/>
-          </a:xfrm>
-          <a:prstGeom prst="rect">
-            <a:avLst/>
-          </a:prstGeom>
-        </p:spPr>
-      </p:pic>
+            <a:pPr marL="342900" indent="-342900">
+              <a:buFont typeface="Arial"/>
+              <a:buChar char="•"/>
+            </a:pPr>
+            <a:r>
+              <a:rPr lang="en-US" sz="2400" b="1" dirty="0">
+                <a:solidFill>
+                  <a:schemeClr val="accent1"/>
+                </a:solidFill>
+                <a:latin typeface="Cambria" panose="02040503050406030204" pitchFamily="18" charset="0"/>
+              </a:rPr>
+              <a:t>HUMAN RESPONSIBILITIES</a:t>
+            </a:r>
+            <a:br>
+              <a:rPr lang="en-US" sz="2400" b="1" dirty="0">
+                <a:solidFill>
+                  <a:schemeClr val="accent1"/>
+                </a:solidFill>
+                <a:latin typeface="Cambria" panose="02040503050406030204" pitchFamily="18" charset="0"/>
+              </a:rPr>
+            </a:br>
+            <a:endParaRPr lang="en-US" sz="2400" b="1" dirty="0">
+              <a:solidFill>
+                <a:schemeClr val="accent1"/>
+              </a:solidFill>
+              <a:latin typeface="Cambria" panose="02040503050406030204" pitchFamily="18" charset="0"/>
+            </a:endParaRPr>
+          </a:p>
+          <a:p>
+            <a:pPr marL="342900" indent="-342900">
+              <a:buFont typeface="Arial"/>
+              <a:buChar char="•"/>
+            </a:pPr>
+            <a:r>
+              <a:rPr lang="en-US" sz="2400" b="1" dirty="0">
+                <a:solidFill>
+                  <a:schemeClr val="accent1"/>
+                </a:solidFill>
+                <a:latin typeface="Cambria" panose="02040503050406030204" pitchFamily="18" charset="0"/>
+              </a:rPr>
+              <a:t>FALLABLE THOUGH IT IS JUDGEMENT SHOULD NOT BE REPLACED BY MACHINE IN SOME AREAS</a:t>
+            </a:r>
+            <a:br>
+              <a:rPr lang="en-US" sz="2400" b="1" dirty="0">
+                <a:solidFill>
+                  <a:schemeClr val="accent1"/>
+                </a:solidFill>
+                <a:latin typeface="Cambria" panose="02040503050406030204" pitchFamily="18" charset="0"/>
+              </a:rPr>
+            </a:br>
+            <a:endParaRPr lang="en-US" sz="2400" b="1" dirty="0">
+              <a:solidFill>
+                <a:schemeClr val="accent1"/>
+              </a:solidFill>
+              <a:latin typeface="Cambria" panose="02040503050406030204" pitchFamily="18" charset="0"/>
+            </a:endParaRPr>
+          </a:p>
+        </p:txBody>
+      </p:sp>
     </p:spTree>
     <p:extLst>
       <p:ext uri="{BB962C8B-B14F-4D97-AF65-F5344CB8AC3E}">
-        <p14:creationId xmlns:p14="http://schemas.microsoft.com/office/powerpoint/2010/main" val="1604022993"/>
+        <p14:creationId xmlns:p14="http://schemas.microsoft.com/office/powerpoint/2010/main" val="1189515547"/>
       </p:ext>
     </p:extLst>
   </p:cSld>
@@ -6515,7 +5124,7 @@
         <p:spPr>
           <a:xfrm>
             <a:off x="1271768" y="1115051"/>
-            <a:ext cx="9196386" cy="553998"/>
+            <a:ext cx="9196386" cy="630942"/>
           </a:xfrm>
           <a:prstGeom prst="rect">
             <a:avLst/>
@@ -6529,69 +5138,29 @@
           <a:lstStyle/>
           <a:p>
             <a:r>
-              <a:rPr lang="en-US" sz="3000" b="1" dirty="0">
-                <a:solidFill>
-                  <a:schemeClr val="accent1"/>
-                </a:solidFill>
-                <a:latin typeface="Cambria" panose="02040503050406030204" pitchFamily="18" charset="0"/>
-              </a:rPr>
-              <a:t>AIR QUALITY PREDICTION</a:t>
-            </a:r>
-          </a:p>
-        </p:txBody>
-      </p:sp>
-      <p:sp>
-        <p:nvSpPr>
-          <p:cNvPr id="3" name="Rectangle 2">
-            <a:extLst>
-              <a:ext uri="{FF2B5EF4-FFF2-40B4-BE49-F238E27FC236}">
-                <a16:creationId xmlns:a16="http://schemas.microsoft.com/office/drawing/2014/main" id="{FD0260EC-A37A-7740-9796-33553F873E40}"/>
-              </a:ext>
-            </a:extLst>
-          </p:cNvPr>
-          <p:cNvSpPr/>
-          <p:nvPr/>
-        </p:nvSpPr>
-        <p:spPr>
-          <a:xfrm>
-            <a:off x="1402080" y="5636452"/>
-            <a:ext cx="4152227" cy="369332"/>
-          </a:xfrm>
-          <a:prstGeom prst="rect">
-            <a:avLst/>
-          </a:prstGeom>
-        </p:spPr>
-        <p:txBody>
-          <a:bodyPr wrap="none">
-            <a:spAutoFit/>
-          </a:bodyPr>
-          <a:lstStyle/>
-          <a:p>
-            <a:r>
-              <a:rPr lang="fr-FR" dirty="0">
-                <a:hlinkClick r:id="rId3"/>
-              </a:rPr>
-              <a:t>https://</a:t>
-            </a:r>
-            <a:r>
-              <a:rPr lang="fr-FR" dirty="0" err="1">
-                <a:hlinkClick r:id="rId3"/>
-              </a:rPr>
-              <a:t>www.kaggle.com</a:t>
-            </a:r>
-            <a:r>
-              <a:rPr lang="fr-FR" dirty="0">
-                <a:hlinkClick r:id="rId3"/>
-              </a:rPr>
-              <a:t>/c/</a:t>
-            </a:r>
-            <a:r>
-              <a:rPr lang="fr-FR" dirty="0" err="1">
-                <a:hlinkClick r:id="rId3"/>
-              </a:rPr>
-              <a:t>dsg-hackathon</a:t>
-            </a:r>
-            <a:endParaRPr lang="fr-FR" dirty="0"/>
+              <a:rPr lang="en-US" sz="3500" b="1" dirty="0">
+                <a:solidFill>
+                  <a:schemeClr val="accent1"/>
+                </a:solidFill>
+                <a:latin typeface="Cambria" panose="02040503050406030204" pitchFamily="18" charset="0"/>
+              </a:rPr>
+              <a:t>HUMAN BIAS AND </a:t>
+            </a:r>
+            <a:r>
+              <a:rPr lang="en-US" sz="3500" b="1" dirty="0" err="1">
+                <a:solidFill>
+                  <a:schemeClr val="accent1"/>
+                </a:solidFill>
+                <a:latin typeface="Cambria" panose="02040503050406030204" pitchFamily="18" charset="0"/>
+              </a:rPr>
+              <a:t>WoMD</a:t>
+            </a:r>
+            <a:endParaRPr lang="en-US" sz="3500" b="1" dirty="0">
+              <a:solidFill>
+                <a:schemeClr val="accent1"/>
+              </a:solidFill>
+              <a:latin typeface="Cambria" panose="02040503050406030204" pitchFamily="18" charset="0"/>
+            </a:endParaRPr>
           </a:p>
         </p:txBody>
       </p:sp>
@@ -6600,7 +5169,7 @@
           <p:cNvPr id="2" name="Picture 1">
             <a:extLst>
               <a:ext uri="{FF2B5EF4-FFF2-40B4-BE49-F238E27FC236}">
-                <a16:creationId xmlns:a16="http://schemas.microsoft.com/office/drawing/2014/main" id="{F9340A44-94E0-6E4A-9AF4-E02BB8215BD2}"/>
+                <a16:creationId xmlns:a16="http://schemas.microsoft.com/office/drawing/2014/main" id="{61FE939B-C429-2C41-82C6-BF51DC933770}"/>
               </a:ext>
             </a:extLst>
           </p:cNvPr>
@@ -6610,15 +5179,15 @@
           <p:nvPr/>
         </p:nvPicPr>
         <p:blipFill>
-          <a:blip r:embed="rId4"/>
+          <a:blip r:embed="rId3"/>
           <a:stretch>
             <a:fillRect/>
           </a:stretch>
         </p:blipFill>
         <p:spPr>
           <a:xfrm>
-            <a:off x="1271768" y="1941935"/>
-            <a:ext cx="10624457" cy="2732912"/>
+            <a:off x="1364900" y="1836420"/>
+            <a:ext cx="3016599" cy="4412032"/>
           </a:xfrm>
           <a:prstGeom prst="rect">
             <a:avLst/>
@@ -6628,7 +5197,7 @@
     </p:spTree>
     <p:extLst>
       <p:ext uri="{BB962C8B-B14F-4D97-AF65-F5344CB8AC3E}">
-        <p14:creationId xmlns:p14="http://schemas.microsoft.com/office/powerpoint/2010/main" val="521455019"/>
+        <p14:creationId xmlns:p14="http://schemas.microsoft.com/office/powerpoint/2010/main" val="556425727"/>
       </p:ext>
     </p:extLst>
   </p:cSld>
@@ -6696,198 +5265,21 @@
                 </a:solidFill>
                 <a:latin typeface="Cambria" panose="02040503050406030204" pitchFamily="18" charset="0"/>
               </a:rPr>
-              <a:t>ROBOTICS</a:t>
-            </a:r>
-          </a:p>
-        </p:txBody>
-      </p:sp>
-      <p:pic>
-        <p:nvPicPr>
-          <p:cNvPr id="4" name="Picture 3">
-            <a:extLst>
-              <a:ext uri="{FF2B5EF4-FFF2-40B4-BE49-F238E27FC236}">
-                <a16:creationId xmlns:a16="http://schemas.microsoft.com/office/drawing/2014/main" id="{F782BFD6-655C-714A-9DF6-9614BEA5B78B}"/>
-              </a:ext>
-            </a:extLst>
-          </p:cNvPr>
-          <p:cNvPicPr>
-            <a:picLocks noChangeAspect="1"/>
-          </p:cNvPicPr>
+              <a:t>SOME COMMON ISSUES</a:t>
+            </a:r>
+          </a:p>
+        </p:txBody>
+      </p:sp>
+      <p:sp>
+        <p:nvSpPr>
+          <p:cNvPr id="9" name="TextBox 8"/>
+          <p:cNvSpPr txBox="1"/>
           <p:nvPr/>
-        </p:nvPicPr>
-        <p:blipFill>
-          <a:blip r:embed="rId3"/>
-          <a:stretch>
-            <a:fillRect/>
-          </a:stretch>
-        </p:blipFill>
+        </p:nvSpPr>
         <p:spPr>
           <a:xfrm>
-            <a:off x="1271768" y="1793965"/>
-            <a:ext cx="3226560" cy="3635829"/>
-          </a:xfrm>
-          <a:prstGeom prst="rect">
-            <a:avLst/>
-          </a:prstGeom>
-        </p:spPr>
-      </p:pic>
-      <p:pic>
-        <p:nvPicPr>
-          <p:cNvPr id="5" name="Picture 4">
-            <a:extLst>
-              <a:ext uri="{FF2B5EF4-FFF2-40B4-BE49-F238E27FC236}">
-                <a16:creationId xmlns:a16="http://schemas.microsoft.com/office/drawing/2014/main" id="{1ED9DDF3-2A21-4646-89A5-D4CFB3C67F51}"/>
-              </a:ext>
-            </a:extLst>
-          </p:cNvPr>
-          <p:cNvPicPr>
-            <a:picLocks noChangeAspect="1"/>
-          </p:cNvPicPr>
-          <p:nvPr/>
-        </p:nvPicPr>
-        <p:blipFill>
-          <a:blip r:embed="rId4"/>
-          <a:stretch>
-            <a:fillRect/>
-          </a:stretch>
-        </p:blipFill>
-        <p:spPr>
-          <a:xfrm>
-            <a:off x="6445204" y="1847306"/>
-            <a:ext cx="2402705" cy="3571856"/>
-          </a:xfrm>
-          <a:prstGeom prst="rect">
-            <a:avLst/>
-          </a:prstGeom>
-        </p:spPr>
-      </p:pic>
-      <p:sp>
-        <p:nvSpPr>
-          <p:cNvPr id="6" name="Rectangle 5">
-            <a:extLst>
-              <a:ext uri="{FF2B5EF4-FFF2-40B4-BE49-F238E27FC236}">
-                <a16:creationId xmlns:a16="http://schemas.microsoft.com/office/drawing/2014/main" id="{90C31390-D44E-8745-A297-31FBA7A49FCF}"/>
-              </a:ext>
-            </a:extLst>
-          </p:cNvPr>
-          <p:cNvSpPr/>
-          <p:nvPr/>
-        </p:nvSpPr>
-        <p:spPr>
-          <a:xfrm>
-            <a:off x="1317822" y="5550488"/>
-            <a:ext cx="2815066" cy="307777"/>
-          </a:xfrm>
-          <a:prstGeom prst="rect">
-            <a:avLst/>
-          </a:prstGeom>
-        </p:spPr>
-        <p:txBody>
-          <a:bodyPr wrap="none">
-            <a:spAutoFit/>
-          </a:bodyPr>
-          <a:lstStyle/>
-          <a:p>
-            <a:r>
-              <a:rPr lang="fr-FR" sz="1400" dirty="0">
-                <a:solidFill>
-                  <a:srgbClr val="000000"/>
-                </a:solidFill>
-                <a:latin typeface="Verdana" panose="020B0604030504040204" pitchFamily="34" charset="0"/>
-                <a:hlinkClick r:id="rId5"/>
-              </a:rPr>
-              <a:t>https://</a:t>
-            </a:r>
-            <a:r>
-              <a:rPr lang="fr-FR" sz="1400" dirty="0" err="1">
-                <a:solidFill>
-                  <a:srgbClr val="000000"/>
-                </a:solidFill>
-                <a:latin typeface="Verdana" panose="020B0604030504040204" pitchFamily="34" charset="0"/>
-                <a:hlinkClick r:id="rId5"/>
-              </a:rPr>
-              <a:t>tinyurl.com</a:t>
-            </a:r>
-            <a:r>
-              <a:rPr lang="fr-FR" sz="1400" dirty="0">
-                <a:solidFill>
-                  <a:srgbClr val="000000"/>
-                </a:solidFill>
-                <a:latin typeface="Verdana" panose="020B0604030504040204" pitchFamily="34" charset="0"/>
-                <a:hlinkClick r:id="rId5"/>
-              </a:rPr>
-              <a:t>/y7v433fs</a:t>
-            </a:r>
-            <a:endParaRPr lang="fr-FR" sz="1400" dirty="0"/>
-          </a:p>
-        </p:txBody>
-      </p:sp>
-      <p:sp>
-        <p:nvSpPr>
-          <p:cNvPr id="7" name="Rectangle 6">
-            <a:hlinkClick r:id="rId6"/>
-            <a:extLst>
-              <a:ext uri="{FF2B5EF4-FFF2-40B4-BE49-F238E27FC236}">
-                <a16:creationId xmlns:a16="http://schemas.microsoft.com/office/drawing/2014/main" id="{B3C16FB0-0CBF-BC47-A6B4-D2ED86F75935}"/>
-              </a:ext>
-            </a:extLst>
-          </p:cNvPr>
-          <p:cNvSpPr/>
-          <p:nvPr/>
-        </p:nvSpPr>
-        <p:spPr>
-          <a:xfrm>
-            <a:off x="6318307" y="5499701"/>
-            <a:ext cx="3964099" cy="369332"/>
-          </a:xfrm>
-          <a:prstGeom prst="rect">
-            <a:avLst/>
-          </a:prstGeom>
-        </p:spPr>
-        <p:txBody>
-          <a:bodyPr wrap="none">
-            <a:spAutoFit/>
-          </a:bodyPr>
-          <a:lstStyle/>
-          <a:p>
-            <a:r>
-              <a:rPr lang="fr-FR" dirty="0">
-                <a:hlinkClick r:id="rId6"/>
-              </a:rPr>
-              <a:t>https://</a:t>
-            </a:r>
-            <a:r>
-              <a:rPr lang="fr-FR" dirty="0" err="1">
-                <a:hlinkClick r:id="rId6"/>
-              </a:rPr>
-              <a:t>www.bostondynamics.com</a:t>
-            </a:r>
-            <a:r>
-              <a:rPr lang="fr-FR" dirty="0">
-                <a:hlinkClick r:id="rId6"/>
-              </a:rPr>
-              <a:t>/atlas</a:t>
-            </a:r>
-            <a:endParaRPr lang="fr-FR" dirty="0"/>
-          </a:p>
-        </p:txBody>
-      </p:sp>
-      <p:sp>
-        <p:nvSpPr>
-          <p:cNvPr id="9" name="TextBox 8">
-            <a:extLst>
-              <a:ext uri="{FF2B5EF4-FFF2-40B4-BE49-F238E27FC236}">
-                <a16:creationId xmlns:a16="http://schemas.microsoft.com/office/drawing/2014/main" id="{16724368-C62A-7B4D-B6D1-DB7D756B5B1C}"/>
-              </a:ext>
-            </a:extLst>
-          </p:cNvPr>
-          <p:cNvSpPr txBox="1"/>
-          <p:nvPr/>
-        </p:nvSpPr>
-        <p:spPr>
-          <a:xfrm>
-            <a:off x="10888980" y="3649980"/>
-            <a:ext cx="343364" cy="369332"/>
+            <a:off x="1275701" y="1830236"/>
+            <a:ext cx="9909364" cy="3046988"/>
           </a:xfrm>
           <a:prstGeom prst="rect">
             <a:avLst/>
@@ -6895,22 +5287,132 @@
           <a:noFill/>
         </p:spPr>
         <p:txBody>
-          <a:bodyPr wrap="none" rtlCol="0">
+          <a:bodyPr wrap="square" rtlCol="0">
             <a:spAutoFit/>
           </a:bodyPr>
           <a:lstStyle/>
           <a:p>
-            <a:r>
-              <a:rPr lang="fr-FR" dirty="0"/>
+            <a:pPr marL="342900" indent="-342900">
+              <a:buFont typeface="Arial"/>
+              <a:buChar char="•"/>
+            </a:pPr>
+            <a:r>
+              <a:rPr lang="en-US" sz="2400" b="1" dirty="0">
+                <a:solidFill>
+                  <a:schemeClr val="accent1"/>
+                </a:solidFill>
+                <a:latin typeface="Cambria" panose="02040503050406030204" pitchFamily="18" charset="0"/>
+              </a:rPr>
+              <a:t>USING PROXY VARIABLE AS PREDICTORS</a:t>
+            </a:r>
+            <a:br>
+              <a:rPr lang="en-US" sz="2400" b="1" dirty="0">
+                <a:solidFill>
+                  <a:schemeClr val="accent1"/>
+                </a:solidFill>
+                <a:latin typeface="Cambria" panose="02040503050406030204" pitchFamily="18" charset="0"/>
+              </a:rPr>
+            </a:br>
+            <a:endParaRPr lang="en-US" sz="2400" b="1" dirty="0">
+              <a:solidFill>
+                <a:schemeClr val="accent1"/>
+              </a:solidFill>
+              <a:latin typeface="Cambria" panose="02040503050406030204" pitchFamily="18" charset="0"/>
+            </a:endParaRPr>
+          </a:p>
+          <a:p>
+            <a:pPr marL="342900" indent="-342900">
+              <a:buFont typeface="Arial"/>
+              <a:buChar char="•"/>
+            </a:pPr>
+            <a:r>
+              <a:rPr lang="en-US" sz="2400" b="1" dirty="0">
+                <a:solidFill>
+                  <a:schemeClr val="accent1"/>
+                </a:solidFill>
+                <a:latin typeface="Cambria" panose="02040503050406030204" pitchFamily="18" charset="0"/>
+              </a:rPr>
+              <a:t>NOT ENOUGH DATA OR NOT REPRESENTATIVE</a:t>
+            </a:r>
+            <a:br>
+              <a:rPr lang="en-US" sz="2400" b="1" dirty="0">
+                <a:solidFill>
+                  <a:schemeClr val="accent1"/>
+                </a:solidFill>
+                <a:latin typeface="Cambria" panose="02040503050406030204" pitchFamily="18" charset="0"/>
+              </a:rPr>
+            </a:br>
+            <a:endParaRPr lang="en-US" sz="2400" b="1" dirty="0">
+              <a:solidFill>
+                <a:schemeClr val="accent1"/>
+              </a:solidFill>
+              <a:latin typeface="Cambria" panose="02040503050406030204" pitchFamily="18" charset="0"/>
+            </a:endParaRPr>
+          </a:p>
+          <a:p>
+            <a:pPr marL="342900" indent="-342900">
+              <a:buFont typeface="Arial"/>
+              <a:buChar char="•"/>
+            </a:pPr>
+            <a:r>
+              <a:rPr lang="en-US" sz="2400" b="1" dirty="0">
+                <a:solidFill>
+                  <a:schemeClr val="accent1"/>
+                </a:solidFill>
+                <a:latin typeface="Cambria" panose="02040503050406030204" pitchFamily="18" charset="0"/>
+              </a:rPr>
+              <a:t>PREDICTOR CHOICES BIASED BY IDEOLOGY, CONFIRMATION BIAS</a:t>
+            </a:r>
+            <a:br>
+              <a:rPr lang="en-US" sz="2400" b="1" dirty="0">
+                <a:solidFill>
+                  <a:schemeClr val="accent1"/>
+                </a:solidFill>
+                <a:latin typeface="Cambria" panose="02040503050406030204" pitchFamily="18" charset="0"/>
+              </a:rPr>
+            </a:br>
+            <a:endParaRPr lang="en-US" sz="2400" b="1" dirty="0">
+              <a:solidFill>
+                <a:schemeClr val="accent1"/>
+              </a:solidFill>
+              <a:latin typeface="Cambria" panose="02040503050406030204" pitchFamily="18" charset="0"/>
+            </a:endParaRPr>
+          </a:p>
+          <a:p>
+            <a:pPr marL="342900" indent="-342900">
+              <a:buFont typeface="Arial"/>
+              <a:buChar char="•"/>
+            </a:pPr>
+            <a:r>
+              <a:rPr lang="en-US" sz="2400" b="1" dirty="0">
+                <a:solidFill>
+                  <a:schemeClr val="accent1"/>
+                </a:solidFill>
+                <a:latin typeface="Cambria" panose="02040503050406030204" pitchFamily="18" charset="0"/>
+              </a:rPr>
               <a:t>…</a:t>
             </a:r>
+            <a:br>
+              <a:rPr lang="en-US" sz="2400" dirty="0">
+                <a:solidFill>
+                  <a:schemeClr val="accent1"/>
+                </a:solidFill>
+                <a:latin typeface="Cambria" panose="02040503050406030204" pitchFamily="18" charset="0"/>
+              </a:rPr>
+            </a:br>
+            <a:endParaRPr lang="en-US" sz="2400" dirty="0">
+              <a:solidFill>
+                <a:schemeClr val="accent1"/>
+              </a:solidFill>
+              <a:latin typeface="Cambria" panose="02040503050406030204" pitchFamily="18" charset="0"/>
+            </a:endParaRPr>
           </a:p>
         </p:txBody>
       </p:sp>
     </p:spTree>
     <p:extLst>
       <p:ext uri="{BB962C8B-B14F-4D97-AF65-F5344CB8AC3E}">
-        <p14:creationId xmlns:p14="http://schemas.microsoft.com/office/powerpoint/2010/main" val="1189528150"/>
+        <p14:creationId xmlns:p14="http://schemas.microsoft.com/office/powerpoint/2010/main" val="1144296558"/>
       </p:ext>
     </p:extLst>
   </p:cSld>
@@ -6958,7 +5460,7 @@
         <p:spPr>
           <a:xfrm>
             <a:off x="1271768" y="1115051"/>
-            <a:ext cx="9196386" cy="553998"/>
+            <a:ext cx="9196386" cy="630942"/>
           </a:xfrm>
           <a:prstGeom prst="rect">
             <a:avLst/>
@@ -6972,23 +5474,23 @@
           <a:lstStyle/>
           <a:p>
             <a:r>
-              <a:rPr lang="en-US" sz="3000" b="1" dirty="0">
-                <a:solidFill>
-                  <a:schemeClr val="accent1"/>
-                </a:solidFill>
-                <a:latin typeface="Cambria" panose="02040503050406030204" pitchFamily="18" charset="0"/>
-              </a:rPr>
-              <a:t>PHYSICS</a:t>
+              <a:rPr lang="en-US" sz="3500" b="1" dirty="0">
+                <a:solidFill>
+                  <a:schemeClr val="accent1"/>
+                </a:solidFill>
+                <a:latin typeface="Cambria" panose="02040503050406030204" pitchFamily="18" charset="0"/>
+              </a:rPr>
+              <a:t>SURPRISING CREATIVITY</a:t>
             </a:r>
           </a:p>
         </p:txBody>
       </p:sp>
       <p:pic>
         <p:nvPicPr>
-          <p:cNvPr id="2" name="Picture 1">
+          <p:cNvPr id="3" name="Picture 2">
             <a:extLst>
               <a:ext uri="{FF2B5EF4-FFF2-40B4-BE49-F238E27FC236}">
-                <a16:creationId xmlns:a16="http://schemas.microsoft.com/office/drawing/2014/main" id="{5DB67D06-7A97-284D-9B69-190EE27E1454}"/>
+                <a16:creationId xmlns:a16="http://schemas.microsoft.com/office/drawing/2014/main" id="{FDB82490-863A-AC47-B981-32E3E038D9E3}"/>
               </a:ext>
             </a:extLst>
           </p:cNvPr>
@@ -7005,8 +5507,8 @@
         </p:blipFill>
         <p:spPr>
           <a:xfrm>
-            <a:off x="1226048" y="1890763"/>
-            <a:ext cx="9875521" cy="3177341"/>
+            <a:off x="1271768" y="1858010"/>
+            <a:ext cx="8559800" cy="3111500"/>
           </a:xfrm>
           <a:prstGeom prst="rect">
             <a:avLst/>
@@ -7015,10 +5517,10 @@
       </p:pic>
       <p:sp>
         <p:nvSpPr>
-          <p:cNvPr id="3" name="Rectangle 2">
+          <p:cNvPr id="4" name="Rectangle 3">
             <a:extLst>
               <a:ext uri="{FF2B5EF4-FFF2-40B4-BE49-F238E27FC236}">
-                <a16:creationId xmlns:a16="http://schemas.microsoft.com/office/drawing/2014/main" id="{A5D3D42E-E11C-F641-BE92-65EAFBACB755}"/>
+                <a16:creationId xmlns:a16="http://schemas.microsoft.com/office/drawing/2014/main" id="{A8AEDB6F-5F36-8145-BD54-8E9D2FC0F92D}"/>
               </a:ext>
             </a:extLst>
           </p:cNvPr>
@@ -7027,8 +5529,8 @@
         </p:nvSpPr>
         <p:spPr>
           <a:xfrm>
-            <a:off x="1271768" y="5369225"/>
-            <a:ext cx="4690515" cy="369332"/>
+            <a:off x="1483089" y="5347454"/>
+            <a:ext cx="3312702" cy="369332"/>
           </a:xfrm>
           <a:prstGeom prst="rect">
             <a:avLst/>
@@ -7050,19 +5552,92 @@
               <a:rPr lang="fr-FR" dirty="0" err="1">
                 <a:hlinkClick r:id="rId4"/>
               </a:rPr>
-              <a:t>physicsml.github.io</a:t>
+              <a:t>arxiv.org</a:t>
             </a:r>
             <a:r>
               <a:rPr lang="fr-FR" dirty="0">
                 <a:hlinkClick r:id="rId4"/>
               </a:rPr>
-              <a:t>/pages/</a:t>
+              <a:t>/abs/1803.03453</a:t>
+            </a:r>
+            <a:endParaRPr lang="fr-FR" dirty="0"/>
+          </a:p>
+        </p:txBody>
+      </p:sp>
+      <p:sp>
+        <p:nvSpPr>
+          <p:cNvPr id="5" name="Rectangle 4">
+            <a:extLst>
+              <a:ext uri="{FF2B5EF4-FFF2-40B4-BE49-F238E27FC236}">
+                <a16:creationId xmlns:a16="http://schemas.microsoft.com/office/drawing/2014/main" id="{BC855DAA-90C7-D648-9809-008C3E67ADEF}"/>
+              </a:ext>
+            </a:extLst>
+          </p:cNvPr>
+          <p:cNvSpPr/>
+          <p:nvPr/>
+        </p:nvSpPr>
+        <p:spPr>
+          <a:xfrm>
+            <a:off x="1483089" y="5725398"/>
+            <a:ext cx="7353300" cy="369332"/>
+          </a:xfrm>
+          <a:prstGeom prst="rect">
+            <a:avLst/>
+          </a:prstGeom>
+        </p:spPr>
+        <p:txBody>
+          <a:bodyPr wrap="square">
+            <a:spAutoFit/>
+          </a:bodyPr>
+          <a:lstStyle/>
+          <a:p>
+            <a:r>
+              <a:rPr lang="fr-FR" dirty="0">
+                <a:hlinkClick r:id="rId5"/>
+              </a:rPr>
+              <a:t>https://</a:t>
             </a:r>
             <a:r>
               <a:rPr lang="fr-FR" dirty="0" err="1">
-                <a:hlinkClick r:id="rId4"/>
-              </a:rPr>
-              <a:t>papers.html</a:t>
+                <a:hlinkClick r:id="rId5"/>
+              </a:rPr>
+              <a:t>www.youtube.com</a:t>
+            </a:r>
+            <a:r>
+              <a:rPr lang="fr-FR" dirty="0">
+                <a:hlinkClick r:id="rId5"/>
+              </a:rPr>
+              <a:t>/</a:t>
+            </a:r>
+            <a:r>
+              <a:rPr lang="fr-FR" dirty="0" err="1">
+                <a:hlinkClick r:id="rId5"/>
+              </a:rPr>
+              <a:t>watch?v</a:t>
+            </a:r>
+            <a:r>
+              <a:rPr lang="fr-FR" dirty="0">
+                <a:hlinkClick r:id="rId5"/>
+              </a:rPr>
+              <a:t>=</a:t>
+            </a:r>
+            <a:r>
+              <a:rPr lang="fr-FR" dirty="0" err="1">
+                <a:hlinkClick r:id="rId5"/>
+              </a:rPr>
+              <a:t>GdTBqBnqhaQ&amp;feature</a:t>
+            </a:r>
+            <a:r>
+              <a:rPr lang="fr-FR" dirty="0">
+                <a:hlinkClick r:id="rId5"/>
+              </a:rPr>
+              <a:t>=</a:t>
+            </a:r>
+            <a:r>
+              <a:rPr lang="fr-FR" dirty="0" err="1">
+                <a:hlinkClick r:id="rId5"/>
+              </a:rPr>
+              <a:t>youtu.be</a:t>
             </a:r>
             <a:endParaRPr lang="fr-FR" dirty="0"/>
           </a:p>
@@ -7071,7 +5646,7 @@
     </p:spTree>
     <p:extLst>
       <p:ext uri="{BB962C8B-B14F-4D97-AF65-F5344CB8AC3E}">
-        <p14:creationId xmlns:p14="http://schemas.microsoft.com/office/powerpoint/2010/main" val="3731200693"/>
+        <p14:creationId xmlns:p14="http://schemas.microsoft.com/office/powerpoint/2010/main" val="1454547491"/>
       </p:ext>
     </p:extLst>
   </p:cSld>
@@ -7119,7 +5694,7 @@
         <p:spPr>
           <a:xfrm>
             <a:off x="1271768" y="1115051"/>
-            <a:ext cx="9196386" cy="553998"/>
+            <a:ext cx="9196386" cy="630942"/>
           </a:xfrm>
           <a:prstGeom prst="rect">
             <a:avLst/>
@@ -7133,100 +5708,21 @@
           <a:lstStyle/>
           <a:p>
             <a:r>
-              <a:rPr lang="en-US" sz="3000" b="1" dirty="0">
-                <a:solidFill>
-                  <a:schemeClr val="accent1"/>
-                </a:solidFill>
-                <a:latin typeface="Cambria" panose="02040503050406030204" pitchFamily="18" charset="0"/>
-              </a:rPr>
-              <a:t>MUSIC</a:t>
-            </a:r>
-          </a:p>
-        </p:txBody>
-      </p:sp>
-      <p:sp>
-        <p:nvSpPr>
-          <p:cNvPr id="3" name="Rectangle 2">
-            <a:extLst>
-              <a:ext uri="{FF2B5EF4-FFF2-40B4-BE49-F238E27FC236}">
-                <a16:creationId xmlns:a16="http://schemas.microsoft.com/office/drawing/2014/main" id="{A5D3D42E-E11C-F641-BE92-65EAFBACB755}"/>
-              </a:ext>
-            </a:extLst>
-          </p:cNvPr>
-          <p:cNvSpPr/>
-          <p:nvPr/>
-        </p:nvSpPr>
-        <p:spPr>
-          <a:xfrm>
-            <a:off x="1271768" y="5369225"/>
-            <a:ext cx="3243837" cy="369332"/>
-          </a:xfrm>
-          <a:prstGeom prst="rect">
-            <a:avLst/>
-          </a:prstGeom>
-        </p:spPr>
-        <p:txBody>
-          <a:bodyPr wrap="none">
-            <a:spAutoFit/>
-          </a:bodyPr>
-          <a:lstStyle/>
-          <a:p>
-            <a:r>
-              <a:rPr lang="fr-FR" dirty="0">
-                <a:hlinkClick r:id="rId3"/>
-              </a:rPr>
-              <a:t>https://</a:t>
-            </a:r>
-            <a:r>
-              <a:rPr lang="fr-FR" dirty="0" err="1">
-                <a:hlinkClick r:id="rId3"/>
-              </a:rPr>
-              <a:t>magenta.tensorflow.org</a:t>
-            </a:r>
-            <a:r>
-              <a:rPr lang="fr-FR" dirty="0">
-                <a:hlinkClick r:id="rId3"/>
-              </a:rPr>
-              <a:t>/</a:t>
-            </a:r>
-            <a:endParaRPr lang="fr-FR" dirty="0"/>
-          </a:p>
-        </p:txBody>
-      </p:sp>
-      <p:pic>
-        <p:nvPicPr>
-          <p:cNvPr id="4" name="Picture 3">
-            <a:extLst>
-              <a:ext uri="{FF2B5EF4-FFF2-40B4-BE49-F238E27FC236}">
-                <a16:creationId xmlns:a16="http://schemas.microsoft.com/office/drawing/2014/main" id="{56437074-A608-664D-ADCE-C1F865817E3B}"/>
-              </a:ext>
-            </a:extLst>
-          </p:cNvPr>
-          <p:cNvPicPr>
-            <a:picLocks noChangeAspect="1"/>
-          </p:cNvPicPr>
-          <p:nvPr/>
-        </p:nvPicPr>
-        <p:blipFill>
-          <a:blip r:embed="rId4"/>
-          <a:stretch>
-            <a:fillRect/>
-          </a:stretch>
-        </p:blipFill>
-        <p:spPr>
-          <a:xfrm>
-            <a:off x="1371600" y="1943430"/>
-            <a:ext cx="5782490" cy="2891245"/>
-          </a:xfrm>
-          <a:prstGeom prst="rect">
-            <a:avLst/>
-          </a:prstGeom>
-        </p:spPr>
-      </p:pic>
+              <a:rPr lang="en-US" sz="3500" b="1" dirty="0">
+                <a:solidFill>
+                  <a:schemeClr val="accent1"/>
+                </a:solidFill>
+                <a:latin typeface="Cambria" panose="02040503050406030204" pitchFamily="18" charset="0"/>
+              </a:rPr>
+              <a:t>PUBLIC DEBATES NEED TO RALLY</a:t>
+            </a:r>
+          </a:p>
+        </p:txBody>
+      </p:sp>
     </p:spTree>
     <p:extLst>
       <p:ext uri="{BB962C8B-B14F-4D97-AF65-F5344CB8AC3E}">
-        <p14:creationId xmlns:p14="http://schemas.microsoft.com/office/powerpoint/2010/main" val="996350663"/>
+        <p14:creationId xmlns:p14="http://schemas.microsoft.com/office/powerpoint/2010/main" val="756983381"/>
       </p:ext>
     </p:extLst>
   </p:cSld>
@@ -7294,27 +5790,21 @@
                 </a:solidFill>
                 <a:latin typeface="Cambria" panose="02040503050406030204" pitchFamily="18" charset="0"/>
               </a:rPr>
-              <a:t>AN ENDLESS LIST …</a:t>
-            </a:r>
-          </a:p>
-        </p:txBody>
-      </p:sp>
-      <p:sp>
-        <p:nvSpPr>
-          <p:cNvPr id="6" name="TextBox 5">
-            <a:extLst>
-              <a:ext uri="{FF2B5EF4-FFF2-40B4-BE49-F238E27FC236}">
-                <a16:creationId xmlns:a16="http://schemas.microsoft.com/office/drawing/2014/main" id="{736F8010-8014-4347-83CB-7A1060DF2BD5}"/>
-              </a:ext>
-            </a:extLst>
-          </p:cNvPr>
+              <a:t>SOCIETY AT LARGE &amp; RISK AWARENESS	</a:t>
+            </a:r>
+          </a:p>
+        </p:txBody>
+      </p:sp>
+      <p:sp>
+        <p:nvSpPr>
+          <p:cNvPr id="9" name="TextBox 8"/>
           <p:cNvSpPr txBox="1"/>
           <p:nvPr/>
         </p:nvSpPr>
         <p:spPr>
           <a:xfrm>
             <a:off x="1275701" y="1830236"/>
-            <a:ext cx="9909364" cy="2677656"/>
+            <a:ext cx="9909364" cy="5632311"/>
           </a:xfrm>
           <a:prstGeom prst="rect">
             <a:avLst/>
@@ -7338,7 +5828,7 @@
                 </a:solidFill>
                 <a:latin typeface="Cambria" panose="02040503050406030204" pitchFamily="18" charset="0"/>
               </a:rPr>
-              <a:t>VIRTUAL ASSISTANT</a:t>
+              <a:t>EDUCATION</a:t>
             </a:r>
             <a:br>
               <a:rPr lang="en-US" sz="2400" b="1" dirty="0">
@@ -7367,7 +5857,7 @@
                 </a:solidFill>
                 <a:latin typeface="Cambria" panose="02040503050406030204" pitchFamily="18" charset="0"/>
               </a:rPr>
-              <a:t>AUTONOMOUS VEHICLES</a:t>
+              <a:t>PUBLIC AUTHORITIES [CERTIFIED PUBLIC EXPERT AUDIT …]</a:t>
             </a:r>
             <a:br>
               <a:rPr lang="en-US" sz="2400" b="1" dirty="0">
@@ -7396,6 +5886,122 @@
                 </a:solidFill>
                 <a:latin typeface="Cambria" panose="02040503050406030204" pitchFamily="18" charset="0"/>
               </a:rPr>
+              <a:t>SCIENTIFIC COMMUNITY</a:t>
+            </a:r>
+            <a:br>
+              <a:rPr lang="en-US" sz="2400" b="1" dirty="0">
+                <a:solidFill>
+                  <a:schemeClr val="accent1"/>
+                </a:solidFill>
+                <a:latin typeface="Cambria" panose="02040503050406030204" pitchFamily="18" charset="0"/>
+              </a:rPr>
+            </a:br>
+            <a:endParaRPr lang="en-US" sz="2400" b="1" dirty="0">
+              <a:solidFill>
+                <a:schemeClr val="accent1"/>
+              </a:solidFill>
+              <a:latin typeface="Cambria" panose="02040503050406030204" pitchFamily="18" charset="0"/>
+            </a:endParaRPr>
+          </a:p>
+          <a:p>
+            <a:pPr marL="342900" indent="-342900">
+              <a:buFont typeface="Arial"/>
+              <a:buChar char="•"/>
+            </a:pPr>
+            <a:r>
+              <a:rPr lang="en-US" sz="2400" b="1" dirty="0">
+                <a:solidFill>
+                  <a:schemeClr val="accent1"/>
+                </a:solidFill>
+                <a:latin typeface="Cambria" panose="02040503050406030204" pitchFamily="18" charset="0"/>
+              </a:rPr>
+              <a:t>INDUSTRY: ETHICS BY DESIGN [RIGHT QUESTION RIGH TIME]</a:t>
+            </a:r>
+            <a:br>
+              <a:rPr lang="en-US" sz="2400" b="1" dirty="0">
+                <a:solidFill>
+                  <a:schemeClr val="accent1"/>
+                </a:solidFill>
+                <a:latin typeface="Cambria" panose="02040503050406030204" pitchFamily="18" charset="0"/>
+              </a:rPr>
+            </a:br>
+            <a:endParaRPr lang="en-US" sz="2400" b="1" dirty="0">
+              <a:solidFill>
+                <a:schemeClr val="accent1"/>
+              </a:solidFill>
+              <a:latin typeface="Cambria" panose="02040503050406030204" pitchFamily="18" charset="0"/>
+            </a:endParaRPr>
+          </a:p>
+          <a:p>
+            <a:pPr marL="342900" indent="-342900">
+              <a:buFont typeface="Arial"/>
+              <a:buChar char="•"/>
+            </a:pPr>
+            <a:r>
+              <a:rPr lang="en-US" sz="2400" b="1" dirty="0">
+                <a:solidFill>
+                  <a:schemeClr val="accent1"/>
+                </a:solidFill>
+                <a:latin typeface="Cambria" panose="02040503050406030204" pitchFamily="18" charset="0"/>
+              </a:rPr>
+              <a:t>BUSINESS OWNERS</a:t>
+            </a:r>
+            <a:br>
+              <a:rPr lang="en-US" sz="2400" b="1" dirty="0">
+                <a:solidFill>
+                  <a:schemeClr val="accent1"/>
+                </a:solidFill>
+                <a:latin typeface="Cambria" panose="02040503050406030204" pitchFamily="18" charset="0"/>
+              </a:rPr>
+            </a:br>
+            <a:endParaRPr lang="en-US" sz="2400" b="1" dirty="0">
+              <a:solidFill>
+                <a:schemeClr val="accent1"/>
+              </a:solidFill>
+              <a:latin typeface="Cambria" panose="02040503050406030204" pitchFamily="18" charset="0"/>
+            </a:endParaRPr>
+          </a:p>
+          <a:p>
+            <a:pPr marL="342900" indent="-342900">
+              <a:buFont typeface="Arial"/>
+              <a:buChar char="•"/>
+            </a:pPr>
+            <a:r>
+              <a:rPr lang="en-US" sz="2400" b="1" dirty="0">
+                <a:solidFill>
+                  <a:schemeClr val="accent1"/>
+                </a:solidFill>
+                <a:latin typeface="Cambria" panose="02040503050406030204" pitchFamily="18" charset="0"/>
+              </a:rPr>
+              <a:t>CIVIL SOCIETY</a:t>
+            </a:r>
+            <a:br>
+              <a:rPr lang="en-US" sz="2400" b="1" dirty="0">
+                <a:solidFill>
+                  <a:schemeClr val="accent1"/>
+                </a:solidFill>
+                <a:latin typeface="Cambria" panose="02040503050406030204" pitchFamily="18" charset="0"/>
+              </a:rPr>
+            </a:br>
+            <a:endParaRPr lang="en-US" sz="2400" b="1" dirty="0">
+              <a:solidFill>
+                <a:schemeClr val="accent1"/>
+              </a:solidFill>
+              <a:latin typeface="Cambria" panose="02040503050406030204" pitchFamily="18" charset="0"/>
+            </a:endParaRPr>
+          </a:p>
+          <a:p>
+            <a:pPr marL="342900" indent="-342900">
+              <a:buFont typeface="Arial"/>
+              <a:buChar char="•"/>
+            </a:pPr>
+            <a:r>
+              <a:rPr lang="en-US" sz="2400" b="1" dirty="0">
+                <a:solidFill>
+                  <a:schemeClr val="accent1"/>
+                </a:solidFill>
+                <a:latin typeface="Cambria" panose="02040503050406030204" pitchFamily="18" charset="0"/>
+              </a:rPr>
               <a:t>…</a:t>
             </a:r>
             <a:br>
@@ -7426,7 +6032,7 @@
     </p:spTree>
     <p:extLst>
       <p:ext uri="{BB962C8B-B14F-4D97-AF65-F5344CB8AC3E}">
-        <p14:creationId xmlns:p14="http://schemas.microsoft.com/office/powerpoint/2010/main" val="3866194229"/>
+        <p14:creationId xmlns:p14="http://schemas.microsoft.com/office/powerpoint/2010/main" val="3340402887"/>
       </p:ext>
     </p:extLst>
   </p:cSld>
@@ -7474,185 +6080,6 @@
         <p:spPr>
           <a:xfrm>
             <a:off x="1271768" y="1115051"/>
-            <a:ext cx="9196386" cy="553998"/>
-          </a:xfrm>
-          <a:prstGeom prst="rect">
-            <a:avLst/>
-          </a:prstGeom>
-          <a:noFill/>
-        </p:spPr>
-        <p:txBody>
-          <a:bodyPr wrap="square" rtlCol="0">
-            <a:spAutoFit/>
-          </a:bodyPr>
-          <a:lstStyle/>
-          <a:p>
-            <a:r>
-              <a:rPr lang="en-US" sz="3000" b="1" dirty="0">
-                <a:solidFill>
-                  <a:schemeClr val="accent1"/>
-                </a:solidFill>
-                <a:latin typeface="Cambria" panose="02040503050406030204" pitchFamily="18" charset="0"/>
-              </a:rPr>
-              <a:t>THE HUMAN-LEVEL PERFORMANCE BENCHMARK</a:t>
-            </a:r>
-          </a:p>
-        </p:txBody>
-      </p:sp>
-      <p:sp>
-        <p:nvSpPr>
-          <p:cNvPr id="4" name="TextBox 3">
-            <a:extLst>
-              <a:ext uri="{FF2B5EF4-FFF2-40B4-BE49-F238E27FC236}">
-                <a16:creationId xmlns:a16="http://schemas.microsoft.com/office/drawing/2014/main" id="{BFA4EAD2-645E-0C44-9E2A-41854CF0875D}"/>
-              </a:ext>
-            </a:extLst>
-          </p:cNvPr>
-          <p:cNvSpPr txBox="1"/>
-          <p:nvPr/>
-        </p:nvSpPr>
-        <p:spPr>
-          <a:xfrm>
-            <a:off x="1275701" y="1830236"/>
-            <a:ext cx="9909364" cy="2308324"/>
-          </a:xfrm>
-          <a:prstGeom prst="rect">
-            <a:avLst/>
-          </a:prstGeom>
-          <a:noFill/>
-        </p:spPr>
-        <p:txBody>
-          <a:bodyPr wrap="square" rtlCol="0">
-            <a:spAutoFit/>
-          </a:bodyPr>
-          <a:lstStyle/>
-          <a:p>
-            <a:pPr marL="342900" indent="-342900">
-              <a:buFont typeface="Arial"/>
-              <a:buChar char="•"/>
-            </a:pPr>
-            <a:r>
-              <a:rPr lang="en-US" sz="2400" b="1" dirty="0">
-                <a:solidFill>
-                  <a:schemeClr val="accent1"/>
-                </a:solidFill>
-                <a:latin typeface="Cambria" panose="02040503050406030204" pitchFamily="18" charset="0"/>
-              </a:rPr>
-              <a:t>WHERE AI BEATS HUMAN</a:t>
-            </a:r>
-            <a:br>
-              <a:rPr lang="en-US" sz="2400" b="1" dirty="0">
-                <a:solidFill>
-                  <a:schemeClr val="accent1"/>
-                </a:solidFill>
-                <a:latin typeface="Cambria" panose="02040503050406030204" pitchFamily="18" charset="0"/>
-              </a:rPr>
-            </a:br>
-            <a:br>
-              <a:rPr lang="en-US" sz="2400" b="1" dirty="0">
-                <a:solidFill>
-                  <a:schemeClr val="accent1"/>
-                </a:solidFill>
-                <a:latin typeface="Cambria" panose="02040503050406030204" pitchFamily="18" charset="0"/>
-              </a:rPr>
-            </a:br>
-            <a:endParaRPr lang="en-US" sz="2400" b="1" dirty="0">
-              <a:solidFill>
-                <a:schemeClr val="accent1"/>
-              </a:solidFill>
-              <a:latin typeface="Cambria" panose="02040503050406030204" pitchFamily="18" charset="0"/>
-            </a:endParaRPr>
-          </a:p>
-          <a:p>
-            <a:pPr marL="342900" indent="-342900">
-              <a:buFont typeface="Arial"/>
-              <a:buChar char="•"/>
-            </a:pPr>
-            <a:r>
-              <a:rPr lang="en-US" sz="2400" b="1" dirty="0">
-                <a:solidFill>
-                  <a:schemeClr val="accent1"/>
-                </a:solidFill>
-                <a:latin typeface="Cambria" panose="02040503050406030204" pitchFamily="18" charset="0"/>
-              </a:rPr>
-              <a:t>ARTIFICIAL GENERAL INTELLIGENCE vs. NARROW AI</a:t>
-            </a:r>
-            <a:br>
-              <a:rPr lang="en-US" sz="2400" b="1" dirty="0">
-                <a:solidFill>
-                  <a:schemeClr val="accent1"/>
-                </a:solidFill>
-                <a:latin typeface="Cambria" panose="02040503050406030204" pitchFamily="18" charset="0"/>
-              </a:rPr>
-            </a:br>
-            <a:br>
-              <a:rPr lang="en-US" sz="2400" dirty="0">
-                <a:solidFill>
-                  <a:schemeClr val="accent1"/>
-                </a:solidFill>
-                <a:latin typeface="Cambria" panose="02040503050406030204" pitchFamily="18" charset="0"/>
-              </a:rPr>
-            </a:br>
-            <a:endParaRPr lang="en-US" sz="2400" dirty="0">
-              <a:solidFill>
-                <a:schemeClr val="accent1"/>
-              </a:solidFill>
-              <a:latin typeface="Cambria" panose="02040503050406030204" pitchFamily="18" charset="0"/>
-            </a:endParaRPr>
-          </a:p>
-        </p:txBody>
-      </p:sp>
-    </p:spTree>
-    <p:extLst>
-      <p:ext uri="{BB962C8B-B14F-4D97-AF65-F5344CB8AC3E}">
-        <p14:creationId xmlns:p14="http://schemas.microsoft.com/office/powerpoint/2010/main" val="2141268896"/>
-      </p:ext>
-    </p:extLst>
-  </p:cSld>
-  <p:clrMapOvr>
-    <a:masterClrMapping/>
-  </p:clrMapOvr>
-  <mc:AlternateContent xmlns:mc="http://schemas.openxmlformats.org/markup-compatibility/2006" xmlns:p14="http://schemas.microsoft.com/office/powerpoint/2010/main">
-    <mc:Choice Requires="p14">
-      <p:transition spd="med" p14:dur="700">
-        <p:fade/>
-      </p:transition>
-    </mc:Choice>
-    <mc:Fallback xmlns="">
-      <p:transition spd="med">
-        <p:fade/>
-      </p:transition>
-    </mc:Fallback>
-  </mc:AlternateContent>
-</p:sld>
-</file>
-
-<file path=ppt/slides/slide18.xml><?xml version="1.0" encoding="utf-8"?>
-<p:sld xmlns:a="http://schemas.openxmlformats.org/drawingml/2006/main" xmlns:r="http://schemas.openxmlformats.org/officeDocument/2006/relationships" xmlns:p="http://schemas.openxmlformats.org/presentationml/2006/main">
-  <p:cSld>
-    <p:spTree>
-      <p:nvGrpSpPr>
-        <p:cNvPr id="1" name=""/>
-        <p:cNvGrpSpPr/>
-        <p:nvPr/>
-      </p:nvGrpSpPr>
-      <p:grpSpPr>
-        <a:xfrm>
-          <a:off x="0" y="0"/>
-          <a:ext cx="0" cy="0"/>
-          <a:chOff x="0" y="0"/>
-          <a:chExt cx="0" cy="0"/>
-        </a:xfrm>
-      </p:grpSpPr>
-      <p:sp>
-        <p:nvSpPr>
-          <p:cNvPr id="8" name="TextBox 7"/>
-          <p:cNvSpPr txBox="1"/>
-          <p:nvPr/>
-        </p:nvSpPr>
-        <p:spPr>
-          <a:xfrm>
-            <a:off x="1271768" y="1115051"/>
             <a:ext cx="9196386" cy="630942"/>
           </a:xfrm>
           <a:prstGeom prst="rect">
@@ -7673,63 +6100,27 @@
                 </a:solidFill>
                 <a:latin typeface="Cambria" panose="02040503050406030204" pitchFamily="18" charset="0"/>
               </a:rPr>
-              <a:t>AI NUTS AND BOLTS DEMYSTIFIED</a:t>
-            </a:r>
-          </a:p>
-        </p:txBody>
-      </p:sp>
-    </p:spTree>
-    <p:extLst>
-      <p:ext uri="{BB962C8B-B14F-4D97-AF65-F5344CB8AC3E}">
-        <p14:creationId xmlns:p14="http://schemas.microsoft.com/office/powerpoint/2010/main" val="2628442114"/>
-      </p:ext>
-    </p:extLst>
-  </p:cSld>
-  <p:clrMapOvr>
-    <a:masterClrMapping/>
-  </p:clrMapOvr>
-  <mc:AlternateContent xmlns:mc="http://schemas.openxmlformats.org/markup-compatibility/2006" xmlns:p14="http://schemas.microsoft.com/office/powerpoint/2010/main">
-    <mc:Choice Requires="p14">
-      <p:transition spd="med" p14:dur="700">
-        <p:fade/>
-      </p:transition>
-    </mc:Choice>
-    <mc:Fallback xmlns="">
-      <p:transition spd="med">
-        <p:fade/>
-      </p:transition>
-    </mc:Fallback>
-  </mc:AlternateContent>
-</p:sld>
-</file>
-
-<file path=ppt/slides/slide19.xml><?xml version="1.0" encoding="utf-8"?>
-<p:sld xmlns:a="http://schemas.openxmlformats.org/drawingml/2006/main" xmlns:r="http://schemas.openxmlformats.org/officeDocument/2006/relationships" xmlns:p="http://schemas.openxmlformats.org/presentationml/2006/main">
-  <p:cSld>
-    <p:spTree>
-      <p:nvGrpSpPr>
-        <p:cNvPr id="1" name=""/>
-        <p:cNvGrpSpPr/>
-        <p:nvPr/>
-      </p:nvGrpSpPr>
-      <p:grpSpPr>
-        <a:xfrm>
-          <a:off x="0" y="0"/>
-          <a:ext cx="0" cy="0"/>
-          <a:chOff x="0" y="0"/>
-          <a:chExt cx="0" cy="0"/>
-        </a:xfrm>
-      </p:grpSpPr>
-      <p:sp>
-        <p:nvSpPr>
-          <p:cNvPr id="8" name="TextBox 7"/>
+              <a:t>WORKING GROUP SESSION</a:t>
+            </a:r>
+          </a:p>
+        </p:txBody>
+      </p:sp>
+      <p:sp>
+        <p:nvSpPr>
+          <p:cNvPr id="2" name="TextBox 1">
+            <a:extLst>
+              <a:ext uri="{FF2B5EF4-FFF2-40B4-BE49-F238E27FC236}">
+                <a16:creationId xmlns:a16="http://schemas.microsoft.com/office/drawing/2014/main" id="{BD0FD4DF-229E-8649-941A-94E7F8B4D1B2}"/>
+              </a:ext>
+            </a:extLst>
+          </p:cNvPr>
           <p:cNvSpPr txBox="1"/>
           <p:nvPr/>
         </p:nvSpPr>
         <p:spPr>
           <a:xfrm>
-            <a:off x="1271768" y="1115051"/>
-            <a:ext cx="9196386" cy="553998"/>
+            <a:off x="3390900" y="3368040"/>
+            <a:ext cx="1929759" cy="369332"/>
           </a:xfrm>
           <a:prstGeom prst="rect">
             <a:avLst/>
@@ -7737,93 +6128,22 @@
           <a:noFill/>
         </p:spPr>
         <p:txBody>
-          <a:bodyPr wrap="square" rtlCol="0">
+          <a:bodyPr wrap="none" rtlCol="0">
             <a:spAutoFit/>
           </a:bodyPr>
           <a:lstStyle/>
           <a:p>
             <a:r>
-              <a:rPr lang="en-US" sz="3000" b="1" dirty="0">
-                <a:solidFill>
-                  <a:schemeClr val="accent1"/>
-                </a:solidFill>
-                <a:latin typeface="Cambria" panose="02040503050406030204" pitchFamily="18" charset="0"/>
-              </a:rPr>
-              <a:t>CLASSICAL STATISTICS MINDSET</a:t>
-            </a:r>
-          </a:p>
-        </p:txBody>
-      </p:sp>
-      <p:sp>
-        <p:nvSpPr>
-          <p:cNvPr id="3" name="TextBox 2">
-            <a:extLst>
-              <a:ext uri="{FF2B5EF4-FFF2-40B4-BE49-F238E27FC236}">
-                <a16:creationId xmlns:a16="http://schemas.microsoft.com/office/drawing/2014/main" id="{325412E6-3DC9-2147-B691-12F936C79AB2}"/>
-              </a:ext>
-            </a:extLst>
-          </p:cNvPr>
-          <p:cNvSpPr txBox="1"/>
-          <p:nvPr/>
-        </p:nvSpPr>
-        <p:spPr>
-          <a:xfrm>
-            <a:off x="1275701" y="1830236"/>
-            <a:ext cx="9909364" cy="1569660"/>
-          </a:xfrm>
-          <a:prstGeom prst="rect">
-            <a:avLst/>
-          </a:prstGeom>
-          <a:noFill/>
-        </p:spPr>
-        <p:txBody>
-          <a:bodyPr wrap="square" rtlCol="0">
-            <a:spAutoFit/>
-          </a:bodyPr>
-          <a:lstStyle/>
-          <a:p>
-            <a:pPr marL="342900" indent="-342900">
-              <a:buFont typeface="Arial"/>
-              <a:buChar char="•"/>
-            </a:pPr>
-            <a:r>
-              <a:rPr lang="en-US" sz="2400" b="1" dirty="0">
-                <a:solidFill>
-                  <a:schemeClr val="accent1"/>
-                </a:solidFill>
-                <a:latin typeface="Cambria" panose="02040503050406030204" pitchFamily="18" charset="0"/>
-              </a:rPr>
-              <a:t>ASSUME THAT MODELS WITH HIGH EXPLANATORY POWER ARE INHERENTLY OF HIGH PREDICTIVE POWER</a:t>
-            </a:r>
-            <a:br>
-              <a:rPr lang="en-US" sz="2400" b="1" dirty="0">
-                <a:solidFill>
-                  <a:schemeClr val="accent1"/>
-                </a:solidFill>
-                <a:latin typeface="Cambria" panose="02040503050406030204" pitchFamily="18" charset="0"/>
-              </a:rPr>
-            </a:br>
-            <a:br>
-              <a:rPr lang="en-US" sz="2400" dirty="0">
-                <a:solidFill>
-                  <a:schemeClr val="accent1"/>
-                </a:solidFill>
-                <a:latin typeface="Cambria" panose="02040503050406030204" pitchFamily="18" charset="0"/>
-              </a:rPr>
-            </a:br>
-            <a:endParaRPr lang="en-US" sz="2400" dirty="0">
-              <a:solidFill>
-                <a:schemeClr val="accent1"/>
-              </a:solidFill>
-              <a:latin typeface="Cambria" panose="02040503050406030204" pitchFamily="18" charset="0"/>
-            </a:endParaRPr>
+              <a:rPr lang="fr-FR" dirty="0"/>
+              <a:t>TO BE CONTINUED</a:t>
+            </a:r>
           </a:p>
         </p:txBody>
       </p:sp>
     </p:spTree>
     <p:extLst>
       <p:ext uri="{BB962C8B-B14F-4D97-AF65-F5344CB8AC3E}">
-        <p14:creationId xmlns:p14="http://schemas.microsoft.com/office/powerpoint/2010/main" val="2816858463"/>
+        <p14:creationId xmlns:p14="http://schemas.microsoft.com/office/powerpoint/2010/main" val="1812934061"/>
       </p:ext>
     </p:extLst>
   </p:cSld>
@@ -7911,7 +6231,7 @@
         <p:spPr>
           <a:xfrm>
             <a:off x="1263001" y="2050947"/>
-            <a:ext cx="9909364" cy="2308324"/>
+            <a:ext cx="9909364" cy="1200329"/>
           </a:xfrm>
           <a:prstGeom prst="rect">
             <a:avLst/>
@@ -7929,74 +6249,16 @@
               <a:buAutoNum type="romanUcPeriod"/>
             </a:pPr>
             <a:r>
-              <a:rPr lang="en-US" sz="2400" b="1">
-                <a:solidFill>
-                  <a:schemeClr val="accent1"/>
-                </a:solidFill>
-                <a:latin typeface="Cambria" panose="02040503050406030204" pitchFamily="18" charset="0"/>
-              </a:rPr>
-              <a:t>PROVIDE KEYS TO NAVIGATE AI APPLICATIONS UNIVERSE</a:t>
+              <a:rPr lang="en-US" sz="2400" b="1" dirty="0">
+                <a:solidFill>
+                  <a:schemeClr val="accent1"/>
+                </a:solidFill>
+                <a:latin typeface="Cambria" panose="02040503050406030204" pitchFamily="18" charset="0"/>
+              </a:rPr>
+              <a:t>PROVIDE AN OVERVIEW OF ETHICAL IMPLICATIONS OF AI</a:t>
             </a:r>
             <a:br>
-              <a:rPr lang="en-US" sz="2400" b="1">
-                <a:solidFill>
-                  <a:schemeClr val="accent1"/>
-                </a:solidFill>
-                <a:latin typeface="Cambria" panose="02040503050406030204" pitchFamily="18" charset="0"/>
-              </a:rPr>
-            </a:br>
-            <a:endParaRPr lang="en-US" sz="2400" b="1">
-              <a:solidFill>
-                <a:schemeClr val="accent1"/>
-              </a:solidFill>
-              <a:latin typeface="Cambria" panose="02040503050406030204" pitchFamily="18" charset="0"/>
-            </a:endParaRPr>
-          </a:p>
-          <a:p>
-            <a:pPr marL="457200" indent="-457200">
-              <a:buFont typeface="+mj-lt"/>
-              <a:buAutoNum type="romanUcPeriod"/>
-            </a:pPr>
-            <a:r>
-              <a:rPr lang="en-US" sz="2400" b="1">
-                <a:solidFill>
-                  <a:schemeClr val="accent1"/>
-                </a:solidFill>
-                <a:latin typeface="Cambria" panose="02040503050406030204" pitchFamily="18" charset="0"/>
-              </a:rPr>
-              <a:t>EXEMPLIFY STATE-OF-THE-ART AI APPLICATIONS</a:t>
-            </a:r>
-            <a:br>
-              <a:rPr lang="en-US" sz="2400" b="1">
-                <a:solidFill>
-                  <a:schemeClr val="accent1"/>
-                </a:solidFill>
-                <a:latin typeface="Cambria" panose="02040503050406030204" pitchFamily="18" charset="0"/>
-              </a:rPr>
-            </a:br>
-            <a:endParaRPr lang="en-US" sz="2400" b="1">
-              <a:solidFill>
-                <a:schemeClr val="accent1"/>
-              </a:solidFill>
-              <a:latin typeface="Cambria" panose="02040503050406030204" pitchFamily="18" charset="0"/>
-            </a:endParaRPr>
-          </a:p>
-          <a:p>
-            <a:pPr marL="457200" indent="-457200">
-              <a:buFont typeface="+mj-lt"/>
-              <a:buAutoNum type="romanUcPeriod"/>
-            </a:pPr>
-            <a:r>
-              <a:rPr lang="en-US" sz="2400" b="1">
-                <a:solidFill>
-                  <a:schemeClr val="accent1"/>
-                </a:solidFill>
-                <a:latin typeface="Cambria" panose="02040503050406030204" pitchFamily="18" charset="0"/>
-              </a:rPr>
-              <a:t>DEMYSTIFY AI TECHNICAL JARGON AND APPROACHES </a:t>
-            </a:r>
-            <a:br>
-              <a:rPr lang="en-US" sz="2400" b="1">
+              <a:rPr lang="en-US" sz="2400" b="1" dirty="0">
                 <a:solidFill>
                   <a:schemeClr val="accent1"/>
                 </a:solidFill>
@@ -8010,1271 +6272,27 @@
               <a:latin typeface="Cambria" panose="02040503050406030204" pitchFamily="18" charset="0"/>
             </a:endParaRPr>
           </a:p>
+          <a:p>
+            <a:pPr marL="457200" indent="-457200">
+              <a:buFont typeface="+mj-lt"/>
+              <a:buAutoNum type="romanUcPeriod"/>
+            </a:pPr>
+            <a:r>
+              <a:rPr lang="en-US" sz="2400" b="1" dirty="0">
+                <a:solidFill>
+                  <a:schemeClr val="accent1"/>
+                </a:solidFill>
+                <a:latin typeface="Cambria" panose="02040503050406030204" pitchFamily="18" charset="0"/>
+              </a:rPr>
+              <a:t>INTRODUCE WORKING GROUP SESSION</a:t>
+            </a:r>
+          </a:p>
         </p:txBody>
       </p:sp>
     </p:spTree>
     <p:extLst>
       <p:ext uri="{BB962C8B-B14F-4D97-AF65-F5344CB8AC3E}">
         <p14:creationId xmlns:p14="http://schemas.microsoft.com/office/powerpoint/2010/main" val="2550411684"/>
-      </p:ext>
-    </p:extLst>
-  </p:cSld>
-  <p:clrMapOvr>
-    <a:masterClrMapping/>
-  </p:clrMapOvr>
-  <mc:AlternateContent xmlns:mc="http://schemas.openxmlformats.org/markup-compatibility/2006" xmlns:p14="http://schemas.microsoft.com/office/powerpoint/2010/main">
-    <mc:Choice Requires="p14">
-      <p:transition spd="med" p14:dur="700">
-        <p:fade/>
-      </p:transition>
-    </mc:Choice>
-    <mc:Fallback xmlns="">
-      <p:transition spd="med">
-        <p:fade/>
-      </p:transition>
-    </mc:Fallback>
-  </mc:AlternateContent>
-</p:sld>
-</file>
-
-<file path=ppt/slides/slide20.xml><?xml version="1.0" encoding="utf-8"?>
-<p:sld xmlns:a="http://schemas.openxmlformats.org/drawingml/2006/main" xmlns:r="http://schemas.openxmlformats.org/officeDocument/2006/relationships" xmlns:p="http://schemas.openxmlformats.org/presentationml/2006/main">
-  <p:cSld>
-    <p:spTree>
-      <p:nvGrpSpPr>
-        <p:cNvPr id="1" name=""/>
-        <p:cNvGrpSpPr/>
-        <p:nvPr/>
-      </p:nvGrpSpPr>
-      <p:grpSpPr>
-        <a:xfrm>
-          <a:off x="0" y="0"/>
-          <a:ext cx="0" cy="0"/>
-          <a:chOff x="0" y="0"/>
-          <a:chExt cx="0" cy="0"/>
-        </a:xfrm>
-      </p:grpSpPr>
-      <p:sp>
-        <p:nvSpPr>
-          <p:cNvPr id="8" name="TextBox 7"/>
-          <p:cNvSpPr txBox="1"/>
-          <p:nvPr/>
-        </p:nvSpPr>
-        <p:spPr>
-          <a:xfrm>
-            <a:off x="1271768" y="1115051"/>
-            <a:ext cx="9196386" cy="553998"/>
-          </a:xfrm>
-          <a:prstGeom prst="rect">
-            <a:avLst/>
-          </a:prstGeom>
-          <a:noFill/>
-        </p:spPr>
-        <p:txBody>
-          <a:bodyPr wrap="square" rtlCol="0">
-            <a:spAutoFit/>
-          </a:bodyPr>
-          <a:lstStyle/>
-          <a:p>
-            <a:r>
-              <a:rPr lang="en-US" sz="3000" b="1" dirty="0">
-                <a:solidFill>
-                  <a:schemeClr val="accent1"/>
-                </a:solidFill>
-                <a:latin typeface="Cambria" panose="02040503050406030204" pitchFamily="18" charset="0"/>
-              </a:rPr>
-              <a:t>MACHINE LEARNING MINDSET</a:t>
-            </a:r>
-          </a:p>
-        </p:txBody>
-      </p:sp>
-      <p:sp>
-        <p:nvSpPr>
-          <p:cNvPr id="3" name="TextBox 2">
-            <a:extLst>
-              <a:ext uri="{FF2B5EF4-FFF2-40B4-BE49-F238E27FC236}">
-                <a16:creationId xmlns:a16="http://schemas.microsoft.com/office/drawing/2014/main" id="{325412E6-3DC9-2147-B691-12F936C79AB2}"/>
-              </a:ext>
-            </a:extLst>
-          </p:cNvPr>
-          <p:cNvSpPr txBox="1"/>
-          <p:nvPr/>
-        </p:nvSpPr>
-        <p:spPr>
-          <a:xfrm>
-            <a:off x="5075905" y="2000010"/>
-            <a:ext cx="9909364" cy="1200329"/>
-          </a:xfrm>
-          <a:prstGeom prst="rect">
-            <a:avLst/>
-          </a:prstGeom>
-          <a:noFill/>
-        </p:spPr>
-        <p:txBody>
-          <a:bodyPr wrap="square" rtlCol="0">
-            <a:spAutoFit/>
-          </a:bodyPr>
-          <a:lstStyle/>
-          <a:p>
-            <a:pPr marL="342900" indent="-342900">
-              <a:buFont typeface="Arial"/>
-              <a:buChar char="•"/>
-            </a:pPr>
-            <a:r>
-              <a:rPr lang="en-US" sz="2400" b="1" dirty="0">
-                <a:solidFill>
-                  <a:schemeClr val="accent1"/>
-                </a:solidFill>
-                <a:latin typeface="Cambria" panose="02040503050406030204" pitchFamily="18" charset="0"/>
-              </a:rPr>
-              <a:t>FOCUS IS GIVEN ON PREDICTIVE POWER</a:t>
-            </a:r>
-            <a:br>
-              <a:rPr lang="en-US" sz="2400" b="1" dirty="0">
-                <a:solidFill>
-                  <a:schemeClr val="accent1"/>
-                </a:solidFill>
-                <a:latin typeface="Cambria" panose="02040503050406030204" pitchFamily="18" charset="0"/>
-              </a:rPr>
-            </a:br>
-            <a:r>
-              <a:rPr lang="en-US" sz="2400" b="1" dirty="0">
-                <a:solidFill>
-                  <a:schemeClr val="accent1"/>
-                </a:solidFill>
-                <a:latin typeface="Cambria" panose="02040503050406030204" pitchFamily="18" charset="0"/>
-              </a:rPr>
-              <a:t>BASED ON MONITORED/CHOSEN </a:t>
-            </a:r>
-            <a:br>
-              <a:rPr lang="en-US" sz="2400" b="1" dirty="0">
-                <a:solidFill>
-                  <a:schemeClr val="accent1"/>
-                </a:solidFill>
-                <a:latin typeface="Cambria" panose="02040503050406030204" pitchFamily="18" charset="0"/>
-              </a:rPr>
-            </a:br>
-            <a:r>
-              <a:rPr lang="en-US" sz="2400" b="1" dirty="0">
-                <a:solidFill>
-                  <a:schemeClr val="accent1"/>
-                </a:solidFill>
-                <a:latin typeface="Cambria" panose="02040503050406030204" pitchFamily="18" charset="0"/>
-              </a:rPr>
-              <a:t>EVALUATION METRICS</a:t>
-            </a:r>
-            <a:endParaRPr lang="en-US" sz="2400" dirty="0">
-              <a:solidFill>
-                <a:schemeClr val="accent1"/>
-              </a:solidFill>
-              <a:latin typeface="Cambria" panose="02040503050406030204" pitchFamily="18" charset="0"/>
-            </a:endParaRPr>
-          </a:p>
-        </p:txBody>
-      </p:sp>
-      <p:pic>
-        <p:nvPicPr>
-          <p:cNvPr id="4" name="Picture 3" descr="machine_learning.png">
-            <a:extLst>
-              <a:ext uri="{FF2B5EF4-FFF2-40B4-BE49-F238E27FC236}">
-                <a16:creationId xmlns:a16="http://schemas.microsoft.com/office/drawing/2014/main" id="{2CAB58FC-2034-D84A-B6D9-23AE52DB293F}"/>
-              </a:ext>
-            </a:extLst>
-          </p:cNvPr>
-          <p:cNvPicPr>
-            <a:picLocks noChangeAspect="1"/>
-          </p:cNvPicPr>
-          <p:nvPr/>
-        </p:nvPicPr>
-        <p:blipFill>
-          <a:blip r:embed="rId3"/>
-          <a:stretch>
-            <a:fillRect/>
-          </a:stretch>
-        </p:blipFill>
-        <p:spPr>
-          <a:xfrm>
-            <a:off x="1359863" y="2000010"/>
-            <a:ext cx="3589958" cy="4248472"/>
-          </a:xfrm>
-          <a:prstGeom prst="rect">
-            <a:avLst/>
-          </a:prstGeom>
-        </p:spPr>
-      </p:pic>
-    </p:spTree>
-    <p:extLst>
-      <p:ext uri="{BB962C8B-B14F-4D97-AF65-F5344CB8AC3E}">
-        <p14:creationId xmlns:p14="http://schemas.microsoft.com/office/powerpoint/2010/main" val="883210310"/>
-      </p:ext>
-    </p:extLst>
-  </p:cSld>
-  <p:clrMapOvr>
-    <a:masterClrMapping/>
-  </p:clrMapOvr>
-  <mc:AlternateContent xmlns:mc="http://schemas.openxmlformats.org/markup-compatibility/2006" xmlns:p14="http://schemas.microsoft.com/office/powerpoint/2010/main">
-    <mc:Choice Requires="p14">
-      <p:transition spd="med" p14:dur="700">
-        <p:fade/>
-      </p:transition>
-    </mc:Choice>
-    <mc:Fallback xmlns="">
-      <p:transition spd="med">
-        <p:fade/>
-      </p:transition>
-    </mc:Fallback>
-  </mc:AlternateContent>
-</p:sld>
-</file>
-
-<file path=ppt/slides/slide21.xml><?xml version="1.0" encoding="utf-8"?>
-<p:sld xmlns:a="http://schemas.openxmlformats.org/drawingml/2006/main" xmlns:r="http://schemas.openxmlformats.org/officeDocument/2006/relationships" xmlns:p="http://schemas.openxmlformats.org/presentationml/2006/main">
-  <p:cSld>
-    <p:spTree>
-      <p:nvGrpSpPr>
-        <p:cNvPr id="1" name=""/>
-        <p:cNvGrpSpPr/>
-        <p:nvPr/>
-      </p:nvGrpSpPr>
-      <p:grpSpPr>
-        <a:xfrm>
-          <a:off x="0" y="0"/>
-          <a:ext cx="0" cy="0"/>
-          <a:chOff x="0" y="0"/>
-          <a:chExt cx="0" cy="0"/>
-        </a:xfrm>
-      </p:grpSpPr>
-      <p:sp>
-        <p:nvSpPr>
-          <p:cNvPr id="8" name="TextBox 7"/>
-          <p:cNvSpPr txBox="1"/>
-          <p:nvPr/>
-        </p:nvSpPr>
-        <p:spPr>
-          <a:xfrm>
-            <a:off x="1271768" y="1115051"/>
-            <a:ext cx="9196386" cy="553998"/>
-          </a:xfrm>
-          <a:prstGeom prst="rect">
-            <a:avLst/>
-          </a:prstGeom>
-          <a:noFill/>
-        </p:spPr>
-        <p:txBody>
-          <a:bodyPr wrap="square" rtlCol="0">
-            <a:spAutoFit/>
-          </a:bodyPr>
-          <a:lstStyle/>
-          <a:p>
-            <a:r>
-              <a:rPr lang="en-US" sz="3000" b="1" dirty="0">
-                <a:solidFill>
-                  <a:schemeClr val="accent1"/>
-                </a:solidFill>
-                <a:latin typeface="Cambria" panose="02040503050406030204" pitchFamily="18" charset="0"/>
-              </a:rPr>
-              <a:t>IS THERE ANY PATTERN IN YOUR DATA?</a:t>
-            </a:r>
-          </a:p>
-        </p:txBody>
-      </p:sp>
-      <p:pic>
-        <p:nvPicPr>
-          <p:cNvPr id="4" name="Picture 3" descr="linear-regression-feat-target.png">
-            <a:extLst>
-              <a:ext uri="{FF2B5EF4-FFF2-40B4-BE49-F238E27FC236}">
-                <a16:creationId xmlns:a16="http://schemas.microsoft.com/office/drawing/2014/main" id="{C882FC92-E18F-DE47-AC3F-85D34B2BED67}"/>
-              </a:ext>
-            </a:extLst>
-          </p:cNvPr>
-          <p:cNvPicPr>
-            <a:picLocks noChangeAspect="1"/>
-          </p:cNvPicPr>
-          <p:nvPr/>
-        </p:nvPicPr>
-        <p:blipFill>
-          <a:blip r:embed="rId3"/>
-          <a:stretch>
-            <a:fillRect/>
-          </a:stretch>
-        </p:blipFill>
-        <p:spPr>
-          <a:xfrm>
-            <a:off x="1271768" y="1836033"/>
-            <a:ext cx="7200800" cy="4062510"/>
-          </a:xfrm>
-          <a:prstGeom prst="rect">
-            <a:avLst/>
-          </a:prstGeom>
-        </p:spPr>
-      </p:pic>
-    </p:spTree>
-    <p:extLst>
-      <p:ext uri="{BB962C8B-B14F-4D97-AF65-F5344CB8AC3E}">
-        <p14:creationId xmlns:p14="http://schemas.microsoft.com/office/powerpoint/2010/main" val="872215017"/>
-      </p:ext>
-    </p:extLst>
-  </p:cSld>
-  <p:clrMapOvr>
-    <a:masterClrMapping/>
-  </p:clrMapOvr>
-  <mc:AlternateContent xmlns:mc="http://schemas.openxmlformats.org/markup-compatibility/2006" xmlns:p14="http://schemas.microsoft.com/office/powerpoint/2010/main">
-    <mc:Choice Requires="p14">
-      <p:transition spd="med" p14:dur="700">
-        <p:fade/>
-      </p:transition>
-    </mc:Choice>
-    <mc:Fallback xmlns="">
-      <p:transition spd="med">
-        <p:fade/>
-      </p:transition>
-    </mc:Fallback>
-  </mc:AlternateContent>
-</p:sld>
-</file>
-
-<file path=ppt/slides/slide22.xml><?xml version="1.0" encoding="utf-8"?>
-<p:sld xmlns:a="http://schemas.openxmlformats.org/drawingml/2006/main" xmlns:r="http://schemas.openxmlformats.org/officeDocument/2006/relationships" xmlns:p="http://schemas.openxmlformats.org/presentationml/2006/main">
-  <p:cSld>
-    <p:spTree>
-      <p:nvGrpSpPr>
-        <p:cNvPr id="1" name=""/>
-        <p:cNvGrpSpPr/>
-        <p:nvPr/>
-      </p:nvGrpSpPr>
-      <p:grpSpPr>
-        <a:xfrm>
-          <a:off x="0" y="0"/>
-          <a:ext cx="0" cy="0"/>
-          <a:chOff x="0" y="0"/>
-          <a:chExt cx="0" cy="0"/>
-        </a:xfrm>
-      </p:grpSpPr>
-      <p:sp>
-        <p:nvSpPr>
-          <p:cNvPr id="8" name="TextBox 7"/>
-          <p:cNvSpPr txBox="1"/>
-          <p:nvPr/>
-        </p:nvSpPr>
-        <p:spPr>
-          <a:xfrm>
-            <a:off x="1271768" y="1115051"/>
-            <a:ext cx="9196386" cy="553998"/>
-          </a:xfrm>
-          <a:prstGeom prst="rect">
-            <a:avLst/>
-          </a:prstGeom>
-          <a:noFill/>
-        </p:spPr>
-        <p:txBody>
-          <a:bodyPr wrap="square" rtlCol="0">
-            <a:spAutoFit/>
-          </a:bodyPr>
-          <a:lstStyle/>
-          <a:p>
-            <a:r>
-              <a:rPr lang="en-US" sz="3000" b="1" dirty="0">
-                <a:solidFill>
-                  <a:schemeClr val="accent1"/>
-                </a:solidFill>
-                <a:latin typeface="Cambria" panose="02040503050406030204" pitchFamily="18" charset="0"/>
-              </a:rPr>
-              <a:t>BUT WHICH LINE?</a:t>
-            </a:r>
-          </a:p>
-        </p:txBody>
-      </p:sp>
-      <p:pic>
-        <p:nvPicPr>
-          <p:cNvPr id="5" name="Picture 4" descr="regression-which-line.png">
-            <a:extLst>
-              <a:ext uri="{FF2B5EF4-FFF2-40B4-BE49-F238E27FC236}">
-                <a16:creationId xmlns:a16="http://schemas.microsoft.com/office/drawing/2014/main" id="{38E4D261-407A-7248-AB9D-A87A39A88759}"/>
-              </a:ext>
-            </a:extLst>
-          </p:cNvPr>
-          <p:cNvPicPr>
-            <a:picLocks noChangeAspect="1"/>
-          </p:cNvPicPr>
-          <p:nvPr/>
-        </p:nvPicPr>
-        <p:blipFill>
-          <a:blip r:embed="rId3"/>
-          <a:stretch>
-            <a:fillRect/>
-          </a:stretch>
-        </p:blipFill>
-        <p:spPr>
-          <a:xfrm>
-            <a:off x="1271768" y="1847556"/>
-            <a:ext cx="6054640" cy="4248472"/>
-          </a:xfrm>
-          <a:prstGeom prst="rect">
-            <a:avLst/>
-          </a:prstGeom>
-        </p:spPr>
-      </p:pic>
-    </p:spTree>
-    <p:extLst>
-      <p:ext uri="{BB962C8B-B14F-4D97-AF65-F5344CB8AC3E}">
-        <p14:creationId xmlns:p14="http://schemas.microsoft.com/office/powerpoint/2010/main" val="1383930731"/>
-      </p:ext>
-    </p:extLst>
-  </p:cSld>
-  <p:clrMapOvr>
-    <a:masterClrMapping/>
-  </p:clrMapOvr>
-  <mc:AlternateContent xmlns:mc="http://schemas.openxmlformats.org/markup-compatibility/2006" xmlns:p14="http://schemas.microsoft.com/office/powerpoint/2010/main">
-    <mc:Choice Requires="p14">
-      <p:transition spd="med" p14:dur="700">
-        <p:fade/>
-      </p:transition>
-    </mc:Choice>
-    <mc:Fallback xmlns="">
-      <p:transition spd="med">
-        <p:fade/>
-      </p:transition>
-    </mc:Fallback>
-  </mc:AlternateContent>
-</p:sld>
-</file>
-
-<file path=ppt/slides/slide23.xml><?xml version="1.0" encoding="utf-8"?>
-<p:sld xmlns:a="http://schemas.openxmlformats.org/drawingml/2006/main" xmlns:r="http://schemas.openxmlformats.org/officeDocument/2006/relationships" xmlns:p="http://schemas.openxmlformats.org/presentationml/2006/main">
-  <p:cSld>
-    <p:spTree>
-      <p:nvGrpSpPr>
-        <p:cNvPr id="1" name=""/>
-        <p:cNvGrpSpPr/>
-        <p:nvPr/>
-      </p:nvGrpSpPr>
-      <p:grpSpPr>
-        <a:xfrm>
-          <a:off x="0" y="0"/>
-          <a:ext cx="0" cy="0"/>
-          <a:chOff x="0" y="0"/>
-          <a:chExt cx="0" cy="0"/>
-        </a:xfrm>
-      </p:grpSpPr>
-      <p:sp>
-        <p:nvSpPr>
-          <p:cNvPr id="8" name="TextBox 7"/>
-          <p:cNvSpPr txBox="1"/>
-          <p:nvPr/>
-        </p:nvSpPr>
-        <p:spPr>
-          <a:xfrm>
-            <a:off x="1271768" y="1115051"/>
-            <a:ext cx="9196386" cy="553998"/>
-          </a:xfrm>
-          <a:prstGeom prst="rect">
-            <a:avLst/>
-          </a:prstGeom>
-          <a:noFill/>
-        </p:spPr>
-        <p:txBody>
-          <a:bodyPr wrap="square" rtlCol="0">
-            <a:spAutoFit/>
-          </a:bodyPr>
-          <a:lstStyle/>
-          <a:p>
-            <a:r>
-              <a:rPr lang="en-US" sz="3000" b="1" dirty="0">
-                <a:solidFill>
-                  <a:schemeClr val="accent1"/>
-                </a:solidFill>
-                <a:latin typeface="Cambria" panose="02040503050406030204" pitchFamily="18" charset="0"/>
-              </a:rPr>
-              <a:t>DEFINE AN EVALUATION METRIC?</a:t>
-            </a:r>
-          </a:p>
-        </p:txBody>
-      </p:sp>
-      <p:pic>
-        <p:nvPicPr>
-          <p:cNvPr id="4" name="Picture 3" descr="regression-best-line-errors.png">
-            <a:extLst>
-              <a:ext uri="{FF2B5EF4-FFF2-40B4-BE49-F238E27FC236}">
-                <a16:creationId xmlns:a16="http://schemas.microsoft.com/office/drawing/2014/main" id="{D7D56893-FF0A-3449-9E5D-EDC3993A8CFD}"/>
-              </a:ext>
-            </a:extLst>
-          </p:cNvPr>
-          <p:cNvPicPr>
-            <a:picLocks noChangeAspect="1"/>
-          </p:cNvPicPr>
-          <p:nvPr/>
-        </p:nvPicPr>
-        <p:blipFill>
-          <a:blip r:embed="rId3"/>
-          <a:stretch>
-            <a:fillRect/>
-          </a:stretch>
-        </p:blipFill>
-        <p:spPr>
-          <a:xfrm>
-            <a:off x="1339417" y="1830139"/>
-            <a:ext cx="6069245" cy="4248472"/>
-          </a:xfrm>
-          <a:prstGeom prst="rect">
-            <a:avLst/>
-          </a:prstGeom>
-        </p:spPr>
-      </p:pic>
-    </p:spTree>
-    <p:extLst>
-      <p:ext uri="{BB962C8B-B14F-4D97-AF65-F5344CB8AC3E}">
-        <p14:creationId xmlns:p14="http://schemas.microsoft.com/office/powerpoint/2010/main" val="714656163"/>
-      </p:ext>
-    </p:extLst>
-  </p:cSld>
-  <p:clrMapOvr>
-    <a:masterClrMapping/>
-  </p:clrMapOvr>
-  <mc:AlternateContent xmlns:mc="http://schemas.openxmlformats.org/markup-compatibility/2006" xmlns:p14="http://schemas.microsoft.com/office/powerpoint/2010/main">
-    <mc:Choice Requires="p14">
-      <p:transition spd="med" p14:dur="700">
-        <p:fade/>
-      </p:transition>
-    </mc:Choice>
-    <mc:Fallback xmlns="">
-      <p:transition spd="med">
-        <p:fade/>
-      </p:transition>
-    </mc:Fallback>
-  </mc:AlternateContent>
-</p:sld>
-</file>
-
-<file path=ppt/slides/slide24.xml><?xml version="1.0" encoding="utf-8"?>
-<p:sld xmlns:a="http://schemas.openxmlformats.org/drawingml/2006/main" xmlns:r="http://schemas.openxmlformats.org/officeDocument/2006/relationships" xmlns:p="http://schemas.openxmlformats.org/presentationml/2006/main">
-  <p:cSld>
-    <p:spTree>
-      <p:nvGrpSpPr>
-        <p:cNvPr id="1" name=""/>
-        <p:cNvGrpSpPr/>
-        <p:nvPr/>
-      </p:nvGrpSpPr>
-      <p:grpSpPr>
-        <a:xfrm>
-          <a:off x="0" y="0"/>
-          <a:ext cx="0" cy="0"/>
-          <a:chOff x="0" y="0"/>
-          <a:chExt cx="0" cy="0"/>
-        </a:xfrm>
-      </p:grpSpPr>
-      <p:sp>
-        <p:nvSpPr>
-          <p:cNvPr id="8" name="TextBox 7"/>
-          <p:cNvSpPr txBox="1"/>
-          <p:nvPr/>
-        </p:nvSpPr>
-        <p:spPr>
-          <a:xfrm>
-            <a:off x="1271768" y="1115051"/>
-            <a:ext cx="9196386" cy="553998"/>
-          </a:xfrm>
-          <a:prstGeom prst="rect">
-            <a:avLst/>
-          </a:prstGeom>
-          <a:noFill/>
-        </p:spPr>
-        <p:txBody>
-          <a:bodyPr wrap="square" rtlCol="0">
-            <a:spAutoFit/>
-          </a:bodyPr>
-          <a:lstStyle/>
-          <a:p>
-            <a:r>
-              <a:rPr lang="en-US" sz="3000" b="1" dirty="0">
-                <a:solidFill>
-                  <a:schemeClr val="accent1"/>
-                </a:solidFill>
-                <a:latin typeface="Cambria" panose="02040503050406030204" pitchFamily="18" charset="0"/>
-              </a:rPr>
-              <a:t>BUT NOW WHICH BEST LINE?</a:t>
-            </a:r>
-          </a:p>
-        </p:txBody>
-      </p:sp>
-      <p:pic>
-        <p:nvPicPr>
-          <p:cNvPr id="5" name="Picture 4" descr="best-line-really.png">
-            <a:extLst>
-              <a:ext uri="{FF2B5EF4-FFF2-40B4-BE49-F238E27FC236}">
-                <a16:creationId xmlns:a16="http://schemas.microsoft.com/office/drawing/2014/main" id="{BD149E30-8E97-254A-A85B-37AF0C6D7623}"/>
-              </a:ext>
-            </a:extLst>
-          </p:cNvPr>
-          <p:cNvPicPr>
-            <a:picLocks noChangeAspect="1"/>
-          </p:cNvPicPr>
-          <p:nvPr/>
-        </p:nvPicPr>
-        <p:blipFill>
-          <a:blip r:embed="rId3"/>
-          <a:stretch>
-            <a:fillRect/>
-          </a:stretch>
-        </p:blipFill>
-        <p:spPr>
-          <a:xfrm>
-            <a:off x="1300241" y="1908516"/>
-            <a:ext cx="5642501" cy="4248472"/>
-          </a:xfrm>
-          <a:prstGeom prst="rect">
-            <a:avLst/>
-          </a:prstGeom>
-        </p:spPr>
-      </p:pic>
-    </p:spTree>
-    <p:extLst>
-      <p:ext uri="{BB962C8B-B14F-4D97-AF65-F5344CB8AC3E}">
-        <p14:creationId xmlns:p14="http://schemas.microsoft.com/office/powerpoint/2010/main" val="4179158309"/>
-      </p:ext>
-    </p:extLst>
-  </p:cSld>
-  <p:clrMapOvr>
-    <a:masterClrMapping/>
-  </p:clrMapOvr>
-  <mc:AlternateContent xmlns:mc="http://schemas.openxmlformats.org/markup-compatibility/2006" xmlns:p14="http://schemas.microsoft.com/office/powerpoint/2010/main">
-    <mc:Choice Requires="p14">
-      <p:transition spd="med" p14:dur="700">
-        <p:fade/>
-      </p:transition>
-    </mc:Choice>
-    <mc:Fallback xmlns="">
-      <p:transition spd="med">
-        <p:fade/>
-      </p:transition>
-    </mc:Fallback>
-  </mc:AlternateContent>
-</p:sld>
-</file>
-
-<file path=ppt/slides/slide25.xml><?xml version="1.0" encoding="utf-8"?>
-<p:sld xmlns:a="http://schemas.openxmlformats.org/drawingml/2006/main" xmlns:r="http://schemas.openxmlformats.org/officeDocument/2006/relationships" xmlns:p="http://schemas.openxmlformats.org/presentationml/2006/main">
-  <p:cSld>
-    <p:spTree>
-      <p:nvGrpSpPr>
-        <p:cNvPr id="1" name=""/>
-        <p:cNvGrpSpPr/>
-        <p:nvPr/>
-      </p:nvGrpSpPr>
-      <p:grpSpPr>
-        <a:xfrm>
-          <a:off x="0" y="0"/>
-          <a:ext cx="0" cy="0"/>
-          <a:chOff x="0" y="0"/>
-          <a:chExt cx="0" cy="0"/>
-        </a:xfrm>
-      </p:grpSpPr>
-      <p:sp>
-        <p:nvSpPr>
-          <p:cNvPr id="8" name="TextBox 7"/>
-          <p:cNvSpPr txBox="1"/>
-          <p:nvPr/>
-        </p:nvSpPr>
-        <p:spPr>
-          <a:xfrm>
-            <a:off x="1271768" y="1115051"/>
-            <a:ext cx="9196386" cy="553998"/>
-          </a:xfrm>
-          <a:prstGeom prst="rect">
-            <a:avLst/>
-          </a:prstGeom>
-          <a:noFill/>
-        </p:spPr>
-        <p:txBody>
-          <a:bodyPr wrap="square" rtlCol="0">
-            <a:spAutoFit/>
-          </a:bodyPr>
-          <a:lstStyle/>
-          <a:p>
-            <a:r>
-              <a:rPr lang="en-US" sz="3000" b="1" dirty="0">
-                <a:solidFill>
-                  <a:schemeClr val="accent1"/>
-                </a:solidFill>
-                <a:latin typeface="Cambria" panose="02040503050406030204" pitchFamily="18" charset="0"/>
-              </a:rPr>
-              <a:t>MODEL CAPACITY: WHICH ONE IS BEST?</a:t>
-            </a:r>
-          </a:p>
-        </p:txBody>
-      </p:sp>
-      <p:pic>
-        <p:nvPicPr>
-          <p:cNvPr id="4" name="Picture 3" descr="polynomial-1-2-100.png">
-            <a:extLst>
-              <a:ext uri="{FF2B5EF4-FFF2-40B4-BE49-F238E27FC236}">
-                <a16:creationId xmlns:a16="http://schemas.microsoft.com/office/drawing/2014/main" id="{AA4DF9AF-D828-1B48-8CF9-4C8728CE8829}"/>
-              </a:ext>
-            </a:extLst>
-          </p:cNvPr>
-          <p:cNvPicPr>
-            <a:picLocks noChangeAspect="1"/>
-          </p:cNvPicPr>
-          <p:nvPr/>
-        </p:nvPicPr>
-        <p:blipFill>
-          <a:blip r:embed="rId3"/>
-          <a:stretch>
-            <a:fillRect/>
-          </a:stretch>
-        </p:blipFill>
-        <p:spPr>
-          <a:xfrm>
-            <a:off x="1141139" y="1873681"/>
-            <a:ext cx="6906490" cy="4248472"/>
-          </a:xfrm>
-          <a:prstGeom prst="rect">
-            <a:avLst/>
-          </a:prstGeom>
-        </p:spPr>
-      </p:pic>
-    </p:spTree>
-    <p:extLst>
-      <p:ext uri="{BB962C8B-B14F-4D97-AF65-F5344CB8AC3E}">
-        <p14:creationId xmlns:p14="http://schemas.microsoft.com/office/powerpoint/2010/main" val="562013117"/>
-      </p:ext>
-    </p:extLst>
-  </p:cSld>
-  <p:clrMapOvr>
-    <a:masterClrMapping/>
-  </p:clrMapOvr>
-  <mc:AlternateContent xmlns:mc="http://schemas.openxmlformats.org/markup-compatibility/2006" xmlns:p14="http://schemas.microsoft.com/office/powerpoint/2010/main">
-    <mc:Choice Requires="p14">
-      <p:transition spd="med" p14:dur="700">
-        <p:fade/>
-      </p:transition>
-    </mc:Choice>
-    <mc:Fallback xmlns="">
-      <p:transition spd="med">
-        <p:fade/>
-      </p:transition>
-    </mc:Fallback>
-  </mc:AlternateContent>
-</p:sld>
-</file>
-
-<file path=ppt/slides/slide26.xml><?xml version="1.0" encoding="utf-8"?>
-<p:sld xmlns:a="http://schemas.openxmlformats.org/drawingml/2006/main" xmlns:r="http://schemas.openxmlformats.org/officeDocument/2006/relationships" xmlns:p="http://schemas.openxmlformats.org/presentationml/2006/main">
-  <p:cSld>
-    <p:spTree>
-      <p:nvGrpSpPr>
-        <p:cNvPr id="1" name=""/>
-        <p:cNvGrpSpPr/>
-        <p:nvPr/>
-      </p:nvGrpSpPr>
-      <p:grpSpPr>
-        <a:xfrm>
-          <a:off x="0" y="0"/>
-          <a:ext cx="0" cy="0"/>
-          <a:chOff x="0" y="0"/>
-          <a:chExt cx="0" cy="0"/>
-        </a:xfrm>
-      </p:grpSpPr>
-      <p:sp>
-        <p:nvSpPr>
-          <p:cNvPr id="8" name="TextBox 7"/>
-          <p:cNvSpPr txBox="1"/>
-          <p:nvPr/>
-        </p:nvSpPr>
-        <p:spPr>
-          <a:xfrm>
-            <a:off x="1271768" y="1115051"/>
-            <a:ext cx="9196386" cy="553998"/>
-          </a:xfrm>
-          <a:prstGeom prst="rect">
-            <a:avLst/>
-          </a:prstGeom>
-          <a:noFill/>
-        </p:spPr>
-        <p:txBody>
-          <a:bodyPr wrap="square" rtlCol="0">
-            <a:spAutoFit/>
-          </a:bodyPr>
-          <a:lstStyle/>
-          <a:p>
-            <a:r>
-              <a:rPr lang="en-US" sz="3000" b="1" dirty="0">
-                <a:solidFill>
-                  <a:schemeClr val="accent1"/>
-                </a:solidFill>
-                <a:latin typeface="Cambria" panose="02040503050406030204" pitchFamily="18" charset="0"/>
-              </a:rPr>
-              <a:t>QUICK ML NOMENCLATURE</a:t>
-            </a:r>
-          </a:p>
-        </p:txBody>
-      </p:sp>
-      <p:sp>
-        <p:nvSpPr>
-          <p:cNvPr id="5" name="TextBox 4">
-            <a:extLst>
-              <a:ext uri="{FF2B5EF4-FFF2-40B4-BE49-F238E27FC236}">
-                <a16:creationId xmlns:a16="http://schemas.microsoft.com/office/drawing/2014/main" id="{3390F6B0-97E9-7749-9A12-2929B02736C6}"/>
-              </a:ext>
-            </a:extLst>
-          </p:cNvPr>
-          <p:cNvSpPr txBox="1"/>
-          <p:nvPr/>
-        </p:nvSpPr>
-        <p:spPr>
-          <a:xfrm>
-            <a:off x="1275701" y="1830236"/>
-            <a:ext cx="9909364" cy="3046988"/>
-          </a:xfrm>
-          <a:prstGeom prst="rect">
-            <a:avLst/>
-          </a:prstGeom>
-          <a:noFill/>
-        </p:spPr>
-        <p:txBody>
-          <a:bodyPr wrap="square" rtlCol="0">
-            <a:spAutoFit/>
-          </a:bodyPr>
-          <a:lstStyle/>
-          <a:p>
-            <a:pPr marL="342900" indent="-342900">
-              <a:buFont typeface="Arial"/>
-              <a:buChar char="•"/>
-            </a:pPr>
-            <a:r>
-              <a:rPr lang="en-US" sz="2400" b="1" dirty="0">
-                <a:solidFill>
-                  <a:schemeClr val="accent1"/>
-                </a:solidFill>
-                <a:latin typeface="Cambria" panose="02040503050406030204" pitchFamily="18" charset="0"/>
-              </a:rPr>
-              <a:t>SUPERVISED</a:t>
-            </a:r>
-            <a:br>
-              <a:rPr lang="en-US" sz="2400" b="1" dirty="0">
-                <a:solidFill>
-                  <a:schemeClr val="accent1"/>
-                </a:solidFill>
-                <a:latin typeface="Cambria" panose="02040503050406030204" pitchFamily="18" charset="0"/>
-              </a:rPr>
-            </a:br>
-            <a:endParaRPr lang="en-US" sz="2400" b="1" dirty="0">
-              <a:solidFill>
-                <a:schemeClr val="accent1"/>
-              </a:solidFill>
-              <a:latin typeface="Cambria" panose="02040503050406030204" pitchFamily="18" charset="0"/>
-            </a:endParaRPr>
-          </a:p>
-          <a:p>
-            <a:pPr marL="342900" indent="-342900">
-              <a:buFont typeface="Arial"/>
-              <a:buChar char="•"/>
-            </a:pPr>
-            <a:r>
-              <a:rPr lang="en-US" sz="2400" b="1" dirty="0">
-                <a:solidFill>
-                  <a:schemeClr val="accent1"/>
-                </a:solidFill>
-                <a:latin typeface="Cambria" panose="02040503050406030204" pitchFamily="18" charset="0"/>
-              </a:rPr>
-              <a:t>UNSUPERVISED</a:t>
-            </a:r>
-            <a:br>
-              <a:rPr lang="en-US" sz="2400" b="1" dirty="0">
-                <a:solidFill>
-                  <a:schemeClr val="accent1"/>
-                </a:solidFill>
-                <a:latin typeface="Cambria" panose="02040503050406030204" pitchFamily="18" charset="0"/>
-              </a:rPr>
-            </a:br>
-            <a:endParaRPr lang="en-US" sz="2400" b="1" dirty="0">
-              <a:solidFill>
-                <a:schemeClr val="accent1"/>
-              </a:solidFill>
-              <a:latin typeface="Cambria" panose="02040503050406030204" pitchFamily="18" charset="0"/>
-            </a:endParaRPr>
-          </a:p>
-          <a:p>
-            <a:pPr marL="342900" indent="-342900">
-              <a:buFont typeface="Arial"/>
-              <a:buChar char="•"/>
-            </a:pPr>
-            <a:r>
-              <a:rPr lang="en-US" sz="2400" b="1" dirty="0">
-                <a:solidFill>
-                  <a:schemeClr val="accent1"/>
-                </a:solidFill>
-                <a:latin typeface="Cambria" panose="02040503050406030204" pitchFamily="18" charset="0"/>
-              </a:rPr>
-              <a:t>SEMI-SUPERVISED</a:t>
-            </a:r>
-            <a:br>
-              <a:rPr lang="en-US" sz="2400" b="1" dirty="0">
-                <a:solidFill>
-                  <a:schemeClr val="accent1"/>
-                </a:solidFill>
-                <a:latin typeface="Cambria" panose="02040503050406030204" pitchFamily="18" charset="0"/>
-              </a:rPr>
-            </a:br>
-            <a:endParaRPr lang="en-US" sz="2400" b="1" dirty="0">
-              <a:solidFill>
-                <a:schemeClr val="accent1"/>
-              </a:solidFill>
-              <a:latin typeface="Cambria" panose="02040503050406030204" pitchFamily="18" charset="0"/>
-            </a:endParaRPr>
-          </a:p>
-          <a:p>
-            <a:pPr marL="342900" indent="-342900">
-              <a:buFont typeface="Arial"/>
-              <a:buChar char="•"/>
-            </a:pPr>
-            <a:r>
-              <a:rPr lang="en-US" sz="2400" b="1" dirty="0">
-                <a:solidFill>
-                  <a:schemeClr val="accent1"/>
-                </a:solidFill>
-                <a:latin typeface="Cambria" panose="02040503050406030204" pitchFamily="18" charset="0"/>
-              </a:rPr>
-              <a:t>REINFORCEMENT LEARNING</a:t>
-            </a:r>
-            <a:br>
-              <a:rPr lang="en-US" sz="2400" dirty="0">
-                <a:solidFill>
-                  <a:schemeClr val="accent1"/>
-                </a:solidFill>
-                <a:latin typeface="Cambria" panose="02040503050406030204" pitchFamily="18" charset="0"/>
-              </a:rPr>
-            </a:br>
-            <a:endParaRPr lang="en-US" sz="2400" dirty="0">
-              <a:solidFill>
-                <a:schemeClr val="accent1"/>
-              </a:solidFill>
-              <a:latin typeface="Cambria" panose="02040503050406030204" pitchFamily="18" charset="0"/>
-            </a:endParaRPr>
-          </a:p>
-        </p:txBody>
-      </p:sp>
-    </p:spTree>
-    <p:extLst>
-      <p:ext uri="{BB962C8B-B14F-4D97-AF65-F5344CB8AC3E}">
-        <p14:creationId xmlns:p14="http://schemas.microsoft.com/office/powerpoint/2010/main" val="2580217521"/>
-      </p:ext>
-    </p:extLst>
-  </p:cSld>
-  <p:clrMapOvr>
-    <a:masterClrMapping/>
-  </p:clrMapOvr>
-  <mc:AlternateContent xmlns:mc="http://schemas.openxmlformats.org/markup-compatibility/2006" xmlns:p14="http://schemas.microsoft.com/office/powerpoint/2010/main">
-    <mc:Choice Requires="p14">
-      <p:transition spd="med" p14:dur="700">
-        <p:fade/>
-      </p:transition>
-    </mc:Choice>
-    <mc:Fallback xmlns="">
-      <p:transition spd="med">
-        <p:fade/>
-      </p:transition>
-    </mc:Fallback>
-  </mc:AlternateContent>
-</p:sld>
-</file>
-
-<file path=ppt/slides/slide27.xml><?xml version="1.0" encoding="utf-8"?>
-<p:sld xmlns:a="http://schemas.openxmlformats.org/drawingml/2006/main" xmlns:r="http://schemas.openxmlformats.org/officeDocument/2006/relationships" xmlns:p="http://schemas.openxmlformats.org/presentationml/2006/main">
-  <p:cSld>
-    <p:spTree>
-      <p:nvGrpSpPr>
-        <p:cNvPr id="1" name=""/>
-        <p:cNvGrpSpPr/>
-        <p:nvPr/>
-      </p:nvGrpSpPr>
-      <p:grpSpPr>
-        <a:xfrm>
-          <a:off x="0" y="0"/>
-          <a:ext cx="0" cy="0"/>
-          <a:chOff x="0" y="0"/>
-          <a:chExt cx="0" cy="0"/>
-        </a:xfrm>
-      </p:grpSpPr>
-      <p:sp>
-        <p:nvSpPr>
-          <p:cNvPr id="8" name="TextBox 7"/>
-          <p:cNvSpPr txBox="1"/>
-          <p:nvPr/>
-        </p:nvSpPr>
-        <p:spPr>
-          <a:xfrm>
-            <a:off x="1271768" y="1115051"/>
-            <a:ext cx="9196386" cy="553998"/>
-          </a:xfrm>
-          <a:prstGeom prst="rect">
-            <a:avLst/>
-          </a:prstGeom>
-          <a:noFill/>
-        </p:spPr>
-        <p:txBody>
-          <a:bodyPr wrap="square" rtlCol="0">
-            <a:spAutoFit/>
-          </a:bodyPr>
-          <a:lstStyle/>
-          <a:p>
-            <a:r>
-              <a:rPr lang="en-US" sz="3000" b="1" dirty="0">
-                <a:solidFill>
-                  <a:schemeClr val="accent1"/>
-                </a:solidFill>
-                <a:latin typeface="Cambria" panose="02040503050406030204" pitchFamily="18" charset="0"/>
-              </a:rPr>
-              <a:t>DEEP LEARNING AND CLASSIFICATION</a:t>
-            </a:r>
-          </a:p>
-        </p:txBody>
-      </p:sp>
-      <p:pic>
-        <p:nvPicPr>
-          <p:cNvPr id="4" name="Picture 3" descr="dog-vs-cat-kaggle.png">
-            <a:extLst>
-              <a:ext uri="{FF2B5EF4-FFF2-40B4-BE49-F238E27FC236}">
-                <a16:creationId xmlns:a16="http://schemas.microsoft.com/office/drawing/2014/main" id="{1F825E97-91CC-6748-957D-EC2E462E7F2E}"/>
-              </a:ext>
-            </a:extLst>
-          </p:cNvPr>
-          <p:cNvPicPr>
-            <a:picLocks noChangeAspect="1"/>
-          </p:cNvPicPr>
-          <p:nvPr/>
-        </p:nvPicPr>
-        <p:blipFill>
-          <a:blip r:embed="rId3"/>
-          <a:stretch>
-            <a:fillRect/>
-          </a:stretch>
-        </p:blipFill>
-        <p:spPr>
-          <a:xfrm>
-            <a:off x="1375954" y="2100181"/>
-            <a:ext cx="5531688" cy="3072187"/>
-          </a:xfrm>
-          <a:prstGeom prst="rect">
-            <a:avLst/>
-          </a:prstGeom>
-        </p:spPr>
-      </p:pic>
-    </p:spTree>
-    <p:extLst>
-      <p:ext uri="{BB962C8B-B14F-4D97-AF65-F5344CB8AC3E}">
-        <p14:creationId xmlns:p14="http://schemas.microsoft.com/office/powerpoint/2010/main" val="4021484705"/>
-      </p:ext>
-    </p:extLst>
-  </p:cSld>
-  <p:clrMapOvr>
-    <a:masterClrMapping/>
-  </p:clrMapOvr>
-  <mc:AlternateContent xmlns:mc="http://schemas.openxmlformats.org/markup-compatibility/2006" xmlns:p14="http://schemas.microsoft.com/office/powerpoint/2010/main">
-    <mc:Choice Requires="p14">
-      <p:transition spd="med" p14:dur="700">
-        <p:fade/>
-      </p:transition>
-    </mc:Choice>
-    <mc:Fallback xmlns="">
-      <p:transition spd="med">
-        <p:fade/>
-      </p:transition>
-    </mc:Fallback>
-  </mc:AlternateContent>
-</p:sld>
-</file>
-
-<file path=ppt/slides/slide28.xml><?xml version="1.0" encoding="utf-8"?>
-<p:sld xmlns:a="http://schemas.openxmlformats.org/drawingml/2006/main" xmlns:r="http://schemas.openxmlformats.org/officeDocument/2006/relationships" xmlns:p="http://schemas.openxmlformats.org/presentationml/2006/main">
-  <p:cSld>
-    <p:spTree>
-      <p:nvGrpSpPr>
-        <p:cNvPr id="1" name=""/>
-        <p:cNvGrpSpPr/>
-        <p:nvPr/>
-      </p:nvGrpSpPr>
-      <p:grpSpPr>
-        <a:xfrm>
-          <a:off x="0" y="0"/>
-          <a:ext cx="0" cy="0"/>
-          <a:chOff x="0" y="0"/>
-          <a:chExt cx="0" cy="0"/>
-        </a:xfrm>
-      </p:grpSpPr>
-      <p:sp>
-        <p:nvSpPr>
-          <p:cNvPr id="8" name="TextBox 7"/>
-          <p:cNvSpPr txBox="1"/>
-          <p:nvPr/>
-        </p:nvSpPr>
-        <p:spPr>
-          <a:xfrm>
-            <a:off x="1271768" y="1115051"/>
-            <a:ext cx="9196386" cy="553998"/>
-          </a:xfrm>
-          <a:prstGeom prst="rect">
-            <a:avLst/>
-          </a:prstGeom>
-          <a:noFill/>
-        </p:spPr>
-        <p:txBody>
-          <a:bodyPr wrap="square" rtlCol="0">
-            <a:spAutoFit/>
-          </a:bodyPr>
-          <a:lstStyle/>
-          <a:p>
-            <a:r>
-              <a:rPr lang="en-US" sz="3000" b="1" dirty="0">
-                <a:solidFill>
-                  <a:schemeClr val="accent1"/>
-                </a:solidFill>
-                <a:latin typeface="Cambria" panose="02040503050406030204" pitchFamily="18" charset="0"/>
-              </a:rPr>
-              <a:t>LOGISTIC REGRESSION 1/4</a:t>
-            </a:r>
-          </a:p>
-        </p:txBody>
-      </p:sp>
-      <p:pic>
-        <p:nvPicPr>
-          <p:cNvPr id="5" name="Picture 4" descr="binary_target_linear_regression.png">
-            <a:extLst>
-              <a:ext uri="{FF2B5EF4-FFF2-40B4-BE49-F238E27FC236}">
-                <a16:creationId xmlns:a16="http://schemas.microsoft.com/office/drawing/2014/main" id="{8CA16CBE-53D1-D740-80EA-51750420B5EF}"/>
-              </a:ext>
-            </a:extLst>
-          </p:cNvPr>
-          <p:cNvPicPr>
-            <a:picLocks noChangeAspect="1"/>
-          </p:cNvPicPr>
-          <p:nvPr/>
-        </p:nvPicPr>
-        <p:blipFill>
-          <a:blip r:embed="rId3"/>
-          <a:stretch>
-            <a:fillRect/>
-          </a:stretch>
-        </p:blipFill>
-        <p:spPr>
-          <a:xfrm>
-            <a:off x="1271768" y="1854926"/>
-            <a:ext cx="5639795" cy="4197558"/>
-          </a:xfrm>
-          <a:prstGeom prst="rect">
-            <a:avLst/>
-          </a:prstGeom>
-        </p:spPr>
-      </p:pic>
-    </p:spTree>
-    <p:extLst>
-      <p:ext uri="{BB962C8B-B14F-4D97-AF65-F5344CB8AC3E}">
-        <p14:creationId xmlns:p14="http://schemas.microsoft.com/office/powerpoint/2010/main" val="2159710305"/>
-      </p:ext>
-    </p:extLst>
-  </p:cSld>
-  <p:clrMapOvr>
-    <a:masterClrMapping/>
-  </p:clrMapOvr>
-  <mc:AlternateContent xmlns:mc="http://schemas.openxmlformats.org/markup-compatibility/2006" xmlns:p14="http://schemas.microsoft.com/office/powerpoint/2010/main">
-    <mc:Choice Requires="p14">
-      <p:transition spd="med" p14:dur="700">
-        <p:fade/>
-      </p:transition>
-    </mc:Choice>
-    <mc:Fallback xmlns="">
-      <p:transition spd="med">
-        <p:fade/>
-      </p:transition>
-    </mc:Fallback>
-  </mc:AlternateContent>
-</p:sld>
-</file>
-
-<file path=ppt/slides/slide29.xml><?xml version="1.0" encoding="utf-8"?>
-<p:sld xmlns:a="http://schemas.openxmlformats.org/drawingml/2006/main" xmlns:r="http://schemas.openxmlformats.org/officeDocument/2006/relationships" xmlns:p="http://schemas.openxmlformats.org/presentationml/2006/main">
-  <p:cSld>
-    <p:spTree>
-      <p:nvGrpSpPr>
-        <p:cNvPr id="1" name=""/>
-        <p:cNvGrpSpPr/>
-        <p:nvPr/>
-      </p:nvGrpSpPr>
-      <p:grpSpPr>
-        <a:xfrm>
-          <a:off x="0" y="0"/>
-          <a:ext cx="0" cy="0"/>
-          <a:chOff x="0" y="0"/>
-          <a:chExt cx="0" cy="0"/>
-        </a:xfrm>
-      </p:grpSpPr>
-      <p:sp>
-        <p:nvSpPr>
-          <p:cNvPr id="8" name="TextBox 7"/>
-          <p:cNvSpPr txBox="1"/>
-          <p:nvPr/>
-        </p:nvSpPr>
-        <p:spPr>
-          <a:xfrm>
-            <a:off x="1271768" y="1115051"/>
-            <a:ext cx="9196386" cy="553998"/>
-          </a:xfrm>
-          <a:prstGeom prst="rect">
-            <a:avLst/>
-          </a:prstGeom>
-          <a:noFill/>
-        </p:spPr>
-        <p:txBody>
-          <a:bodyPr wrap="square" rtlCol="0">
-            <a:spAutoFit/>
-          </a:bodyPr>
-          <a:lstStyle/>
-          <a:p>
-            <a:r>
-              <a:rPr lang="en-US" sz="3000" b="1" dirty="0">
-                <a:solidFill>
-                  <a:schemeClr val="accent1"/>
-                </a:solidFill>
-                <a:latin typeface="Cambria" panose="02040503050406030204" pitchFamily="18" charset="0"/>
-              </a:rPr>
-              <a:t>LOGISTIC REGRESSION 2/4: SIGMOID FUNCTION</a:t>
-            </a:r>
-          </a:p>
-        </p:txBody>
-      </p:sp>
-      <p:pic>
-        <p:nvPicPr>
-          <p:cNvPr id="4" name="Picture 3" descr="sigmoid-function.png">
-            <a:extLst>
-              <a:ext uri="{FF2B5EF4-FFF2-40B4-BE49-F238E27FC236}">
-                <a16:creationId xmlns:a16="http://schemas.microsoft.com/office/drawing/2014/main" id="{951C07EF-5164-6848-8F86-28B8040373C5}"/>
-              </a:ext>
-            </a:extLst>
-          </p:cNvPr>
-          <p:cNvPicPr>
-            <a:picLocks noChangeAspect="1"/>
-          </p:cNvPicPr>
-          <p:nvPr/>
-        </p:nvPicPr>
-        <p:blipFill>
-          <a:blip r:embed="rId3"/>
-          <a:stretch>
-            <a:fillRect/>
-          </a:stretch>
-        </p:blipFill>
-        <p:spPr>
-          <a:xfrm>
-            <a:off x="1523824" y="1952058"/>
-            <a:ext cx="5804939" cy="4248472"/>
-          </a:xfrm>
-          <a:prstGeom prst="rect">
-            <a:avLst/>
-          </a:prstGeom>
-        </p:spPr>
-      </p:pic>
-    </p:spTree>
-    <p:extLst>
-      <p:ext uri="{BB962C8B-B14F-4D97-AF65-F5344CB8AC3E}">
-        <p14:creationId xmlns:p14="http://schemas.microsoft.com/office/powerpoint/2010/main" val="3891371234"/>
       </p:ext>
     </p:extLst>
   </p:cSld>
@@ -9322,7 +6340,7 @@
         <p:spPr>
           <a:xfrm>
             <a:off x="1271768" y="1116000"/>
-            <a:ext cx="8126232" cy="2246769"/>
+            <a:ext cx="9137152" cy="2246769"/>
           </a:xfrm>
           <a:prstGeom prst="rect">
             <a:avLst/>
@@ -9346,7 +6364,7 @@
                 </a:solidFill>
                 <a:latin typeface="Cambria" panose="02040503050406030204" pitchFamily="18" charset="0"/>
               </a:rPr>
-              <a:t>LIST AI APPLICATIONS YOU CAN THINK OF</a:t>
+              <a:t>LIST AI ETHICS IMPLICATIONS YOU CAN THINK OF</a:t>
             </a:r>
             <a:br>
               <a:rPr lang="en-US" sz="3500" b="1" dirty="0">
@@ -9375,7 +6393,7 @@
                 </a:solidFill>
                 <a:latin typeface="Cambria" panose="02040503050406030204" pitchFamily="18" charset="0"/>
               </a:rPr>
-              <a:t>HOW COULD YOU GROUP THEM?</a:t>
+              <a:t>HOW TO ADDRESS POTENTIAL ISSUES?</a:t>
             </a:r>
           </a:p>
         </p:txBody>
@@ -9384,708 +6402,6 @@
     <p:extLst>
       <p:ext uri="{BB962C8B-B14F-4D97-AF65-F5344CB8AC3E}">
         <p14:creationId xmlns:p14="http://schemas.microsoft.com/office/powerpoint/2010/main" val="1412673654"/>
-      </p:ext>
-    </p:extLst>
-  </p:cSld>
-  <p:clrMapOvr>
-    <a:masterClrMapping/>
-  </p:clrMapOvr>
-  <mc:AlternateContent xmlns:mc="http://schemas.openxmlformats.org/markup-compatibility/2006" xmlns:p14="http://schemas.microsoft.com/office/powerpoint/2010/main">
-    <mc:Choice Requires="p14">
-      <p:transition spd="med" p14:dur="700">
-        <p:fade/>
-      </p:transition>
-    </mc:Choice>
-    <mc:Fallback xmlns="">
-      <p:transition spd="med">
-        <p:fade/>
-      </p:transition>
-    </mc:Fallback>
-  </mc:AlternateContent>
-</p:sld>
-</file>
-
-<file path=ppt/slides/slide30.xml><?xml version="1.0" encoding="utf-8"?>
-<p:sld xmlns:a="http://schemas.openxmlformats.org/drawingml/2006/main" xmlns:r="http://schemas.openxmlformats.org/officeDocument/2006/relationships" xmlns:p="http://schemas.openxmlformats.org/presentationml/2006/main">
-  <p:cSld>
-    <p:spTree>
-      <p:nvGrpSpPr>
-        <p:cNvPr id="1" name=""/>
-        <p:cNvGrpSpPr/>
-        <p:nvPr/>
-      </p:nvGrpSpPr>
-      <p:grpSpPr>
-        <a:xfrm>
-          <a:off x="0" y="0"/>
-          <a:ext cx="0" cy="0"/>
-          <a:chOff x="0" y="0"/>
-          <a:chExt cx="0" cy="0"/>
-        </a:xfrm>
-      </p:grpSpPr>
-      <p:sp>
-        <p:nvSpPr>
-          <p:cNvPr id="8" name="TextBox 7"/>
-          <p:cNvSpPr txBox="1"/>
-          <p:nvPr/>
-        </p:nvSpPr>
-        <p:spPr>
-          <a:xfrm>
-            <a:off x="1271768" y="1115051"/>
-            <a:ext cx="9196386" cy="553998"/>
-          </a:xfrm>
-          <a:prstGeom prst="rect">
-            <a:avLst/>
-          </a:prstGeom>
-          <a:noFill/>
-        </p:spPr>
-        <p:txBody>
-          <a:bodyPr wrap="square" rtlCol="0">
-            <a:spAutoFit/>
-          </a:bodyPr>
-          <a:lstStyle/>
-          <a:p>
-            <a:r>
-              <a:rPr lang="en-US" sz="3000" b="1" dirty="0">
-                <a:solidFill>
-                  <a:schemeClr val="accent1"/>
-                </a:solidFill>
-                <a:latin typeface="Cambria" panose="02040503050406030204" pitchFamily="18" charset="0"/>
-              </a:rPr>
-              <a:t>LOGISTIC REGRESSION 3/4: AT CRUISING SPEED</a:t>
-            </a:r>
-          </a:p>
-        </p:txBody>
-      </p:sp>
-      <p:sp>
-        <p:nvSpPr>
-          <p:cNvPr id="2" name="Rectangle 1">
-            <a:extLst>
-              <a:ext uri="{FF2B5EF4-FFF2-40B4-BE49-F238E27FC236}">
-                <a16:creationId xmlns:a16="http://schemas.microsoft.com/office/drawing/2014/main" id="{A151BA0A-D762-DE4B-AE31-6D365CC4BA1E}"/>
-              </a:ext>
-            </a:extLst>
-          </p:cNvPr>
-          <p:cNvSpPr/>
-          <p:nvPr/>
-        </p:nvSpPr>
-        <p:spPr>
-          <a:xfrm>
-            <a:off x="1372324" y="6005736"/>
-            <a:ext cx="3388363" cy="369332"/>
-          </a:xfrm>
-          <a:prstGeom prst="rect">
-            <a:avLst/>
-          </a:prstGeom>
-        </p:spPr>
-        <p:txBody>
-          <a:bodyPr wrap="none">
-            <a:spAutoFit/>
-          </a:bodyPr>
-          <a:lstStyle/>
-          <a:p>
-            <a:r>
-              <a:rPr lang="fr-FR" dirty="0">
-                <a:hlinkClick r:id="rId3"/>
-              </a:rPr>
-              <a:t>http://</a:t>
-            </a:r>
-            <a:r>
-              <a:rPr lang="fr-FR" dirty="0" err="1">
-                <a:hlinkClick r:id="rId3"/>
-              </a:rPr>
-              <a:t>playground.tensorflow.org</a:t>
-            </a:r>
-            <a:r>
-              <a:rPr lang="fr-FR" dirty="0">
-                <a:hlinkClick r:id="rId3"/>
-              </a:rPr>
-              <a:t>/</a:t>
-            </a:r>
-            <a:endParaRPr lang="fr-FR" dirty="0"/>
-          </a:p>
-        </p:txBody>
-      </p:sp>
-      <p:sp>
-        <p:nvSpPr>
-          <p:cNvPr id="3" name="Rectangle 2">
-            <a:extLst>
-              <a:ext uri="{FF2B5EF4-FFF2-40B4-BE49-F238E27FC236}">
-                <a16:creationId xmlns:a16="http://schemas.microsoft.com/office/drawing/2014/main" id="{A88D9F0F-F6A9-FB4D-9FF2-D95E5A5F4514}"/>
-              </a:ext>
-            </a:extLst>
-          </p:cNvPr>
-          <p:cNvSpPr/>
-          <p:nvPr/>
-        </p:nvSpPr>
-        <p:spPr>
-          <a:xfrm>
-            <a:off x="4822940" y="6005736"/>
-            <a:ext cx="2397708" cy="369332"/>
-          </a:xfrm>
-          <a:prstGeom prst="rect">
-            <a:avLst/>
-          </a:prstGeom>
-        </p:spPr>
-        <p:txBody>
-          <a:bodyPr wrap="none">
-            <a:spAutoFit/>
-          </a:bodyPr>
-          <a:lstStyle/>
-          <a:p>
-            <a:r>
-              <a:rPr lang="fr-FR" dirty="0">
-                <a:hlinkClick r:id="rId4"/>
-              </a:rPr>
-              <a:t>https://</a:t>
-            </a:r>
-            <a:r>
-              <a:rPr lang="fr-FR" dirty="0" err="1">
-                <a:hlinkClick r:id="rId4"/>
-              </a:rPr>
-              <a:t>goo.gl</a:t>
-            </a:r>
-            <a:r>
-              <a:rPr lang="fr-FR" dirty="0">
-                <a:hlinkClick r:id="rId4"/>
-              </a:rPr>
-              <a:t>/d5wwH3</a:t>
-            </a:r>
-            <a:endParaRPr lang="fr-FR" dirty="0"/>
-          </a:p>
-        </p:txBody>
-      </p:sp>
-      <p:pic>
-        <p:nvPicPr>
-          <p:cNvPr id="9" name="Picture 8" descr="tf-logistic-regression-easy.png">
-            <a:extLst>
-              <a:ext uri="{FF2B5EF4-FFF2-40B4-BE49-F238E27FC236}">
-                <a16:creationId xmlns:a16="http://schemas.microsoft.com/office/drawing/2014/main" id="{E5F1A38E-14E7-CC44-ABBF-83CD6C64BA17}"/>
-              </a:ext>
-            </a:extLst>
-          </p:cNvPr>
-          <p:cNvPicPr>
-            <a:picLocks noChangeAspect="1"/>
-          </p:cNvPicPr>
-          <p:nvPr/>
-        </p:nvPicPr>
-        <p:blipFill>
-          <a:blip r:embed="rId5"/>
-          <a:stretch>
-            <a:fillRect/>
-          </a:stretch>
-        </p:blipFill>
-        <p:spPr>
-          <a:xfrm>
-            <a:off x="1434578" y="1757264"/>
-            <a:ext cx="7043701" cy="4248471"/>
-          </a:xfrm>
-          <a:prstGeom prst="rect">
-            <a:avLst/>
-          </a:prstGeom>
-        </p:spPr>
-      </p:pic>
-    </p:spTree>
-    <p:extLst>
-      <p:ext uri="{BB962C8B-B14F-4D97-AF65-F5344CB8AC3E}">
-        <p14:creationId xmlns:p14="http://schemas.microsoft.com/office/powerpoint/2010/main" val="1602256013"/>
-      </p:ext>
-    </p:extLst>
-  </p:cSld>
-  <p:clrMapOvr>
-    <a:masterClrMapping/>
-  </p:clrMapOvr>
-  <mc:AlternateContent xmlns:mc="http://schemas.openxmlformats.org/markup-compatibility/2006" xmlns:p14="http://schemas.microsoft.com/office/powerpoint/2010/main">
-    <mc:Choice Requires="p14">
-      <p:transition spd="med" p14:dur="700">
-        <p:fade/>
-      </p:transition>
-    </mc:Choice>
-    <mc:Fallback xmlns="">
-      <p:transition spd="med">
-        <p:fade/>
-      </p:transition>
-    </mc:Fallback>
-  </mc:AlternateContent>
-</p:sld>
-</file>
-
-<file path=ppt/slides/slide31.xml><?xml version="1.0" encoding="utf-8"?>
-<p:sld xmlns:a="http://schemas.openxmlformats.org/drawingml/2006/main" xmlns:r="http://schemas.openxmlformats.org/officeDocument/2006/relationships" xmlns:p="http://schemas.openxmlformats.org/presentationml/2006/main">
-  <p:cSld>
-    <p:spTree>
-      <p:nvGrpSpPr>
-        <p:cNvPr id="1" name=""/>
-        <p:cNvGrpSpPr/>
-        <p:nvPr/>
-      </p:nvGrpSpPr>
-      <p:grpSpPr>
-        <a:xfrm>
-          <a:off x="0" y="0"/>
-          <a:ext cx="0" cy="0"/>
-          <a:chOff x="0" y="0"/>
-          <a:chExt cx="0" cy="0"/>
-        </a:xfrm>
-      </p:grpSpPr>
-      <p:sp>
-        <p:nvSpPr>
-          <p:cNvPr id="8" name="TextBox 7"/>
-          <p:cNvSpPr txBox="1"/>
-          <p:nvPr/>
-        </p:nvSpPr>
-        <p:spPr>
-          <a:xfrm>
-            <a:off x="1271768" y="1115051"/>
-            <a:ext cx="9196386" cy="553998"/>
-          </a:xfrm>
-          <a:prstGeom prst="rect">
-            <a:avLst/>
-          </a:prstGeom>
-          <a:noFill/>
-        </p:spPr>
-        <p:txBody>
-          <a:bodyPr wrap="square" rtlCol="0">
-            <a:spAutoFit/>
-          </a:bodyPr>
-          <a:lstStyle/>
-          <a:p>
-            <a:r>
-              <a:rPr lang="en-US" sz="3000" b="1" dirty="0">
-                <a:solidFill>
-                  <a:schemeClr val="accent1"/>
-                </a:solidFill>
-                <a:latin typeface="Cambria" panose="02040503050406030204" pitchFamily="18" charset="0"/>
-              </a:rPr>
-              <a:t>LOGISTIC REGRESSION 4/4: IN TROUBLE</a:t>
-            </a:r>
-          </a:p>
-        </p:txBody>
-      </p:sp>
-      <p:pic>
-        <p:nvPicPr>
-          <p:cNvPr id="7" name="Picture 6" descr="tf-logistic-regression-in-trouble.png">
-            <a:extLst>
-              <a:ext uri="{FF2B5EF4-FFF2-40B4-BE49-F238E27FC236}">
-                <a16:creationId xmlns:a16="http://schemas.microsoft.com/office/drawing/2014/main" id="{2B7BB3D3-D6AA-324F-9ED0-39B76A09B07F}"/>
-              </a:ext>
-            </a:extLst>
-          </p:cNvPr>
-          <p:cNvPicPr>
-            <a:picLocks noChangeAspect="1"/>
-          </p:cNvPicPr>
-          <p:nvPr/>
-        </p:nvPicPr>
-        <p:blipFill>
-          <a:blip r:embed="rId3"/>
-          <a:stretch>
-            <a:fillRect/>
-          </a:stretch>
-        </p:blipFill>
-        <p:spPr>
-          <a:xfrm>
-            <a:off x="1467636" y="1791636"/>
-            <a:ext cx="6962773" cy="4248472"/>
-          </a:xfrm>
-          <a:prstGeom prst="rect">
-            <a:avLst/>
-          </a:prstGeom>
-        </p:spPr>
-      </p:pic>
-    </p:spTree>
-    <p:extLst>
-      <p:ext uri="{BB962C8B-B14F-4D97-AF65-F5344CB8AC3E}">
-        <p14:creationId xmlns:p14="http://schemas.microsoft.com/office/powerpoint/2010/main" val="2790990189"/>
-      </p:ext>
-    </p:extLst>
-  </p:cSld>
-  <p:clrMapOvr>
-    <a:masterClrMapping/>
-  </p:clrMapOvr>
-  <mc:AlternateContent xmlns:mc="http://schemas.openxmlformats.org/markup-compatibility/2006" xmlns:p14="http://schemas.microsoft.com/office/powerpoint/2010/main">
-    <mc:Choice Requires="p14">
-      <p:transition spd="med" p14:dur="700">
-        <p:fade/>
-      </p:transition>
-    </mc:Choice>
-    <mc:Fallback xmlns="">
-      <p:transition spd="med">
-        <p:fade/>
-      </p:transition>
-    </mc:Fallback>
-  </mc:AlternateContent>
-</p:sld>
-</file>
-
-<file path=ppt/slides/slide32.xml><?xml version="1.0" encoding="utf-8"?>
-<p:sld xmlns:a="http://schemas.openxmlformats.org/drawingml/2006/main" xmlns:r="http://schemas.openxmlformats.org/officeDocument/2006/relationships" xmlns:p="http://schemas.openxmlformats.org/presentationml/2006/main">
-  <p:cSld>
-    <p:spTree>
-      <p:nvGrpSpPr>
-        <p:cNvPr id="1" name=""/>
-        <p:cNvGrpSpPr/>
-        <p:nvPr/>
-      </p:nvGrpSpPr>
-      <p:grpSpPr>
-        <a:xfrm>
-          <a:off x="0" y="0"/>
-          <a:ext cx="0" cy="0"/>
-          <a:chOff x="0" y="0"/>
-          <a:chExt cx="0" cy="0"/>
-        </a:xfrm>
-      </p:grpSpPr>
-      <p:sp>
-        <p:nvSpPr>
-          <p:cNvPr id="8" name="TextBox 7"/>
-          <p:cNvSpPr txBox="1"/>
-          <p:nvPr/>
-        </p:nvSpPr>
-        <p:spPr>
-          <a:xfrm>
-            <a:off x="1271768" y="1115051"/>
-            <a:ext cx="9196386" cy="553998"/>
-          </a:xfrm>
-          <a:prstGeom prst="rect">
-            <a:avLst/>
-          </a:prstGeom>
-          <a:noFill/>
-        </p:spPr>
-        <p:txBody>
-          <a:bodyPr wrap="square" rtlCol="0">
-            <a:spAutoFit/>
-          </a:bodyPr>
-          <a:lstStyle/>
-          <a:p>
-            <a:r>
-              <a:rPr lang="en-US" sz="3000" b="1" dirty="0">
-                <a:solidFill>
-                  <a:schemeClr val="accent1"/>
-                </a:solidFill>
-                <a:latin typeface="Cambria" panose="02040503050406030204" pitchFamily="18" charset="0"/>
-              </a:rPr>
-              <a:t>NEURAL NET COMES ON STAGE</a:t>
-            </a:r>
-          </a:p>
-        </p:txBody>
-      </p:sp>
-      <p:pic>
-        <p:nvPicPr>
-          <p:cNvPr id="4" name="Picture 3" descr="tf-neural-net-basic.png">
-            <a:extLst>
-              <a:ext uri="{FF2B5EF4-FFF2-40B4-BE49-F238E27FC236}">
-                <a16:creationId xmlns:a16="http://schemas.microsoft.com/office/drawing/2014/main" id="{1B3369C1-28AF-B14E-A81C-332959B4A338}"/>
-              </a:ext>
-            </a:extLst>
-          </p:cNvPr>
-          <p:cNvPicPr>
-            <a:picLocks noChangeAspect="1"/>
-          </p:cNvPicPr>
-          <p:nvPr/>
-        </p:nvPicPr>
-        <p:blipFill>
-          <a:blip r:embed="rId3"/>
-          <a:stretch>
-            <a:fillRect/>
-          </a:stretch>
-        </p:blipFill>
-        <p:spPr>
-          <a:xfrm>
-            <a:off x="1401584" y="1669049"/>
-            <a:ext cx="6484847" cy="4248472"/>
-          </a:xfrm>
-          <a:prstGeom prst="rect">
-            <a:avLst/>
-          </a:prstGeom>
-        </p:spPr>
-      </p:pic>
-      <p:sp>
-        <p:nvSpPr>
-          <p:cNvPr id="2" name="Rectangle 1">
-            <a:extLst>
-              <a:ext uri="{FF2B5EF4-FFF2-40B4-BE49-F238E27FC236}">
-                <a16:creationId xmlns:a16="http://schemas.microsoft.com/office/drawing/2014/main" id="{21E9BA03-CC53-8F4B-9FA9-FA3D71114D01}"/>
-              </a:ext>
-            </a:extLst>
-          </p:cNvPr>
-          <p:cNvSpPr/>
-          <p:nvPr/>
-        </p:nvSpPr>
-        <p:spPr>
-          <a:xfrm>
-            <a:off x="1401584" y="6102187"/>
-            <a:ext cx="2251194" cy="369332"/>
-          </a:xfrm>
-          <a:prstGeom prst="rect">
-            <a:avLst/>
-          </a:prstGeom>
-        </p:spPr>
-        <p:txBody>
-          <a:bodyPr wrap="none">
-            <a:spAutoFit/>
-          </a:bodyPr>
-          <a:lstStyle/>
-          <a:p>
-            <a:r>
-              <a:rPr lang="fr-FR" dirty="0">
-                <a:hlinkClick r:id="rId4"/>
-              </a:rPr>
-              <a:t>https://</a:t>
-            </a:r>
-            <a:r>
-              <a:rPr lang="fr-FR" dirty="0" err="1">
-                <a:hlinkClick r:id="rId4"/>
-              </a:rPr>
-              <a:t>goo.gl</a:t>
-            </a:r>
-            <a:r>
-              <a:rPr lang="fr-FR" dirty="0">
-                <a:hlinkClick r:id="rId4"/>
-              </a:rPr>
-              <a:t>/</a:t>
-            </a:r>
-            <a:r>
-              <a:rPr lang="fr-FR" dirty="0" err="1">
-                <a:hlinkClick r:id="rId4"/>
-              </a:rPr>
-              <a:t>ngcvpV</a:t>
-            </a:r>
-            <a:endParaRPr lang="fr-FR" dirty="0"/>
-          </a:p>
-        </p:txBody>
-      </p:sp>
-    </p:spTree>
-    <p:extLst>
-      <p:ext uri="{BB962C8B-B14F-4D97-AF65-F5344CB8AC3E}">
-        <p14:creationId xmlns:p14="http://schemas.microsoft.com/office/powerpoint/2010/main" val="1906639174"/>
-      </p:ext>
-    </p:extLst>
-  </p:cSld>
-  <p:clrMapOvr>
-    <a:masterClrMapping/>
-  </p:clrMapOvr>
-  <mc:AlternateContent xmlns:mc="http://schemas.openxmlformats.org/markup-compatibility/2006" xmlns:p14="http://schemas.microsoft.com/office/powerpoint/2010/main">
-    <mc:Choice Requires="p14">
-      <p:transition spd="med" p14:dur="700">
-        <p:fade/>
-      </p:transition>
-    </mc:Choice>
-    <mc:Fallback xmlns="">
-      <p:transition spd="med">
-        <p:fade/>
-      </p:transition>
-    </mc:Fallback>
-  </mc:AlternateContent>
-</p:sld>
-</file>
-
-<file path=ppt/slides/slide33.xml><?xml version="1.0" encoding="utf-8"?>
-<p:sld xmlns:a="http://schemas.openxmlformats.org/drawingml/2006/main" xmlns:r="http://schemas.openxmlformats.org/officeDocument/2006/relationships" xmlns:p="http://schemas.openxmlformats.org/presentationml/2006/main">
-  <p:cSld>
-    <p:spTree>
-      <p:nvGrpSpPr>
-        <p:cNvPr id="1" name=""/>
-        <p:cNvGrpSpPr/>
-        <p:nvPr/>
-      </p:nvGrpSpPr>
-      <p:grpSpPr>
-        <a:xfrm>
-          <a:off x="0" y="0"/>
-          <a:ext cx="0" cy="0"/>
-          <a:chOff x="0" y="0"/>
-          <a:chExt cx="0" cy="0"/>
-        </a:xfrm>
-      </p:grpSpPr>
-      <p:sp>
-        <p:nvSpPr>
-          <p:cNvPr id="8" name="TextBox 7"/>
-          <p:cNvSpPr txBox="1"/>
-          <p:nvPr/>
-        </p:nvSpPr>
-        <p:spPr>
-          <a:xfrm>
-            <a:off x="1271768" y="1115051"/>
-            <a:ext cx="9196386" cy="553998"/>
-          </a:xfrm>
-          <a:prstGeom prst="rect">
-            <a:avLst/>
-          </a:prstGeom>
-          <a:noFill/>
-        </p:spPr>
-        <p:txBody>
-          <a:bodyPr wrap="square" rtlCol="0">
-            <a:spAutoFit/>
-          </a:bodyPr>
-          <a:lstStyle/>
-          <a:p>
-            <a:r>
-              <a:rPr lang="en-US" sz="3000" b="1" dirty="0">
-                <a:solidFill>
-                  <a:schemeClr val="accent1"/>
-                </a:solidFill>
-                <a:latin typeface="Cambria" panose="02040503050406030204" pitchFamily="18" charset="0"/>
-              </a:rPr>
-              <a:t>A “DEEP” NEURAL NET COMES ON STAGE</a:t>
-            </a:r>
-          </a:p>
-        </p:txBody>
-      </p:sp>
-      <p:pic>
-        <p:nvPicPr>
-          <p:cNvPr id="7" name="Picture 6" descr="tf-deep-neural-net-to-the-rescue.png">
-            <a:extLst>
-              <a:ext uri="{FF2B5EF4-FFF2-40B4-BE49-F238E27FC236}">
-                <a16:creationId xmlns:a16="http://schemas.microsoft.com/office/drawing/2014/main" id="{0CA801A6-8C2D-144C-BE2D-FFEB06B5DCB4}"/>
-              </a:ext>
-            </a:extLst>
-          </p:cNvPr>
-          <p:cNvPicPr>
-            <a:picLocks noChangeAspect="1"/>
-          </p:cNvPicPr>
-          <p:nvPr/>
-        </p:nvPicPr>
-        <p:blipFill>
-          <a:blip r:embed="rId3"/>
-          <a:stretch>
-            <a:fillRect/>
-          </a:stretch>
-        </p:blipFill>
-        <p:spPr>
-          <a:xfrm>
-            <a:off x="1342308" y="1804012"/>
-            <a:ext cx="6481479" cy="4248472"/>
-          </a:xfrm>
-          <a:prstGeom prst="rect">
-            <a:avLst/>
-          </a:prstGeom>
-        </p:spPr>
-      </p:pic>
-      <p:sp>
-        <p:nvSpPr>
-          <p:cNvPr id="6" name="Rectangle 5">
-            <a:extLst>
-              <a:ext uri="{FF2B5EF4-FFF2-40B4-BE49-F238E27FC236}">
-                <a16:creationId xmlns:a16="http://schemas.microsoft.com/office/drawing/2014/main" id="{27992013-CC68-EC4F-8474-17E6AF2CFE57}"/>
-              </a:ext>
-            </a:extLst>
-          </p:cNvPr>
-          <p:cNvSpPr/>
-          <p:nvPr/>
-        </p:nvSpPr>
-        <p:spPr>
-          <a:xfrm>
-            <a:off x="1271768" y="6187447"/>
-            <a:ext cx="2228495" cy="369332"/>
-          </a:xfrm>
-          <a:prstGeom prst="rect">
-            <a:avLst/>
-          </a:prstGeom>
-        </p:spPr>
-        <p:txBody>
-          <a:bodyPr wrap="none">
-            <a:spAutoFit/>
-          </a:bodyPr>
-          <a:lstStyle/>
-          <a:p>
-            <a:r>
-              <a:rPr lang="fr-FR" dirty="0">
-                <a:hlinkClick r:id="rId4"/>
-              </a:rPr>
-              <a:t>https://</a:t>
-            </a:r>
-            <a:r>
-              <a:rPr lang="fr-FR" dirty="0" err="1">
-                <a:hlinkClick r:id="rId4"/>
-              </a:rPr>
-              <a:t>goo.gl</a:t>
-            </a:r>
-            <a:r>
-              <a:rPr lang="fr-FR" dirty="0">
-                <a:hlinkClick r:id="rId4"/>
-              </a:rPr>
-              <a:t>/6BJ83E</a:t>
-            </a:r>
-            <a:endParaRPr lang="fr-FR" dirty="0"/>
-          </a:p>
-        </p:txBody>
-      </p:sp>
-    </p:spTree>
-    <p:extLst>
-      <p:ext uri="{BB962C8B-B14F-4D97-AF65-F5344CB8AC3E}">
-        <p14:creationId xmlns:p14="http://schemas.microsoft.com/office/powerpoint/2010/main" val="2006526689"/>
-      </p:ext>
-    </p:extLst>
-  </p:cSld>
-  <p:clrMapOvr>
-    <a:masterClrMapping/>
-  </p:clrMapOvr>
-  <mc:AlternateContent xmlns:mc="http://schemas.openxmlformats.org/markup-compatibility/2006" xmlns:p14="http://schemas.microsoft.com/office/powerpoint/2010/main">
-    <mc:Choice Requires="p14">
-      <p:transition spd="med" p14:dur="700">
-        <p:fade/>
-      </p:transition>
-    </mc:Choice>
-    <mc:Fallback xmlns="">
-      <p:transition spd="med">
-        <p:fade/>
-      </p:transition>
-    </mc:Fallback>
-  </mc:AlternateContent>
-</p:sld>
-</file>
-
-<file path=ppt/slides/slide34.xml><?xml version="1.0" encoding="utf-8"?>
-<p:sld xmlns:a="http://schemas.openxmlformats.org/drawingml/2006/main" xmlns:r="http://schemas.openxmlformats.org/officeDocument/2006/relationships" xmlns:p="http://schemas.openxmlformats.org/presentationml/2006/main">
-  <p:cSld>
-    <p:spTree>
-      <p:nvGrpSpPr>
-        <p:cNvPr id="1" name=""/>
-        <p:cNvGrpSpPr/>
-        <p:nvPr/>
-      </p:nvGrpSpPr>
-      <p:grpSpPr>
-        <a:xfrm>
-          <a:off x="0" y="0"/>
-          <a:ext cx="0" cy="0"/>
-          <a:chOff x="0" y="0"/>
-          <a:chExt cx="0" cy="0"/>
-        </a:xfrm>
-      </p:grpSpPr>
-      <p:sp>
-        <p:nvSpPr>
-          <p:cNvPr id="8" name="TextBox 7"/>
-          <p:cNvSpPr txBox="1"/>
-          <p:nvPr/>
-        </p:nvSpPr>
-        <p:spPr>
-          <a:xfrm>
-            <a:off x="1271768" y="1115051"/>
-            <a:ext cx="9196386" cy="553998"/>
-          </a:xfrm>
-          <a:prstGeom prst="rect">
-            <a:avLst/>
-          </a:prstGeom>
-          <a:noFill/>
-        </p:spPr>
-        <p:txBody>
-          <a:bodyPr wrap="square" rtlCol="0">
-            <a:spAutoFit/>
-          </a:bodyPr>
-          <a:lstStyle/>
-          <a:p>
-            <a:r>
-              <a:rPr lang="en-US" sz="3000" b="1" dirty="0">
-                <a:solidFill>
-                  <a:schemeClr val="accent1"/>
-                </a:solidFill>
-                <a:latin typeface="Cambria" panose="02040503050406030204" pitchFamily="18" charset="0"/>
-              </a:rPr>
-              <a:t>TO BE CONTINUED</a:t>
-            </a:r>
-          </a:p>
-        </p:txBody>
-      </p:sp>
-    </p:spTree>
-    <p:extLst>
-      <p:ext uri="{BB962C8B-B14F-4D97-AF65-F5344CB8AC3E}">
-        <p14:creationId xmlns:p14="http://schemas.microsoft.com/office/powerpoint/2010/main" val="4262809890"/>
       </p:ext>
     </p:extLst>
   </p:cSld>
@@ -10147,228 +6463,108 @@
           <a:lstStyle/>
           <a:p>
             <a:r>
-              <a:rPr lang="en-US" sz="3000" b="1">
-                <a:solidFill>
-                  <a:schemeClr val="accent1"/>
-                </a:solidFill>
-                <a:latin typeface="Cambria" panose="02040503050406030204" pitchFamily="18" charset="0"/>
-              </a:rPr>
-              <a:t>BY “TECHNOLOGY“ TYPE</a:t>
-            </a:r>
-            <a:endParaRPr lang="en-US" sz="3000" b="1" dirty="0">
-              <a:solidFill>
-                <a:schemeClr val="accent1"/>
-              </a:solidFill>
-              <a:latin typeface="Cambria" panose="02040503050406030204" pitchFamily="18" charset="0"/>
-            </a:endParaRPr>
-          </a:p>
-        </p:txBody>
-      </p:sp>
-      <p:sp>
-        <p:nvSpPr>
-          <p:cNvPr id="9" name="TextBox 8"/>
-          <p:cNvSpPr txBox="1"/>
+              <a:rPr lang="en-US" sz="3000" b="1" dirty="0">
+                <a:solidFill>
+                  <a:schemeClr val="accent1"/>
+                </a:solidFill>
+                <a:latin typeface="Cambria" panose="02040503050406030204" pitchFamily="18" charset="0"/>
+              </a:rPr>
+              <a:t>THE EXISTENTIAL THREAT …</a:t>
+            </a:r>
+          </a:p>
+        </p:txBody>
+      </p:sp>
+      <p:sp>
+        <p:nvSpPr>
+          <p:cNvPr id="2" name="Rectangle 1">
+            <a:extLst>
+              <a:ext uri="{FF2B5EF4-FFF2-40B4-BE49-F238E27FC236}">
+                <a16:creationId xmlns:a16="http://schemas.microsoft.com/office/drawing/2014/main" id="{5C2C392E-83C1-DC46-8100-C1E568A0B207}"/>
+              </a:ext>
+            </a:extLst>
+          </p:cNvPr>
+          <p:cNvSpPr/>
           <p:nvPr/>
         </p:nvSpPr>
         <p:spPr>
           <a:xfrm>
-            <a:off x="1275701" y="1830236"/>
-            <a:ext cx="9909364" cy="4893647"/>
+            <a:off x="1339044" y="4960499"/>
+            <a:ext cx="4880952" cy="369332"/>
           </a:xfrm>
           <a:prstGeom prst="rect">
             <a:avLst/>
           </a:prstGeom>
-          <a:noFill/>
         </p:spPr>
         <p:txBody>
-          <a:bodyPr wrap="square" rtlCol="0">
+          <a:bodyPr wrap="none">
             <a:spAutoFit/>
           </a:bodyPr>
           <a:lstStyle/>
           <a:p>
-            <a:pPr marL="342900" indent="-342900">
-              <a:buFont typeface="Arial"/>
-              <a:buChar char="•"/>
-            </a:pPr>
-            <a:r>
-              <a:rPr lang="en-US" sz="2400" b="1">
-                <a:solidFill>
-                  <a:schemeClr val="accent1"/>
-                </a:solidFill>
-                <a:latin typeface="Cambria" panose="02040503050406030204" pitchFamily="18" charset="0"/>
-              </a:rPr>
-              <a:t>IMAGE RECOGNITION</a:t>
-            </a:r>
-            <a:br>
-              <a:rPr lang="en-US" sz="2400" b="1">
-                <a:solidFill>
-                  <a:schemeClr val="accent1"/>
-                </a:solidFill>
-                <a:latin typeface="Cambria" panose="02040503050406030204" pitchFamily="18" charset="0"/>
-              </a:rPr>
-            </a:br>
-            <a:endParaRPr lang="en-US" sz="2400" b="1">
-              <a:solidFill>
-                <a:schemeClr val="accent1"/>
-              </a:solidFill>
-              <a:latin typeface="Cambria" panose="02040503050406030204" pitchFamily="18" charset="0"/>
-            </a:endParaRPr>
-          </a:p>
-          <a:p>
-            <a:pPr marL="342900" indent="-342900">
-              <a:buFont typeface="Arial"/>
-              <a:buChar char="•"/>
-            </a:pPr>
-            <a:r>
-              <a:rPr lang="en-US" sz="2400" b="1">
-                <a:solidFill>
-                  <a:schemeClr val="accent1"/>
-                </a:solidFill>
-                <a:latin typeface="Cambria" panose="02040503050406030204" pitchFamily="18" charset="0"/>
-              </a:rPr>
-              <a:t>OBJECT DETECTION</a:t>
-            </a:r>
-            <a:br>
-              <a:rPr lang="en-US" sz="2400" b="1">
-                <a:solidFill>
-                  <a:schemeClr val="accent1"/>
-                </a:solidFill>
-                <a:latin typeface="Cambria" panose="02040503050406030204" pitchFamily="18" charset="0"/>
-              </a:rPr>
-            </a:br>
-            <a:endParaRPr lang="en-US" sz="2400" b="1">
-              <a:solidFill>
-                <a:schemeClr val="accent1"/>
-              </a:solidFill>
-              <a:latin typeface="Cambria" panose="02040503050406030204" pitchFamily="18" charset="0"/>
-            </a:endParaRPr>
-          </a:p>
-          <a:p>
-            <a:pPr marL="342900" indent="-342900">
-              <a:buFont typeface="Arial"/>
-              <a:buChar char="•"/>
-            </a:pPr>
-            <a:r>
-              <a:rPr lang="en-US" sz="2400" b="1">
-                <a:solidFill>
-                  <a:schemeClr val="accent1"/>
-                </a:solidFill>
-                <a:latin typeface="Cambria" panose="02040503050406030204" pitchFamily="18" charset="0"/>
-              </a:rPr>
-              <a:t>NATURAL LANGUAGE PROCESSING, SPEECH RECOGNITION</a:t>
-            </a:r>
-            <a:br>
-              <a:rPr lang="en-US" sz="2400" b="1">
-                <a:solidFill>
-                  <a:schemeClr val="accent1"/>
-                </a:solidFill>
-                <a:latin typeface="Cambria" panose="02040503050406030204" pitchFamily="18" charset="0"/>
-              </a:rPr>
-            </a:br>
-            <a:endParaRPr lang="en-US" sz="2400" b="1">
-              <a:solidFill>
-                <a:schemeClr val="accent1"/>
-              </a:solidFill>
-              <a:latin typeface="Cambria" panose="02040503050406030204" pitchFamily="18" charset="0"/>
-            </a:endParaRPr>
-          </a:p>
-          <a:p>
-            <a:pPr marL="342900" indent="-342900">
-              <a:buFont typeface="Arial"/>
-              <a:buChar char="•"/>
-            </a:pPr>
-            <a:r>
-              <a:rPr lang="en-US" sz="2400" b="1">
-                <a:solidFill>
-                  <a:schemeClr val="accent1"/>
-                </a:solidFill>
-                <a:latin typeface="Cambria" panose="02040503050406030204" pitchFamily="18" charset="0"/>
-              </a:rPr>
-              <a:t>TIME SERIES PREDICTION</a:t>
-            </a:r>
-            <a:br>
-              <a:rPr lang="en-US" sz="2400" b="1">
-                <a:solidFill>
-                  <a:schemeClr val="accent1"/>
-                </a:solidFill>
-                <a:latin typeface="Cambria" panose="02040503050406030204" pitchFamily="18" charset="0"/>
-              </a:rPr>
-            </a:br>
-            <a:endParaRPr lang="en-US" sz="2400" b="1">
-              <a:solidFill>
-                <a:schemeClr val="accent1"/>
-              </a:solidFill>
-              <a:latin typeface="Cambria" panose="02040503050406030204" pitchFamily="18" charset="0"/>
-            </a:endParaRPr>
-          </a:p>
-          <a:p>
-            <a:pPr marL="342900" indent="-342900">
-              <a:buFont typeface="Arial"/>
-              <a:buChar char="•"/>
-            </a:pPr>
-            <a:r>
-              <a:rPr lang="en-US" sz="2400" b="1">
-                <a:solidFill>
-                  <a:schemeClr val="accent1"/>
-                </a:solidFill>
-                <a:latin typeface="Cambria" panose="02040503050406030204" pitchFamily="18" charset="0"/>
-              </a:rPr>
-              <a:t>ROBOTIC</a:t>
-            </a:r>
-            <a:br>
-              <a:rPr lang="en-US" sz="2400" b="1">
-                <a:solidFill>
-                  <a:schemeClr val="accent1"/>
-                </a:solidFill>
-                <a:latin typeface="Cambria" panose="02040503050406030204" pitchFamily="18" charset="0"/>
-              </a:rPr>
-            </a:br>
-            <a:endParaRPr lang="en-US" sz="2400" b="1">
-              <a:solidFill>
-                <a:schemeClr val="accent1"/>
-              </a:solidFill>
-              <a:latin typeface="Cambria" panose="02040503050406030204" pitchFamily="18" charset="0"/>
-            </a:endParaRPr>
-          </a:p>
-          <a:p>
-            <a:pPr marL="342900" indent="-342900">
-              <a:buFont typeface="Arial"/>
-              <a:buChar char="•"/>
-            </a:pPr>
-            <a:r>
-              <a:rPr lang="en-US" sz="2400" b="1">
-                <a:solidFill>
-                  <a:schemeClr val="accent1"/>
-                </a:solidFill>
-                <a:latin typeface="Cambria" panose="02040503050406030204" pitchFamily="18" charset="0"/>
-              </a:rPr>
-              <a:t>GAMES &amp; SIMULATION </a:t>
-            </a:r>
-            <a:br>
-              <a:rPr lang="en-US" sz="2400" b="1">
-                <a:solidFill>
-                  <a:schemeClr val="accent1"/>
-                </a:solidFill>
-                <a:latin typeface="Cambria" panose="02040503050406030204" pitchFamily="18" charset="0"/>
-              </a:rPr>
-            </a:br>
-            <a:br>
-              <a:rPr lang="en-US" sz="2400">
-                <a:solidFill>
-                  <a:schemeClr val="accent1"/>
-                </a:solidFill>
-                <a:latin typeface="Cambria" panose="02040503050406030204" pitchFamily="18" charset="0"/>
-              </a:rPr>
-            </a:br>
-            <a:endParaRPr lang="en-US" sz="2400" dirty="0">
-              <a:solidFill>
-                <a:schemeClr val="accent1"/>
-              </a:solidFill>
-              <a:latin typeface="Cambria" panose="02040503050406030204" pitchFamily="18" charset="0"/>
-            </a:endParaRPr>
-          </a:p>
-        </p:txBody>
-      </p:sp>
+            <a:r>
+              <a:rPr lang="fr-FR" dirty="0">
+                <a:hlinkClick r:id="rId3"/>
+              </a:rPr>
+              <a:t>https://</a:t>
+            </a:r>
+            <a:r>
+              <a:rPr lang="fr-FR" dirty="0" err="1">
+                <a:hlinkClick r:id="rId3"/>
+              </a:rPr>
+              <a:t>www.youtube.com</a:t>
+            </a:r>
+            <a:r>
+              <a:rPr lang="fr-FR" dirty="0">
+                <a:hlinkClick r:id="rId3"/>
+              </a:rPr>
+              <a:t>/</a:t>
+            </a:r>
+            <a:r>
+              <a:rPr lang="fr-FR" dirty="0" err="1">
+                <a:hlinkClick r:id="rId3"/>
+              </a:rPr>
+              <a:t>watch?v</a:t>
+            </a:r>
+            <a:r>
+              <a:rPr lang="fr-FR" dirty="0">
+                <a:hlinkClick r:id="rId3"/>
+              </a:rPr>
+              <a:t>=3BlYq3jO6xw</a:t>
+            </a:r>
+            <a:endParaRPr lang="fr-FR" dirty="0"/>
+          </a:p>
+        </p:txBody>
+      </p:sp>
+      <p:pic>
+        <p:nvPicPr>
+          <p:cNvPr id="3" name="Picture 2">
+            <a:extLst>
+              <a:ext uri="{FF2B5EF4-FFF2-40B4-BE49-F238E27FC236}">
+                <a16:creationId xmlns:a16="http://schemas.microsoft.com/office/drawing/2014/main" id="{2ACF23E4-2F0E-5B4B-9979-EE85D0413C7D}"/>
+              </a:ext>
+            </a:extLst>
+          </p:cNvPr>
+          <p:cNvPicPr>
+            <a:picLocks noChangeAspect="1"/>
+          </p:cNvPicPr>
+          <p:nvPr/>
+        </p:nvPicPr>
+        <p:blipFill>
+          <a:blip r:embed="rId4"/>
+          <a:stretch>
+            <a:fillRect/>
+          </a:stretch>
+        </p:blipFill>
+        <p:spPr>
+          <a:xfrm>
+            <a:off x="1417320" y="1958983"/>
+            <a:ext cx="3314700" cy="2711582"/>
+          </a:xfrm>
+          <a:prstGeom prst="rect">
+            <a:avLst/>
+          </a:prstGeom>
+        </p:spPr>
+      </p:pic>
     </p:spTree>
     <p:extLst>
       <p:ext uri="{BB962C8B-B14F-4D97-AF65-F5344CB8AC3E}">
@@ -10440,7 +6636,7 @@
                 </a:solidFill>
                 <a:latin typeface="Cambria" panose="02040503050406030204" pitchFamily="18" charset="0"/>
               </a:rPr>
-              <a:t>BY ACTIVITY SECTORS</a:t>
+              <a:t>RATHER FOCUS ON ALREADY PRESENT ISSUES</a:t>
             </a:r>
           </a:p>
         </p:txBody>
@@ -10454,7 +6650,7 @@
         <p:spPr>
           <a:xfrm>
             <a:off x="1275701" y="1830236"/>
-            <a:ext cx="9909364" cy="5632311"/>
+            <a:ext cx="9909364" cy="3785652"/>
           </a:xfrm>
           <a:prstGeom prst="rect">
             <a:avLst/>
@@ -10478,7 +6674,7 @@
                 </a:solidFill>
                 <a:latin typeface="Cambria" panose="02040503050406030204" pitchFamily="18" charset="0"/>
               </a:rPr>
-              <a:t>HEALTH</a:t>
+              <a:t>LACK OF TRANSPARENCY &amp; TRUST</a:t>
             </a:r>
             <a:br>
               <a:rPr lang="en-US" sz="2400" b="1" dirty="0">
@@ -10507,7 +6703,7 @@
                 </a:solidFill>
                 <a:latin typeface="Cambria" panose="02040503050406030204" pitchFamily="18" charset="0"/>
               </a:rPr>
-              <a:t>AGRICULTURE, ENVIRONMENT</a:t>
+              <a:t>DELEGATE JUDGEMENT IN SENSITIVE AREAS</a:t>
             </a:r>
             <a:br>
               <a:rPr lang="en-US" sz="2400" b="1" dirty="0">
@@ -10536,7 +6732,7 @@
                 </a:solidFill>
                 <a:latin typeface="Cambria" panose="02040503050406030204" pitchFamily="18" charset="0"/>
               </a:rPr>
-              <a:t>EDUCATION &amp; SCIENCE</a:t>
+              <a:t>INJECTING HUMAN BIAS</a:t>
             </a:r>
             <a:br>
               <a:rPr lang="en-US" sz="2400" b="1" dirty="0">
@@ -10565,7 +6761,7 @@
                 </a:solidFill>
                 <a:latin typeface="Cambria" panose="02040503050406030204" pitchFamily="18" charset="0"/>
               </a:rPr>
-              <a:t>INDUSTRY</a:t>
+              <a:t>COMPLIANCE WITH SOCIAL AND VALUE NORMS</a:t>
             </a:r>
             <a:br>
               <a:rPr lang="en-US" sz="2400" b="1" dirty="0">
@@ -10594,74 +6790,8 @@
                 </a:solidFill>
                 <a:latin typeface="Cambria" panose="02040503050406030204" pitchFamily="18" charset="0"/>
               </a:rPr>
-              <a:t>DEFENCE</a:t>
-            </a:r>
-            <a:br>
-              <a:rPr lang="en-US" sz="2400" b="1" dirty="0">
-                <a:solidFill>
-                  <a:schemeClr val="accent1"/>
-                </a:solidFill>
-                <a:latin typeface="Cambria" panose="02040503050406030204" pitchFamily="18" charset="0"/>
-              </a:rPr>
-            </a:br>
-            <a:endParaRPr lang="en-US" sz="2400" b="1" dirty="0">
-              <a:solidFill>
-                <a:schemeClr val="accent1"/>
-              </a:solidFill>
-              <a:latin typeface="Cambria" panose="02040503050406030204" pitchFamily="18" charset="0"/>
-            </a:endParaRPr>
-          </a:p>
-          <a:p>
-            <a:pPr marL="342900" indent="-342900">
-              <a:buFont typeface="Arial"/>
-              <a:buChar char="•"/>
-            </a:pPr>
-            <a:r>
-              <a:rPr lang="en-US" sz="2400" b="1" dirty="0">
-                <a:solidFill>
-                  <a:schemeClr val="accent1"/>
-                </a:solidFill>
-                <a:latin typeface="Cambria" panose="02040503050406030204" pitchFamily="18" charset="0"/>
-              </a:rPr>
-              <a:t>FINANCE (ATS)</a:t>
-            </a:r>
-            <a:br>
-              <a:rPr lang="en-US" sz="2400" b="1" dirty="0">
-                <a:solidFill>
-                  <a:schemeClr val="accent1"/>
-                </a:solidFill>
-                <a:latin typeface="Cambria" panose="02040503050406030204" pitchFamily="18" charset="0"/>
-              </a:rPr>
-            </a:br>
-            <a:endParaRPr lang="en-US" sz="2400" b="1" dirty="0">
-              <a:solidFill>
-                <a:schemeClr val="accent1"/>
-              </a:solidFill>
-              <a:latin typeface="Cambria" panose="02040503050406030204" pitchFamily="18" charset="0"/>
-            </a:endParaRPr>
-          </a:p>
-          <a:p>
-            <a:pPr marL="342900" indent="-342900">
-              <a:buFont typeface="Arial"/>
-              <a:buChar char="•"/>
-            </a:pPr>
-            <a:r>
-              <a:rPr lang="en-US" sz="2400" b="1" dirty="0">
-                <a:solidFill>
-                  <a:schemeClr val="accent1"/>
-                </a:solidFill>
-                <a:latin typeface="Cambria" panose="02040503050406030204" pitchFamily="18" charset="0"/>
-              </a:rPr>
-              <a:t>...</a:t>
-            </a:r>
-            <a:br>
-              <a:rPr lang="en-US" sz="2400" b="1" dirty="0">
-                <a:solidFill>
-                  <a:schemeClr val="accent1"/>
-                </a:solidFill>
-                <a:latin typeface="Cambria" panose="02040503050406030204" pitchFamily="18" charset="0"/>
-              </a:rPr>
-            </a:br>
+              <a:t>…</a:t>
+            </a:r>
             <a:br>
               <a:rPr lang="en-US" sz="2400" dirty="0">
                 <a:solidFill>
@@ -10682,7 +6812,7 @@
     </p:spTree>
     <p:extLst>
       <p:ext uri="{BB962C8B-B14F-4D97-AF65-F5344CB8AC3E}">
-        <p14:creationId xmlns:p14="http://schemas.microsoft.com/office/powerpoint/2010/main" val="3692301791"/>
+        <p14:creationId xmlns:p14="http://schemas.microsoft.com/office/powerpoint/2010/main" val="2924337503"/>
       </p:ext>
     </p:extLst>
   </p:cSld>
@@ -10730,7 +6860,7 @@
         <p:spPr>
           <a:xfrm>
             <a:off x="1271768" y="1115051"/>
-            <a:ext cx="9196386" cy="553998"/>
+            <a:ext cx="9196386" cy="630942"/>
           </a:xfrm>
           <a:prstGeom prst="rect">
             <a:avLst/>
@@ -10744,168 +6874,21 @@
           <a:lstStyle/>
           <a:p>
             <a:r>
-              <a:rPr lang="en-US" sz="3000" b="1" dirty="0">
-                <a:solidFill>
-                  <a:schemeClr val="accent1"/>
-                </a:solidFill>
-                <a:latin typeface="Cambria" panose="02040503050406030204" pitchFamily="18" charset="0"/>
-              </a:rPr>
-              <a:t>BUT MANY ARE TRANSECTORAL</a:t>
-            </a:r>
-          </a:p>
-        </p:txBody>
-      </p:sp>
-      <p:sp>
-        <p:nvSpPr>
-          <p:cNvPr id="9" name="TextBox 8"/>
-          <p:cNvSpPr txBox="1"/>
-          <p:nvPr/>
-        </p:nvSpPr>
-        <p:spPr>
-          <a:xfrm>
-            <a:off x="1275701" y="1830236"/>
-            <a:ext cx="9909364" cy="3416320"/>
-          </a:xfrm>
-          <a:prstGeom prst="rect">
-            <a:avLst/>
-          </a:prstGeom>
-          <a:noFill/>
-        </p:spPr>
-        <p:txBody>
-          <a:bodyPr wrap="square" rtlCol="0">
-            <a:spAutoFit/>
-          </a:bodyPr>
-          <a:lstStyle/>
-          <a:p>
-            <a:pPr marL="342900" indent="-342900">
-              <a:buFont typeface="Arial"/>
-              <a:buChar char="•"/>
-            </a:pPr>
-            <a:r>
-              <a:rPr lang="en-US" sz="2400" b="1" dirty="0">
-                <a:solidFill>
-                  <a:schemeClr val="accent1"/>
-                </a:solidFill>
-                <a:latin typeface="Cambria" panose="02040503050406030204" pitchFamily="18" charset="0"/>
-              </a:rPr>
-              <a:t>TRANSPORTATION</a:t>
-            </a:r>
-            <a:br>
-              <a:rPr lang="en-US" sz="2400" b="1" dirty="0">
-                <a:solidFill>
-                  <a:schemeClr val="accent1"/>
-                </a:solidFill>
-                <a:latin typeface="Cambria" panose="02040503050406030204" pitchFamily="18" charset="0"/>
-              </a:rPr>
-            </a:br>
-            <a:endParaRPr lang="en-US" sz="2400" b="1" dirty="0">
-              <a:solidFill>
-                <a:schemeClr val="accent1"/>
-              </a:solidFill>
-              <a:latin typeface="Cambria" panose="02040503050406030204" pitchFamily="18" charset="0"/>
-            </a:endParaRPr>
-          </a:p>
-          <a:p>
-            <a:pPr marL="342900" indent="-342900">
-              <a:buFont typeface="Arial"/>
-              <a:buChar char="•"/>
-            </a:pPr>
-            <a:r>
-              <a:rPr lang="en-US" sz="2400" b="1" dirty="0">
-                <a:solidFill>
-                  <a:schemeClr val="accent1"/>
-                </a:solidFill>
-                <a:latin typeface="Cambria" panose="02040503050406030204" pitchFamily="18" charset="0"/>
-              </a:rPr>
-              <a:t>ENERGY</a:t>
-            </a:r>
-            <a:br>
-              <a:rPr lang="en-US" sz="2400" b="1" dirty="0">
-                <a:solidFill>
-                  <a:schemeClr val="accent1"/>
-                </a:solidFill>
-                <a:latin typeface="Cambria" panose="02040503050406030204" pitchFamily="18" charset="0"/>
-              </a:rPr>
-            </a:br>
-            <a:endParaRPr lang="en-US" sz="2400" b="1" dirty="0">
-              <a:solidFill>
-                <a:schemeClr val="accent1"/>
-              </a:solidFill>
-              <a:latin typeface="Cambria" panose="02040503050406030204" pitchFamily="18" charset="0"/>
-            </a:endParaRPr>
-          </a:p>
-          <a:p>
-            <a:pPr marL="342900" indent="-342900">
-              <a:buFont typeface="Arial"/>
-              <a:buChar char="•"/>
-            </a:pPr>
-            <a:r>
-              <a:rPr lang="en-US" sz="2400" b="1" dirty="0">
-                <a:solidFill>
-                  <a:schemeClr val="accent1"/>
-                </a:solidFill>
-                <a:latin typeface="Cambria" panose="02040503050406030204" pitchFamily="18" charset="0"/>
-              </a:rPr>
-              <a:t>VIRTUAL ASSISTANT</a:t>
-            </a:r>
-            <a:br>
-              <a:rPr lang="en-US" sz="2400" b="1" dirty="0">
-                <a:solidFill>
-                  <a:schemeClr val="accent1"/>
-                </a:solidFill>
-                <a:latin typeface="Cambria" panose="02040503050406030204" pitchFamily="18" charset="0"/>
-              </a:rPr>
-            </a:br>
-            <a:endParaRPr lang="en-US" sz="2400" b="1" dirty="0">
-              <a:solidFill>
-                <a:schemeClr val="accent1"/>
-              </a:solidFill>
-              <a:latin typeface="Cambria" panose="02040503050406030204" pitchFamily="18" charset="0"/>
-            </a:endParaRPr>
-          </a:p>
-          <a:p>
-            <a:pPr marL="342900" indent="-342900">
-              <a:buFont typeface="Arial"/>
-              <a:buChar char="•"/>
-            </a:pPr>
-            <a:r>
-              <a:rPr lang="en-US" sz="2400" b="1" dirty="0">
-                <a:solidFill>
-                  <a:schemeClr val="accent1"/>
-                </a:solidFill>
-                <a:latin typeface="Cambria" panose="02040503050406030204" pitchFamily="18" charset="0"/>
-              </a:rPr>
-              <a:t>...</a:t>
-            </a:r>
-            <a:br>
-              <a:rPr lang="en-US" sz="2400" b="1" dirty="0">
-                <a:solidFill>
-                  <a:schemeClr val="accent1"/>
-                </a:solidFill>
-                <a:latin typeface="Cambria" panose="02040503050406030204" pitchFamily="18" charset="0"/>
-              </a:rPr>
-            </a:br>
-            <a:br>
-              <a:rPr lang="en-US" sz="2400" dirty="0">
-                <a:solidFill>
-                  <a:schemeClr val="accent1"/>
-                </a:solidFill>
-                <a:latin typeface="Cambria" panose="02040503050406030204" pitchFamily="18" charset="0"/>
-              </a:rPr>
-            </a:br>
-            <a:endParaRPr lang="en-US" sz="2400" dirty="0">
-              <a:solidFill>
-                <a:schemeClr val="accent1"/>
-              </a:solidFill>
-              <a:latin typeface="Cambria" panose="02040503050406030204" pitchFamily="18" charset="0"/>
-            </a:endParaRPr>
+              <a:rPr lang="en-US" sz="3500" b="1" dirty="0">
+                <a:solidFill>
+                  <a:schemeClr val="accent1"/>
+                </a:solidFill>
+                <a:latin typeface="Cambria" panose="02040503050406030204" pitchFamily="18" charset="0"/>
+              </a:rPr>
+              <a:t>LACK OF TRANSPARENCY</a:t>
+            </a:r>
           </a:p>
         </p:txBody>
       </p:sp>
     </p:spTree>
     <p:extLst>
       <p:ext uri="{BB962C8B-B14F-4D97-AF65-F5344CB8AC3E}">
-        <p14:creationId xmlns:p14="http://schemas.microsoft.com/office/powerpoint/2010/main" val="3074714673"/>
+        <p14:creationId xmlns:p14="http://schemas.microsoft.com/office/powerpoint/2010/main" val="1601071183"/>
       </p:ext>
     </p:extLst>
   </p:cSld>
@@ -10973,7 +6956,7 @@
                 </a:solidFill>
                 <a:latin typeface="Cambria" panose="02040503050406030204" pitchFamily="18" charset="0"/>
               </a:rPr>
-              <a:t>BUT MANY ARE TRANSECTORAL</a:t>
+              <a:t>THE BLACK-BOX PHENOMENON</a:t>
             </a:r>
           </a:p>
         </p:txBody>
@@ -10987,7 +6970,7 @@
         <p:spPr>
           <a:xfrm>
             <a:off x="1275701" y="1830236"/>
-            <a:ext cx="9909364" cy="3416320"/>
+            <a:ext cx="9909364" cy="4154984"/>
           </a:xfrm>
           <a:prstGeom prst="rect">
             <a:avLst/>
@@ -11011,7 +6994,7 @@
                 </a:solidFill>
                 <a:latin typeface="Cambria" panose="02040503050406030204" pitchFamily="18" charset="0"/>
               </a:rPr>
-              <a:t>TRANSPORTATION</a:t>
+              <a:t>SIMPLE MODELS LIKE DECISION TREE ARE EASY TO EXPLAIN</a:t>
             </a:r>
             <a:br>
               <a:rPr lang="en-US" sz="2400" b="1" dirty="0">
@@ -11040,10 +7023,10 @@
                 </a:solidFill>
                 <a:latin typeface="Cambria" panose="02040503050406030204" pitchFamily="18" charset="0"/>
               </a:rPr>
-              <a:t>ENERGY</a:t>
+              <a:t>STATE-OF-THE ART ENSEMBLE METHODS INCREASED PERFORMANCE OBSCURE …</a:t>
             </a:r>
             <a:br>
-              <a:rPr lang="en-US" sz="2400" b="1" dirty="0">
+              <a:rPr lang="en-US" sz="2400" dirty="0">
                 <a:solidFill>
                   <a:schemeClr val="accent1"/>
                 </a:solidFill>
@@ -11069,7 +7052,7 @@
                 </a:solidFill>
                 <a:latin typeface="Cambria" panose="02040503050406030204" pitchFamily="18" charset="0"/>
               </a:rPr>
-              <a:t>VIRTUAL ASSISTANT</a:t>
+              <a:t>IDEM WITH DEEP NEURAL NETWORKS</a:t>
             </a:r>
             <a:br>
               <a:rPr lang="en-US" sz="2400" b="1" dirty="0">
@@ -11098,7 +7081,7 @@
                 </a:solidFill>
                 <a:latin typeface="Cambria" panose="02040503050406030204" pitchFamily="18" charset="0"/>
               </a:rPr>
-              <a:t>...</a:t>
+              <a:t>UNABLE TO JUSTIFY/EXPLAIN THE PREDICTION</a:t>
             </a:r>
             <a:br>
               <a:rPr lang="en-US" sz="2400" b="1" dirty="0">
@@ -11108,6 +7091,27 @@
                 <a:latin typeface="Cambria" panose="02040503050406030204" pitchFamily="18" charset="0"/>
               </a:rPr>
             </a:br>
+            <a:endParaRPr lang="en-US" sz="2400" b="1" dirty="0">
+              <a:solidFill>
+                <a:schemeClr val="accent1"/>
+              </a:solidFill>
+              <a:latin typeface="Cambria" panose="02040503050406030204" pitchFamily="18" charset="0"/>
+            </a:endParaRPr>
+          </a:p>
+          <a:p>
+            <a:pPr marL="342900" indent="-342900">
+              <a:buFont typeface="Arial"/>
+              <a:buChar char="•"/>
+            </a:pPr>
+            <a:r>
+              <a:rPr lang="en-US" sz="2400" b="1" dirty="0">
+                <a:solidFill>
+                  <a:schemeClr val="accent1"/>
+                </a:solidFill>
+                <a:latin typeface="Cambria" panose="02040503050406030204" pitchFamily="18" charset="0"/>
+              </a:rPr>
+              <a:t>DEMOCRATIC ISSUE </a:t>
+            </a:r>
             <a:br>
               <a:rPr lang="en-US" sz="2400" dirty="0">
                 <a:solidFill>
@@ -11128,7 +7132,7 @@
     </p:spTree>
     <p:extLst>
       <p:ext uri="{BB962C8B-B14F-4D97-AF65-F5344CB8AC3E}">
-        <p14:creationId xmlns:p14="http://schemas.microsoft.com/office/powerpoint/2010/main" val="669696816"/>
+        <p14:creationId xmlns:p14="http://schemas.microsoft.com/office/powerpoint/2010/main" val="1131173991"/>
       </p:ext>
     </p:extLst>
   </p:cSld>
@@ -11176,7 +7180,7 @@
         <p:spPr>
           <a:xfrm>
             <a:off x="1271768" y="1115051"/>
-            <a:ext cx="9196386" cy="630942"/>
+            <a:ext cx="9196386" cy="553998"/>
           </a:xfrm>
           <a:prstGeom prst="rect">
             <a:avLst/>
@@ -11190,21 +7194,100 @@
           <a:lstStyle/>
           <a:p>
             <a:r>
-              <a:rPr lang="en-US" sz="3500" b="1" dirty="0">
-                <a:solidFill>
-                  <a:schemeClr val="accent1"/>
-                </a:solidFill>
-                <a:latin typeface="Cambria" panose="02040503050406030204" pitchFamily="18" charset="0"/>
-              </a:rPr>
-              <a:t>AN QUICK TOUR OF SOME AI APPLICATIONS</a:t>
-            </a:r>
+              <a:rPr lang="en-US" sz="3000" b="1" dirty="0">
+                <a:solidFill>
+                  <a:schemeClr val="accent1"/>
+                </a:solidFill>
+                <a:latin typeface="Cambria" panose="02040503050406030204" pitchFamily="18" charset="0"/>
+              </a:rPr>
+              <a:t>EXPLAINABLE AI</a:t>
+            </a:r>
+          </a:p>
+        </p:txBody>
+      </p:sp>
+      <p:pic>
+        <p:nvPicPr>
+          <p:cNvPr id="2" name="Picture 1">
+            <a:extLst>
+              <a:ext uri="{FF2B5EF4-FFF2-40B4-BE49-F238E27FC236}">
+                <a16:creationId xmlns:a16="http://schemas.microsoft.com/office/drawing/2014/main" id="{9E5F68D6-8700-7145-848C-E17C5DEE30F6}"/>
+              </a:ext>
+            </a:extLst>
+          </p:cNvPr>
+          <p:cNvPicPr>
+            <a:picLocks noChangeAspect="1"/>
+          </p:cNvPicPr>
+          <p:nvPr/>
+        </p:nvPicPr>
+        <p:blipFill>
+          <a:blip r:embed="rId3"/>
+          <a:stretch>
+            <a:fillRect/>
+          </a:stretch>
+        </p:blipFill>
+        <p:spPr>
+          <a:xfrm>
+            <a:off x="1271768" y="1736161"/>
+            <a:ext cx="5477198" cy="4043680"/>
+          </a:xfrm>
+          <a:prstGeom prst="rect">
+            <a:avLst/>
+          </a:prstGeom>
+        </p:spPr>
+      </p:pic>
+      <p:sp>
+        <p:nvSpPr>
+          <p:cNvPr id="3" name="Rectangle 2">
+            <a:extLst>
+              <a:ext uri="{FF2B5EF4-FFF2-40B4-BE49-F238E27FC236}">
+                <a16:creationId xmlns:a16="http://schemas.microsoft.com/office/drawing/2014/main" id="{071BEB91-FB3E-A04A-9EFB-53EED6C40630}"/>
+              </a:ext>
+            </a:extLst>
+          </p:cNvPr>
+          <p:cNvSpPr/>
+          <p:nvPr/>
+        </p:nvSpPr>
+        <p:spPr>
+          <a:xfrm>
+            <a:off x="1271768" y="5970955"/>
+            <a:ext cx="7521712" cy="369332"/>
+          </a:xfrm>
+          <a:prstGeom prst="rect">
+            <a:avLst/>
+          </a:prstGeom>
+        </p:spPr>
+        <p:txBody>
+          <a:bodyPr wrap="square">
+            <a:spAutoFit/>
+          </a:bodyPr>
+          <a:lstStyle/>
+          <a:p>
+            <a:r>
+              <a:rPr lang="en-US" dirty="0">
+                <a:hlinkClick r:id="rId4"/>
+              </a:rPr>
+              <a:t>https://</a:t>
+            </a:r>
+            <a:r>
+              <a:rPr lang="en-US" dirty="0" err="1">
+                <a:hlinkClick r:id="rId4"/>
+              </a:rPr>
+              <a:t>www.darpa.mil</a:t>
+            </a:r>
+            <a:r>
+              <a:rPr lang="en-US" dirty="0">
+                <a:hlinkClick r:id="rId4"/>
+              </a:rPr>
+              <a:t>/program/explainable-artificial-intelligence</a:t>
+            </a:r>
+            <a:endParaRPr lang="en-US" dirty="0"/>
           </a:p>
         </p:txBody>
       </p:sp>
     </p:spTree>
     <p:extLst>
       <p:ext uri="{BB962C8B-B14F-4D97-AF65-F5344CB8AC3E}">
-        <p14:creationId xmlns:p14="http://schemas.microsoft.com/office/powerpoint/2010/main" val="1601071183"/>
+        <p14:creationId xmlns:p14="http://schemas.microsoft.com/office/powerpoint/2010/main" val="2952107966"/>
       </p:ext>
     </p:extLst>
   </p:cSld>
@@ -11252,7 +7335,7 @@
         <p:spPr>
           <a:xfrm>
             <a:off x="1271768" y="1115051"/>
-            <a:ext cx="9196386" cy="553998"/>
+            <a:ext cx="9196386" cy="630942"/>
           </a:xfrm>
           <a:prstGeom prst="rect">
             <a:avLst/>
@@ -11266,124 +7349,21 @@
           <a:lstStyle/>
           <a:p>
             <a:r>
-              <a:rPr lang="en-US" sz="3000" b="1" dirty="0">
-                <a:solidFill>
-                  <a:schemeClr val="accent1"/>
-                </a:solidFill>
-                <a:latin typeface="Cambria" panose="02040503050406030204" pitchFamily="18" charset="0"/>
-              </a:rPr>
-              <a:t>REAL TIME OBJECT DETECTION</a:t>
-            </a:r>
-          </a:p>
-        </p:txBody>
-      </p:sp>
-      <p:pic>
-        <p:nvPicPr>
-          <p:cNvPr id="2" name="Picture 1">
-            <a:extLst>
-              <a:ext uri="{FF2B5EF4-FFF2-40B4-BE49-F238E27FC236}">
-                <a16:creationId xmlns:a16="http://schemas.microsoft.com/office/drawing/2014/main" id="{01B24F27-76CE-ED42-8F3D-D89FBE4162C4}"/>
-              </a:ext>
-            </a:extLst>
-          </p:cNvPr>
-          <p:cNvPicPr>
-            <a:picLocks noChangeAspect="1"/>
-          </p:cNvPicPr>
-          <p:nvPr/>
-        </p:nvPicPr>
-        <p:blipFill>
-          <a:blip r:embed="rId3"/>
-          <a:stretch>
-            <a:fillRect/>
-          </a:stretch>
-        </p:blipFill>
-        <p:spPr>
-          <a:xfrm>
-            <a:off x="1402080" y="1915079"/>
-            <a:ext cx="6789239" cy="3475343"/>
-          </a:xfrm>
-          <a:prstGeom prst="rect">
-            <a:avLst/>
-          </a:prstGeom>
-        </p:spPr>
-      </p:pic>
-      <p:sp>
-        <p:nvSpPr>
-          <p:cNvPr id="3" name="Rectangle 2">
-            <a:extLst>
-              <a:ext uri="{FF2B5EF4-FFF2-40B4-BE49-F238E27FC236}">
-                <a16:creationId xmlns:a16="http://schemas.microsoft.com/office/drawing/2014/main" id="{FD0260EC-A37A-7740-9796-33553F873E40}"/>
-              </a:ext>
-            </a:extLst>
-          </p:cNvPr>
-          <p:cNvSpPr/>
-          <p:nvPr/>
-        </p:nvSpPr>
-        <p:spPr>
-          <a:xfrm>
-            <a:off x="1402080" y="5636452"/>
-            <a:ext cx="3545201" cy="369332"/>
-          </a:xfrm>
-          <a:prstGeom prst="rect">
-            <a:avLst/>
-          </a:prstGeom>
-        </p:spPr>
-        <p:txBody>
-          <a:bodyPr wrap="none">
-            <a:spAutoFit/>
-          </a:bodyPr>
-          <a:lstStyle/>
-          <a:p>
-            <a:r>
-              <a:rPr lang="fr-FR" dirty="0">
-                <a:hlinkClick r:id="rId4"/>
-              </a:rPr>
-              <a:t>https://</a:t>
-            </a:r>
-            <a:r>
-              <a:rPr lang="fr-FR" dirty="0" err="1">
-                <a:hlinkClick r:id="rId4"/>
-              </a:rPr>
-              <a:t>pjreddie.com</a:t>
-            </a:r>
-            <a:r>
-              <a:rPr lang="fr-FR" dirty="0">
-                <a:hlinkClick r:id="rId4"/>
-              </a:rPr>
-              <a:t>/</a:t>
-            </a:r>
-            <a:r>
-              <a:rPr lang="fr-FR" dirty="0" err="1">
-                <a:hlinkClick r:id="rId4"/>
-              </a:rPr>
-              <a:t>darknet</a:t>
-            </a:r>
-            <a:r>
-              <a:rPr lang="fr-FR" dirty="0">
-                <a:hlinkClick r:id="rId4"/>
-              </a:rPr>
-              <a:t>/</a:t>
-            </a:r>
-            <a:r>
-              <a:rPr lang="fr-FR" dirty="0" err="1">
-                <a:hlinkClick r:id="rId4"/>
-              </a:rPr>
-              <a:t>yolo</a:t>
-            </a:r>
-            <a:r>
-              <a:rPr lang="fr-FR" dirty="0">
-                <a:hlinkClick r:id="rId4"/>
-              </a:rPr>
-              <a:t>/</a:t>
-            </a:r>
-            <a:endParaRPr lang="fr-FR" dirty="0"/>
+              <a:rPr lang="en-US" sz="3500" b="1" dirty="0">
+                <a:solidFill>
+                  <a:schemeClr val="accent1"/>
+                </a:solidFill>
+                <a:latin typeface="Cambria" panose="02040503050406030204" pitchFamily="18" charset="0"/>
+              </a:rPr>
+              <a:t>JUDGMENT DELEGATION</a:t>
+            </a:r>
           </a:p>
         </p:txBody>
       </p:sp>
     </p:spTree>
     <p:extLst>
       <p:ext uri="{BB962C8B-B14F-4D97-AF65-F5344CB8AC3E}">
-        <p14:creationId xmlns:p14="http://schemas.microsoft.com/office/powerpoint/2010/main" val="4206715214"/>
+        <p14:creationId xmlns:p14="http://schemas.microsoft.com/office/powerpoint/2010/main" val="3380377747"/>
       </p:ext>
     </p:extLst>
   </p:cSld>

--- a/presentations/session-6-ethics-of-ai.pptx
+++ b/presentations/session-6-ethics-of-ai.pptx
@@ -224,7 +224,7 @@
           <a:p>
             <a:fld id="{74B0C4F4-A186-4C13-8E85-1B7149B65718}" type="datetimeFigureOut">
               <a:rPr lang="en-US" smtClean="0"/>
-              <a:t>10/25/18</a:t>
+              <a:t>11/5/18</a:t>
             </a:fld>
             <a:endParaRPr lang="en-US"/>
           </a:p>

--- a/presentations/session-6-ethics-of-ai.pptx
+++ b/presentations/session-6-ethics-of-ai.pptx
@@ -5,26 +5,29 @@
     <p:sldMasterId id="2147483648" r:id="rId1"/>
   </p:sldMasterIdLst>
   <p:notesMasterIdLst>
-    <p:notesMasterId r:id="rId19"/>
+    <p:notesMasterId r:id="rId22"/>
   </p:notesMasterIdLst>
   <p:sldIdLst>
     <p:sldId id="263" r:id="rId2"/>
     <p:sldId id="538" r:id="rId3"/>
-    <p:sldId id="542" r:id="rId4"/>
-    <p:sldId id="433" r:id="rId5"/>
-    <p:sldId id="557" r:id="rId6"/>
-    <p:sldId id="556" r:id="rId7"/>
-    <p:sldId id="558" r:id="rId8"/>
-    <p:sldId id="559" r:id="rId9"/>
-    <p:sldId id="561" r:id="rId10"/>
-    <p:sldId id="562" r:id="rId11"/>
-    <p:sldId id="563" r:id="rId12"/>
-    <p:sldId id="564" r:id="rId13"/>
-    <p:sldId id="565" r:id="rId14"/>
-    <p:sldId id="566" r:id="rId15"/>
-    <p:sldId id="567" r:id="rId16"/>
-    <p:sldId id="568" r:id="rId17"/>
-    <p:sldId id="569" r:id="rId18"/>
+    <p:sldId id="584" r:id="rId4"/>
+    <p:sldId id="542" r:id="rId5"/>
+    <p:sldId id="433" r:id="rId6"/>
+    <p:sldId id="557" r:id="rId7"/>
+    <p:sldId id="585" r:id="rId8"/>
+    <p:sldId id="558" r:id="rId9"/>
+    <p:sldId id="559" r:id="rId10"/>
+    <p:sldId id="586" r:id="rId11"/>
+    <p:sldId id="562" r:id="rId12"/>
+    <p:sldId id="563" r:id="rId13"/>
+    <p:sldId id="587" r:id="rId14"/>
+    <p:sldId id="564" r:id="rId15"/>
+    <p:sldId id="565" r:id="rId16"/>
+    <p:sldId id="588" r:id="rId17"/>
+    <p:sldId id="566" r:id="rId18"/>
+    <p:sldId id="589" r:id="rId19"/>
+    <p:sldId id="568" r:id="rId20"/>
+    <p:sldId id="590" r:id="rId21"/>
   </p:sldIdLst>
   <p:sldSz cx="12192000" cy="6858000"/>
   <p:notesSz cx="6797675" cy="9874250"/>
@@ -619,6 +622,10 @@
           <a:bodyPr/>
           <a:lstStyle/>
           <a:p>
+            <a:pPr marL="171450" indent="-171450">
+              <a:buFont typeface="Arial" panose="020B0604020202020204" pitchFamily="34" charset="0"/>
+              <a:buChar char="•"/>
+            </a:pPr>
             <a:endParaRPr lang="en-US" dirty="0"/>
           </a:p>
         </p:txBody>
@@ -649,7 +656,7 @@
     </p:spTree>
     <p:extLst>
       <p:ext uri="{BB962C8B-B14F-4D97-AF65-F5344CB8AC3E}">
-        <p14:creationId xmlns:p14="http://schemas.microsoft.com/office/powerpoint/2010/main" val="3797695640"/>
+        <p14:creationId xmlns:p14="http://schemas.microsoft.com/office/powerpoint/2010/main" val="4259495693"/>
       </p:ext>
     </p:extLst>
   </p:cSld>
@@ -733,7 +740,7 @@
     </p:spTree>
     <p:extLst>
       <p:ext uri="{BB962C8B-B14F-4D97-AF65-F5344CB8AC3E}">
-        <p14:creationId xmlns:p14="http://schemas.microsoft.com/office/powerpoint/2010/main" val="770735575"/>
+        <p14:creationId xmlns:p14="http://schemas.microsoft.com/office/powerpoint/2010/main" val="3797695640"/>
       </p:ext>
     </p:extLst>
   </p:cSld>
@@ -817,7 +824,7 @@
     </p:spTree>
     <p:extLst>
       <p:ext uri="{BB962C8B-B14F-4D97-AF65-F5344CB8AC3E}">
-        <p14:creationId xmlns:p14="http://schemas.microsoft.com/office/powerpoint/2010/main" val="1719458320"/>
+        <p14:creationId xmlns:p14="http://schemas.microsoft.com/office/powerpoint/2010/main" val="770735575"/>
       </p:ext>
     </p:extLst>
   </p:cSld>
@@ -871,6 +878,10 @@
           <a:bodyPr/>
           <a:lstStyle/>
           <a:p>
+            <a:pPr marL="171450" indent="-171450">
+              <a:buFont typeface="Arial" panose="020B0604020202020204" pitchFamily="34" charset="0"/>
+              <a:buChar char="•"/>
+            </a:pPr>
             <a:endParaRPr lang="en-US" dirty="0"/>
           </a:p>
         </p:txBody>
@@ -901,7 +912,7 @@
     </p:spTree>
     <p:extLst>
       <p:ext uri="{BB962C8B-B14F-4D97-AF65-F5344CB8AC3E}">
-        <p14:creationId xmlns:p14="http://schemas.microsoft.com/office/powerpoint/2010/main" val="840027298"/>
+        <p14:creationId xmlns:p14="http://schemas.microsoft.com/office/powerpoint/2010/main" val="1900408697"/>
       </p:ext>
     </p:extLst>
   </p:cSld>
@@ -985,7 +996,7 @@
     </p:spTree>
     <p:extLst>
       <p:ext uri="{BB962C8B-B14F-4D97-AF65-F5344CB8AC3E}">
-        <p14:creationId xmlns:p14="http://schemas.microsoft.com/office/powerpoint/2010/main" val="2413600801"/>
+        <p14:creationId xmlns:p14="http://schemas.microsoft.com/office/powerpoint/2010/main" val="1719458320"/>
       </p:ext>
     </p:extLst>
   </p:cSld>
@@ -1069,7 +1080,7 @@
     </p:spTree>
     <p:extLst>
       <p:ext uri="{BB962C8B-B14F-4D97-AF65-F5344CB8AC3E}">
-        <p14:creationId xmlns:p14="http://schemas.microsoft.com/office/powerpoint/2010/main" val="3504541692"/>
+        <p14:creationId xmlns:p14="http://schemas.microsoft.com/office/powerpoint/2010/main" val="840027298"/>
       </p:ext>
     </p:extLst>
   </p:cSld>
@@ -1123,6 +1134,10 @@
           <a:bodyPr/>
           <a:lstStyle/>
           <a:p>
+            <a:pPr marL="171450" indent="-171450">
+              <a:buFont typeface="Arial" panose="020B0604020202020204" pitchFamily="34" charset="0"/>
+              <a:buChar char="•"/>
+            </a:pPr>
             <a:endParaRPr lang="en-US" dirty="0"/>
           </a:p>
         </p:txBody>
@@ -1153,7 +1168,7 @@
     </p:spTree>
     <p:extLst>
       <p:ext uri="{BB962C8B-B14F-4D97-AF65-F5344CB8AC3E}">
-        <p14:creationId xmlns:p14="http://schemas.microsoft.com/office/powerpoint/2010/main" val="3725140350"/>
+        <p14:creationId xmlns:p14="http://schemas.microsoft.com/office/powerpoint/2010/main" val="2242807298"/>
       </p:ext>
     </p:extLst>
   </p:cSld>
@@ -1237,7 +1252,179 @@
     </p:spTree>
     <p:extLst>
       <p:ext uri="{BB962C8B-B14F-4D97-AF65-F5344CB8AC3E}">
-        <p14:creationId xmlns:p14="http://schemas.microsoft.com/office/powerpoint/2010/main" val="2230542340"/>
+        <p14:creationId xmlns:p14="http://schemas.microsoft.com/office/powerpoint/2010/main" val="2413600801"/>
+      </p:ext>
+    </p:extLst>
+  </p:cSld>
+  <p:clrMapOvr>
+    <a:masterClrMapping/>
+  </p:clrMapOvr>
+</p:notes>
+</file>
+
+<file path=ppt/notesSlides/notesSlide18.xml><?xml version="1.0" encoding="utf-8"?>
+<p:notes xmlns:a="http://schemas.openxmlformats.org/drawingml/2006/main" xmlns:r="http://schemas.openxmlformats.org/officeDocument/2006/relationships" xmlns:p="http://schemas.openxmlformats.org/presentationml/2006/main">
+  <p:cSld>
+    <p:spTree>
+      <p:nvGrpSpPr>
+        <p:cNvPr id="1" name=""/>
+        <p:cNvGrpSpPr/>
+        <p:nvPr/>
+      </p:nvGrpSpPr>
+      <p:grpSpPr>
+        <a:xfrm>
+          <a:off x="0" y="0"/>
+          <a:ext cx="0" cy="0"/>
+          <a:chOff x="0" y="0"/>
+          <a:chExt cx="0" cy="0"/>
+        </a:xfrm>
+      </p:grpSpPr>
+      <p:sp>
+        <p:nvSpPr>
+          <p:cNvPr id="2" name="Slide Image Placeholder 1"/>
+          <p:cNvSpPr>
+            <a:spLocks noGrp="1" noRot="1" noChangeAspect="1"/>
+          </p:cNvSpPr>
+          <p:nvPr>
+            <p:ph type="sldImg"/>
+          </p:nvPr>
+        </p:nvSpPr>
+        <p:spPr/>
+      </p:sp>
+      <p:sp>
+        <p:nvSpPr>
+          <p:cNvPr id="3" name="Notes Placeholder 2"/>
+          <p:cNvSpPr>
+            <a:spLocks noGrp="1"/>
+          </p:cNvSpPr>
+          <p:nvPr>
+            <p:ph type="body" idx="1"/>
+          </p:nvPr>
+        </p:nvSpPr>
+        <p:spPr/>
+        <p:txBody>
+          <a:bodyPr/>
+          <a:lstStyle/>
+          <a:p>
+            <a:pPr marL="171450" indent="-171450">
+              <a:buFont typeface="Arial" panose="020B0604020202020204" pitchFamily="34" charset="0"/>
+              <a:buChar char="•"/>
+            </a:pPr>
+            <a:endParaRPr lang="en-US" dirty="0"/>
+          </a:p>
+        </p:txBody>
+      </p:sp>
+      <p:sp>
+        <p:nvSpPr>
+          <p:cNvPr id="4" name="Slide Number Placeholder 3"/>
+          <p:cNvSpPr>
+            <a:spLocks noGrp="1"/>
+          </p:cNvSpPr>
+          <p:nvPr>
+            <p:ph type="sldNum" sz="quarter" idx="10"/>
+          </p:nvPr>
+        </p:nvSpPr>
+        <p:spPr/>
+        <p:txBody>
+          <a:bodyPr/>
+          <a:lstStyle/>
+          <a:p>
+            <a:fld id="{2F6F93F9-6E01-423B-ABB3-8FB3B0651941}" type="slidenum">
+              <a:rPr lang="en-US" smtClean="0"/>
+              <a:t>18</a:t>
+            </a:fld>
+            <a:endParaRPr lang="en-US"/>
+          </a:p>
+        </p:txBody>
+      </p:sp>
+    </p:spTree>
+    <p:extLst>
+      <p:ext uri="{BB962C8B-B14F-4D97-AF65-F5344CB8AC3E}">
+        <p14:creationId xmlns:p14="http://schemas.microsoft.com/office/powerpoint/2010/main" val="2226236680"/>
+      </p:ext>
+    </p:extLst>
+  </p:cSld>
+  <p:clrMapOvr>
+    <a:masterClrMapping/>
+  </p:clrMapOvr>
+</p:notes>
+</file>
+
+<file path=ppt/notesSlides/notesSlide19.xml><?xml version="1.0" encoding="utf-8"?>
+<p:notes xmlns:a="http://schemas.openxmlformats.org/drawingml/2006/main" xmlns:r="http://schemas.openxmlformats.org/officeDocument/2006/relationships" xmlns:p="http://schemas.openxmlformats.org/presentationml/2006/main">
+  <p:cSld>
+    <p:spTree>
+      <p:nvGrpSpPr>
+        <p:cNvPr id="1" name=""/>
+        <p:cNvGrpSpPr/>
+        <p:nvPr/>
+      </p:nvGrpSpPr>
+      <p:grpSpPr>
+        <a:xfrm>
+          <a:off x="0" y="0"/>
+          <a:ext cx="0" cy="0"/>
+          <a:chOff x="0" y="0"/>
+          <a:chExt cx="0" cy="0"/>
+        </a:xfrm>
+      </p:grpSpPr>
+      <p:sp>
+        <p:nvSpPr>
+          <p:cNvPr id="2" name="Slide Image Placeholder 1"/>
+          <p:cNvSpPr>
+            <a:spLocks noGrp="1" noRot="1" noChangeAspect="1"/>
+          </p:cNvSpPr>
+          <p:nvPr>
+            <p:ph type="sldImg"/>
+          </p:nvPr>
+        </p:nvSpPr>
+        <p:spPr/>
+      </p:sp>
+      <p:sp>
+        <p:nvSpPr>
+          <p:cNvPr id="3" name="Notes Placeholder 2"/>
+          <p:cNvSpPr>
+            <a:spLocks noGrp="1"/>
+          </p:cNvSpPr>
+          <p:nvPr>
+            <p:ph type="body" idx="1"/>
+          </p:nvPr>
+        </p:nvSpPr>
+        <p:spPr/>
+        <p:txBody>
+          <a:bodyPr/>
+          <a:lstStyle/>
+          <a:p>
+            <a:endParaRPr lang="en-US" dirty="0"/>
+          </a:p>
+        </p:txBody>
+      </p:sp>
+      <p:sp>
+        <p:nvSpPr>
+          <p:cNvPr id="4" name="Slide Number Placeholder 3"/>
+          <p:cNvSpPr>
+            <a:spLocks noGrp="1"/>
+          </p:cNvSpPr>
+          <p:nvPr>
+            <p:ph type="sldNum" sz="quarter" idx="10"/>
+          </p:nvPr>
+        </p:nvSpPr>
+        <p:spPr/>
+        <p:txBody>
+          <a:bodyPr/>
+          <a:lstStyle/>
+          <a:p>
+            <a:fld id="{2F6F93F9-6E01-423B-ABB3-8FB3B0651941}" type="slidenum">
+              <a:rPr lang="en-US" smtClean="0"/>
+              <a:t>19</a:t>
+            </a:fld>
+            <a:endParaRPr lang="en-US"/>
+          </a:p>
+        </p:txBody>
+      </p:sp>
+    </p:spTree>
+    <p:extLst>
+      <p:ext uri="{BB962C8B-B14F-4D97-AF65-F5344CB8AC3E}">
+        <p14:creationId xmlns:p14="http://schemas.microsoft.com/office/powerpoint/2010/main" val="3725140350"/>
       </p:ext>
     </p:extLst>
   </p:cSld>
@@ -1331,6 +1518,94 @@
 </p:notes>
 </file>
 
+<file path=ppt/notesSlides/notesSlide20.xml><?xml version="1.0" encoding="utf-8"?>
+<p:notes xmlns:a="http://schemas.openxmlformats.org/drawingml/2006/main" xmlns:r="http://schemas.openxmlformats.org/officeDocument/2006/relationships" xmlns:p="http://schemas.openxmlformats.org/presentationml/2006/main">
+  <p:cSld>
+    <p:spTree>
+      <p:nvGrpSpPr>
+        <p:cNvPr id="1" name=""/>
+        <p:cNvGrpSpPr/>
+        <p:nvPr/>
+      </p:nvGrpSpPr>
+      <p:grpSpPr>
+        <a:xfrm>
+          <a:off x="0" y="0"/>
+          <a:ext cx="0" cy="0"/>
+          <a:chOff x="0" y="0"/>
+          <a:chExt cx="0" cy="0"/>
+        </a:xfrm>
+      </p:grpSpPr>
+      <p:sp>
+        <p:nvSpPr>
+          <p:cNvPr id="2" name="Slide Image Placeholder 1"/>
+          <p:cNvSpPr>
+            <a:spLocks noGrp="1" noRot="1" noChangeAspect="1"/>
+          </p:cNvSpPr>
+          <p:nvPr>
+            <p:ph type="sldImg"/>
+          </p:nvPr>
+        </p:nvSpPr>
+        <p:spPr/>
+      </p:sp>
+      <p:sp>
+        <p:nvSpPr>
+          <p:cNvPr id="3" name="Notes Placeholder 2"/>
+          <p:cNvSpPr>
+            <a:spLocks noGrp="1"/>
+          </p:cNvSpPr>
+          <p:nvPr>
+            <p:ph type="body" idx="1"/>
+          </p:nvPr>
+        </p:nvSpPr>
+        <p:spPr/>
+        <p:txBody>
+          <a:bodyPr/>
+          <a:lstStyle/>
+          <a:p>
+            <a:pPr marL="171450" indent="-171450">
+              <a:buFont typeface="Arial" panose="020B0604020202020204" pitchFamily="34" charset="0"/>
+              <a:buChar char="•"/>
+            </a:pPr>
+            <a:endParaRPr lang="en-US" dirty="0"/>
+          </a:p>
+        </p:txBody>
+      </p:sp>
+      <p:sp>
+        <p:nvSpPr>
+          <p:cNvPr id="4" name="Slide Number Placeholder 3"/>
+          <p:cNvSpPr>
+            <a:spLocks noGrp="1"/>
+          </p:cNvSpPr>
+          <p:nvPr>
+            <p:ph type="sldNum" sz="quarter" idx="10"/>
+          </p:nvPr>
+        </p:nvSpPr>
+        <p:spPr/>
+        <p:txBody>
+          <a:bodyPr/>
+          <a:lstStyle/>
+          <a:p>
+            <a:fld id="{2F6F93F9-6E01-423B-ABB3-8FB3B0651941}" type="slidenum">
+              <a:rPr lang="en-US" smtClean="0"/>
+              <a:t>20</a:t>
+            </a:fld>
+            <a:endParaRPr lang="en-US"/>
+          </a:p>
+        </p:txBody>
+      </p:sp>
+    </p:spTree>
+    <p:extLst>
+      <p:ext uri="{BB962C8B-B14F-4D97-AF65-F5344CB8AC3E}">
+        <p14:creationId xmlns:p14="http://schemas.microsoft.com/office/powerpoint/2010/main" val="2324582466"/>
+      </p:ext>
+    </p:extLst>
+  </p:cSld>
+  <p:clrMapOvr>
+    <a:masterClrMapping/>
+  </p:clrMapOvr>
+</p:notes>
+</file>
+
 <file path=ppt/notesSlides/notesSlide3.xml><?xml version="1.0" encoding="utf-8"?>
 <p:notes xmlns:a="http://schemas.openxmlformats.org/drawingml/2006/main" xmlns:r="http://schemas.openxmlformats.org/officeDocument/2006/relationships" xmlns:p="http://schemas.openxmlformats.org/presentationml/2006/main">
   <p:cSld>
@@ -1409,7 +1684,7 @@
     </p:spTree>
     <p:extLst>
       <p:ext uri="{BB962C8B-B14F-4D97-AF65-F5344CB8AC3E}">
-        <p14:creationId xmlns:p14="http://schemas.microsoft.com/office/powerpoint/2010/main" val="2558065195"/>
+        <p14:creationId xmlns:p14="http://schemas.microsoft.com/office/powerpoint/2010/main" val="1769652598"/>
       </p:ext>
     </p:extLst>
   </p:cSld>
@@ -1463,6 +1738,10 @@
           <a:bodyPr/>
           <a:lstStyle/>
           <a:p>
+            <a:pPr marL="171450" indent="-171450">
+              <a:buFont typeface="Arial" panose="020B0604020202020204" pitchFamily="34" charset="0"/>
+              <a:buChar char="•"/>
+            </a:pPr>
             <a:endParaRPr lang="en-US" dirty="0"/>
           </a:p>
         </p:txBody>
@@ -1493,7 +1772,7 @@
     </p:spTree>
     <p:extLst>
       <p:ext uri="{BB962C8B-B14F-4D97-AF65-F5344CB8AC3E}">
-        <p14:creationId xmlns:p14="http://schemas.microsoft.com/office/powerpoint/2010/main" val="2820634941"/>
+        <p14:creationId xmlns:p14="http://schemas.microsoft.com/office/powerpoint/2010/main" val="2558065195"/>
       </p:ext>
     </p:extLst>
   </p:cSld>
@@ -1577,7 +1856,7 @@
     </p:spTree>
     <p:extLst>
       <p:ext uri="{BB962C8B-B14F-4D97-AF65-F5344CB8AC3E}">
-        <p14:creationId xmlns:p14="http://schemas.microsoft.com/office/powerpoint/2010/main" val="2419125101"/>
+        <p14:creationId xmlns:p14="http://schemas.microsoft.com/office/powerpoint/2010/main" val="2820634941"/>
       </p:ext>
     </p:extLst>
   </p:cSld>
@@ -1661,7 +1940,7 @@
     </p:spTree>
     <p:extLst>
       <p:ext uri="{BB962C8B-B14F-4D97-AF65-F5344CB8AC3E}">
-        <p14:creationId xmlns:p14="http://schemas.microsoft.com/office/powerpoint/2010/main" val="2170746578"/>
+        <p14:creationId xmlns:p14="http://schemas.microsoft.com/office/powerpoint/2010/main" val="2419125101"/>
       </p:ext>
     </p:extLst>
   </p:cSld>
@@ -1715,6 +1994,10 @@
           <a:bodyPr/>
           <a:lstStyle/>
           <a:p>
+            <a:pPr marL="171450" indent="-171450">
+              <a:buFont typeface="Arial" panose="020B0604020202020204" pitchFamily="34" charset="0"/>
+              <a:buChar char="•"/>
+            </a:pPr>
             <a:endParaRPr lang="en-US" dirty="0"/>
           </a:p>
         </p:txBody>
@@ -1745,7 +2028,7 @@
     </p:spTree>
     <p:extLst>
       <p:ext uri="{BB962C8B-B14F-4D97-AF65-F5344CB8AC3E}">
-        <p14:creationId xmlns:p14="http://schemas.microsoft.com/office/powerpoint/2010/main" val="1465998514"/>
+        <p14:creationId xmlns:p14="http://schemas.microsoft.com/office/powerpoint/2010/main" val="1583422498"/>
       </p:ext>
     </p:extLst>
   </p:cSld>
@@ -1829,7 +2112,7 @@
     </p:spTree>
     <p:extLst>
       <p:ext uri="{BB962C8B-B14F-4D97-AF65-F5344CB8AC3E}">
-        <p14:creationId xmlns:p14="http://schemas.microsoft.com/office/powerpoint/2010/main" val="1987829258"/>
+        <p14:creationId xmlns:p14="http://schemas.microsoft.com/office/powerpoint/2010/main" val="1465998514"/>
       </p:ext>
     </p:extLst>
   </p:cSld>
@@ -1913,7 +2196,7 @@
     </p:spTree>
     <p:extLst>
       <p:ext uri="{BB962C8B-B14F-4D97-AF65-F5344CB8AC3E}">
-        <p14:creationId xmlns:p14="http://schemas.microsoft.com/office/powerpoint/2010/main" val="252226360"/>
+        <p14:creationId xmlns:p14="http://schemas.microsoft.com/office/powerpoint/2010/main" val="1987829258"/>
       </p:ext>
     </p:extLst>
   </p:cSld>
@@ -4546,7 +4829,7 @@
             <a:r>
               <a:rPr lang="en-US" sz="3200" b="1" dirty="0">
                 <a:solidFill>
-                  <a:srgbClr val="0F90D0"/>
+                  <a:schemeClr val="accent1"/>
                 </a:solidFill>
                 <a:latin typeface="Cambria" panose="02040503050406030204" pitchFamily="18" charset="0"/>
               </a:rPr>
@@ -4558,18 +4841,22 @@
             <a:r>
               <a:rPr lang="en-US" sz="3200" b="1" dirty="0">
                 <a:solidFill>
-                  <a:srgbClr val="0F90D0"/>
+                  <a:schemeClr val="accent1"/>
                 </a:solidFill>
                 <a:latin typeface="Cambria" panose="02040503050406030204" pitchFamily="18" charset="0"/>
               </a:rPr>
               <a:t>WORKSHOP ON EMERGING TECHNOLOGIES</a:t>
             </a:r>
-            <a:endParaRPr lang="en-US" sz="3200" dirty="0"/>
+            <a:endParaRPr lang="en-US" sz="3200" dirty="0">
+              <a:solidFill>
+                <a:schemeClr val="accent1"/>
+              </a:solidFill>
+            </a:endParaRPr>
           </a:p>
           <a:p>
             <a:endParaRPr lang="en-US" sz="3200" b="1" dirty="0">
               <a:solidFill>
-                <a:srgbClr val="0F90D0"/>
+                <a:schemeClr val="accent1"/>
               </a:solidFill>
               <a:latin typeface="Cambria" panose="02040503050406030204" pitchFamily="18" charset="0"/>
             </a:endParaRPr>
@@ -4577,7 +4864,7 @@
           <a:p>
             <a:endParaRPr lang="en-US" sz="3200" b="1" dirty="0">
               <a:solidFill>
-                <a:srgbClr val="0F90D0"/>
+                <a:schemeClr val="accent1"/>
               </a:solidFill>
               <a:latin typeface="Cambria" panose="02040503050406030204" pitchFamily="18" charset="0"/>
             </a:endParaRPr>
@@ -4586,7 +4873,7 @@
             <a:r>
               <a:rPr lang="en-US" sz="3200" b="1" dirty="0">
                 <a:solidFill>
-                  <a:srgbClr val="0F90D0"/>
+                  <a:schemeClr val="accent1"/>
                 </a:solidFill>
                 <a:latin typeface="Cambria" panose="02040503050406030204" pitchFamily="18" charset="0"/>
               </a:rPr>
@@ -4594,7 +4881,7 @@
             </a:r>
             <a:endParaRPr lang="en-US" sz="3200" dirty="0">
               <a:solidFill>
-                <a:srgbClr val="0F90D0"/>
+                <a:schemeClr val="accent1"/>
               </a:solidFill>
               <a:latin typeface="Cambria" panose="02040503050406030204" pitchFamily="18" charset="0"/>
             </a:endParaRPr>
@@ -4687,14 +4974,14 @@
       </p:grpSpPr>
       <p:sp>
         <p:nvSpPr>
-          <p:cNvPr id="8" name="TextBox 7"/>
+          <p:cNvPr id="3" name="TextBox 2"/>
           <p:cNvSpPr txBox="1"/>
           <p:nvPr/>
         </p:nvSpPr>
         <p:spPr>
           <a:xfrm>
-            <a:off x="1271768" y="1115051"/>
-            <a:ext cx="9196386" cy="553998"/>
+            <a:off x="2513338" y="1738043"/>
+            <a:ext cx="8924282" cy="861774"/>
           </a:xfrm>
           <a:prstGeom prst="rect">
             <a:avLst/>
@@ -4708,218 +4995,60 @@
           <a:lstStyle/>
           <a:p>
             <a:r>
-              <a:rPr lang="en-US" sz="3000" b="1" dirty="0">
+              <a:rPr lang="en-US" sz="5000" b="1" dirty="0">
                 <a:solidFill>
                   <a:schemeClr val="accent1"/>
                 </a:solidFill>
                 <a:latin typeface="Cambria" panose="02040503050406030204" pitchFamily="18" charset="0"/>
               </a:rPr>
-              <a:t>WHAT ARE SENSITIVE AREAS?</a:t>
-            </a:r>
-          </a:p>
-        </p:txBody>
-      </p:sp>
-      <p:sp>
-        <p:nvSpPr>
-          <p:cNvPr id="9" name="TextBox 8"/>
-          <p:cNvSpPr txBox="1"/>
+              <a:t>JUDGMENT DELEGATION</a:t>
+            </a:r>
+          </a:p>
+        </p:txBody>
+      </p:sp>
+      <p:cxnSp>
+        <p:nvCxnSpPr>
+          <p:cNvPr id="5" name="Straight Connector 4">
+            <a:extLst>
+              <a:ext uri="{FF2B5EF4-FFF2-40B4-BE49-F238E27FC236}">
+                <a16:creationId xmlns:a16="http://schemas.microsoft.com/office/drawing/2014/main" id="{2571E43F-CCA3-BB47-A7AF-81B47EA888E0}"/>
+              </a:ext>
+            </a:extLst>
+          </p:cNvPr>
+          <p:cNvCxnSpPr>
+            <a:cxnSpLocks/>
+          </p:cNvCxnSpPr>
           <p:nvPr/>
-        </p:nvSpPr>
-        <p:spPr>
-          <a:xfrm>
-            <a:off x="1275701" y="1830236"/>
-            <a:ext cx="9909364" cy="4524315"/>
-          </a:xfrm>
-          <a:prstGeom prst="rect">
+        </p:nvCxnSpPr>
+        <p:spPr>
+          <a:xfrm>
+            <a:off x="2300750" y="1879133"/>
+            <a:ext cx="0" cy="720684"/>
+          </a:xfrm>
+          <a:prstGeom prst="line">
             <a:avLst/>
           </a:prstGeom>
-          <a:noFill/>
-        </p:spPr>
-        <p:txBody>
-          <a:bodyPr wrap="square" rtlCol="0">
-            <a:spAutoFit/>
-          </a:bodyPr>
-          <a:lstStyle/>
-          <a:p>
-            <a:pPr marL="342900" indent="-342900">
-              <a:buFont typeface="Arial"/>
-              <a:buChar char="•"/>
-            </a:pPr>
-            <a:r>
-              <a:rPr lang="en-US" sz="2400" b="1" dirty="0">
-                <a:solidFill>
-                  <a:schemeClr val="accent1"/>
-                </a:solidFill>
-                <a:latin typeface="Cambria" panose="02040503050406030204" pitchFamily="18" charset="0"/>
-              </a:rPr>
-              <a:t>COURTS</a:t>
-            </a:r>
-            <a:br>
-              <a:rPr lang="en-US" sz="2400" b="1" dirty="0">
-                <a:solidFill>
-                  <a:schemeClr val="accent1"/>
-                </a:solidFill>
-                <a:latin typeface="Cambria" panose="02040503050406030204" pitchFamily="18" charset="0"/>
-              </a:rPr>
-            </a:br>
-            <a:endParaRPr lang="en-US" sz="2400" b="1" dirty="0">
-              <a:solidFill>
-                <a:schemeClr val="accent1"/>
-              </a:solidFill>
-              <a:latin typeface="Cambria" panose="02040503050406030204" pitchFamily="18" charset="0"/>
-            </a:endParaRPr>
-          </a:p>
-          <a:p>
-            <a:pPr marL="342900" indent="-342900">
-              <a:buFont typeface="Arial"/>
-              <a:buChar char="•"/>
-            </a:pPr>
-            <a:r>
-              <a:rPr lang="en-US" sz="2400" b="1" dirty="0">
-                <a:solidFill>
-                  <a:schemeClr val="accent1"/>
-                </a:solidFill>
-                <a:latin typeface="Cambria" panose="02040503050406030204" pitchFamily="18" charset="0"/>
-              </a:rPr>
-              <a:t>DEFENCE</a:t>
-            </a:r>
-            <a:br>
-              <a:rPr lang="en-US" sz="2400" b="1" dirty="0">
-                <a:solidFill>
-                  <a:schemeClr val="accent1"/>
-                </a:solidFill>
-                <a:latin typeface="Cambria" panose="02040503050406030204" pitchFamily="18" charset="0"/>
-              </a:rPr>
-            </a:br>
-            <a:endParaRPr lang="en-US" sz="2400" b="1" dirty="0">
-              <a:solidFill>
-                <a:schemeClr val="accent1"/>
-              </a:solidFill>
-              <a:latin typeface="Cambria" panose="02040503050406030204" pitchFamily="18" charset="0"/>
-            </a:endParaRPr>
-          </a:p>
-          <a:p>
-            <a:pPr marL="342900" indent="-342900">
-              <a:buFont typeface="Arial"/>
-              <a:buChar char="•"/>
-            </a:pPr>
-            <a:r>
-              <a:rPr lang="en-US" sz="2400" b="1" dirty="0">
-                <a:solidFill>
-                  <a:schemeClr val="accent1"/>
-                </a:solidFill>
-                <a:latin typeface="Cambria" panose="02040503050406030204" pitchFamily="18" charset="0"/>
-              </a:rPr>
-              <a:t>INSURANCE</a:t>
-            </a:r>
-            <a:br>
-              <a:rPr lang="en-US" sz="2400" b="1" dirty="0">
-                <a:solidFill>
-                  <a:schemeClr val="accent1"/>
-                </a:solidFill>
-                <a:latin typeface="Cambria" panose="02040503050406030204" pitchFamily="18" charset="0"/>
-              </a:rPr>
-            </a:br>
-            <a:endParaRPr lang="en-US" sz="2400" b="1" dirty="0">
-              <a:solidFill>
-                <a:schemeClr val="accent1"/>
-              </a:solidFill>
-              <a:latin typeface="Cambria" panose="02040503050406030204" pitchFamily="18" charset="0"/>
-            </a:endParaRPr>
-          </a:p>
-          <a:p>
-            <a:pPr marL="342900" indent="-342900">
-              <a:buFont typeface="Arial"/>
-              <a:buChar char="•"/>
-            </a:pPr>
-            <a:r>
-              <a:rPr lang="en-US" sz="2400" b="1" dirty="0">
-                <a:solidFill>
-                  <a:schemeClr val="accent1"/>
-                </a:solidFill>
-                <a:latin typeface="Cambria" panose="02040503050406030204" pitchFamily="18" charset="0"/>
-              </a:rPr>
-              <a:t>POLICING</a:t>
-            </a:r>
-            <a:br>
-              <a:rPr lang="en-US" sz="2400" b="1" dirty="0">
-                <a:solidFill>
-                  <a:schemeClr val="accent1"/>
-                </a:solidFill>
-                <a:latin typeface="Cambria" panose="02040503050406030204" pitchFamily="18" charset="0"/>
-              </a:rPr>
-            </a:br>
-            <a:endParaRPr lang="en-US" sz="2400" b="1" dirty="0">
-              <a:solidFill>
-                <a:schemeClr val="accent1"/>
-              </a:solidFill>
-              <a:latin typeface="Cambria" panose="02040503050406030204" pitchFamily="18" charset="0"/>
-            </a:endParaRPr>
-          </a:p>
-          <a:p>
-            <a:pPr marL="342900" indent="-342900">
-              <a:buFont typeface="Arial"/>
-              <a:buChar char="•"/>
-            </a:pPr>
-            <a:r>
-              <a:rPr lang="en-US" sz="2400" b="1" dirty="0">
-                <a:solidFill>
-                  <a:schemeClr val="accent1"/>
-                </a:solidFill>
-                <a:latin typeface="Cambria" panose="02040503050406030204" pitchFamily="18" charset="0"/>
-              </a:rPr>
-              <a:t>BANKING</a:t>
-            </a:r>
-            <a:br>
-              <a:rPr lang="en-US" sz="2400" b="1" dirty="0">
-                <a:solidFill>
-                  <a:schemeClr val="accent1"/>
-                </a:solidFill>
-                <a:latin typeface="Cambria" panose="02040503050406030204" pitchFamily="18" charset="0"/>
-              </a:rPr>
-            </a:br>
-            <a:endParaRPr lang="en-US" sz="2400" b="1" dirty="0">
-              <a:solidFill>
-                <a:schemeClr val="accent1"/>
-              </a:solidFill>
-              <a:latin typeface="Cambria" panose="02040503050406030204" pitchFamily="18" charset="0"/>
-            </a:endParaRPr>
-          </a:p>
-          <a:p>
-            <a:pPr marL="342900" indent="-342900">
-              <a:buFont typeface="Arial"/>
-              <a:buChar char="•"/>
-            </a:pPr>
-            <a:r>
-              <a:rPr lang="en-US" sz="2400" dirty="0">
-                <a:solidFill>
-                  <a:schemeClr val="accent1"/>
-                </a:solidFill>
-                <a:latin typeface="Cambria" panose="02040503050406030204" pitchFamily="18" charset="0"/>
-              </a:rPr>
-              <a:t>…</a:t>
-            </a:r>
-            <a:br>
-              <a:rPr lang="en-US" sz="2400" dirty="0">
-                <a:solidFill>
-                  <a:schemeClr val="accent1"/>
-                </a:solidFill>
-                <a:latin typeface="Cambria" panose="02040503050406030204" pitchFamily="18" charset="0"/>
-              </a:rPr>
-            </a:br>
-            <a:endParaRPr lang="en-US" sz="2400" dirty="0">
-              <a:solidFill>
-                <a:schemeClr val="accent1"/>
-              </a:solidFill>
-              <a:latin typeface="Cambria" panose="02040503050406030204" pitchFamily="18" charset="0"/>
-            </a:endParaRPr>
-          </a:p>
-        </p:txBody>
-      </p:sp>
+          <a:ln w="38100"/>
+        </p:spPr>
+        <p:style>
+          <a:lnRef idx="1">
+            <a:schemeClr val="accent1"/>
+          </a:lnRef>
+          <a:fillRef idx="0">
+            <a:schemeClr val="accent1"/>
+          </a:fillRef>
+          <a:effectRef idx="0">
+            <a:schemeClr val="accent1"/>
+          </a:effectRef>
+          <a:fontRef idx="minor">
+            <a:schemeClr val="tx1"/>
+          </a:fontRef>
+        </p:style>
+      </p:cxnSp>
     </p:spTree>
     <p:extLst>
       <p:ext uri="{BB962C8B-B14F-4D97-AF65-F5344CB8AC3E}">
-        <p14:creationId xmlns:p14="http://schemas.microsoft.com/office/powerpoint/2010/main" val="1135459681"/>
+        <p14:creationId xmlns:p14="http://schemas.microsoft.com/office/powerpoint/2010/main" val="4013015867"/>
       </p:ext>
     </p:extLst>
   </p:cSld>
@@ -4987,7 +5116,7 @@
                 </a:solidFill>
                 <a:latin typeface="Cambria" panose="02040503050406030204" pitchFamily="18" charset="0"/>
               </a:rPr>
-              <a:t>ACCOUNTABILITY &amp; FALLABILITY</a:t>
+              <a:t>WHAT ARE SENSITIVE AREAS?</a:t>
             </a:r>
           </a:p>
         </p:txBody>
@@ -5000,8 +5129,8 @@
         </p:nvSpPr>
         <p:spPr>
           <a:xfrm>
-            <a:off x="1275701" y="1837856"/>
-            <a:ext cx="9909364" cy="1938992"/>
+            <a:off x="1275701" y="1830236"/>
+            <a:ext cx="9909364" cy="4524315"/>
           </a:xfrm>
           <a:prstGeom prst="rect">
             <a:avLst/>
@@ -5025,7 +5154,7 @@
                 </a:solidFill>
                 <a:latin typeface="Cambria" panose="02040503050406030204" pitchFamily="18" charset="0"/>
               </a:rPr>
-              <a:t>HUMAN RESPONSIBILITIES</a:t>
+              <a:t>COURTS</a:t>
             </a:r>
             <a:br>
               <a:rPr lang="en-US" sz="2400" b="1" dirty="0">
@@ -5054,7 +5183,7 @@
                 </a:solidFill>
                 <a:latin typeface="Cambria" panose="02040503050406030204" pitchFamily="18" charset="0"/>
               </a:rPr>
-              <a:t>FALLABLE THOUGH IT IS JUDGEMENT SHOULD NOT BE REPLACED BY MACHINE IN SOME AREAS</a:t>
+              <a:t>DEFENCE</a:t>
             </a:r>
             <a:br>
               <a:rPr lang="en-US" sz="2400" b="1" dirty="0">
@@ -5071,12 +5200,167 @@
               <a:latin typeface="Cambria" panose="02040503050406030204" pitchFamily="18" charset="0"/>
             </a:endParaRPr>
           </a:p>
-        </p:txBody>
-      </p:sp>
+          <a:p>
+            <a:pPr marL="342900" indent="-342900">
+              <a:buFont typeface="Arial"/>
+              <a:buChar char="•"/>
+            </a:pPr>
+            <a:r>
+              <a:rPr lang="en-US" sz="2400" b="1" dirty="0">
+                <a:solidFill>
+                  <a:schemeClr val="accent1"/>
+                </a:solidFill>
+                <a:latin typeface="Cambria" panose="02040503050406030204" pitchFamily="18" charset="0"/>
+              </a:rPr>
+              <a:t>INSURANCE</a:t>
+            </a:r>
+            <a:br>
+              <a:rPr lang="en-US" sz="2400" b="1" dirty="0">
+                <a:solidFill>
+                  <a:schemeClr val="accent1"/>
+                </a:solidFill>
+                <a:latin typeface="Cambria" panose="02040503050406030204" pitchFamily="18" charset="0"/>
+              </a:rPr>
+            </a:br>
+            <a:endParaRPr lang="en-US" sz="2400" b="1" dirty="0">
+              <a:solidFill>
+                <a:schemeClr val="accent1"/>
+              </a:solidFill>
+              <a:latin typeface="Cambria" panose="02040503050406030204" pitchFamily="18" charset="0"/>
+            </a:endParaRPr>
+          </a:p>
+          <a:p>
+            <a:pPr marL="342900" indent="-342900">
+              <a:buFont typeface="Arial"/>
+              <a:buChar char="•"/>
+            </a:pPr>
+            <a:r>
+              <a:rPr lang="en-US" sz="2400" b="1" dirty="0">
+                <a:solidFill>
+                  <a:schemeClr val="accent1"/>
+                </a:solidFill>
+                <a:latin typeface="Cambria" panose="02040503050406030204" pitchFamily="18" charset="0"/>
+              </a:rPr>
+              <a:t>POLICING</a:t>
+            </a:r>
+            <a:br>
+              <a:rPr lang="en-US" sz="2400" b="1" dirty="0">
+                <a:solidFill>
+                  <a:schemeClr val="accent1"/>
+                </a:solidFill>
+                <a:latin typeface="Cambria" panose="02040503050406030204" pitchFamily="18" charset="0"/>
+              </a:rPr>
+            </a:br>
+            <a:endParaRPr lang="en-US" sz="2400" b="1" dirty="0">
+              <a:solidFill>
+                <a:schemeClr val="accent1"/>
+              </a:solidFill>
+              <a:latin typeface="Cambria" panose="02040503050406030204" pitchFamily="18" charset="0"/>
+            </a:endParaRPr>
+          </a:p>
+          <a:p>
+            <a:pPr marL="342900" indent="-342900">
+              <a:buFont typeface="Arial"/>
+              <a:buChar char="•"/>
+            </a:pPr>
+            <a:r>
+              <a:rPr lang="en-US" sz="2400" b="1" dirty="0">
+                <a:solidFill>
+                  <a:schemeClr val="accent1"/>
+                </a:solidFill>
+                <a:latin typeface="Cambria" panose="02040503050406030204" pitchFamily="18" charset="0"/>
+              </a:rPr>
+              <a:t>BANKING</a:t>
+            </a:r>
+            <a:br>
+              <a:rPr lang="en-US" sz="2400" b="1" dirty="0">
+                <a:solidFill>
+                  <a:schemeClr val="accent1"/>
+                </a:solidFill>
+                <a:latin typeface="Cambria" panose="02040503050406030204" pitchFamily="18" charset="0"/>
+              </a:rPr>
+            </a:br>
+            <a:endParaRPr lang="en-US" sz="2400" b="1" dirty="0">
+              <a:solidFill>
+                <a:schemeClr val="accent1"/>
+              </a:solidFill>
+              <a:latin typeface="Cambria" panose="02040503050406030204" pitchFamily="18" charset="0"/>
+            </a:endParaRPr>
+          </a:p>
+          <a:p>
+            <a:pPr marL="342900" indent="-342900">
+              <a:buFont typeface="Arial"/>
+              <a:buChar char="•"/>
+            </a:pPr>
+            <a:r>
+              <a:rPr lang="en-US" sz="2400" dirty="0">
+                <a:solidFill>
+                  <a:schemeClr val="accent1"/>
+                </a:solidFill>
+                <a:latin typeface="Cambria" panose="02040503050406030204" pitchFamily="18" charset="0"/>
+              </a:rPr>
+              <a:t>…</a:t>
+            </a:r>
+            <a:br>
+              <a:rPr lang="en-US" sz="2400" dirty="0">
+                <a:solidFill>
+                  <a:schemeClr val="accent1"/>
+                </a:solidFill>
+                <a:latin typeface="Cambria" panose="02040503050406030204" pitchFamily="18" charset="0"/>
+              </a:rPr>
+            </a:br>
+            <a:endParaRPr lang="en-US" sz="2400" dirty="0">
+              <a:solidFill>
+                <a:schemeClr val="accent1"/>
+              </a:solidFill>
+              <a:latin typeface="Cambria" panose="02040503050406030204" pitchFamily="18" charset="0"/>
+            </a:endParaRPr>
+          </a:p>
+        </p:txBody>
+      </p:sp>
+      <p:cxnSp>
+        <p:nvCxnSpPr>
+          <p:cNvPr id="4" name="Straight Connector 3">
+            <a:extLst>
+              <a:ext uri="{FF2B5EF4-FFF2-40B4-BE49-F238E27FC236}">
+                <a16:creationId xmlns:a16="http://schemas.microsoft.com/office/drawing/2014/main" id="{B10162DB-6A91-3445-B8F4-9FED14E12FBA}"/>
+              </a:ext>
+            </a:extLst>
+          </p:cNvPr>
+          <p:cNvCxnSpPr>
+            <a:cxnSpLocks/>
+          </p:cNvCxnSpPr>
+          <p:nvPr/>
+        </p:nvCxnSpPr>
+        <p:spPr>
+          <a:xfrm>
+            <a:off x="1378101" y="1753299"/>
+            <a:ext cx="5197959" cy="0"/>
+          </a:xfrm>
+          <a:prstGeom prst="line">
+            <a:avLst/>
+          </a:prstGeom>
+          <a:ln w="12700"/>
+        </p:spPr>
+        <p:style>
+          <a:lnRef idx="1">
+            <a:schemeClr val="accent1"/>
+          </a:lnRef>
+          <a:fillRef idx="0">
+            <a:schemeClr val="accent1"/>
+          </a:fillRef>
+          <a:effectRef idx="0">
+            <a:schemeClr val="accent1"/>
+          </a:effectRef>
+          <a:fontRef idx="minor">
+            <a:schemeClr val="tx1"/>
+          </a:fontRef>
+        </p:style>
+      </p:cxnSp>
     </p:spTree>
     <p:extLst>
       <p:ext uri="{BB962C8B-B14F-4D97-AF65-F5344CB8AC3E}">
-        <p14:creationId xmlns:p14="http://schemas.microsoft.com/office/powerpoint/2010/main" val="1189515547"/>
+        <p14:creationId xmlns:p14="http://schemas.microsoft.com/office/powerpoint/2010/main" val="1135459681"/>
       </p:ext>
     </p:extLst>
   </p:cSld>
@@ -5124,7 +5408,7 @@
         <p:spPr>
           <a:xfrm>
             <a:off x="1271768" y="1115051"/>
-            <a:ext cx="9196386" cy="630942"/>
+            <a:ext cx="9196386" cy="553998"/>
           </a:xfrm>
           <a:prstGeom prst="rect">
             <a:avLst/>
@@ -5138,66 +5422,141 @@
           <a:lstStyle/>
           <a:p>
             <a:r>
-              <a:rPr lang="en-US" sz="3500" b="1" dirty="0">
+              <a:rPr lang="en-US" sz="3000" b="1" dirty="0">
                 <a:solidFill>
                   <a:schemeClr val="accent1"/>
                 </a:solidFill>
                 <a:latin typeface="Cambria" panose="02040503050406030204" pitchFamily="18" charset="0"/>
               </a:rPr>
-              <a:t>HUMAN BIAS AND </a:t>
-            </a:r>
-            <a:r>
-              <a:rPr lang="en-US" sz="3500" b="1" dirty="0" err="1">
+              <a:t>ACCOUNTABILITY &amp; FALLABILITY</a:t>
+            </a:r>
+          </a:p>
+        </p:txBody>
+      </p:sp>
+      <p:sp>
+        <p:nvSpPr>
+          <p:cNvPr id="9" name="TextBox 8"/>
+          <p:cNvSpPr txBox="1"/>
+          <p:nvPr/>
+        </p:nvSpPr>
+        <p:spPr>
+          <a:xfrm>
+            <a:off x="1275701" y="1929296"/>
+            <a:ext cx="9909364" cy="1938992"/>
+          </a:xfrm>
+          <a:prstGeom prst="rect">
+            <a:avLst/>
+          </a:prstGeom>
+          <a:noFill/>
+        </p:spPr>
+        <p:txBody>
+          <a:bodyPr wrap="square" rtlCol="0">
+            <a:spAutoFit/>
+          </a:bodyPr>
+          <a:lstStyle/>
+          <a:p>
+            <a:pPr marL="342900" indent="-342900">
+              <a:buFont typeface="Arial"/>
+              <a:buChar char="•"/>
+            </a:pPr>
+            <a:r>
+              <a:rPr lang="en-US" sz="2400" b="1" dirty="0">
                 <a:solidFill>
                   <a:schemeClr val="accent1"/>
                 </a:solidFill>
                 <a:latin typeface="Cambria" panose="02040503050406030204" pitchFamily="18" charset="0"/>
               </a:rPr>
-              <a:t>WoMD</a:t>
-            </a:r>
-            <a:endParaRPr lang="en-US" sz="3500" b="1" dirty="0">
+              <a:t>HUMAN RESPONSIBILITIES</a:t>
+            </a:r>
+            <a:br>
+              <a:rPr lang="en-US" sz="2400" b="1" dirty="0">
+                <a:solidFill>
+                  <a:schemeClr val="accent1"/>
+                </a:solidFill>
+                <a:latin typeface="Cambria" panose="02040503050406030204" pitchFamily="18" charset="0"/>
+              </a:rPr>
+            </a:br>
+            <a:endParaRPr lang="en-US" sz="2400" b="1" dirty="0">
               <a:solidFill>
                 <a:schemeClr val="accent1"/>
               </a:solidFill>
               <a:latin typeface="Cambria" panose="02040503050406030204" pitchFamily="18" charset="0"/>
             </a:endParaRPr>
           </a:p>
-        </p:txBody>
-      </p:sp>
-      <p:pic>
-        <p:nvPicPr>
-          <p:cNvPr id="2" name="Picture 1">
+          <a:p>
+            <a:pPr marL="342900" indent="-342900">
+              <a:buFont typeface="Arial"/>
+              <a:buChar char="•"/>
+            </a:pPr>
+            <a:r>
+              <a:rPr lang="en-US" sz="2400" b="1" dirty="0">
+                <a:solidFill>
+                  <a:schemeClr val="accent1"/>
+                </a:solidFill>
+                <a:latin typeface="Cambria" panose="02040503050406030204" pitchFamily="18" charset="0"/>
+              </a:rPr>
+              <a:t>FALLABLE THOUGH IT IS JUDGEMENT SHOULD NOT BE REPLACED BY MACHINE IN SOME AREAS</a:t>
+            </a:r>
+            <a:br>
+              <a:rPr lang="en-US" sz="2400" b="1" dirty="0">
+                <a:solidFill>
+                  <a:schemeClr val="accent1"/>
+                </a:solidFill>
+                <a:latin typeface="Cambria" panose="02040503050406030204" pitchFamily="18" charset="0"/>
+              </a:rPr>
+            </a:br>
+            <a:endParaRPr lang="en-US" sz="2400" b="1" dirty="0">
+              <a:solidFill>
+                <a:schemeClr val="accent1"/>
+              </a:solidFill>
+              <a:latin typeface="Cambria" panose="02040503050406030204" pitchFamily="18" charset="0"/>
+            </a:endParaRPr>
+          </a:p>
+        </p:txBody>
+      </p:sp>
+      <p:cxnSp>
+        <p:nvCxnSpPr>
+          <p:cNvPr id="4" name="Straight Connector 3">
             <a:extLst>
               <a:ext uri="{FF2B5EF4-FFF2-40B4-BE49-F238E27FC236}">
-                <a16:creationId xmlns:a16="http://schemas.microsoft.com/office/drawing/2014/main" id="{61FE939B-C429-2C41-82C6-BF51DC933770}"/>
+                <a16:creationId xmlns:a16="http://schemas.microsoft.com/office/drawing/2014/main" id="{18FD55D4-FD20-3F4C-94BC-951D2776FACF}"/>
               </a:ext>
             </a:extLst>
           </p:cNvPr>
-          <p:cNvPicPr>
-            <a:picLocks noChangeAspect="1"/>
-          </p:cNvPicPr>
+          <p:cNvCxnSpPr>
+            <a:cxnSpLocks/>
+          </p:cNvCxnSpPr>
           <p:nvPr/>
-        </p:nvPicPr>
-        <p:blipFill>
-          <a:blip r:embed="rId3"/>
-          <a:stretch>
-            <a:fillRect/>
-          </a:stretch>
-        </p:blipFill>
-        <p:spPr>
-          <a:xfrm>
-            <a:off x="1364900" y="1836420"/>
-            <a:ext cx="3016599" cy="4412032"/>
-          </a:xfrm>
-          <a:prstGeom prst="rect">
+        </p:nvCxnSpPr>
+        <p:spPr>
+          <a:xfrm>
+            <a:off x="1378101" y="1753299"/>
+            <a:ext cx="9442299" cy="0"/>
+          </a:xfrm>
+          <a:prstGeom prst="line">
             <a:avLst/>
           </a:prstGeom>
-        </p:spPr>
-      </p:pic>
+          <a:ln w="12700"/>
+        </p:spPr>
+        <p:style>
+          <a:lnRef idx="1">
+            <a:schemeClr val="accent1"/>
+          </a:lnRef>
+          <a:fillRef idx="0">
+            <a:schemeClr val="accent1"/>
+          </a:fillRef>
+          <a:effectRef idx="0">
+            <a:schemeClr val="accent1"/>
+          </a:effectRef>
+          <a:fontRef idx="minor">
+            <a:schemeClr val="tx1"/>
+          </a:fontRef>
+        </p:style>
+      </p:cxnSp>
     </p:spTree>
     <p:extLst>
       <p:ext uri="{BB962C8B-B14F-4D97-AF65-F5344CB8AC3E}">
-        <p14:creationId xmlns:p14="http://schemas.microsoft.com/office/powerpoint/2010/main" val="556425727"/>
+        <p14:creationId xmlns:p14="http://schemas.microsoft.com/office/powerpoint/2010/main" val="1189515547"/>
       </p:ext>
     </p:extLst>
   </p:cSld>
@@ -5238,14 +5597,14 @@
       </p:grpSpPr>
       <p:sp>
         <p:nvSpPr>
-          <p:cNvPr id="8" name="TextBox 7"/>
+          <p:cNvPr id="3" name="TextBox 2"/>
           <p:cNvSpPr txBox="1"/>
           <p:nvPr/>
         </p:nvSpPr>
         <p:spPr>
           <a:xfrm>
-            <a:off x="1271768" y="1115051"/>
-            <a:ext cx="9196386" cy="553998"/>
+            <a:off x="2513338" y="1738043"/>
+            <a:ext cx="8924282" cy="861774"/>
           </a:xfrm>
           <a:prstGeom prst="rect">
             <a:avLst/>
@@ -5259,160 +5618,60 @@
           <a:lstStyle/>
           <a:p>
             <a:r>
-              <a:rPr lang="en-US" sz="3000" b="1" dirty="0">
+              <a:rPr lang="en-US" sz="5000" b="1" dirty="0">
                 <a:solidFill>
                   <a:schemeClr val="accent1"/>
                 </a:solidFill>
                 <a:latin typeface="Cambria" panose="02040503050406030204" pitchFamily="18" charset="0"/>
               </a:rPr>
-              <a:t>SOME COMMON ISSUES</a:t>
-            </a:r>
-          </a:p>
-        </p:txBody>
-      </p:sp>
-      <p:sp>
-        <p:nvSpPr>
-          <p:cNvPr id="9" name="TextBox 8"/>
-          <p:cNvSpPr txBox="1"/>
+              <a:t>BIAS REPRODUCTION</a:t>
+            </a:r>
+          </a:p>
+        </p:txBody>
+      </p:sp>
+      <p:cxnSp>
+        <p:nvCxnSpPr>
+          <p:cNvPr id="5" name="Straight Connector 4">
+            <a:extLst>
+              <a:ext uri="{FF2B5EF4-FFF2-40B4-BE49-F238E27FC236}">
+                <a16:creationId xmlns:a16="http://schemas.microsoft.com/office/drawing/2014/main" id="{2571E43F-CCA3-BB47-A7AF-81B47EA888E0}"/>
+              </a:ext>
+            </a:extLst>
+          </p:cNvPr>
+          <p:cNvCxnSpPr>
+            <a:cxnSpLocks/>
+          </p:cNvCxnSpPr>
           <p:nvPr/>
-        </p:nvSpPr>
-        <p:spPr>
-          <a:xfrm>
-            <a:off x="1275701" y="1830236"/>
-            <a:ext cx="9909364" cy="3046988"/>
-          </a:xfrm>
-          <a:prstGeom prst="rect">
+        </p:nvCxnSpPr>
+        <p:spPr>
+          <a:xfrm>
+            <a:off x="2300750" y="1879133"/>
+            <a:ext cx="0" cy="720684"/>
+          </a:xfrm>
+          <a:prstGeom prst="line">
             <a:avLst/>
           </a:prstGeom>
-          <a:noFill/>
-        </p:spPr>
-        <p:txBody>
-          <a:bodyPr wrap="square" rtlCol="0">
-            <a:spAutoFit/>
-          </a:bodyPr>
-          <a:lstStyle/>
-          <a:p>
-            <a:pPr marL="342900" indent="-342900">
-              <a:buFont typeface="Arial"/>
-              <a:buChar char="•"/>
-            </a:pPr>
-            <a:r>
-              <a:rPr lang="en-US" sz="2400" b="1" dirty="0">
-                <a:solidFill>
-                  <a:schemeClr val="accent1"/>
-                </a:solidFill>
-                <a:latin typeface="Cambria" panose="02040503050406030204" pitchFamily="18" charset="0"/>
-              </a:rPr>
-              <a:t>USING PROXY VARIABLE AS PREDICTORS</a:t>
-            </a:r>
-            <a:br>
-              <a:rPr lang="en-US" sz="2400" b="1" dirty="0">
-                <a:solidFill>
-                  <a:schemeClr val="accent1"/>
-                </a:solidFill>
-                <a:latin typeface="Cambria" panose="02040503050406030204" pitchFamily="18" charset="0"/>
-              </a:rPr>
-            </a:br>
-            <a:endParaRPr lang="en-US" sz="2400" b="1" dirty="0">
-              <a:solidFill>
-                <a:schemeClr val="accent1"/>
-              </a:solidFill>
-              <a:latin typeface="Cambria" panose="02040503050406030204" pitchFamily="18" charset="0"/>
-            </a:endParaRPr>
-          </a:p>
-          <a:p>
-            <a:pPr marL="342900" indent="-342900">
-              <a:buFont typeface="Arial"/>
-              <a:buChar char="•"/>
-            </a:pPr>
-            <a:r>
-              <a:rPr lang="en-US" sz="2400" b="1" dirty="0">
-                <a:solidFill>
-                  <a:schemeClr val="accent1"/>
-                </a:solidFill>
-                <a:latin typeface="Cambria" panose="02040503050406030204" pitchFamily="18" charset="0"/>
-              </a:rPr>
-              <a:t>NOT ENOUGH DATA OR NOT REPRESENTATIVE</a:t>
-            </a:r>
-            <a:br>
-              <a:rPr lang="en-US" sz="2400" b="1" dirty="0">
-                <a:solidFill>
-                  <a:schemeClr val="accent1"/>
-                </a:solidFill>
-                <a:latin typeface="Cambria" panose="02040503050406030204" pitchFamily="18" charset="0"/>
-              </a:rPr>
-            </a:br>
-            <a:endParaRPr lang="en-US" sz="2400" b="1" dirty="0">
-              <a:solidFill>
-                <a:schemeClr val="accent1"/>
-              </a:solidFill>
-              <a:latin typeface="Cambria" panose="02040503050406030204" pitchFamily="18" charset="0"/>
-            </a:endParaRPr>
-          </a:p>
-          <a:p>
-            <a:pPr marL="342900" indent="-342900">
-              <a:buFont typeface="Arial"/>
-              <a:buChar char="•"/>
-            </a:pPr>
-            <a:r>
-              <a:rPr lang="en-US" sz="2400" b="1" dirty="0">
-                <a:solidFill>
-                  <a:schemeClr val="accent1"/>
-                </a:solidFill>
-                <a:latin typeface="Cambria" panose="02040503050406030204" pitchFamily="18" charset="0"/>
-              </a:rPr>
-              <a:t>PREDICTOR CHOICES BIASED BY IDEOLOGY, CONFIRMATION BIAS</a:t>
-            </a:r>
-            <a:br>
-              <a:rPr lang="en-US" sz="2400" b="1" dirty="0">
-                <a:solidFill>
-                  <a:schemeClr val="accent1"/>
-                </a:solidFill>
-                <a:latin typeface="Cambria" panose="02040503050406030204" pitchFamily="18" charset="0"/>
-              </a:rPr>
-            </a:br>
-            <a:endParaRPr lang="en-US" sz="2400" b="1" dirty="0">
-              <a:solidFill>
-                <a:schemeClr val="accent1"/>
-              </a:solidFill>
-              <a:latin typeface="Cambria" panose="02040503050406030204" pitchFamily="18" charset="0"/>
-            </a:endParaRPr>
-          </a:p>
-          <a:p>
-            <a:pPr marL="342900" indent="-342900">
-              <a:buFont typeface="Arial"/>
-              <a:buChar char="•"/>
-            </a:pPr>
-            <a:r>
-              <a:rPr lang="en-US" sz="2400" b="1" dirty="0">
-                <a:solidFill>
-                  <a:schemeClr val="accent1"/>
-                </a:solidFill>
-                <a:latin typeface="Cambria" panose="02040503050406030204" pitchFamily="18" charset="0"/>
-              </a:rPr>
-              <a:t>…</a:t>
-            </a:r>
-            <a:br>
-              <a:rPr lang="en-US" sz="2400" dirty="0">
-                <a:solidFill>
-                  <a:schemeClr val="accent1"/>
-                </a:solidFill>
-                <a:latin typeface="Cambria" panose="02040503050406030204" pitchFamily="18" charset="0"/>
-              </a:rPr>
-            </a:br>
-            <a:endParaRPr lang="en-US" sz="2400" dirty="0">
-              <a:solidFill>
-                <a:schemeClr val="accent1"/>
-              </a:solidFill>
-              <a:latin typeface="Cambria" panose="02040503050406030204" pitchFamily="18" charset="0"/>
-            </a:endParaRPr>
-          </a:p>
-        </p:txBody>
-      </p:sp>
+          <a:ln w="38100"/>
+        </p:spPr>
+        <p:style>
+          <a:lnRef idx="1">
+            <a:schemeClr val="accent1"/>
+          </a:lnRef>
+          <a:fillRef idx="0">
+            <a:schemeClr val="accent1"/>
+          </a:fillRef>
+          <a:effectRef idx="0">
+            <a:schemeClr val="accent1"/>
+          </a:effectRef>
+          <a:fontRef idx="minor">
+            <a:schemeClr val="tx1"/>
+          </a:fontRef>
+        </p:style>
+      </p:cxnSp>
     </p:spTree>
     <p:extLst>
       <p:ext uri="{BB962C8B-B14F-4D97-AF65-F5344CB8AC3E}">
-        <p14:creationId xmlns:p14="http://schemas.microsoft.com/office/powerpoint/2010/main" val="1144296558"/>
+        <p14:creationId xmlns:p14="http://schemas.microsoft.com/office/powerpoint/2010/main" val="1199246350"/>
       </p:ext>
     </p:extLst>
   </p:cSld>
@@ -5480,17 +5739,32 @@
                 </a:solidFill>
                 <a:latin typeface="Cambria" panose="02040503050406030204" pitchFamily="18" charset="0"/>
               </a:rPr>
-              <a:t>SURPRISING CREATIVITY</a:t>
-            </a:r>
+              <a:t>HUMAN BIAS AND </a:t>
+            </a:r>
+            <a:r>
+              <a:rPr lang="en-US" sz="3500" b="1" dirty="0" err="1">
+                <a:solidFill>
+                  <a:schemeClr val="accent1"/>
+                </a:solidFill>
+                <a:latin typeface="Cambria" panose="02040503050406030204" pitchFamily="18" charset="0"/>
+              </a:rPr>
+              <a:t>WoMD</a:t>
+            </a:r>
+            <a:endParaRPr lang="en-US" sz="3500" b="1" dirty="0">
+              <a:solidFill>
+                <a:schemeClr val="accent1"/>
+              </a:solidFill>
+              <a:latin typeface="Cambria" panose="02040503050406030204" pitchFamily="18" charset="0"/>
+            </a:endParaRPr>
           </a:p>
         </p:txBody>
       </p:sp>
       <p:pic>
         <p:nvPicPr>
-          <p:cNvPr id="3" name="Picture 2">
+          <p:cNvPr id="2" name="Picture 1">
             <a:extLst>
               <a:ext uri="{FF2B5EF4-FFF2-40B4-BE49-F238E27FC236}">
-                <a16:creationId xmlns:a16="http://schemas.microsoft.com/office/drawing/2014/main" id="{FDB82490-863A-AC47-B981-32E3E038D9E3}"/>
+                <a16:creationId xmlns:a16="http://schemas.microsoft.com/office/drawing/2014/main" id="{61FE939B-C429-2C41-82C6-BF51DC933770}"/>
               </a:ext>
             </a:extLst>
           </p:cNvPr>
@@ -5507,146 +5781,57 @@
         </p:blipFill>
         <p:spPr>
           <a:xfrm>
-            <a:off x="1271768" y="1858010"/>
-            <a:ext cx="8559800" cy="3111500"/>
+            <a:off x="1378101" y="1965960"/>
+            <a:ext cx="2693546" cy="3939540"/>
           </a:xfrm>
           <a:prstGeom prst="rect">
             <a:avLst/>
           </a:prstGeom>
         </p:spPr>
       </p:pic>
-      <p:sp>
-        <p:nvSpPr>
-          <p:cNvPr id="4" name="Rectangle 3">
+      <p:cxnSp>
+        <p:nvCxnSpPr>
+          <p:cNvPr id="4" name="Straight Connector 3">
             <a:extLst>
               <a:ext uri="{FF2B5EF4-FFF2-40B4-BE49-F238E27FC236}">
-                <a16:creationId xmlns:a16="http://schemas.microsoft.com/office/drawing/2014/main" id="{A8AEDB6F-5F36-8145-BD54-8E9D2FC0F92D}"/>
+                <a16:creationId xmlns:a16="http://schemas.microsoft.com/office/drawing/2014/main" id="{8FD211D2-4A2B-7F44-B983-5686255443E3}"/>
               </a:ext>
             </a:extLst>
           </p:cNvPr>
-          <p:cNvSpPr/>
+          <p:cNvCxnSpPr>
+            <a:cxnSpLocks/>
+          </p:cNvCxnSpPr>
           <p:nvPr/>
-        </p:nvSpPr>
-        <p:spPr>
-          <a:xfrm>
-            <a:off x="1483089" y="5347454"/>
-            <a:ext cx="3312702" cy="369332"/>
-          </a:xfrm>
-          <a:prstGeom prst="rect">
+        </p:nvCxnSpPr>
+        <p:spPr>
+          <a:xfrm flipV="1">
+            <a:off x="1378101" y="1745993"/>
+            <a:ext cx="5053179" cy="7306"/>
+          </a:xfrm>
+          <a:prstGeom prst="line">
             <a:avLst/>
           </a:prstGeom>
-        </p:spPr>
-        <p:txBody>
-          <a:bodyPr wrap="none">
-            <a:spAutoFit/>
-          </a:bodyPr>
-          <a:lstStyle/>
-          <a:p>
-            <a:r>
-              <a:rPr lang="fr-FR" dirty="0">
-                <a:hlinkClick r:id="rId4"/>
-              </a:rPr>
-              <a:t>https://</a:t>
-            </a:r>
-            <a:r>
-              <a:rPr lang="fr-FR" dirty="0" err="1">
-                <a:hlinkClick r:id="rId4"/>
-              </a:rPr>
-              <a:t>arxiv.org</a:t>
-            </a:r>
-            <a:r>
-              <a:rPr lang="fr-FR" dirty="0">
-                <a:hlinkClick r:id="rId4"/>
-              </a:rPr>
-              <a:t>/abs/1803.03453</a:t>
-            </a:r>
-            <a:endParaRPr lang="fr-FR" dirty="0"/>
-          </a:p>
-        </p:txBody>
-      </p:sp>
-      <p:sp>
-        <p:nvSpPr>
-          <p:cNvPr id="5" name="Rectangle 4">
-            <a:extLst>
-              <a:ext uri="{FF2B5EF4-FFF2-40B4-BE49-F238E27FC236}">
-                <a16:creationId xmlns:a16="http://schemas.microsoft.com/office/drawing/2014/main" id="{BC855DAA-90C7-D648-9809-008C3E67ADEF}"/>
-              </a:ext>
-            </a:extLst>
-          </p:cNvPr>
-          <p:cNvSpPr/>
-          <p:nvPr/>
-        </p:nvSpPr>
-        <p:spPr>
-          <a:xfrm>
-            <a:off x="1483089" y="5725398"/>
-            <a:ext cx="7353300" cy="369332"/>
-          </a:xfrm>
-          <a:prstGeom prst="rect">
-            <a:avLst/>
-          </a:prstGeom>
-        </p:spPr>
-        <p:txBody>
-          <a:bodyPr wrap="square">
-            <a:spAutoFit/>
-          </a:bodyPr>
-          <a:lstStyle/>
-          <a:p>
-            <a:r>
-              <a:rPr lang="fr-FR" dirty="0">
-                <a:hlinkClick r:id="rId5"/>
-              </a:rPr>
-              <a:t>https://</a:t>
-            </a:r>
-            <a:r>
-              <a:rPr lang="fr-FR" dirty="0" err="1">
-                <a:hlinkClick r:id="rId5"/>
-              </a:rPr>
-              <a:t>www.youtube.com</a:t>
-            </a:r>
-            <a:r>
-              <a:rPr lang="fr-FR" dirty="0">
-                <a:hlinkClick r:id="rId5"/>
-              </a:rPr>
-              <a:t>/</a:t>
-            </a:r>
-            <a:r>
-              <a:rPr lang="fr-FR" dirty="0" err="1">
-                <a:hlinkClick r:id="rId5"/>
-              </a:rPr>
-              <a:t>watch?v</a:t>
-            </a:r>
-            <a:r>
-              <a:rPr lang="fr-FR" dirty="0">
-                <a:hlinkClick r:id="rId5"/>
-              </a:rPr>
-              <a:t>=</a:t>
-            </a:r>
-            <a:r>
-              <a:rPr lang="fr-FR" dirty="0" err="1">
-                <a:hlinkClick r:id="rId5"/>
-              </a:rPr>
-              <a:t>GdTBqBnqhaQ&amp;feature</a:t>
-            </a:r>
-            <a:r>
-              <a:rPr lang="fr-FR" dirty="0">
-                <a:hlinkClick r:id="rId5"/>
-              </a:rPr>
-              <a:t>=</a:t>
-            </a:r>
-            <a:r>
-              <a:rPr lang="fr-FR" dirty="0" err="1">
-                <a:hlinkClick r:id="rId5"/>
-              </a:rPr>
-              <a:t>youtu.be</a:t>
-            </a:r>
-            <a:endParaRPr lang="fr-FR" dirty="0"/>
-          </a:p>
-        </p:txBody>
-      </p:sp>
+          <a:ln w="12700"/>
+        </p:spPr>
+        <p:style>
+          <a:lnRef idx="1">
+            <a:schemeClr val="accent1"/>
+          </a:lnRef>
+          <a:fillRef idx="0">
+            <a:schemeClr val="accent1"/>
+          </a:fillRef>
+          <a:effectRef idx="0">
+            <a:schemeClr val="accent1"/>
+          </a:effectRef>
+          <a:fontRef idx="minor">
+            <a:schemeClr val="tx1"/>
+          </a:fontRef>
+        </p:style>
+      </p:cxnSp>
     </p:spTree>
     <p:extLst>
       <p:ext uri="{BB962C8B-B14F-4D97-AF65-F5344CB8AC3E}">
-        <p14:creationId xmlns:p14="http://schemas.microsoft.com/office/powerpoint/2010/main" val="1454547491"/>
+        <p14:creationId xmlns:p14="http://schemas.microsoft.com/office/powerpoint/2010/main" val="556425727"/>
       </p:ext>
     </p:extLst>
   </p:cSld>
@@ -5694,7 +5879,7 @@
         <p:spPr>
           <a:xfrm>
             <a:off x="1271768" y="1115051"/>
-            <a:ext cx="9196386" cy="630942"/>
+            <a:ext cx="9196386" cy="553998"/>
           </a:xfrm>
           <a:prstGeom prst="rect">
             <a:avLst/>
@@ -5708,21 +5893,199 @@
           <a:lstStyle/>
           <a:p>
             <a:r>
-              <a:rPr lang="en-US" sz="3500" b="1" dirty="0">
+              <a:rPr lang="en-US" sz="3000" b="1" dirty="0">
                 <a:solidFill>
                   <a:schemeClr val="accent1"/>
                 </a:solidFill>
                 <a:latin typeface="Cambria" panose="02040503050406030204" pitchFamily="18" charset="0"/>
               </a:rPr>
-              <a:t>PUBLIC DEBATES NEED TO RALLY</a:t>
-            </a:r>
-          </a:p>
-        </p:txBody>
-      </p:sp>
+              <a:t>SOME COMMON ISSUES</a:t>
+            </a:r>
+          </a:p>
+        </p:txBody>
+      </p:sp>
+      <p:sp>
+        <p:nvSpPr>
+          <p:cNvPr id="9" name="TextBox 8"/>
+          <p:cNvSpPr txBox="1"/>
+          <p:nvPr/>
+        </p:nvSpPr>
+        <p:spPr>
+          <a:xfrm>
+            <a:off x="1275701" y="1959776"/>
+            <a:ext cx="9909364" cy="3046988"/>
+          </a:xfrm>
+          <a:prstGeom prst="rect">
+            <a:avLst/>
+          </a:prstGeom>
+          <a:noFill/>
+        </p:spPr>
+        <p:txBody>
+          <a:bodyPr wrap="square" rtlCol="0">
+            <a:spAutoFit/>
+          </a:bodyPr>
+          <a:lstStyle/>
+          <a:p>
+            <a:pPr marL="342900" indent="-342900">
+              <a:buFont typeface="Arial"/>
+              <a:buChar char="•"/>
+            </a:pPr>
+            <a:r>
+              <a:rPr lang="en-US" sz="2400" b="1" dirty="0">
+                <a:solidFill>
+                  <a:schemeClr val="accent1"/>
+                </a:solidFill>
+                <a:latin typeface="Cambria" panose="02040503050406030204" pitchFamily="18" charset="0"/>
+              </a:rPr>
+              <a:t>USING PROXY VARIABLE AS PREDICTORS</a:t>
+            </a:r>
+            <a:br>
+              <a:rPr lang="en-US" sz="2400" b="1" dirty="0">
+                <a:solidFill>
+                  <a:schemeClr val="accent1"/>
+                </a:solidFill>
+                <a:latin typeface="Cambria" panose="02040503050406030204" pitchFamily="18" charset="0"/>
+              </a:rPr>
+            </a:br>
+            <a:endParaRPr lang="en-US" sz="2400" b="1" dirty="0">
+              <a:solidFill>
+                <a:schemeClr val="accent1"/>
+              </a:solidFill>
+              <a:latin typeface="Cambria" panose="02040503050406030204" pitchFamily="18" charset="0"/>
+            </a:endParaRPr>
+          </a:p>
+          <a:p>
+            <a:pPr marL="342900" indent="-342900">
+              <a:buFont typeface="Arial"/>
+              <a:buChar char="•"/>
+            </a:pPr>
+            <a:r>
+              <a:rPr lang="en-US" sz="2400" b="1" dirty="0">
+                <a:solidFill>
+                  <a:schemeClr val="accent1"/>
+                </a:solidFill>
+                <a:latin typeface="Cambria" panose="02040503050406030204" pitchFamily="18" charset="0"/>
+              </a:rPr>
+              <a:t>NOT ENOUGH DATA OR NOT REPRESENTATIVE</a:t>
+            </a:r>
+            <a:br>
+              <a:rPr lang="en-US" sz="2400" b="1" dirty="0">
+                <a:solidFill>
+                  <a:schemeClr val="accent1"/>
+                </a:solidFill>
+                <a:latin typeface="Cambria" panose="02040503050406030204" pitchFamily="18" charset="0"/>
+              </a:rPr>
+            </a:br>
+            <a:endParaRPr lang="en-US" sz="2400" b="1" dirty="0">
+              <a:solidFill>
+                <a:schemeClr val="accent1"/>
+              </a:solidFill>
+              <a:latin typeface="Cambria" panose="02040503050406030204" pitchFamily="18" charset="0"/>
+            </a:endParaRPr>
+          </a:p>
+          <a:p>
+            <a:pPr marL="342900" indent="-342900">
+              <a:buFont typeface="Arial"/>
+              <a:buChar char="•"/>
+            </a:pPr>
+            <a:r>
+              <a:rPr lang="en-US" sz="2400" b="1" dirty="0">
+                <a:solidFill>
+                  <a:schemeClr val="accent1"/>
+                </a:solidFill>
+                <a:latin typeface="Cambria" panose="02040503050406030204" pitchFamily="18" charset="0"/>
+              </a:rPr>
+              <a:t>PREDICTOR CHOICES BIASED BY IDEOLOGY, CONFIRMATION BIAS</a:t>
+            </a:r>
+            <a:br>
+              <a:rPr lang="en-US" sz="2400" b="1" dirty="0">
+                <a:solidFill>
+                  <a:schemeClr val="accent1"/>
+                </a:solidFill>
+                <a:latin typeface="Cambria" panose="02040503050406030204" pitchFamily="18" charset="0"/>
+              </a:rPr>
+            </a:br>
+            <a:endParaRPr lang="en-US" sz="2400" b="1" dirty="0">
+              <a:solidFill>
+                <a:schemeClr val="accent1"/>
+              </a:solidFill>
+              <a:latin typeface="Cambria" panose="02040503050406030204" pitchFamily="18" charset="0"/>
+            </a:endParaRPr>
+          </a:p>
+          <a:p>
+            <a:pPr marL="342900" indent="-342900">
+              <a:buFont typeface="Arial"/>
+              <a:buChar char="•"/>
+            </a:pPr>
+            <a:r>
+              <a:rPr lang="en-US" sz="2400" b="1" dirty="0">
+                <a:solidFill>
+                  <a:schemeClr val="accent1"/>
+                </a:solidFill>
+                <a:latin typeface="Cambria" panose="02040503050406030204" pitchFamily="18" charset="0"/>
+              </a:rPr>
+              <a:t>…</a:t>
+            </a:r>
+            <a:br>
+              <a:rPr lang="en-US" sz="2400" dirty="0">
+                <a:solidFill>
+                  <a:schemeClr val="accent1"/>
+                </a:solidFill>
+                <a:latin typeface="Cambria" panose="02040503050406030204" pitchFamily="18" charset="0"/>
+              </a:rPr>
+            </a:br>
+            <a:endParaRPr lang="en-US" sz="2400" dirty="0">
+              <a:solidFill>
+                <a:schemeClr val="accent1"/>
+              </a:solidFill>
+              <a:latin typeface="Cambria" panose="02040503050406030204" pitchFamily="18" charset="0"/>
+            </a:endParaRPr>
+          </a:p>
+        </p:txBody>
+      </p:sp>
+      <p:cxnSp>
+        <p:nvCxnSpPr>
+          <p:cNvPr id="4" name="Straight Connector 3">
+            <a:extLst>
+              <a:ext uri="{FF2B5EF4-FFF2-40B4-BE49-F238E27FC236}">
+                <a16:creationId xmlns:a16="http://schemas.microsoft.com/office/drawing/2014/main" id="{1C949186-976B-2149-999A-29872F570F5A}"/>
+              </a:ext>
+            </a:extLst>
+          </p:cNvPr>
+          <p:cNvCxnSpPr>
+            <a:cxnSpLocks/>
+          </p:cNvCxnSpPr>
+          <p:nvPr/>
+        </p:nvCxnSpPr>
+        <p:spPr>
+          <a:xfrm>
+            <a:off x="1378101" y="1753299"/>
+            <a:ext cx="9419439" cy="0"/>
+          </a:xfrm>
+          <a:prstGeom prst="line">
+            <a:avLst/>
+          </a:prstGeom>
+          <a:ln w="12700"/>
+        </p:spPr>
+        <p:style>
+          <a:lnRef idx="1">
+            <a:schemeClr val="accent1"/>
+          </a:lnRef>
+          <a:fillRef idx="0">
+            <a:schemeClr val="accent1"/>
+          </a:fillRef>
+          <a:effectRef idx="0">
+            <a:schemeClr val="accent1"/>
+          </a:effectRef>
+          <a:fontRef idx="minor">
+            <a:schemeClr val="tx1"/>
+          </a:fontRef>
+        </p:style>
+      </p:cxnSp>
     </p:spTree>
     <p:extLst>
       <p:ext uri="{BB962C8B-B14F-4D97-AF65-F5344CB8AC3E}">
-        <p14:creationId xmlns:p14="http://schemas.microsoft.com/office/powerpoint/2010/main" val="756983381"/>
+        <p14:creationId xmlns:p14="http://schemas.microsoft.com/office/powerpoint/2010/main" val="1144296558"/>
       </p:ext>
     </p:extLst>
   </p:cSld>
@@ -5763,14 +6126,14 @@
       </p:grpSpPr>
       <p:sp>
         <p:nvSpPr>
-          <p:cNvPr id="8" name="TextBox 7"/>
+          <p:cNvPr id="3" name="TextBox 2"/>
           <p:cNvSpPr txBox="1"/>
           <p:nvPr/>
         </p:nvSpPr>
         <p:spPr>
           <a:xfrm>
-            <a:off x="1271768" y="1115051"/>
-            <a:ext cx="9196386" cy="553998"/>
+            <a:off x="2513338" y="1738043"/>
+            <a:ext cx="8924282" cy="1631216"/>
           </a:xfrm>
           <a:prstGeom prst="rect">
             <a:avLst/>
@@ -5784,255 +6147,60 @@
           <a:lstStyle/>
           <a:p>
             <a:r>
-              <a:rPr lang="en-US" sz="3000" b="1" dirty="0">
+              <a:rPr lang="en-US" sz="5000" b="1" dirty="0">
                 <a:solidFill>
                   <a:schemeClr val="accent1"/>
                 </a:solidFill>
                 <a:latin typeface="Cambria" panose="02040503050406030204" pitchFamily="18" charset="0"/>
               </a:rPr>
-              <a:t>SOCIETY AT LARGE &amp; RISK AWARENESS	</a:t>
-            </a:r>
-          </a:p>
-        </p:txBody>
-      </p:sp>
-      <p:sp>
-        <p:nvSpPr>
-          <p:cNvPr id="9" name="TextBox 8"/>
-          <p:cNvSpPr txBox="1"/>
+              <a:t>CONTROL &amp; VALUE ALIGNEMENT PROBLEM</a:t>
+            </a:r>
+          </a:p>
+        </p:txBody>
+      </p:sp>
+      <p:cxnSp>
+        <p:nvCxnSpPr>
+          <p:cNvPr id="5" name="Straight Connector 4">
+            <a:extLst>
+              <a:ext uri="{FF2B5EF4-FFF2-40B4-BE49-F238E27FC236}">
+                <a16:creationId xmlns:a16="http://schemas.microsoft.com/office/drawing/2014/main" id="{2571E43F-CCA3-BB47-A7AF-81B47EA888E0}"/>
+              </a:ext>
+            </a:extLst>
+          </p:cNvPr>
+          <p:cNvCxnSpPr>
+            <a:cxnSpLocks/>
+          </p:cNvCxnSpPr>
           <p:nvPr/>
-        </p:nvSpPr>
-        <p:spPr>
-          <a:xfrm>
-            <a:off x="1275701" y="1830236"/>
-            <a:ext cx="9909364" cy="5632311"/>
-          </a:xfrm>
-          <a:prstGeom prst="rect">
+        </p:nvCxnSpPr>
+        <p:spPr>
+          <a:xfrm>
+            <a:off x="2300750" y="1879133"/>
+            <a:ext cx="0" cy="1275547"/>
+          </a:xfrm>
+          <a:prstGeom prst="line">
             <a:avLst/>
           </a:prstGeom>
-          <a:noFill/>
-        </p:spPr>
-        <p:txBody>
-          <a:bodyPr wrap="square" rtlCol="0">
-            <a:spAutoFit/>
-          </a:bodyPr>
-          <a:lstStyle/>
-          <a:p>
-            <a:pPr marL="342900" indent="-342900">
-              <a:buFont typeface="Arial"/>
-              <a:buChar char="•"/>
-            </a:pPr>
-            <a:r>
-              <a:rPr lang="en-US" sz="2400" b="1" dirty="0">
-                <a:solidFill>
-                  <a:schemeClr val="accent1"/>
-                </a:solidFill>
-                <a:latin typeface="Cambria" panose="02040503050406030204" pitchFamily="18" charset="0"/>
-              </a:rPr>
-              <a:t>EDUCATION</a:t>
-            </a:r>
-            <a:br>
-              <a:rPr lang="en-US" sz="2400" b="1" dirty="0">
-                <a:solidFill>
-                  <a:schemeClr val="accent1"/>
-                </a:solidFill>
-                <a:latin typeface="Cambria" panose="02040503050406030204" pitchFamily="18" charset="0"/>
-              </a:rPr>
-            </a:br>
-            <a:endParaRPr lang="en-US" sz="2400" b="1" dirty="0">
-              <a:solidFill>
-                <a:schemeClr val="accent1"/>
-              </a:solidFill>
-              <a:latin typeface="Cambria" panose="02040503050406030204" pitchFamily="18" charset="0"/>
-            </a:endParaRPr>
-          </a:p>
-          <a:p>
-            <a:pPr marL="342900" indent="-342900">
-              <a:buFont typeface="Arial"/>
-              <a:buChar char="•"/>
-            </a:pPr>
-            <a:r>
-              <a:rPr lang="en-US" sz="2400" b="1" dirty="0">
-                <a:solidFill>
-                  <a:schemeClr val="accent1"/>
-                </a:solidFill>
-                <a:latin typeface="Cambria" panose="02040503050406030204" pitchFamily="18" charset="0"/>
-              </a:rPr>
-              <a:t>PUBLIC AUTHORITIES [CERTIFIED PUBLIC EXPERT AUDIT …]</a:t>
-            </a:r>
-            <a:br>
-              <a:rPr lang="en-US" sz="2400" b="1" dirty="0">
-                <a:solidFill>
-                  <a:schemeClr val="accent1"/>
-                </a:solidFill>
-                <a:latin typeface="Cambria" panose="02040503050406030204" pitchFamily="18" charset="0"/>
-              </a:rPr>
-            </a:br>
-            <a:endParaRPr lang="en-US" sz="2400" b="1" dirty="0">
-              <a:solidFill>
-                <a:schemeClr val="accent1"/>
-              </a:solidFill>
-              <a:latin typeface="Cambria" panose="02040503050406030204" pitchFamily="18" charset="0"/>
-            </a:endParaRPr>
-          </a:p>
-          <a:p>
-            <a:pPr marL="342900" indent="-342900">
-              <a:buFont typeface="Arial"/>
-              <a:buChar char="•"/>
-            </a:pPr>
-            <a:r>
-              <a:rPr lang="en-US" sz="2400" b="1" dirty="0">
-                <a:solidFill>
-                  <a:schemeClr val="accent1"/>
-                </a:solidFill>
-                <a:latin typeface="Cambria" panose="02040503050406030204" pitchFamily="18" charset="0"/>
-              </a:rPr>
-              <a:t>SCIENTIFIC COMMUNITY</a:t>
-            </a:r>
-            <a:br>
-              <a:rPr lang="en-US" sz="2400" b="1" dirty="0">
-                <a:solidFill>
-                  <a:schemeClr val="accent1"/>
-                </a:solidFill>
-                <a:latin typeface="Cambria" panose="02040503050406030204" pitchFamily="18" charset="0"/>
-              </a:rPr>
-            </a:br>
-            <a:endParaRPr lang="en-US" sz="2400" b="1" dirty="0">
-              <a:solidFill>
-                <a:schemeClr val="accent1"/>
-              </a:solidFill>
-              <a:latin typeface="Cambria" panose="02040503050406030204" pitchFamily="18" charset="0"/>
-            </a:endParaRPr>
-          </a:p>
-          <a:p>
-            <a:pPr marL="342900" indent="-342900">
-              <a:buFont typeface="Arial"/>
-              <a:buChar char="•"/>
-            </a:pPr>
-            <a:r>
-              <a:rPr lang="en-US" sz="2400" b="1" dirty="0">
-                <a:solidFill>
-                  <a:schemeClr val="accent1"/>
-                </a:solidFill>
-                <a:latin typeface="Cambria" panose="02040503050406030204" pitchFamily="18" charset="0"/>
-              </a:rPr>
-              <a:t>INDUSTRY: ETHICS BY DESIGN [RIGHT QUESTION RIGH TIME]</a:t>
-            </a:r>
-            <a:br>
-              <a:rPr lang="en-US" sz="2400" b="1" dirty="0">
-                <a:solidFill>
-                  <a:schemeClr val="accent1"/>
-                </a:solidFill>
-                <a:latin typeface="Cambria" panose="02040503050406030204" pitchFamily="18" charset="0"/>
-              </a:rPr>
-            </a:br>
-            <a:endParaRPr lang="en-US" sz="2400" b="1" dirty="0">
-              <a:solidFill>
-                <a:schemeClr val="accent1"/>
-              </a:solidFill>
-              <a:latin typeface="Cambria" panose="02040503050406030204" pitchFamily="18" charset="0"/>
-            </a:endParaRPr>
-          </a:p>
-          <a:p>
-            <a:pPr marL="342900" indent="-342900">
-              <a:buFont typeface="Arial"/>
-              <a:buChar char="•"/>
-            </a:pPr>
-            <a:r>
-              <a:rPr lang="en-US" sz="2400" b="1" dirty="0">
-                <a:solidFill>
-                  <a:schemeClr val="accent1"/>
-                </a:solidFill>
-                <a:latin typeface="Cambria" panose="02040503050406030204" pitchFamily="18" charset="0"/>
-              </a:rPr>
-              <a:t>BUSINESS OWNERS</a:t>
-            </a:r>
-            <a:br>
-              <a:rPr lang="en-US" sz="2400" b="1" dirty="0">
-                <a:solidFill>
-                  <a:schemeClr val="accent1"/>
-                </a:solidFill>
-                <a:latin typeface="Cambria" panose="02040503050406030204" pitchFamily="18" charset="0"/>
-              </a:rPr>
-            </a:br>
-            <a:endParaRPr lang="en-US" sz="2400" b="1" dirty="0">
-              <a:solidFill>
-                <a:schemeClr val="accent1"/>
-              </a:solidFill>
-              <a:latin typeface="Cambria" panose="02040503050406030204" pitchFamily="18" charset="0"/>
-            </a:endParaRPr>
-          </a:p>
-          <a:p>
-            <a:pPr marL="342900" indent="-342900">
-              <a:buFont typeface="Arial"/>
-              <a:buChar char="•"/>
-            </a:pPr>
-            <a:r>
-              <a:rPr lang="en-US" sz="2400" b="1" dirty="0">
-                <a:solidFill>
-                  <a:schemeClr val="accent1"/>
-                </a:solidFill>
-                <a:latin typeface="Cambria" panose="02040503050406030204" pitchFamily="18" charset="0"/>
-              </a:rPr>
-              <a:t>CIVIL SOCIETY</a:t>
-            </a:r>
-            <a:br>
-              <a:rPr lang="en-US" sz="2400" b="1" dirty="0">
-                <a:solidFill>
-                  <a:schemeClr val="accent1"/>
-                </a:solidFill>
-                <a:latin typeface="Cambria" panose="02040503050406030204" pitchFamily="18" charset="0"/>
-              </a:rPr>
-            </a:br>
-            <a:endParaRPr lang="en-US" sz="2400" b="1" dirty="0">
-              <a:solidFill>
-                <a:schemeClr val="accent1"/>
-              </a:solidFill>
-              <a:latin typeface="Cambria" panose="02040503050406030204" pitchFamily="18" charset="0"/>
-            </a:endParaRPr>
-          </a:p>
-          <a:p>
-            <a:pPr marL="342900" indent="-342900">
-              <a:buFont typeface="Arial"/>
-              <a:buChar char="•"/>
-            </a:pPr>
-            <a:r>
-              <a:rPr lang="en-US" sz="2400" b="1" dirty="0">
-                <a:solidFill>
-                  <a:schemeClr val="accent1"/>
-                </a:solidFill>
-                <a:latin typeface="Cambria" panose="02040503050406030204" pitchFamily="18" charset="0"/>
-              </a:rPr>
-              <a:t>…</a:t>
-            </a:r>
-            <a:br>
-              <a:rPr lang="en-US" sz="2400" b="1" dirty="0">
-                <a:solidFill>
-                  <a:schemeClr val="accent1"/>
-                </a:solidFill>
-                <a:latin typeface="Cambria" panose="02040503050406030204" pitchFamily="18" charset="0"/>
-              </a:rPr>
-            </a:br>
-            <a:br>
-              <a:rPr lang="en-US" sz="2400" dirty="0">
-                <a:solidFill>
-                  <a:schemeClr val="accent1"/>
-                </a:solidFill>
-                <a:latin typeface="Cambria" panose="02040503050406030204" pitchFamily="18" charset="0"/>
-              </a:rPr>
-            </a:br>
-            <a:endParaRPr lang="en-US" sz="2400" dirty="0">
-              <a:solidFill>
-                <a:schemeClr val="accent1"/>
-              </a:solidFill>
-              <a:latin typeface="Cambria" panose="02040503050406030204" pitchFamily="18" charset="0"/>
-            </a:endParaRPr>
-          </a:p>
-        </p:txBody>
-      </p:sp>
+          <a:ln w="38100"/>
+        </p:spPr>
+        <p:style>
+          <a:lnRef idx="1">
+            <a:schemeClr val="accent1"/>
+          </a:lnRef>
+          <a:fillRef idx="0">
+            <a:schemeClr val="accent1"/>
+          </a:fillRef>
+          <a:effectRef idx="0">
+            <a:schemeClr val="accent1"/>
+          </a:effectRef>
+          <a:fontRef idx="minor">
+            <a:schemeClr val="tx1"/>
+          </a:fontRef>
+        </p:style>
+      </p:cxnSp>
     </p:spTree>
     <p:extLst>
       <p:ext uri="{BB962C8B-B14F-4D97-AF65-F5344CB8AC3E}">
-        <p14:creationId xmlns:p14="http://schemas.microsoft.com/office/powerpoint/2010/main" val="3340402887"/>
+        <p14:creationId xmlns:p14="http://schemas.microsoft.com/office/powerpoint/2010/main" val="153313566"/>
       </p:ext>
     </p:extLst>
   </p:cSld>
@@ -6100,27 +6268,260 @@
                 </a:solidFill>
                 <a:latin typeface="Cambria" panose="02040503050406030204" pitchFamily="18" charset="0"/>
               </a:rPr>
-              <a:t>WORKING GROUP SESSION</a:t>
-            </a:r>
-          </a:p>
-        </p:txBody>
-      </p:sp>
-      <p:sp>
-        <p:nvSpPr>
-          <p:cNvPr id="2" name="TextBox 1">
+              <a:t>SURPRISING CREATIVITY</a:t>
+            </a:r>
+          </a:p>
+        </p:txBody>
+      </p:sp>
+      <p:pic>
+        <p:nvPicPr>
+          <p:cNvPr id="3" name="Picture 2">
             <a:extLst>
               <a:ext uri="{FF2B5EF4-FFF2-40B4-BE49-F238E27FC236}">
-                <a16:creationId xmlns:a16="http://schemas.microsoft.com/office/drawing/2014/main" id="{BD0FD4DF-229E-8649-941A-94E7F8B4D1B2}"/>
+                <a16:creationId xmlns:a16="http://schemas.microsoft.com/office/drawing/2014/main" id="{FDB82490-863A-AC47-B981-32E3E038D9E3}"/>
               </a:ext>
             </a:extLst>
           </p:cNvPr>
+          <p:cNvPicPr>
+            <a:picLocks noChangeAspect="1"/>
+          </p:cNvPicPr>
+          <p:nvPr/>
+        </p:nvPicPr>
+        <p:blipFill>
+          <a:blip r:embed="rId3"/>
+          <a:stretch>
+            <a:fillRect/>
+          </a:stretch>
+        </p:blipFill>
+        <p:spPr>
+          <a:xfrm>
+            <a:off x="1271768" y="1957070"/>
+            <a:ext cx="8559800" cy="3111500"/>
+          </a:xfrm>
+          <a:prstGeom prst="rect">
+            <a:avLst/>
+          </a:prstGeom>
+        </p:spPr>
+      </p:pic>
+      <p:sp>
+        <p:nvSpPr>
+          <p:cNvPr id="4" name="Rectangle 3">
+            <a:extLst>
+              <a:ext uri="{FF2B5EF4-FFF2-40B4-BE49-F238E27FC236}">
+                <a16:creationId xmlns:a16="http://schemas.microsoft.com/office/drawing/2014/main" id="{A8AEDB6F-5F36-8145-BD54-8E9D2FC0F92D}"/>
+              </a:ext>
+            </a:extLst>
+          </p:cNvPr>
+          <p:cNvSpPr/>
+          <p:nvPr/>
+        </p:nvSpPr>
+        <p:spPr>
+          <a:xfrm>
+            <a:off x="1483089" y="5347454"/>
+            <a:ext cx="3312702" cy="369332"/>
+          </a:xfrm>
+          <a:prstGeom prst="rect">
+            <a:avLst/>
+          </a:prstGeom>
+        </p:spPr>
+        <p:txBody>
+          <a:bodyPr wrap="none">
+            <a:spAutoFit/>
+          </a:bodyPr>
+          <a:lstStyle/>
+          <a:p>
+            <a:r>
+              <a:rPr lang="fr-FR" dirty="0">
+                <a:hlinkClick r:id="rId4"/>
+              </a:rPr>
+              <a:t>https://</a:t>
+            </a:r>
+            <a:r>
+              <a:rPr lang="fr-FR" dirty="0" err="1">
+                <a:hlinkClick r:id="rId4"/>
+              </a:rPr>
+              <a:t>arxiv.org</a:t>
+            </a:r>
+            <a:r>
+              <a:rPr lang="fr-FR" dirty="0">
+                <a:hlinkClick r:id="rId4"/>
+              </a:rPr>
+              <a:t>/abs/1803.03453</a:t>
+            </a:r>
+            <a:endParaRPr lang="fr-FR" dirty="0"/>
+          </a:p>
+        </p:txBody>
+      </p:sp>
+      <p:sp>
+        <p:nvSpPr>
+          <p:cNvPr id="5" name="Rectangle 4">
+            <a:extLst>
+              <a:ext uri="{FF2B5EF4-FFF2-40B4-BE49-F238E27FC236}">
+                <a16:creationId xmlns:a16="http://schemas.microsoft.com/office/drawing/2014/main" id="{BC855DAA-90C7-D648-9809-008C3E67ADEF}"/>
+              </a:ext>
+            </a:extLst>
+          </p:cNvPr>
+          <p:cNvSpPr/>
+          <p:nvPr/>
+        </p:nvSpPr>
+        <p:spPr>
+          <a:xfrm>
+            <a:off x="1483089" y="5725398"/>
+            <a:ext cx="7353300" cy="369332"/>
+          </a:xfrm>
+          <a:prstGeom prst="rect">
+            <a:avLst/>
+          </a:prstGeom>
+        </p:spPr>
+        <p:txBody>
+          <a:bodyPr wrap="square">
+            <a:spAutoFit/>
+          </a:bodyPr>
+          <a:lstStyle/>
+          <a:p>
+            <a:r>
+              <a:rPr lang="fr-FR" dirty="0">
+                <a:hlinkClick r:id="rId5"/>
+              </a:rPr>
+              <a:t>https://</a:t>
+            </a:r>
+            <a:r>
+              <a:rPr lang="fr-FR" dirty="0" err="1">
+                <a:hlinkClick r:id="rId5"/>
+              </a:rPr>
+              <a:t>www.youtube.com</a:t>
+            </a:r>
+            <a:r>
+              <a:rPr lang="fr-FR" dirty="0">
+                <a:hlinkClick r:id="rId5"/>
+              </a:rPr>
+              <a:t>/</a:t>
+            </a:r>
+            <a:r>
+              <a:rPr lang="fr-FR" dirty="0" err="1">
+                <a:hlinkClick r:id="rId5"/>
+              </a:rPr>
+              <a:t>watch?v</a:t>
+            </a:r>
+            <a:r>
+              <a:rPr lang="fr-FR" dirty="0">
+                <a:hlinkClick r:id="rId5"/>
+              </a:rPr>
+              <a:t>=</a:t>
+            </a:r>
+            <a:r>
+              <a:rPr lang="fr-FR" dirty="0" err="1">
+                <a:hlinkClick r:id="rId5"/>
+              </a:rPr>
+              <a:t>GdTBqBnqhaQ&amp;feature</a:t>
+            </a:r>
+            <a:r>
+              <a:rPr lang="fr-FR" dirty="0">
+                <a:hlinkClick r:id="rId5"/>
+              </a:rPr>
+              <a:t>=</a:t>
+            </a:r>
+            <a:r>
+              <a:rPr lang="fr-FR" dirty="0" err="1">
+                <a:hlinkClick r:id="rId5"/>
+              </a:rPr>
+              <a:t>youtu.be</a:t>
+            </a:r>
+            <a:endParaRPr lang="fr-FR" dirty="0"/>
+          </a:p>
+        </p:txBody>
+      </p:sp>
+      <p:cxnSp>
+        <p:nvCxnSpPr>
+          <p:cNvPr id="6" name="Straight Connector 5">
+            <a:extLst>
+              <a:ext uri="{FF2B5EF4-FFF2-40B4-BE49-F238E27FC236}">
+                <a16:creationId xmlns:a16="http://schemas.microsoft.com/office/drawing/2014/main" id="{46B832AC-E361-5C45-9F0B-93E65A9CBFF2}"/>
+              </a:ext>
+            </a:extLst>
+          </p:cNvPr>
+          <p:cNvCxnSpPr>
+            <a:cxnSpLocks/>
+          </p:cNvCxnSpPr>
+          <p:nvPr/>
+        </p:nvCxnSpPr>
+        <p:spPr>
+          <a:xfrm>
+            <a:off x="1378101" y="1753299"/>
+            <a:ext cx="8070699" cy="0"/>
+          </a:xfrm>
+          <a:prstGeom prst="line">
+            <a:avLst/>
+          </a:prstGeom>
+          <a:ln w="12700"/>
+        </p:spPr>
+        <p:style>
+          <a:lnRef idx="1">
+            <a:schemeClr val="accent1"/>
+          </a:lnRef>
+          <a:fillRef idx="0">
+            <a:schemeClr val="accent1"/>
+          </a:fillRef>
+          <a:effectRef idx="0">
+            <a:schemeClr val="accent1"/>
+          </a:effectRef>
+          <a:fontRef idx="minor">
+            <a:schemeClr val="tx1"/>
+          </a:fontRef>
+        </p:style>
+      </p:cxnSp>
+    </p:spTree>
+    <p:extLst>
+      <p:ext uri="{BB962C8B-B14F-4D97-AF65-F5344CB8AC3E}">
+        <p14:creationId xmlns:p14="http://schemas.microsoft.com/office/powerpoint/2010/main" val="1454547491"/>
+      </p:ext>
+    </p:extLst>
+  </p:cSld>
+  <p:clrMapOvr>
+    <a:masterClrMapping/>
+  </p:clrMapOvr>
+  <mc:AlternateContent xmlns:mc="http://schemas.openxmlformats.org/markup-compatibility/2006" xmlns:p14="http://schemas.microsoft.com/office/powerpoint/2010/main">
+    <mc:Choice Requires="p14">
+      <p:transition spd="med" p14:dur="700">
+        <p:fade/>
+      </p:transition>
+    </mc:Choice>
+    <mc:Fallback xmlns="">
+      <p:transition spd="med">
+        <p:fade/>
+      </p:transition>
+    </mc:Fallback>
+  </mc:AlternateContent>
+</p:sld>
+</file>
+
+<file path=ppt/slides/slide18.xml><?xml version="1.0" encoding="utf-8"?>
+<p:sld xmlns:a="http://schemas.openxmlformats.org/drawingml/2006/main" xmlns:r="http://schemas.openxmlformats.org/officeDocument/2006/relationships" xmlns:p="http://schemas.openxmlformats.org/presentationml/2006/main">
+  <p:cSld>
+    <p:spTree>
+      <p:nvGrpSpPr>
+        <p:cNvPr id="1" name=""/>
+        <p:cNvGrpSpPr/>
+        <p:nvPr/>
+      </p:nvGrpSpPr>
+      <p:grpSpPr>
+        <a:xfrm>
+          <a:off x="0" y="0"/>
+          <a:ext cx="0" cy="0"/>
+          <a:chOff x="0" y="0"/>
+          <a:chExt cx="0" cy="0"/>
+        </a:xfrm>
+      </p:grpSpPr>
+      <p:sp>
+        <p:nvSpPr>
+          <p:cNvPr id="3" name="TextBox 2"/>
           <p:cNvSpPr txBox="1"/>
           <p:nvPr/>
         </p:nvSpPr>
         <p:spPr>
           <a:xfrm>
-            <a:off x="3390900" y="3368040"/>
-            <a:ext cx="1929759" cy="369332"/>
+            <a:off x="2513338" y="1738043"/>
+            <a:ext cx="8924282" cy="1631216"/>
           </a:xfrm>
           <a:prstGeom prst="rect">
             <a:avLst/>
@@ -6128,22 +6529,386 @@
           <a:noFill/>
         </p:spPr>
         <p:txBody>
-          <a:bodyPr wrap="none" rtlCol="0">
+          <a:bodyPr wrap="square" rtlCol="0">
             <a:spAutoFit/>
           </a:bodyPr>
           <a:lstStyle/>
           <a:p>
             <a:r>
-              <a:rPr lang="fr-FR" dirty="0"/>
-              <a:t>TO BE CONTINUED</a:t>
-            </a:r>
-          </a:p>
-        </p:txBody>
-      </p:sp>
+              <a:rPr lang="en-US" sz="5000" b="1" dirty="0">
+                <a:solidFill>
+                  <a:schemeClr val="accent1"/>
+                </a:solidFill>
+                <a:latin typeface="Cambria" panose="02040503050406030204" pitchFamily="18" charset="0"/>
+              </a:rPr>
+              <a:t>PUBLIC DEBATES NEED TO RALLY</a:t>
+            </a:r>
+          </a:p>
+        </p:txBody>
+      </p:sp>
+      <p:cxnSp>
+        <p:nvCxnSpPr>
+          <p:cNvPr id="5" name="Straight Connector 4">
+            <a:extLst>
+              <a:ext uri="{FF2B5EF4-FFF2-40B4-BE49-F238E27FC236}">
+                <a16:creationId xmlns:a16="http://schemas.microsoft.com/office/drawing/2014/main" id="{2571E43F-CCA3-BB47-A7AF-81B47EA888E0}"/>
+              </a:ext>
+            </a:extLst>
+          </p:cNvPr>
+          <p:cNvCxnSpPr>
+            <a:cxnSpLocks/>
+          </p:cNvCxnSpPr>
+          <p:nvPr/>
+        </p:nvCxnSpPr>
+        <p:spPr>
+          <a:xfrm>
+            <a:off x="2300750" y="1879133"/>
+            <a:ext cx="0" cy="1298407"/>
+          </a:xfrm>
+          <a:prstGeom prst="line">
+            <a:avLst/>
+          </a:prstGeom>
+          <a:ln w="38100"/>
+        </p:spPr>
+        <p:style>
+          <a:lnRef idx="1">
+            <a:schemeClr val="accent1"/>
+          </a:lnRef>
+          <a:fillRef idx="0">
+            <a:schemeClr val="accent1"/>
+          </a:fillRef>
+          <a:effectRef idx="0">
+            <a:schemeClr val="accent1"/>
+          </a:effectRef>
+          <a:fontRef idx="minor">
+            <a:schemeClr val="tx1"/>
+          </a:fontRef>
+        </p:style>
+      </p:cxnSp>
     </p:spTree>
     <p:extLst>
       <p:ext uri="{BB962C8B-B14F-4D97-AF65-F5344CB8AC3E}">
-        <p14:creationId xmlns:p14="http://schemas.microsoft.com/office/powerpoint/2010/main" val="1812934061"/>
+        <p14:creationId xmlns:p14="http://schemas.microsoft.com/office/powerpoint/2010/main" val="957213995"/>
+      </p:ext>
+    </p:extLst>
+  </p:cSld>
+  <p:clrMapOvr>
+    <a:masterClrMapping/>
+  </p:clrMapOvr>
+  <mc:AlternateContent xmlns:mc="http://schemas.openxmlformats.org/markup-compatibility/2006" xmlns:p14="http://schemas.microsoft.com/office/powerpoint/2010/main">
+    <mc:Choice Requires="p14">
+      <p:transition spd="med" p14:dur="700">
+        <p:fade/>
+      </p:transition>
+    </mc:Choice>
+    <mc:Fallback xmlns="">
+      <p:transition spd="med">
+        <p:fade/>
+      </p:transition>
+    </mc:Fallback>
+  </mc:AlternateContent>
+</p:sld>
+</file>
+
+<file path=ppt/slides/slide19.xml><?xml version="1.0" encoding="utf-8"?>
+<p:sld xmlns:a="http://schemas.openxmlformats.org/drawingml/2006/main" xmlns:r="http://schemas.openxmlformats.org/officeDocument/2006/relationships" xmlns:p="http://schemas.openxmlformats.org/presentationml/2006/main">
+  <p:cSld>
+    <p:spTree>
+      <p:nvGrpSpPr>
+        <p:cNvPr id="1" name=""/>
+        <p:cNvGrpSpPr/>
+        <p:nvPr/>
+      </p:nvGrpSpPr>
+      <p:grpSpPr>
+        <a:xfrm>
+          <a:off x="0" y="0"/>
+          <a:ext cx="0" cy="0"/>
+          <a:chOff x="0" y="0"/>
+          <a:chExt cx="0" cy="0"/>
+        </a:xfrm>
+      </p:grpSpPr>
+      <p:sp>
+        <p:nvSpPr>
+          <p:cNvPr id="8" name="TextBox 7"/>
+          <p:cNvSpPr txBox="1"/>
+          <p:nvPr/>
+        </p:nvSpPr>
+        <p:spPr>
+          <a:xfrm>
+            <a:off x="1271768" y="1115051"/>
+            <a:ext cx="9196386" cy="553998"/>
+          </a:xfrm>
+          <a:prstGeom prst="rect">
+            <a:avLst/>
+          </a:prstGeom>
+          <a:noFill/>
+        </p:spPr>
+        <p:txBody>
+          <a:bodyPr wrap="square" rtlCol="0">
+            <a:spAutoFit/>
+          </a:bodyPr>
+          <a:lstStyle/>
+          <a:p>
+            <a:r>
+              <a:rPr lang="en-US" sz="3000" b="1" dirty="0">
+                <a:solidFill>
+                  <a:schemeClr val="accent1"/>
+                </a:solidFill>
+                <a:latin typeface="Cambria" panose="02040503050406030204" pitchFamily="18" charset="0"/>
+              </a:rPr>
+              <a:t>SOCIETY AT LARGE &amp; RISK AWARENESS	</a:t>
+            </a:r>
+          </a:p>
+        </p:txBody>
+      </p:sp>
+      <p:sp>
+        <p:nvSpPr>
+          <p:cNvPr id="9" name="TextBox 8"/>
+          <p:cNvSpPr txBox="1"/>
+          <p:nvPr/>
+        </p:nvSpPr>
+        <p:spPr>
+          <a:xfrm>
+            <a:off x="1363208" y="2089316"/>
+            <a:ext cx="9909364" cy="4893647"/>
+          </a:xfrm>
+          <a:prstGeom prst="rect">
+            <a:avLst/>
+          </a:prstGeom>
+          <a:noFill/>
+        </p:spPr>
+        <p:txBody>
+          <a:bodyPr wrap="square" rtlCol="0">
+            <a:spAutoFit/>
+          </a:bodyPr>
+          <a:lstStyle/>
+          <a:p>
+            <a:pPr marL="342900" indent="-342900">
+              <a:buFont typeface="Arial"/>
+              <a:buChar char="•"/>
+            </a:pPr>
+            <a:r>
+              <a:rPr lang="en-US" sz="2400" b="1" dirty="0">
+                <a:solidFill>
+                  <a:schemeClr val="accent1"/>
+                </a:solidFill>
+                <a:latin typeface="Cambria" panose="02040503050406030204" pitchFamily="18" charset="0"/>
+              </a:rPr>
+              <a:t>EDUCATION, SCIENTIFIC COMMUNITY</a:t>
+            </a:r>
+            <a:br>
+              <a:rPr lang="en-US" sz="2400" b="1" dirty="0">
+                <a:solidFill>
+                  <a:schemeClr val="accent1"/>
+                </a:solidFill>
+                <a:latin typeface="Cambria" panose="02040503050406030204" pitchFamily="18" charset="0"/>
+              </a:rPr>
+            </a:br>
+            <a:endParaRPr lang="en-US" sz="2400" b="1" dirty="0">
+              <a:solidFill>
+                <a:schemeClr val="accent1"/>
+              </a:solidFill>
+              <a:latin typeface="Cambria" panose="02040503050406030204" pitchFamily="18" charset="0"/>
+            </a:endParaRPr>
+          </a:p>
+          <a:p>
+            <a:pPr marL="342900" indent="-342900">
+              <a:buFont typeface="Arial"/>
+              <a:buChar char="•"/>
+            </a:pPr>
+            <a:r>
+              <a:rPr lang="en-US" sz="2400" b="1" dirty="0">
+                <a:solidFill>
+                  <a:schemeClr val="accent1"/>
+                </a:solidFill>
+                <a:latin typeface="Cambria" panose="02040503050406030204" pitchFamily="18" charset="0"/>
+              </a:rPr>
+              <a:t>PUBLIC AUTHORITIES [CERTIFIED PUBLIC EXPERT AUDIT …]</a:t>
+            </a:r>
+            <a:br>
+              <a:rPr lang="en-US" sz="2400" b="1" dirty="0">
+                <a:solidFill>
+                  <a:schemeClr val="accent1"/>
+                </a:solidFill>
+                <a:latin typeface="Cambria" panose="02040503050406030204" pitchFamily="18" charset="0"/>
+              </a:rPr>
+            </a:br>
+            <a:endParaRPr lang="en-US" sz="2400" b="1" dirty="0">
+              <a:solidFill>
+                <a:schemeClr val="accent1"/>
+              </a:solidFill>
+              <a:latin typeface="Cambria" panose="02040503050406030204" pitchFamily="18" charset="0"/>
+            </a:endParaRPr>
+          </a:p>
+          <a:p>
+            <a:pPr marL="342900" indent="-342900">
+              <a:buFont typeface="Arial"/>
+              <a:buChar char="•"/>
+            </a:pPr>
+            <a:r>
+              <a:rPr lang="en-US" sz="2400" b="1" dirty="0">
+                <a:solidFill>
+                  <a:schemeClr val="accent1"/>
+                </a:solidFill>
+                <a:latin typeface="Cambria" panose="02040503050406030204" pitchFamily="18" charset="0"/>
+              </a:rPr>
+              <a:t>INDUSTRY: ETHICS BY DESIGN [RIGHT QUESTION RIGH TIME]</a:t>
+            </a:r>
+            <a:br>
+              <a:rPr lang="en-US" sz="2400" b="1" dirty="0">
+                <a:solidFill>
+                  <a:schemeClr val="accent1"/>
+                </a:solidFill>
+                <a:latin typeface="Cambria" panose="02040503050406030204" pitchFamily="18" charset="0"/>
+              </a:rPr>
+            </a:br>
+            <a:endParaRPr lang="en-US" sz="2400" b="1" dirty="0">
+              <a:solidFill>
+                <a:schemeClr val="accent1"/>
+              </a:solidFill>
+              <a:latin typeface="Cambria" panose="02040503050406030204" pitchFamily="18" charset="0"/>
+            </a:endParaRPr>
+          </a:p>
+          <a:p>
+            <a:pPr marL="342900" indent="-342900">
+              <a:buFont typeface="Arial"/>
+              <a:buChar char="•"/>
+            </a:pPr>
+            <a:r>
+              <a:rPr lang="en-US" sz="2400" b="1" dirty="0">
+                <a:solidFill>
+                  <a:schemeClr val="accent1"/>
+                </a:solidFill>
+                <a:latin typeface="Cambria" panose="02040503050406030204" pitchFamily="18" charset="0"/>
+              </a:rPr>
+              <a:t>BUSINESS OWNERS</a:t>
+            </a:r>
+            <a:br>
+              <a:rPr lang="en-US" sz="2400" b="1" dirty="0">
+                <a:solidFill>
+                  <a:schemeClr val="accent1"/>
+                </a:solidFill>
+                <a:latin typeface="Cambria" panose="02040503050406030204" pitchFamily="18" charset="0"/>
+              </a:rPr>
+            </a:br>
+            <a:endParaRPr lang="en-US" sz="2400" b="1" dirty="0">
+              <a:solidFill>
+                <a:schemeClr val="accent1"/>
+              </a:solidFill>
+              <a:latin typeface="Cambria" panose="02040503050406030204" pitchFamily="18" charset="0"/>
+            </a:endParaRPr>
+          </a:p>
+          <a:p>
+            <a:pPr marL="342900" indent="-342900">
+              <a:buFont typeface="Arial"/>
+              <a:buChar char="•"/>
+            </a:pPr>
+            <a:r>
+              <a:rPr lang="en-US" sz="2400" b="1" dirty="0">
+                <a:solidFill>
+                  <a:schemeClr val="accent1"/>
+                </a:solidFill>
+                <a:latin typeface="Cambria" panose="02040503050406030204" pitchFamily="18" charset="0"/>
+              </a:rPr>
+              <a:t>CIVIL SOCIETY</a:t>
+            </a:r>
+            <a:br>
+              <a:rPr lang="en-US" sz="2400" b="1" dirty="0">
+                <a:solidFill>
+                  <a:schemeClr val="accent1"/>
+                </a:solidFill>
+                <a:latin typeface="Cambria" panose="02040503050406030204" pitchFamily="18" charset="0"/>
+              </a:rPr>
+            </a:br>
+            <a:endParaRPr lang="en-US" sz="2400" b="1" dirty="0">
+              <a:solidFill>
+                <a:schemeClr val="accent1"/>
+              </a:solidFill>
+              <a:latin typeface="Cambria" panose="02040503050406030204" pitchFamily="18" charset="0"/>
+            </a:endParaRPr>
+          </a:p>
+          <a:p>
+            <a:pPr marL="342900" indent="-342900">
+              <a:buFont typeface="Arial"/>
+              <a:buChar char="•"/>
+            </a:pPr>
+            <a:r>
+              <a:rPr lang="en-US" sz="2400" b="1" dirty="0">
+                <a:solidFill>
+                  <a:schemeClr val="accent1"/>
+                </a:solidFill>
+                <a:latin typeface="Cambria" panose="02040503050406030204" pitchFamily="18" charset="0"/>
+              </a:rPr>
+              <a:t>…</a:t>
+            </a:r>
+            <a:br>
+              <a:rPr lang="en-US" sz="2400" b="1" dirty="0">
+                <a:solidFill>
+                  <a:schemeClr val="accent1"/>
+                </a:solidFill>
+                <a:latin typeface="Cambria" panose="02040503050406030204" pitchFamily="18" charset="0"/>
+              </a:rPr>
+            </a:br>
+            <a:br>
+              <a:rPr lang="en-US" sz="2400" dirty="0">
+                <a:solidFill>
+                  <a:schemeClr val="accent1"/>
+                </a:solidFill>
+                <a:latin typeface="Cambria" panose="02040503050406030204" pitchFamily="18" charset="0"/>
+              </a:rPr>
+            </a:br>
+            <a:endParaRPr lang="en-US" sz="2400" dirty="0">
+              <a:solidFill>
+                <a:schemeClr val="accent1"/>
+              </a:solidFill>
+              <a:latin typeface="Cambria" panose="02040503050406030204" pitchFamily="18" charset="0"/>
+            </a:endParaRPr>
+          </a:p>
+        </p:txBody>
+      </p:sp>
+      <p:cxnSp>
+        <p:nvCxnSpPr>
+          <p:cNvPr id="4" name="Straight Connector 3">
+            <a:extLst>
+              <a:ext uri="{FF2B5EF4-FFF2-40B4-BE49-F238E27FC236}">
+                <a16:creationId xmlns:a16="http://schemas.microsoft.com/office/drawing/2014/main" id="{69223EC3-7B3E-124B-8D71-5CD434FC49C5}"/>
+              </a:ext>
+            </a:extLst>
+          </p:cNvPr>
+          <p:cNvCxnSpPr>
+            <a:cxnSpLocks/>
+          </p:cNvCxnSpPr>
+          <p:nvPr/>
+        </p:nvCxnSpPr>
+        <p:spPr>
+          <a:xfrm>
+            <a:off x="1378101" y="1753299"/>
+            <a:ext cx="8703159" cy="0"/>
+          </a:xfrm>
+          <a:prstGeom prst="line">
+            <a:avLst/>
+          </a:prstGeom>
+          <a:ln w="12700"/>
+        </p:spPr>
+        <p:style>
+          <a:lnRef idx="1">
+            <a:schemeClr val="accent1"/>
+          </a:lnRef>
+          <a:fillRef idx="0">
+            <a:schemeClr val="accent1"/>
+          </a:fillRef>
+          <a:effectRef idx="0">
+            <a:schemeClr val="accent1"/>
+          </a:effectRef>
+          <a:fontRef idx="minor">
+            <a:schemeClr val="tx1"/>
+          </a:fontRef>
+        </p:style>
+      </p:cxnSp>
+    </p:spTree>
+    <p:extLst>
+      <p:ext uri="{BB962C8B-B14F-4D97-AF65-F5344CB8AC3E}">
+        <p14:creationId xmlns:p14="http://schemas.microsoft.com/office/powerpoint/2010/main" val="3340402887"/>
       </p:ext>
     </p:extLst>
   </p:cSld>
@@ -6289,10 +7054,164 @@
           </a:p>
         </p:txBody>
       </p:sp>
+      <p:cxnSp>
+        <p:nvCxnSpPr>
+          <p:cNvPr id="4" name="Straight Connector 3">
+            <a:extLst>
+              <a:ext uri="{FF2B5EF4-FFF2-40B4-BE49-F238E27FC236}">
+                <a16:creationId xmlns:a16="http://schemas.microsoft.com/office/drawing/2014/main" id="{BC0FF4E8-1CE0-0D44-A62F-C9307CD444C1}"/>
+              </a:ext>
+            </a:extLst>
+          </p:cNvPr>
+          <p:cNvCxnSpPr>
+            <a:cxnSpLocks/>
+          </p:cNvCxnSpPr>
+          <p:nvPr/>
+        </p:nvCxnSpPr>
+        <p:spPr>
+          <a:xfrm>
+            <a:off x="1378101" y="1753299"/>
+            <a:ext cx="8474559" cy="0"/>
+          </a:xfrm>
+          <a:prstGeom prst="line">
+            <a:avLst/>
+          </a:prstGeom>
+          <a:ln w="12700"/>
+        </p:spPr>
+        <p:style>
+          <a:lnRef idx="1">
+            <a:schemeClr val="accent1"/>
+          </a:lnRef>
+          <a:fillRef idx="0">
+            <a:schemeClr val="accent1"/>
+          </a:fillRef>
+          <a:effectRef idx="0">
+            <a:schemeClr val="accent1"/>
+          </a:effectRef>
+          <a:fontRef idx="minor">
+            <a:schemeClr val="tx1"/>
+          </a:fontRef>
+        </p:style>
+      </p:cxnSp>
     </p:spTree>
     <p:extLst>
       <p:ext uri="{BB962C8B-B14F-4D97-AF65-F5344CB8AC3E}">
         <p14:creationId xmlns:p14="http://schemas.microsoft.com/office/powerpoint/2010/main" val="2550411684"/>
+      </p:ext>
+    </p:extLst>
+  </p:cSld>
+  <p:clrMapOvr>
+    <a:masterClrMapping/>
+  </p:clrMapOvr>
+  <mc:AlternateContent xmlns:mc="http://schemas.openxmlformats.org/markup-compatibility/2006" xmlns:p14="http://schemas.microsoft.com/office/powerpoint/2010/main">
+    <mc:Choice Requires="p14">
+      <p:transition spd="med" p14:dur="700">
+        <p:fade/>
+      </p:transition>
+    </mc:Choice>
+    <mc:Fallback xmlns="">
+      <p:transition spd="med">
+        <p:fade/>
+      </p:transition>
+    </mc:Fallback>
+  </mc:AlternateContent>
+</p:sld>
+</file>
+
+<file path=ppt/slides/slide20.xml><?xml version="1.0" encoding="utf-8"?>
+<p:sld xmlns:a="http://schemas.openxmlformats.org/drawingml/2006/main" xmlns:r="http://schemas.openxmlformats.org/officeDocument/2006/relationships" xmlns:p="http://schemas.openxmlformats.org/presentationml/2006/main">
+  <p:cSld>
+    <p:spTree>
+      <p:nvGrpSpPr>
+        <p:cNvPr id="1" name=""/>
+        <p:cNvGrpSpPr/>
+        <p:nvPr/>
+      </p:nvGrpSpPr>
+      <p:grpSpPr>
+        <a:xfrm>
+          <a:off x="0" y="0"/>
+          <a:ext cx="0" cy="0"/>
+          <a:chOff x="0" y="0"/>
+          <a:chExt cx="0" cy="0"/>
+        </a:xfrm>
+      </p:grpSpPr>
+      <p:sp>
+        <p:nvSpPr>
+          <p:cNvPr id="3" name="TextBox 2"/>
+          <p:cNvSpPr txBox="1"/>
+          <p:nvPr/>
+        </p:nvSpPr>
+        <p:spPr>
+          <a:xfrm>
+            <a:off x="2513338" y="1738043"/>
+            <a:ext cx="8924282" cy="861774"/>
+          </a:xfrm>
+          <a:prstGeom prst="rect">
+            <a:avLst/>
+          </a:prstGeom>
+          <a:noFill/>
+        </p:spPr>
+        <p:txBody>
+          <a:bodyPr wrap="square" rtlCol="0">
+            <a:spAutoFit/>
+          </a:bodyPr>
+          <a:lstStyle/>
+          <a:p>
+            <a:r>
+              <a:rPr lang="en-US" sz="5000" b="1" dirty="0">
+                <a:solidFill>
+                  <a:schemeClr val="accent1"/>
+                </a:solidFill>
+                <a:latin typeface="Cambria" panose="02040503050406030204" pitchFamily="18" charset="0"/>
+              </a:rPr>
+              <a:t>WORKING GROUP SESSION</a:t>
+            </a:r>
+          </a:p>
+        </p:txBody>
+      </p:sp>
+      <p:cxnSp>
+        <p:nvCxnSpPr>
+          <p:cNvPr id="5" name="Straight Connector 4">
+            <a:extLst>
+              <a:ext uri="{FF2B5EF4-FFF2-40B4-BE49-F238E27FC236}">
+                <a16:creationId xmlns:a16="http://schemas.microsoft.com/office/drawing/2014/main" id="{2571E43F-CCA3-BB47-A7AF-81B47EA888E0}"/>
+              </a:ext>
+            </a:extLst>
+          </p:cNvPr>
+          <p:cNvCxnSpPr>
+            <a:cxnSpLocks/>
+          </p:cNvCxnSpPr>
+          <p:nvPr/>
+        </p:nvCxnSpPr>
+        <p:spPr>
+          <a:xfrm>
+            <a:off x="2300750" y="1879133"/>
+            <a:ext cx="0" cy="720684"/>
+          </a:xfrm>
+          <a:prstGeom prst="line">
+            <a:avLst/>
+          </a:prstGeom>
+          <a:ln w="38100"/>
+        </p:spPr>
+        <p:style>
+          <a:lnRef idx="1">
+            <a:schemeClr val="accent1"/>
+          </a:lnRef>
+          <a:fillRef idx="0">
+            <a:schemeClr val="accent1"/>
+          </a:fillRef>
+          <a:effectRef idx="0">
+            <a:schemeClr val="accent1"/>
+          </a:effectRef>
+          <a:fontRef idx="minor">
+            <a:schemeClr val="tx1"/>
+          </a:fontRef>
+        </p:style>
+      </p:cxnSp>
+    </p:spTree>
+    <p:extLst>
+      <p:ext uri="{BB962C8B-B14F-4D97-AF65-F5344CB8AC3E}">
+        <p14:creationId xmlns:p14="http://schemas.microsoft.com/office/powerpoint/2010/main" val="2422789895"/>
       </p:ext>
     </p:extLst>
   </p:cSld>
@@ -6339,8 +7258,8 @@
         </p:nvSpPr>
         <p:spPr>
           <a:xfrm>
-            <a:off x="1271768" y="1116000"/>
-            <a:ext cx="9137152" cy="2246769"/>
+            <a:off x="2513338" y="1738043"/>
+            <a:ext cx="8924282" cy="1631216"/>
           </a:xfrm>
           <a:prstGeom prst="rect">
             <a:avLst/>
@@ -6353,55 +7272,72 @@
           </a:bodyPr>
           <a:lstStyle/>
           <a:p>
-            <a:pPr marL="514350" indent="-514350">
-              <a:buFont typeface="+mj-lt"/>
-              <a:buAutoNum type="arabicPeriod"/>
-            </a:pPr>
-            <a:r>
-              <a:rPr lang="en-US" sz="3500" b="1" dirty="0">
+            <a:r>
+              <a:rPr lang="en-US" sz="5000" b="1" dirty="0">
                 <a:solidFill>
                   <a:schemeClr val="accent1"/>
                 </a:solidFill>
                 <a:latin typeface="Cambria" panose="02040503050406030204" pitchFamily="18" charset="0"/>
               </a:rPr>
-              <a:t>LIST AI ETHICS IMPLICATIONS YOU CAN THINK OF</a:t>
-            </a:r>
-            <a:br>
-              <a:rPr lang="en-US" sz="3500" b="1" dirty="0">
+              <a:t>ETHICAL IMPLICATIONS</a:t>
+            </a:r>
+          </a:p>
+          <a:p>
+            <a:r>
+              <a:rPr lang="en-US" sz="5000" b="1" dirty="0">
                 <a:solidFill>
                   <a:schemeClr val="accent1"/>
                 </a:solidFill>
                 <a:latin typeface="Cambria" panose="02040503050406030204" pitchFamily="18" charset="0"/>
               </a:rPr>
-            </a:br>
-            <a:endParaRPr lang="en-US" sz="3500" b="1" dirty="0">
-              <a:solidFill>
-                <a:schemeClr val="accent1"/>
-              </a:solidFill>
-              <a:latin typeface="Cambria" panose="02040503050406030204" pitchFamily="18" charset="0"/>
-            </a:endParaRPr>
-          </a:p>
-          <a:p>
-            <a:pPr marL="514350" indent="-514350">
-              <a:buFont typeface="+mj-lt"/>
-              <a:buAutoNum type="arabicPeriod"/>
-            </a:pPr>
-            <a:r>
-              <a:rPr lang="en-US" sz="3500" b="1" dirty="0">
-                <a:solidFill>
-                  <a:schemeClr val="accent1"/>
-                </a:solidFill>
-                <a:latin typeface="Cambria" panose="02040503050406030204" pitchFamily="18" charset="0"/>
-              </a:rPr>
-              <a:t>HOW TO ADDRESS POTENTIAL ISSUES?</a:t>
-            </a:r>
-          </a:p>
-        </p:txBody>
-      </p:sp>
+              <a:t>OF AI</a:t>
+            </a:r>
+          </a:p>
+        </p:txBody>
+      </p:sp>
+      <p:cxnSp>
+        <p:nvCxnSpPr>
+          <p:cNvPr id="5" name="Straight Connector 4">
+            <a:extLst>
+              <a:ext uri="{FF2B5EF4-FFF2-40B4-BE49-F238E27FC236}">
+                <a16:creationId xmlns:a16="http://schemas.microsoft.com/office/drawing/2014/main" id="{2571E43F-CCA3-BB47-A7AF-81B47EA888E0}"/>
+              </a:ext>
+            </a:extLst>
+          </p:cNvPr>
+          <p:cNvCxnSpPr>
+            <a:cxnSpLocks/>
+          </p:cNvCxnSpPr>
+          <p:nvPr/>
+        </p:nvCxnSpPr>
+        <p:spPr>
+          <a:xfrm>
+            <a:off x="2300750" y="1879133"/>
+            <a:ext cx="0" cy="1427947"/>
+          </a:xfrm>
+          <a:prstGeom prst="line">
+            <a:avLst/>
+          </a:prstGeom>
+          <a:ln w="38100"/>
+        </p:spPr>
+        <p:style>
+          <a:lnRef idx="1">
+            <a:schemeClr val="accent1"/>
+          </a:lnRef>
+          <a:fillRef idx="0">
+            <a:schemeClr val="accent1"/>
+          </a:fillRef>
+          <a:effectRef idx="0">
+            <a:schemeClr val="accent1"/>
+          </a:effectRef>
+          <a:fontRef idx="minor">
+            <a:schemeClr val="tx1"/>
+          </a:fontRef>
+        </p:style>
+      </p:cxnSp>
     </p:spTree>
     <p:extLst>
       <p:ext uri="{BB962C8B-B14F-4D97-AF65-F5344CB8AC3E}">
-        <p14:creationId xmlns:p14="http://schemas.microsoft.com/office/powerpoint/2010/main" val="1412673654"/>
+        <p14:creationId xmlns:p14="http://schemas.microsoft.com/office/powerpoint/2010/main" val="2659164526"/>
       </p:ext>
     </p:extLst>
   </p:cSld>
@@ -6442,14 +7378,14 @@
       </p:grpSpPr>
       <p:sp>
         <p:nvSpPr>
-          <p:cNvPr id="8" name="TextBox 7"/>
+          <p:cNvPr id="3" name="TextBox 2"/>
           <p:cNvSpPr txBox="1"/>
           <p:nvPr/>
         </p:nvSpPr>
         <p:spPr>
           <a:xfrm>
-            <a:off x="1271768" y="1115051"/>
-            <a:ext cx="9196386" cy="553998"/>
+            <a:off x="2209028" y="1885620"/>
+            <a:ext cx="9137152" cy="2246769"/>
           </a:xfrm>
           <a:prstGeom prst="rect">
             <a:avLst/>
@@ -6463,112 +7399,46 @@
           <a:lstStyle/>
           <a:p>
             <a:r>
-              <a:rPr lang="en-US" sz="3000" b="1" dirty="0">
+              <a:rPr lang="en-US" sz="3500" b="1" dirty="0">
                 <a:solidFill>
                   <a:schemeClr val="accent1"/>
                 </a:solidFill>
                 <a:latin typeface="Cambria" panose="02040503050406030204" pitchFamily="18" charset="0"/>
               </a:rPr>
-              <a:t>THE EXISTENTIAL THREAT …</a:t>
-            </a:r>
-          </a:p>
-        </p:txBody>
-      </p:sp>
-      <p:sp>
-        <p:nvSpPr>
-          <p:cNvPr id="2" name="Rectangle 1">
-            <a:extLst>
-              <a:ext uri="{FF2B5EF4-FFF2-40B4-BE49-F238E27FC236}">
-                <a16:creationId xmlns:a16="http://schemas.microsoft.com/office/drawing/2014/main" id="{5C2C392E-83C1-DC46-8100-C1E568A0B207}"/>
-              </a:ext>
-            </a:extLst>
-          </p:cNvPr>
-          <p:cNvSpPr/>
-          <p:nvPr/>
-        </p:nvSpPr>
-        <p:spPr>
-          <a:xfrm>
-            <a:off x="1339044" y="4960499"/>
-            <a:ext cx="4880952" cy="369332"/>
-          </a:xfrm>
-          <a:prstGeom prst="rect">
-            <a:avLst/>
-          </a:prstGeom>
-        </p:spPr>
-        <p:txBody>
-          <a:bodyPr wrap="none">
-            <a:spAutoFit/>
-          </a:bodyPr>
-          <a:lstStyle/>
-          <a:p>
-            <a:r>
-              <a:rPr lang="fr-FR" dirty="0">
-                <a:hlinkClick r:id="rId3"/>
-              </a:rPr>
-              <a:t>https://</a:t>
-            </a:r>
-            <a:r>
-              <a:rPr lang="fr-FR" dirty="0" err="1">
-                <a:hlinkClick r:id="rId3"/>
-              </a:rPr>
-              <a:t>www.youtube.com</a:t>
-            </a:r>
-            <a:r>
-              <a:rPr lang="fr-FR" dirty="0">
-                <a:hlinkClick r:id="rId3"/>
-              </a:rPr>
-              <a:t>/</a:t>
-            </a:r>
-            <a:r>
-              <a:rPr lang="fr-FR" dirty="0" err="1">
-                <a:hlinkClick r:id="rId3"/>
-              </a:rPr>
-              <a:t>watch?v</a:t>
-            </a:r>
-            <a:r>
-              <a:rPr lang="fr-FR" dirty="0">
-                <a:hlinkClick r:id="rId3"/>
-              </a:rPr>
-              <a:t>=3BlYq3jO6xw</a:t>
-            </a:r>
-            <a:endParaRPr lang="fr-FR" dirty="0"/>
-          </a:p>
-        </p:txBody>
-      </p:sp>
-      <p:pic>
-        <p:nvPicPr>
-          <p:cNvPr id="3" name="Picture 2">
-            <a:extLst>
-              <a:ext uri="{FF2B5EF4-FFF2-40B4-BE49-F238E27FC236}">
-                <a16:creationId xmlns:a16="http://schemas.microsoft.com/office/drawing/2014/main" id="{2ACF23E4-2F0E-5B4B-9979-EE85D0413C7D}"/>
-              </a:ext>
-            </a:extLst>
-          </p:cNvPr>
-          <p:cNvPicPr>
-            <a:picLocks noChangeAspect="1"/>
-          </p:cNvPicPr>
-          <p:nvPr/>
-        </p:nvPicPr>
-        <p:blipFill>
-          <a:blip r:embed="rId4"/>
-          <a:stretch>
-            <a:fillRect/>
-          </a:stretch>
-        </p:blipFill>
-        <p:spPr>
-          <a:xfrm>
-            <a:off x="1417320" y="1958983"/>
-            <a:ext cx="3314700" cy="2711582"/>
-          </a:xfrm>
-          <a:prstGeom prst="rect">
-            <a:avLst/>
-          </a:prstGeom>
-        </p:spPr>
-      </p:pic>
+              <a:t>LIST AI ETHICS IMPLICATIONS YOU CAN THINK OF</a:t>
+            </a:r>
+            <a:br>
+              <a:rPr lang="en-US" sz="3500" b="1" dirty="0">
+                <a:solidFill>
+                  <a:schemeClr val="accent1"/>
+                </a:solidFill>
+                <a:latin typeface="Cambria" panose="02040503050406030204" pitchFamily="18" charset="0"/>
+              </a:rPr>
+            </a:br>
+            <a:endParaRPr lang="en-US" sz="3500" b="1" dirty="0">
+              <a:solidFill>
+                <a:schemeClr val="accent1"/>
+              </a:solidFill>
+              <a:latin typeface="Cambria" panose="02040503050406030204" pitchFamily="18" charset="0"/>
+            </a:endParaRPr>
+          </a:p>
+          <a:p>
+            <a:r>
+              <a:rPr lang="en-US" sz="3500" b="1" dirty="0">
+                <a:solidFill>
+                  <a:schemeClr val="accent1"/>
+                </a:solidFill>
+                <a:latin typeface="Cambria" panose="02040503050406030204" pitchFamily="18" charset="0"/>
+              </a:rPr>
+              <a:t>HOW TO ADDRESS POTENTIAL ISSUES?</a:t>
+            </a:r>
+          </a:p>
+        </p:txBody>
+      </p:sp>
     </p:spTree>
     <p:extLst>
       <p:ext uri="{BB962C8B-B14F-4D97-AF65-F5344CB8AC3E}">
-        <p14:creationId xmlns:p14="http://schemas.microsoft.com/office/powerpoint/2010/main" val="4243481658"/>
+        <p14:creationId xmlns:p14="http://schemas.microsoft.com/office/powerpoint/2010/main" val="1412673654"/>
       </p:ext>
     </p:extLst>
   </p:cSld>
@@ -6636,183 +7506,145 @@
                 </a:solidFill>
                 <a:latin typeface="Cambria" panose="02040503050406030204" pitchFamily="18" charset="0"/>
               </a:rPr>
-              <a:t>RATHER FOCUS ON ALREADY PRESENT ISSUES</a:t>
-            </a:r>
-          </a:p>
-        </p:txBody>
-      </p:sp>
-      <p:sp>
-        <p:nvSpPr>
-          <p:cNvPr id="9" name="TextBox 8"/>
-          <p:cNvSpPr txBox="1"/>
+              <a:t>THE EXISTENTIAL THREAT …</a:t>
+            </a:r>
+          </a:p>
+        </p:txBody>
+      </p:sp>
+      <p:sp>
+        <p:nvSpPr>
+          <p:cNvPr id="2" name="Rectangle 1">
+            <a:extLst>
+              <a:ext uri="{FF2B5EF4-FFF2-40B4-BE49-F238E27FC236}">
+                <a16:creationId xmlns:a16="http://schemas.microsoft.com/office/drawing/2014/main" id="{5C2C392E-83C1-DC46-8100-C1E568A0B207}"/>
+              </a:ext>
+            </a:extLst>
+          </p:cNvPr>
+          <p:cNvSpPr/>
           <p:nvPr/>
         </p:nvSpPr>
         <p:spPr>
           <a:xfrm>
-            <a:off x="1275701" y="1830236"/>
-            <a:ext cx="9909364" cy="3785652"/>
+            <a:off x="1339044" y="4960499"/>
+            <a:ext cx="4880952" cy="369332"/>
           </a:xfrm>
           <a:prstGeom prst="rect">
             <a:avLst/>
           </a:prstGeom>
-          <a:noFill/>
-        </p:spPr>
-        <p:txBody>
-          <a:bodyPr wrap="square" rtlCol="0">
+        </p:spPr>
+        <p:txBody>
+          <a:bodyPr wrap="none">
             <a:spAutoFit/>
           </a:bodyPr>
           <a:lstStyle/>
           <a:p>
-            <a:pPr marL="342900" indent="-342900">
-              <a:buFont typeface="Arial"/>
-              <a:buChar char="•"/>
-            </a:pPr>
-            <a:r>
-              <a:rPr lang="en-US" sz="2400" b="1" dirty="0">
-                <a:solidFill>
-                  <a:schemeClr val="accent1"/>
-                </a:solidFill>
-                <a:latin typeface="Cambria" panose="02040503050406030204" pitchFamily="18" charset="0"/>
-              </a:rPr>
-              <a:t>LACK OF TRANSPARENCY &amp; TRUST</a:t>
-            </a:r>
-            <a:br>
-              <a:rPr lang="en-US" sz="2400" b="1" dirty="0">
-                <a:solidFill>
-                  <a:schemeClr val="accent1"/>
-                </a:solidFill>
-                <a:latin typeface="Cambria" panose="02040503050406030204" pitchFamily="18" charset="0"/>
-              </a:rPr>
-            </a:br>
-            <a:endParaRPr lang="en-US" sz="2400" b="1" dirty="0">
-              <a:solidFill>
-                <a:schemeClr val="accent1"/>
-              </a:solidFill>
-              <a:latin typeface="Cambria" panose="02040503050406030204" pitchFamily="18" charset="0"/>
-            </a:endParaRPr>
-          </a:p>
-          <a:p>
-            <a:pPr marL="342900" indent="-342900">
-              <a:buFont typeface="Arial"/>
-              <a:buChar char="•"/>
-            </a:pPr>
-            <a:r>
-              <a:rPr lang="en-US" sz="2400" b="1" dirty="0">
-                <a:solidFill>
-                  <a:schemeClr val="accent1"/>
-                </a:solidFill>
-                <a:latin typeface="Cambria" panose="02040503050406030204" pitchFamily="18" charset="0"/>
-              </a:rPr>
-              <a:t>DELEGATE JUDGEMENT IN SENSITIVE AREAS</a:t>
-            </a:r>
-            <a:br>
-              <a:rPr lang="en-US" sz="2400" b="1" dirty="0">
-                <a:solidFill>
-                  <a:schemeClr val="accent1"/>
-                </a:solidFill>
-                <a:latin typeface="Cambria" panose="02040503050406030204" pitchFamily="18" charset="0"/>
-              </a:rPr>
-            </a:br>
-            <a:endParaRPr lang="en-US" sz="2400" b="1" dirty="0">
-              <a:solidFill>
-                <a:schemeClr val="accent1"/>
-              </a:solidFill>
-              <a:latin typeface="Cambria" panose="02040503050406030204" pitchFamily="18" charset="0"/>
-            </a:endParaRPr>
-          </a:p>
-          <a:p>
-            <a:pPr marL="342900" indent="-342900">
-              <a:buFont typeface="Arial"/>
-              <a:buChar char="•"/>
-            </a:pPr>
-            <a:r>
-              <a:rPr lang="en-US" sz="2400" b="1" dirty="0">
-                <a:solidFill>
-                  <a:schemeClr val="accent1"/>
-                </a:solidFill>
-                <a:latin typeface="Cambria" panose="02040503050406030204" pitchFamily="18" charset="0"/>
-              </a:rPr>
-              <a:t>INJECTING HUMAN BIAS</a:t>
-            </a:r>
-            <a:br>
-              <a:rPr lang="en-US" sz="2400" b="1" dirty="0">
-                <a:solidFill>
-                  <a:schemeClr val="accent1"/>
-                </a:solidFill>
-                <a:latin typeface="Cambria" panose="02040503050406030204" pitchFamily="18" charset="0"/>
-              </a:rPr>
-            </a:br>
-            <a:endParaRPr lang="en-US" sz="2400" b="1" dirty="0">
-              <a:solidFill>
-                <a:schemeClr val="accent1"/>
-              </a:solidFill>
-              <a:latin typeface="Cambria" panose="02040503050406030204" pitchFamily="18" charset="0"/>
-            </a:endParaRPr>
-          </a:p>
-          <a:p>
-            <a:pPr marL="342900" indent="-342900">
-              <a:buFont typeface="Arial"/>
-              <a:buChar char="•"/>
-            </a:pPr>
-            <a:r>
-              <a:rPr lang="en-US" sz="2400" b="1" dirty="0">
-                <a:solidFill>
-                  <a:schemeClr val="accent1"/>
-                </a:solidFill>
-                <a:latin typeface="Cambria" panose="02040503050406030204" pitchFamily="18" charset="0"/>
-              </a:rPr>
-              <a:t>COMPLIANCE WITH SOCIAL AND VALUE NORMS</a:t>
-            </a:r>
-            <a:br>
-              <a:rPr lang="en-US" sz="2400" b="1" dirty="0">
-                <a:solidFill>
-                  <a:schemeClr val="accent1"/>
-                </a:solidFill>
-                <a:latin typeface="Cambria" panose="02040503050406030204" pitchFamily="18" charset="0"/>
-              </a:rPr>
-            </a:br>
-            <a:endParaRPr lang="en-US" sz="2400" b="1" dirty="0">
-              <a:solidFill>
-                <a:schemeClr val="accent1"/>
-              </a:solidFill>
-              <a:latin typeface="Cambria" panose="02040503050406030204" pitchFamily="18" charset="0"/>
-            </a:endParaRPr>
-          </a:p>
-          <a:p>
-            <a:pPr marL="342900" indent="-342900">
-              <a:buFont typeface="Arial"/>
-              <a:buChar char="•"/>
-            </a:pPr>
-            <a:r>
-              <a:rPr lang="en-US" sz="2400" b="1" dirty="0">
-                <a:solidFill>
-                  <a:schemeClr val="accent1"/>
-                </a:solidFill>
-                <a:latin typeface="Cambria" panose="02040503050406030204" pitchFamily="18" charset="0"/>
-              </a:rPr>
-              <a:t>…</a:t>
-            </a:r>
-            <a:br>
-              <a:rPr lang="en-US" sz="2400" dirty="0">
-                <a:solidFill>
-                  <a:schemeClr val="accent1"/>
-                </a:solidFill>
-                <a:latin typeface="Cambria" panose="02040503050406030204" pitchFamily="18" charset="0"/>
-              </a:rPr>
-            </a:br>
-            <a:endParaRPr lang="en-US" sz="2400" dirty="0">
-              <a:solidFill>
-                <a:schemeClr val="accent1"/>
-              </a:solidFill>
-              <a:latin typeface="Cambria" panose="02040503050406030204" pitchFamily="18" charset="0"/>
-            </a:endParaRPr>
-          </a:p>
-        </p:txBody>
-      </p:sp>
+            <a:r>
+              <a:rPr lang="fr-FR" dirty="0">
+                <a:hlinkClick r:id="rId3"/>
+              </a:rPr>
+              <a:t>https://</a:t>
+            </a:r>
+            <a:r>
+              <a:rPr lang="fr-FR" dirty="0" err="1">
+                <a:hlinkClick r:id="rId3"/>
+              </a:rPr>
+              <a:t>www.youtube.com</a:t>
+            </a:r>
+            <a:r>
+              <a:rPr lang="fr-FR" dirty="0">
+                <a:hlinkClick r:id="rId3"/>
+              </a:rPr>
+              <a:t>/</a:t>
+            </a:r>
+            <a:r>
+              <a:rPr lang="fr-FR" dirty="0" err="1">
+                <a:hlinkClick r:id="rId3"/>
+              </a:rPr>
+              <a:t>watch?v</a:t>
+            </a:r>
+            <a:r>
+              <a:rPr lang="fr-FR" dirty="0">
+                <a:hlinkClick r:id="rId3"/>
+              </a:rPr>
+              <a:t>=3BlYq3jO6xw</a:t>
+            </a:r>
+            <a:endParaRPr lang="fr-FR" dirty="0"/>
+          </a:p>
+        </p:txBody>
+      </p:sp>
+      <p:pic>
+        <p:nvPicPr>
+          <p:cNvPr id="3" name="Picture 2">
+            <a:extLst>
+              <a:ext uri="{FF2B5EF4-FFF2-40B4-BE49-F238E27FC236}">
+                <a16:creationId xmlns:a16="http://schemas.microsoft.com/office/drawing/2014/main" id="{2ACF23E4-2F0E-5B4B-9979-EE85D0413C7D}"/>
+              </a:ext>
+            </a:extLst>
+          </p:cNvPr>
+          <p:cNvPicPr>
+            <a:picLocks noChangeAspect="1"/>
+          </p:cNvPicPr>
+          <p:nvPr/>
+        </p:nvPicPr>
+        <p:blipFill>
+          <a:blip r:embed="rId4"/>
+          <a:stretch>
+            <a:fillRect/>
+          </a:stretch>
+        </p:blipFill>
+        <p:spPr>
+          <a:xfrm>
+            <a:off x="1417320" y="2012323"/>
+            <a:ext cx="3314700" cy="2711582"/>
+          </a:xfrm>
+          <a:prstGeom prst="rect">
+            <a:avLst/>
+          </a:prstGeom>
+        </p:spPr>
+      </p:pic>
+      <p:cxnSp>
+        <p:nvCxnSpPr>
+          <p:cNvPr id="5" name="Straight Connector 4">
+            <a:extLst>
+              <a:ext uri="{FF2B5EF4-FFF2-40B4-BE49-F238E27FC236}">
+                <a16:creationId xmlns:a16="http://schemas.microsoft.com/office/drawing/2014/main" id="{73953460-BAE6-3844-985E-0864BF7B7C49}"/>
+              </a:ext>
+            </a:extLst>
+          </p:cNvPr>
+          <p:cNvCxnSpPr>
+            <a:cxnSpLocks/>
+          </p:cNvCxnSpPr>
+          <p:nvPr/>
+        </p:nvCxnSpPr>
+        <p:spPr>
+          <a:xfrm>
+            <a:off x="1378101" y="1753299"/>
+            <a:ext cx="5037939" cy="0"/>
+          </a:xfrm>
+          <a:prstGeom prst="line">
+            <a:avLst/>
+          </a:prstGeom>
+          <a:ln w="12700"/>
+        </p:spPr>
+        <p:style>
+          <a:lnRef idx="1">
+            <a:schemeClr val="accent1"/>
+          </a:lnRef>
+          <a:fillRef idx="0">
+            <a:schemeClr val="accent1"/>
+          </a:fillRef>
+          <a:effectRef idx="0">
+            <a:schemeClr val="accent1"/>
+          </a:effectRef>
+          <a:fontRef idx="minor">
+            <a:schemeClr val="tx1"/>
+          </a:fontRef>
+        </p:style>
+      </p:cxnSp>
     </p:spTree>
     <p:extLst>
       <p:ext uri="{BB962C8B-B14F-4D97-AF65-F5344CB8AC3E}">
-        <p14:creationId xmlns:p14="http://schemas.microsoft.com/office/powerpoint/2010/main" val="2924337503"/>
+        <p14:creationId xmlns:p14="http://schemas.microsoft.com/office/powerpoint/2010/main" val="4243481658"/>
       </p:ext>
     </p:extLst>
   </p:cSld>
@@ -6860,7 +7692,7 @@
         <p:spPr>
           <a:xfrm>
             <a:off x="1271768" y="1115051"/>
-            <a:ext cx="9196386" cy="630942"/>
+            <a:ext cx="9196386" cy="553998"/>
           </a:xfrm>
           <a:prstGeom prst="rect">
             <a:avLst/>
@@ -6874,21 +7706,228 @@
           <a:lstStyle/>
           <a:p>
             <a:r>
-              <a:rPr lang="en-US" sz="3500" b="1" dirty="0">
+              <a:rPr lang="en-US" sz="3000" b="1" dirty="0">
                 <a:solidFill>
                   <a:schemeClr val="accent1"/>
                 </a:solidFill>
                 <a:latin typeface="Cambria" panose="02040503050406030204" pitchFamily="18" charset="0"/>
               </a:rPr>
-              <a:t>LACK OF TRANSPARENCY</a:t>
-            </a:r>
-          </a:p>
-        </p:txBody>
-      </p:sp>
+              <a:t>RATHER FOCUS ON ALREADY PRESENT ISSUES</a:t>
+            </a:r>
+          </a:p>
+        </p:txBody>
+      </p:sp>
+      <p:sp>
+        <p:nvSpPr>
+          <p:cNvPr id="9" name="TextBox 8"/>
+          <p:cNvSpPr txBox="1"/>
+          <p:nvPr/>
+        </p:nvSpPr>
+        <p:spPr>
+          <a:xfrm>
+            <a:off x="1378101" y="1990256"/>
+            <a:ext cx="9909364" cy="3785652"/>
+          </a:xfrm>
+          <a:prstGeom prst="rect">
+            <a:avLst/>
+          </a:prstGeom>
+          <a:noFill/>
+        </p:spPr>
+        <p:txBody>
+          <a:bodyPr wrap="square" rtlCol="0">
+            <a:spAutoFit/>
+          </a:bodyPr>
+          <a:lstStyle/>
+          <a:p>
+            <a:pPr marL="342900" indent="-342900">
+              <a:buFont typeface="Arial"/>
+              <a:buChar char="•"/>
+            </a:pPr>
+            <a:r>
+              <a:rPr lang="en-US" sz="2400" b="1" dirty="0">
+                <a:solidFill>
+                  <a:schemeClr val="accent1"/>
+                </a:solidFill>
+                <a:latin typeface="Cambria" panose="02040503050406030204" pitchFamily="18" charset="0"/>
+              </a:rPr>
+              <a:t>LACK OF TRANSPARENCY &amp; TRUST</a:t>
+            </a:r>
+            <a:br>
+              <a:rPr lang="en-US" sz="2400" b="1" dirty="0">
+                <a:solidFill>
+                  <a:schemeClr val="accent1"/>
+                </a:solidFill>
+                <a:latin typeface="Cambria" panose="02040503050406030204" pitchFamily="18" charset="0"/>
+              </a:rPr>
+            </a:br>
+            <a:endParaRPr lang="en-US" sz="2400" b="1" dirty="0">
+              <a:solidFill>
+                <a:schemeClr val="accent1"/>
+              </a:solidFill>
+              <a:latin typeface="Cambria" panose="02040503050406030204" pitchFamily="18" charset="0"/>
+            </a:endParaRPr>
+          </a:p>
+          <a:p>
+            <a:pPr marL="342900" indent="-342900">
+              <a:buFont typeface="Arial"/>
+              <a:buChar char="•"/>
+            </a:pPr>
+            <a:r>
+              <a:rPr lang="en-US" sz="2400" b="1" dirty="0">
+                <a:solidFill>
+                  <a:schemeClr val="accent1"/>
+                </a:solidFill>
+                <a:latin typeface="Cambria" panose="02040503050406030204" pitchFamily="18" charset="0"/>
+              </a:rPr>
+              <a:t>DELEGATE JUDGEMENT IN SENSITIVE AREAS</a:t>
+            </a:r>
+            <a:br>
+              <a:rPr lang="en-US" sz="2400" b="1" dirty="0">
+                <a:solidFill>
+                  <a:schemeClr val="accent1"/>
+                </a:solidFill>
+                <a:latin typeface="Cambria" panose="02040503050406030204" pitchFamily="18" charset="0"/>
+              </a:rPr>
+            </a:br>
+            <a:endParaRPr lang="en-US" sz="2400" b="1" dirty="0">
+              <a:solidFill>
+                <a:schemeClr val="accent1"/>
+              </a:solidFill>
+              <a:latin typeface="Cambria" panose="02040503050406030204" pitchFamily="18" charset="0"/>
+            </a:endParaRPr>
+          </a:p>
+          <a:p>
+            <a:pPr marL="342900" indent="-342900">
+              <a:buFont typeface="Arial"/>
+              <a:buChar char="•"/>
+            </a:pPr>
+            <a:r>
+              <a:rPr lang="en-US" sz="2400" b="1" dirty="0">
+                <a:solidFill>
+                  <a:schemeClr val="accent1"/>
+                </a:solidFill>
+                <a:latin typeface="Cambria" panose="02040503050406030204" pitchFamily="18" charset="0"/>
+              </a:rPr>
+              <a:t>INJECTING HUMAN BIAS</a:t>
+            </a:r>
+            <a:br>
+              <a:rPr lang="en-US" sz="2400" b="1" dirty="0">
+                <a:solidFill>
+                  <a:schemeClr val="accent1"/>
+                </a:solidFill>
+                <a:latin typeface="Cambria" panose="02040503050406030204" pitchFamily="18" charset="0"/>
+              </a:rPr>
+            </a:br>
+            <a:endParaRPr lang="en-US" sz="2400" b="1" dirty="0">
+              <a:solidFill>
+                <a:schemeClr val="accent1"/>
+              </a:solidFill>
+              <a:latin typeface="Cambria" panose="02040503050406030204" pitchFamily="18" charset="0"/>
+            </a:endParaRPr>
+          </a:p>
+          <a:p>
+            <a:pPr marL="342900" indent="-342900">
+              <a:buFont typeface="Arial"/>
+              <a:buChar char="•"/>
+            </a:pPr>
+            <a:r>
+              <a:rPr lang="en-US" sz="2400" b="1" dirty="0">
+                <a:solidFill>
+                  <a:schemeClr val="accent1"/>
+                </a:solidFill>
+                <a:latin typeface="Cambria" panose="02040503050406030204" pitchFamily="18" charset="0"/>
+              </a:rPr>
+              <a:t>COMPLIANCE WITH SOCIAL AND VALUE NORMS</a:t>
+            </a:r>
+            <a:br>
+              <a:rPr lang="en-US" sz="2400" b="1" dirty="0">
+                <a:solidFill>
+                  <a:schemeClr val="accent1"/>
+                </a:solidFill>
+                <a:latin typeface="Cambria" panose="02040503050406030204" pitchFamily="18" charset="0"/>
+              </a:rPr>
+            </a:br>
+            <a:endParaRPr lang="en-US" sz="2400" b="1" dirty="0">
+              <a:solidFill>
+                <a:schemeClr val="accent1"/>
+              </a:solidFill>
+              <a:latin typeface="Cambria" panose="02040503050406030204" pitchFamily="18" charset="0"/>
+            </a:endParaRPr>
+          </a:p>
+          <a:p>
+            <a:pPr marL="342900" indent="-342900">
+              <a:buFont typeface="Arial"/>
+              <a:buChar char="•"/>
+            </a:pPr>
+            <a:r>
+              <a:rPr lang="en-US" sz="2400" b="1" dirty="0">
+                <a:solidFill>
+                  <a:schemeClr val="accent1"/>
+                </a:solidFill>
+                <a:latin typeface="Cambria" panose="02040503050406030204" pitchFamily="18" charset="0"/>
+              </a:rPr>
+              <a:t>…</a:t>
+            </a:r>
+            <a:br>
+              <a:rPr lang="en-US" sz="2400" dirty="0">
+                <a:solidFill>
+                  <a:schemeClr val="accent1"/>
+                </a:solidFill>
+                <a:latin typeface="Cambria" panose="02040503050406030204" pitchFamily="18" charset="0"/>
+              </a:rPr>
+            </a:br>
+            <a:endParaRPr lang="en-US" sz="2400" dirty="0">
+              <a:solidFill>
+                <a:schemeClr val="accent1"/>
+              </a:solidFill>
+              <a:latin typeface="Cambria" panose="02040503050406030204" pitchFamily="18" charset="0"/>
+            </a:endParaRPr>
+          </a:p>
+        </p:txBody>
+      </p:sp>
+      <p:cxnSp>
+        <p:nvCxnSpPr>
+          <p:cNvPr id="4" name="Straight Connector 3">
+            <a:extLst>
+              <a:ext uri="{FF2B5EF4-FFF2-40B4-BE49-F238E27FC236}">
+                <a16:creationId xmlns:a16="http://schemas.microsoft.com/office/drawing/2014/main" id="{8C700E82-5E39-704F-873F-B84E6BE47707}"/>
+              </a:ext>
+            </a:extLst>
+          </p:cNvPr>
+          <p:cNvCxnSpPr>
+            <a:cxnSpLocks/>
+          </p:cNvCxnSpPr>
+          <p:nvPr/>
+        </p:nvCxnSpPr>
+        <p:spPr>
+          <a:xfrm>
+            <a:off x="1378101" y="1753299"/>
+            <a:ext cx="8017359" cy="0"/>
+          </a:xfrm>
+          <a:prstGeom prst="line">
+            <a:avLst/>
+          </a:prstGeom>
+          <a:ln w="12700"/>
+        </p:spPr>
+        <p:style>
+          <a:lnRef idx="1">
+            <a:schemeClr val="accent1"/>
+          </a:lnRef>
+          <a:fillRef idx="0">
+            <a:schemeClr val="accent1"/>
+          </a:fillRef>
+          <a:effectRef idx="0">
+            <a:schemeClr val="accent1"/>
+          </a:effectRef>
+          <a:fontRef idx="minor">
+            <a:schemeClr val="tx1"/>
+          </a:fontRef>
+        </p:style>
+      </p:cxnSp>
     </p:spTree>
     <p:extLst>
       <p:ext uri="{BB962C8B-B14F-4D97-AF65-F5344CB8AC3E}">
-        <p14:creationId xmlns:p14="http://schemas.microsoft.com/office/powerpoint/2010/main" val="1601071183"/>
+        <p14:creationId xmlns:p14="http://schemas.microsoft.com/office/powerpoint/2010/main" val="2924337503"/>
       </p:ext>
     </p:extLst>
   </p:cSld>
@@ -6929,14 +7968,14 @@
       </p:grpSpPr>
       <p:sp>
         <p:nvSpPr>
-          <p:cNvPr id="8" name="TextBox 7"/>
+          <p:cNvPr id="3" name="TextBox 2"/>
           <p:cNvSpPr txBox="1"/>
           <p:nvPr/>
         </p:nvSpPr>
         <p:spPr>
           <a:xfrm>
-            <a:off x="1271768" y="1115051"/>
-            <a:ext cx="9196386" cy="553998"/>
+            <a:off x="2513338" y="1738043"/>
+            <a:ext cx="8924282" cy="861774"/>
           </a:xfrm>
           <a:prstGeom prst="rect">
             <a:avLst/>
@@ -6950,189 +7989,60 @@
           <a:lstStyle/>
           <a:p>
             <a:r>
-              <a:rPr lang="en-US" sz="3000" b="1" dirty="0">
+              <a:rPr lang="en-US" sz="5000" b="1" dirty="0">
                 <a:solidFill>
                   <a:schemeClr val="accent1"/>
                 </a:solidFill>
                 <a:latin typeface="Cambria" panose="02040503050406030204" pitchFamily="18" charset="0"/>
               </a:rPr>
-              <a:t>THE BLACK-BOX PHENOMENON</a:t>
-            </a:r>
-          </a:p>
-        </p:txBody>
-      </p:sp>
-      <p:sp>
-        <p:nvSpPr>
-          <p:cNvPr id="9" name="TextBox 8"/>
-          <p:cNvSpPr txBox="1"/>
+              <a:t>LACK OF TRANSPARENCY</a:t>
+            </a:r>
+          </a:p>
+        </p:txBody>
+      </p:sp>
+      <p:cxnSp>
+        <p:nvCxnSpPr>
+          <p:cNvPr id="5" name="Straight Connector 4">
+            <a:extLst>
+              <a:ext uri="{FF2B5EF4-FFF2-40B4-BE49-F238E27FC236}">
+                <a16:creationId xmlns:a16="http://schemas.microsoft.com/office/drawing/2014/main" id="{2571E43F-CCA3-BB47-A7AF-81B47EA888E0}"/>
+              </a:ext>
+            </a:extLst>
+          </p:cNvPr>
+          <p:cNvCxnSpPr>
+            <a:cxnSpLocks/>
+          </p:cNvCxnSpPr>
           <p:nvPr/>
-        </p:nvSpPr>
-        <p:spPr>
-          <a:xfrm>
-            <a:off x="1275701" y="1830236"/>
-            <a:ext cx="9909364" cy="4154984"/>
-          </a:xfrm>
-          <a:prstGeom prst="rect">
+        </p:nvCxnSpPr>
+        <p:spPr>
+          <a:xfrm>
+            <a:off x="2300750" y="1879133"/>
+            <a:ext cx="0" cy="720684"/>
+          </a:xfrm>
+          <a:prstGeom prst="line">
             <a:avLst/>
           </a:prstGeom>
-          <a:noFill/>
-        </p:spPr>
-        <p:txBody>
-          <a:bodyPr wrap="square" rtlCol="0">
-            <a:spAutoFit/>
-          </a:bodyPr>
-          <a:lstStyle/>
-          <a:p>
-            <a:pPr marL="342900" indent="-342900">
-              <a:buFont typeface="Arial"/>
-              <a:buChar char="•"/>
-            </a:pPr>
-            <a:r>
-              <a:rPr lang="en-US" sz="2400" b="1" dirty="0">
-                <a:solidFill>
-                  <a:schemeClr val="accent1"/>
-                </a:solidFill>
-                <a:latin typeface="Cambria" panose="02040503050406030204" pitchFamily="18" charset="0"/>
-              </a:rPr>
-              <a:t>SIMPLE MODELS LIKE DECISION TREE ARE EASY TO EXPLAIN</a:t>
-            </a:r>
-            <a:br>
-              <a:rPr lang="en-US" sz="2400" b="1" dirty="0">
-                <a:solidFill>
-                  <a:schemeClr val="accent1"/>
-                </a:solidFill>
-                <a:latin typeface="Cambria" panose="02040503050406030204" pitchFamily="18" charset="0"/>
-              </a:rPr>
-            </a:br>
-            <a:endParaRPr lang="en-US" sz="2400" b="1" dirty="0">
-              <a:solidFill>
-                <a:schemeClr val="accent1"/>
-              </a:solidFill>
-              <a:latin typeface="Cambria" panose="02040503050406030204" pitchFamily="18" charset="0"/>
-            </a:endParaRPr>
-          </a:p>
-          <a:p>
-            <a:pPr marL="342900" indent="-342900">
-              <a:buFont typeface="Arial"/>
-              <a:buChar char="•"/>
-            </a:pPr>
-            <a:r>
-              <a:rPr lang="en-US" sz="2400" b="1" dirty="0">
-                <a:solidFill>
-                  <a:schemeClr val="accent1"/>
-                </a:solidFill>
-                <a:latin typeface="Cambria" panose="02040503050406030204" pitchFamily="18" charset="0"/>
-              </a:rPr>
-              <a:t>STATE-OF-THE ART ENSEMBLE METHODS INCREASED PERFORMANCE OBSCURE …</a:t>
-            </a:r>
-            <a:br>
-              <a:rPr lang="en-US" sz="2400" dirty="0">
-                <a:solidFill>
-                  <a:schemeClr val="accent1"/>
-                </a:solidFill>
-                <a:latin typeface="Cambria" panose="02040503050406030204" pitchFamily="18" charset="0"/>
-              </a:rPr>
-            </a:br>
-            <a:endParaRPr lang="en-US" sz="2400" b="1" dirty="0">
-              <a:solidFill>
-                <a:schemeClr val="accent1"/>
-              </a:solidFill>
-              <a:latin typeface="Cambria" panose="02040503050406030204" pitchFamily="18" charset="0"/>
-            </a:endParaRPr>
-          </a:p>
-          <a:p>
-            <a:pPr marL="342900" indent="-342900">
-              <a:buFont typeface="Arial"/>
-              <a:buChar char="•"/>
-            </a:pPr>
-            <a:r>
-              <a:rPr lang="en-US" sz="2400" b="1" dirty="0">
-                <a:solidFill>
-                  <a:schemeClr val="accent1"/>
-                </a:solidFill>
-                <a:latin typeface="Cambria" panose="02040503050406030204" pitchFamily="18" charset="0"/>
-              </a:rPr>
-              <a:t>IDEM WITH DEEP NEURAL NETWORKS</a:t>
-            </a:r>
-            <a:br>
-              <a:rPr lang="en-US" sz="2400" b="1" dirty="0">
-                <a:solidFill>
-                  <a:schemeClr val="accent1"/>
-                </a:solidFill>
-                <a:latin typeface="Cambria" panose="02040503050406030204" pitchFamily="18" charset="0"/>
-              </a:rPr>
-            </a:br>
-            <a:endParaRPr lang="en-US" sz="2400" b="1" dirty="0">
-              <a:solidFill>
-                <a:schemeClr val="accent1"/>
-              </a:solidFill>
-              <a:latin typeface="Cambria" panose="02040503050406030204" pitchFamily="18" charset="0"/>
-            </a:endParaRPr>
-          </a:p>
-          <a:p>
-            <a:pPr marL="342900" indent="-342900">
-              <a:buFont typeface="Arial"/>
-              <a:buChar char="•"/>
-            </a:pPr>
-            <a:r>
-              <a:rPr lang="en-US" sz="2400" b="1" dirty="0">
-                <a:solidFill>
-                  <a:schemeClr val="accent1"/>
-                </a:solidFill>
-                <a:latin typeface="Cambria" panose="02040503050406030204" pitchFamily="18" charset="0"/>
-              </a:rPr>
-              <a:t>UNABLE TO JUSTIFY/EXPLAIN THE PREDICTION</a:t>
-            </a:r>
-            <a:br>
-              <a:rPr lang="en-US" sz="2400" b="1" dirty="0">
-                <a:solidFill>
-                  <a:schemeClr val="accent1"/>
-                </a:solidFill>
-                <a:latin typeface="Cambria" panose="02040503050406030204" pitchFamily="18" charset="0"/>
-              </a:rPr>
-            </a:br>
-            <a:endParaRPr lang="en-US" sz="2400" b="1" dirty="0">
-              <a:solidFill>
-                <a:schemeClr val="accent1"/>
-              </a:solidFill>
-              <a:latin typeface="Cambria" panose="02040503050406030204" pitchFamily="18" charset="0"/>
-            </a:endParaRPr>
-          </a:p>
-          <a:p>
-            <a:pPr marL="342900" indent="-342900">
-              <a:buFont typeface="Arial"/>
-              <a:buChar char="•"/>
-            </a:pPr>
-            <a:r>
-              <a:rPr lang="en-US" sz="2400" b="1" dirty="0">
-                <a:solidFill>
-                  <a:schemeClr val="accent1"/>
-                </a:solidFill>
-                <a:latin typeface="Cambria" panose="02040503050406030204" pitchFamily="18" charset="0"/>
-              </a:rPr>
-              <a:t>DEMOCRATIC ISSUE </a:t>
-            </a:r>
-            <a:br>
-              <a:rPr lang="en-US" sz="2400" dirty="0">
-                <a:solidFill>
-                  <a:schemeClr val="accent1"/>
-                </a:solidFill>
-                <a:latin typeface="Cambria" panose="02040503050406030204" pitchFamily="18" charset="0"/>
-              </a:rPr>
-            </a:br>
-            <a:endParaRPr lang="en-US" sz="2400" dirty="0">
-              <a:solidFill>
-                <a:schemeClr val="accent1"/>
-              </a:solidFill>
-              <a:latin typeface="Cambria" panose="02040503050406030204" pitchFamily="18" charset="0"/>
-            </a:endParaRPr>
-          </a:p>
-        </p:txBody>
-      </p:sp>
+          <a:ln w="38100"/>
+        </p:spPr>
+        <p:style>
+          <a:lnRef idx="1">
+            <a:schemeClr val="accent1"/>
+          </a:lnRef>
+          <a:fillRef idx="0">
+            <a:schemeClr val="accent1"/>
+          </a:fillRef>
+          <a:effectRef idx="0">
+            <a:schemeClr val="accent1"/>
+          </a:effectRef>
+          <a:fontRef idx="minor">
+            <a:schemeClr val="tx1"/>
+          </a:fontRef>
+        </p:style>
+      </p:cxnSp>
     </p:spTree>
     <p:extLst>
       <p:ext uri="{BB962C8B-B14F-4D97-AF65-F5344CB8AC3E}">
-        <p14:creationId xmlns:p14="http://schemas.microsoft.com/office/powerpoint/2010/main" val="1131173991"/>
+        <p14:creationId xmlns:p14="http://schemas.microsoft.com/office/powerpoint/2010/main" val="255772197"/>
       </p:ext>
     </p:extLst>
   </p:cSld>
@@ -7200,94 +8110,222 @@
                 </a:solidFill>
                 <a:latin typeface="Cambria" panose="02040503050406030204" pitchFamily="18" charset="0"/>
               </a:rPr>
-              <a:t>EXPLAINABLE AI</a:t>
-            </a:r>
-          </a:p>
-        </p:txBody>
-      </p:sp>
-      <p:pic>
-        <p:nvPicPr>
-          <p:cNvPr id="2" name="Picture 1">
+              <a:t>THE BLACK-BOX PHENOMENON</a:t>
+            </a:r>
+          </a:p>
+        </p:txBody>
+      </p:sp>
+      <p:sp>
+        <p:nvSpPr>
+          <p:cNvPr id="9" name="TextBox 8"/>
+          <p:cNvSpPr txBox="1"/>
+          <p:nvPr/>
+        </p:nvSpPr>
+        <p:spPr>
+          <a:xfrm>
+            <a:off x="1275701" y="1830236"/>
+            <a:ext cx="9909364" cy="4154984"/>
+          </a:xfrm>
+          <a:prstGeom prst="rect">
+            <a:avLst/>
+          </a:prstGeom>
+          <a:noFill/>
+        </p:spPr>
+        <p:txBody>
+          <a:bodyPr wrap="square" rtlCol="0">
+            <a:spAutoFit/>
+          </a:bodyPr>
+          <a:lstStyle/>
+          <a:p>
+            <a:pPr marL="342900" indent="-342900">
+              <a:buFont typeface="Arial"/>
+              <a:buChar char="•"/>
+            </a:pPr>
+            <a:r>
+              <a:rPr lang="en-US" sz="2400" b="1" dirty="0">
+                <a:solidFill>
+                  <a:schemeClr val="accent1"/>
+                </a:solidFill>
+                <a:latin typeface="Cambria" panose="02040503050406030204" pitchFamily="18" charset="0"/>
+              </a:rPr>
+              <a:t>SIMPLE MODELS LIKE DECISION TREE ARE EASY TO EXPLAIN</a:t>
+            </a:r>
+            <a:br>
+              <a:rPr lang="en-US" sz="2400" b="1" dirty="0">
+                <a:solidFill>
+                  <a:schemeClr val="accent1"/>
+                </a:solidFill>
+                <a:latin typeface="Cambria" panose="02040503050406030204" pitchFamily="18" charset="0"/>
+              </a:rPr>
+            </a:br>
+            <a:endParaRPr lang="en-US" sz="2400" b="1" dirty="0">
+              <a:solidFill>
+                <a:schemeClr val="accent1"/>
+              </a:solidFill>
+              <a:latin typeface="Cambria" panose="02040503050406030204" pitchFamily="18" charset="0"/>
+            </a:endParaRPr>
+          </a:p>
+          <a:p>
+            <a:pPr marL="342900" indent="-342900">
+              <a:buFont typeface="Arial"/>
+              <a:buChar char="•"/>
+            </a:pPr>
+            <a:r>
+              <a:rPr lang="en-US" sz="2400" b="1" dirty="0">
+                <a:solidFill>
+                  <a:schemeClr val="accent1"/>
+                </a:solidFill>
+                <a:latin typeface="Cambria" panose="02040503050406030204" pitchFamily="18" charset="0"/>
+              </a:rPr>
+              <a:t>STATE-OF-THE ART ENSEMBLE METHODS INCREASED PERFORMANCE OBSCURE …</a:t>
+            </a:r>
+            <a:br>
+              <a:rPr lang="en-US" sz="2400" dirty="0">
+                <a:solidFill>
+                  <a:schemeClr val="accent1"/>
+                </a:solidFill>
+                <a:latin typeface="Cambria" panose="02040503050406030204" pitchFamily="18" charset="0"/>
+              </a:rPr>
+            </a:br>
+            <a:endParaRPr lang="en-US" sz="2400" b="1" dirty="0">
+              <a:solidFill>
+                <a:schemeClr val="accent1"/>
+              </a:solidFill>
+              <a:latin typeface="Cambria" panose="02040503050406030204" pitchFamily="18" charset="0"/>
+            </a:endParaRPr>
+          </a:p>
+          <a:p>
+            <a:pPr marL="342900" indent="-342900">
+              <a:buFont typeface="Arial"/>
+              <a:buChar char="•"/>
+            </a:pPr>
+            <a:r>
+              <a:rPr lang="en-US" sz="2400" b="1" dirty="0">
+                <a:solidFill>
+                  <a:schemeClr val="accent1"/>
+                </a:solidFill>
+                <a:latin typeface="Cambria" panose="02040503050406030204" pitchFamily="18" charset="0"/>
+              </a:rPr>
+              <a:t>IDEM WITH DEEP NEURAL NETWORKS</a:t>
+            </a:r>
+            <a:br>
+              <a:rPr lang="en-US" sz="2400" b="1" dirty="0">
+                <a:solidFill>
+                  <a:schemeClr val="accent1"/>
+                </a:solidFill>
+                <a:latin typeface="Cambria" panose="02040503050406030204" pitchFamily="18" charset="0"/>
+              </a:rPr>
+            </a:br>
+            <a:endParaRPr lang="en-US" sz="2400" b="1" dirty="0">
+              <a:solidFill>
+                <a:schemeClr val="accent1"/>
+              </a:solidFill>
+              <a:latin typeface="Cambria" panose="02040503050406030204" pitchFamily="18" charset="0"/>
+            </a:endParaRPr>
+          </a:p>
+          <a:p>
+            <a:pPr marL="342900" indent="-342900">
+              <a:buFont typeface="Arial"/>
+              <a:buChar char="•"/>
+            </a:pPr>
+            <a:r>
+              <a:rPr lang="en-US" sz="2400" b="1" dirty="0">
+                <a:solidFill>
+                  <a:schemeClr val="accent1"/>
+                </a:solidFill>
+                <a:latin typeface="Cambria" panose="02040503050406030204" pitchFamily="18" charset="0"/>
+              </a:rPr>
+              <a:t>UNABLE TO JUSTIFY/EXPLAIN THE PREDICTION</a:t>
+            </a:r>
+            <a:br>
+              <a:rPr lang="en-US" sz="2400" b="1" dirty="0">
+                <a:solidFill>
+                  <a:schemeClr val="accent1"/>
+                </a:solidFill>
+                <a:latin typeface="Cambria" panose="02040503050406030204" pitchFamily="18" charset="0"/>
+              </a:rPr>
+            </a:br>
+            <a:endParaRPr lang="en-US" sz="2400" b="1" dirty="0">
+              <a:solidFill>
+                <a:schemeClr val="accent1"/>
+              </a:solidFill>
+              <a:latin typeface="Cambria" panose="02040503050406030204" pitchFamily="18" charset="0"/>
+            </a:endParaRPr>
+          </a:p>
+          <a:p>
+            <a:pPr marL="342900" indent="-342900">
+              <a:buFont typeface="Arial"/>
+              <a:buChar char="•"/>
+            </a:pPr>
+            <a:r>
+              <a:rPr lang="en-US" sz="2400" b="1" dirty="0">
+                <a:solidFill>
+                  <a:schemeClr val="accent1"/>
+                </a:solidFill>
+                <a:latin typeface="Cambria" panose="02040503050406030204" pitchFamily="18" charset="0"/>
+              </a:rPr>
+              <a:t>DEMOCRATIC ISSUE </a:t>
+            </a:r>
+            <a:br>
+              <a:rPr lang="en-US" sz="2400" dirty="0">
+                <a:solidFill>
+                  <a:schemeClr val="accent1"/>
+                </a:solidFill>
+                <a:latin typeface="Cambria" panose="02040503050406030204" pitchFamily="18" charset="0"/>
+              </a:rPr>
+            </a:br>
+            <a:endParaRPr lang="en-US" sz="2400" dirty="0">
+              <a:solidFill>
+                <a:schemeClr val="accent1"/>
+              </a:solidFill>
+              <a:latin typeface="Cambria" panose="02040503050406030204" pitchFamily="18" charset="0"/>
+            </a:endParaRPr>
+          </a:p>
+        </p:txBody>
+      </p:sp>
+      <p:cxnSp>
+        <p:nvCxnSpPr>
+          <p:cNvPr id="4" name="Straight Connector 3">
             <a:extLst>
               <a:ext uri="{FF2B5EF4-FFF2-40B4-BE49-F238E27FC236}">
-                <a16:creationId xmlns:a16="http://schemas.microsoft.com/office/drawing/2014/main" id="{9E5F68D6-8700-7145-848C-E17C5DEE30F6}"/>
+                <a16:creationId xmlns:a16="http://schemas.microsoft.com/office/drawing/2014/main" id="{225C82A8-2506-B348-8B2D-5D15191060C0}"/>
               </a:ext>
             </a:extLst>
           </p:cNvPr>
-          <p:cNvPicPr>
-            <a:picLocks noChangeAspect="1"/>
-          </p:cNvPicPr>
+          <p:cNvCxnSpPr>
+            <a:cxnSpLocks/>
+          </p:cNvCxnSpPr>
           <p:nvPr/>
-        </p:nvPicPr>
-        <p:blipFill>
-          <a:blip r:embed="rId3"/>
-          <a:stretch>
-            <a:fillRect/>
-          </a:stretch>
-        </p:blipFill>
-        <p:spPr>
-          <a:xfrm>
-            <a:off x="1271768" y="1736161"/>
-            <a:ext cx="5477198" cy="4043680"/>
-          </a:xfrm>
-          <a:prstGeom prst="rect">
+        </p:nvCxnSpPr>
+        <p:spPr>
+          <a:xfrm>
+            <a:off x="1378101" y="1753299"/>
+            <a:ext cx="8741259" cy="0"/>
+          </a:xfrm>
+          <a:prstGeom prst="line">
             <a:avLst/>
           </a:prstGeom>
-        </p:spPr>
-      </p:pic>
-      <p:sp>
-        <p:nvSpPr>
-          <p:cNvPr id="3" name="Rectangle 2">
-            <a:extLst>
-              <a:ext uri="{FF2B5EF4-FFF2-40B4-BE49-F238E27FC236}">
-                <a16:creationId xmlns:a16="http://schemas.microsoft.com/office/drawing/2014/main" id="{071BEB91-FB3E-A04A-9EFB-53EED6C40630}"/>
-              </a:ext>
-            </a:extLst>
-          </p:cNvPr>
-          <p:cNvSpPr/>
-          <p:nvPr/>
-        </p:nvSpPr>
-        <p:spPr>
-          <a:xfrm>
-            <a:off x="1271768" y="5970955"/>
-            <a:ext cx="7521712" cy="369332"/>
-          </a:xfrm>
-          <a:prstGeom prst="rect">
-            <a:avLst/>
-          </a:prstGeom>
-        </p:spPr>
-        <p:txBody>
-          <a:bodyPr wrap="square">
-            <a:spAutoFit/>
-          </a:bodyPr>
-          <a:lstStyle/>
-          <a:p>
-            <a:r>
-              <a:rPr lang="en-US" dirty="0">
-                <a:hlinkClick r:id="rId4"/>
-              </a:rPr>
-              <a:t>https://</a:t>
-            </a:r>
-            <a:r>
-              <a:rPr lang="en-US" dirty="0" err="1">
-                <a:hlinkClick r:id="rId4"/>
-              </a:rPr>
-              <a:t>www.darpa.mil</a:t>
-            </a:r>
-            <a:r>
-              <a:rPr lang="en-US" dirty="0">
-                <a:hlinkClick r:id="rId4"/>
-              </a:rPr>
-              <a:t>/program/explainable-artificial-intelligence</a:t>
-            </a:r>
-            <a:endParaRPr lang="en-US" dirty="0"/>
-          </a:p>
-        </p:txBody>
-      </p:sp>
+          <a:ln w="12700"/>
+        </p:spPr>
+        <p:style>
+          <a:lnRef idx="1">
+            <a:schemeClr val="accent1"/>
+          </a:lnRef>
+          <a:fillRef idx="0">
+            <a:schemeClr val="accent1"/>
+          </a:fillRef>
+          <a:effectRef idx="0">
+            <a:schemeClr val="accent1"/>
+          </a:effectRef>
+          <a:fontRef idx="minor">
+            <a:schemeClr val="tx1"/>
+          </a:fontRef>
+        </p:style>
+      </p:cxnSp>
     </p:spTree>
     <p:extLst>
       <p:ext uri="{BB962C8B-B14F-4D97-AF65-F5344CB8AC3E}">
-        <p14:creationId xmlns:p14="http://schemas.microsoft.com/office/powerpoint/2010/main" val="2952107966"/>
+        <p14:creationId xmlns:p14="http://schemas.microsoft.com/office/powerpoint/2010/main" val="1131173991"/>
       </p:ext>
     </p:extLst>
   </p:cSld>
@@ -7335,7 +8373,7 @@
         <p:spPr>
           <a:xfrm>
             <a:off x="1271768" y="1115051"/>
-            <a:ext cx="9196386" cy="630942"/>
+            <a:ext cx="9196386" cy="553998"/>
           </a:xfrm>
           <a:prstGeom prst="rect">
             <a:avLst/>
@@ -7349,21 +8387,139 @@
           <a:lstStyle/>
           <a:p>
             <a:r>
-              <a:rPr lang="en-US" sz="3500" b="1" dirty="0">
+              <a:rPr lang="en-US" sz="3000" b="1" dirty="0">
                 <a:solidFill>
                   <a:schemeClr val="accent1"/>
                 </a:solidFill>
                 <a:latin typeface="Cambria" panose="02040503050406030204" pitchFamily="18" charset="0"/>
               </a:rPr>
-              <a:t>JUDGMENT DELEGATION</a:t>
-            </a:r>
-          </a:p>
-        </p:txBody>
-      </p:sp>
+              <a:t>EXPLAINABLE AI</a:t>
+            </a:r>
+          </a:p>
+        </p:txBody>
+      </p:sp>
+      <p:pic>
+        <p:nvPicPr>
+          <p:cNvPr id="2" name="Picture 1">
+            <a:extLst>
+              <a:ext uri="{FF2B5EF4-FFF2-40B4-BE49-F238E27FC236}">
+                <a16:creationId xmlns:a16="http://schemas.microsoft.com/office/drawing/2014/main" id="{9E5F68D6-8700-7145-848C-E17C5DEE30F6}"/>
+              </a:ext>
+            </a:extLst>
+          </p:cNvPr>
+          <p:cNvPicPr>
+            <a:picLocks noChangeAspect="1"/>
+          </p:cNvPicPr>
+          <p:nvPr/>
+        </p:nvPicPr>
+        <p:blipFill>
+          <a:blip r:embed="rId3"/>
+          <a:stretch>
+            <a:fillRect/>
+          </a:stretch>
+        </p:blipFill>
+        <p:spPr>
+          <a:xfrm>
+            <a:off x="1271768" y="1911421"/>
+            <a:ext cx="5477198" cy="4043680"/>
+          </a:xfrm>
+          <a:prstGeom prst="rect">
+            <a:avLst/>
+          </a:prstGeom>
+        </p:spPr>
+      </p:pic>
+      <p:sp>
+        <p:nvSpPr>
+          <p:cNvPr id="3" name="Rectangle 2">
+            <a:extLst>
+              <a:ext uri="{FF2B5EF4-FFF2-40B4-BE49-F238E27FC236}">
+                <a16:creationId xmlns:a16="http://schemas.microsoft.com/office/drawing/2014/main" id="{071BEB91-FB3E-A04A-9EFB-53EED6C40630}"/>
+              </a:ext>
+            </a:extLst>
+          </p:cNvPr>
+          <p:cNvSpPr/>
+          <p:nvPr/>
+        </p:nvSpPr>
+        <p:spPr>
+          <a:xfrm>
+            <a:off x="1271768" y="5970955"/>
+            <a:ext cx="7521712" cy="369332"/>
+          </a:xfrm>
+          <a:prstGeom prst="rect">
+            <a:avLst/>
+          </a:prstGeom>
+        </p:spPr>
+        <p:txBody>
+          <a:bodyPr wrap="square">
+            <a:spAutoFit/>
+          </a:bodyPr>
+          <a:lstStyle/>
+          <a:p>
+            <a:r>
+              <a:rPr lang="en-US" dirty="0">
+                <a:hlinkClick r:id="rId4"/>
+              </a:rPr>
+              <a:t>https://</a:t>
+            </a:r>
+            <a:r>
+              <a:rPr lang="en-US" dirty="0" err="1">
+                <a:hlinkClick r:id="rId4"/>
+              </a:rPr>
+              <a:t>www.darpa.mil</a:t>
+            </a:r>
+            <a:r>
+              <a:rPr lang="en-US" dirty="0">
+                <a:hlinkClick r:id="rId4"/>
+              </a:rPr>
+              <a:t>/program/explainable-artificial-intelligence</a:t>
+            </a:r>
+            <a:endParaRPr lang="en-US" dirty="0"/>
+          </a:p>
+        </p:txBody>
+      </p:sp>
+      <p:cxnSp>
+        <p:nvCxnSpPr>
+          <p:cNvPr id="5" name="Straight Connector 4">
+            <a:extLst>
+              <a:ext uri="{FF2B5EF4-FFF2-40B4-BE49-F238E27FC236}">
+                <a16:creationId xmlns:a16="http://schemas.microsoft.com/office/drawing/2014/main" id="{A2388163-5489-4B4B-8320-3B11B7782F38}"/>
+              </a:ext>
+            </a:extLst>
+          </p:cNvPr>
+          <p:cNvCxnSpPr>
+            <a:cxnSpLocks/>
+          </p:cNvCxnSpPr>
+          <p:nvPr/>
+        </p:nvCxnSpPr>
+        <p:spPr>
+          <a:xfrm>
+            <a:off x="1378101" y="1753299"/>
+            <a:ext cx="6081879" cy="0"/>
+          </a:xfrm>
+          <a:prstGeom prst="line">
+            <a:avLst/>
+          </a:prstGeom>
+          <a:ln w="12700"/>
+        </p:spPr>
+        <p:style>
+          <a:lnRef idx="1">
+            <a:schemeClr val="accent1"/>
+          </a:lnRef>
+          <a:fillRef idx="0">
+            <a:schemeClr val="accent1"/>
+          </a:fillRef>
+          <a:effectRef idx="0">
+            <a:schemeClr val="accent1"/>
+          </a:effectRef>
+          <a:fontRef idx="minor">
+            <a:schemeClr val="tx1"/>
+          </a:fontRef>
+        </p:style>
+      </p:cxnSp>
     </p:spTree>
     <p:extLst>
       <p:ext uri="{BB962C8B-B14F-4D97-AF65-F5344CB8AC3E}">
-        <p14:creationId xmlns:p14="http://schemas.microsoft.com/office/powerpoint/2010/main" val="3380377747"/>
+        <p14:creationId xmlns:p14="http://schemas.microsoft.com/office/powerpoint/2010/main" val="2952107966"/>
       </p:ext>
     </p:extLst>
   </p:cSld>

--- a/presentations/session-6-ethics-of-ai.pptx
+++ b/presentations/session-6-ethics-of-ai.pptx
@@ -7435,6 +7435,45 @@
           </a:p>
         </p:txBody>
       </p:sp>
+      <p:pic>
+        <p:nvPicPr>
+          <p:cNvPr id="4" name="Graphic 3" descr="Thought bubble">
+            <a:extLst>
+              <a:ext uri="{FF2B5EF4-FFF2-40B4-BE49-F238E27FC236}">
+                <a16:creationId xmlns:a16="http://schemas.microsoft.com/office/drawing/2014/main" id="{9C46EEEB-AEF0-5B42-AB29-89E4D5BF83E9}"/>
+              </a:ext>
+            </a:extLst>
+          </p:cNvPr>
+          <p:cNvPicPr>
+            <a:picLocks noChangeAspect="1"/>
+          </p:cNvPicPr>
+          <p:nvPr/>
+        </p:nvPicPr>
+        <p:blipFill>
+          <a:blip r:embed="rId3">
+            <a:extLst>
+              <a:ext uri="{28A0092B-C50C-407E-A947-70E740481C1C}">
+                <a14:useLocalDpi xmlns:a14="http://schemas.microsoft.com/office/drawing/2010/main" val="0"/>
+              </a:ext>
+              <a:ext uri="{96DAC541-7B7A-43D3-8B79-37D633B846F1}">
+                <asvg:svgBlip xmlns:asvg="http://schemas.microsoft.com/office/drawing/2016/SVG/main" r:embed="rId4"/>
+              </a:ext>
+            </a:extLst>
+          </a:blip>
+          <a:stretch>
+            <a:fillRect/>
+          </a:stretch>
+        </p:blipFill>
+        <p:spPr>
+          <a:xfrm>
+            <a:off x="10234569" y="7620"/>
+            <a:ext cx="1686187" cy="1686187"/>
+          </a:xfrm>
+          <a:prstGeom prst="rect">
+            <a:avLst/>
+          </a:prstGeom>
+        </p:spPr>
+      </p:pic>
     </p:spTree>
     <p:extLst>
       <p:ext uri="{BB962C8B-B14F-4D97-AF65-F5344CB8AC3E}">

--- a/presentations/session-6-ethics-of-ai.pptx
+++ b/presentations/session-6-ethics-of-ai.pptx
@@ -5,29 +5,32 @@
     <p:sldMasterId id="2147483648" r:id="rId1"/>
   </p:sldMasterIdLst>
   <p:notesMasterIdLst>
-    <p:notesMasterId r:id="rId22"/>
+    <p:notesMasterId r:id="rId25"/>
   </p:notesMasterIdLst>
   <p:sldIdLst>
     <p:sldId id="263" r:id="rId2"/>
     <p:sldId id="538" r:id="rId3"/>
     <p:sldId id="584" r:id="rId4"/>
     <p:sldId id="542" r:id="rId5"/>
-    <p:sldId id="433" r:id="rId6"/>
-    <p:sldId id="557" r:id="rId7"/>
-    <p:sldId id="585" r:id="rId8"/>
-    <p:sldId id="558" r:id="rId9"/>
-    <p:sldId id="559" r:id="rId10"/>
-    <p:sldId id="586" r:id="rId11"/>
-    <p:sldId id="562" r:id="rId12"/>
-    <p:sldId id="563" r:id="rId13"/>
-    <p:sldId id="587" r:id="rId14"/>
-    <p:sldId id="564" r:id="rId15"/>
-    <p:sldId id="565" r:id="rId16"/>
-    <p:sldId id="588" r:id="rId17"/>
-    <p:sldId id="566" r:id="rId18"/>
-    <p:sldId id="589" r:id="rId19"/>
-    <p:sldId id="568" r:id="rId20"/>
-    <p:sldId id="590" r:id="rId21"/>
+    <p:sldId id="593" r:id="rId6"/>
+    <p:sldId id="433" r:id="rId7"/>
+    <p:sldId id="594" r:id="rId8"/>
+    <p:sldId id="591" r:id="rId9"/>
+    <p:sldId id="557" r:id="rId10"/>
+    <p:sldId id="585" r:id="rId11"/>
+    <p:sldId id="558" r:id="rId12"/>
+    <p:sldId id="559" r:id="rId13"/>
+    <p:sldId id="586" r:id="rId14"/>
+    <p:sldId id="562" r:id="rId15"/>
+    <p:sldId id="563" r:id="rId16"/>
+    <p:sldId id="587" r:id="rId17"/>
+    <p:sldId id="564" r:id="rId18"/>
+    <p:sldId id="565" r:id="rId19"/>
+    <p:sldId id="588" r:id="rId20"/>
+    <p:sldId id="566" r:id="rId21"/>
+    <p:sldId id="589" r:id="rId22"/>
+    <p:sldId id="568" r:id="rId23"/>
+    <p:sldId id="590" r:id="rId24"/>
   </p:sldIdLst>
   <p:sldSz cx="12192000" cy="6858000"/>
   <p:notesSz cx="6797675" cy="9874250"/>
@@ -656,7 +659,7 @@
     </p:spTree>
     <p:extLst>
       <p:ext uri="{BB962C8B-B14F-4D97-AF65-F5344CB8AC3E}">
-        <p14:creationId xmlns:p14="http://schemas.microsoft.com/office/powerpoint/2010/main" val="4259495693"/>
+        <p14:creationId xmlns:p14="http://schemas.microsoft.com/office/powerpoint/2010/main" val="1583422498"/>
       </p:ext>
     </p:extLst>
   </p:cSld>
@@ -740,7 +743,7 @@
     </p:spTree>
     <p:extLst>
       <p:ext uri="{BB962C8B-B14F-4D97-AF65-F5344CB8AC3E}">
-        <p14:creationId xmlns:p14="http://schemas.microsoft.com/office/powerpoint/2010/main" val="3797695640"/>
+        <p14:creationId xmlns:p14="http://schemas.microsoft.com/office/powerpoint/2010/main" val="1465998514"/>
       </p:ext>
     </p:extLst>
   </p:cSld>
@@ -824,7 +827,7 @@
     </p:spTree>
     <p:extLst>
       <p:ext uri="{BB962C8B-B14F-4D97-AF65-F5344CB8AC3E}">
-        <p14:creationId xmlns:p14="http://schemas.microsoft.com/office/powerpoint/2010/main" val="770735575"/>
+        <p14:creationId xmlns:p14="http://schemas.microsoft.com/office/powerpoint/2010/main" val="1987829258"/>
       </p:ext>
     </p:extLst>
   </p:cSld>
@@ -912,7 +915,7 @@
     </p:spTree>
     <p:extLst>
       <p:ext uri="{BB962C8B-B14F-4D97-AF65-F5344CB8AC3E}">
-        <p14:creationId xmlns:p14="http://schemas.microsoft.com/office/powerpoint/2010/main" val="1900408697"/>
+        <p14:creationId xmlns:p14="http://schemas.microsoft.com/office/powerpoint/2010/main" val="4259495693"/>
       </p:ext>
     </p:extLst>
   </p:cSld>
@@ -996,7 +999,7 @@
     </p:spTree>
     <p:extLst>
       <p:ext uri="{BB962C8B-B14F-4D97-AF65-F5344CB8AC3E}">
-        <p14:creationId xmlns:p14="http://schemas.microsoft.com/office/powerpoint/2010/main" val="1719458320"/>
+        <p14:creationId xmlns:p14="http://schemas.microsoft.com/office/powerpoint/2010/main" val="3797695640"/>
       </p:ext>
     </p:extLst>
   </p:cSld>
@@ -1080,7 +1083,7 @@
     </p:spTree>
     <p:extLst>
       <p:ext uri="{BB962C8B-B14F-4D97-AF65-F5344CB8AC3E}">
-        <p14:creationId xmlns:p14="http://schemas.microsoft.com/office/powerpoint/2010/main" val="840027298"/>
+        <p14:creationId xmlns:p14="http://schemas.microsoft.com/office/powerpoint/2010/main" val="770735575"/>
       </p:ext>
     </p:extLst>
   </p:cSld>
@@ -1168,7 +1171,7 @@
     </p:spTree>
     <p:extLst>
       <p:ext uri="{BB962C8B-B14F-4D97-AF65-F5344CB8AC3E}">
-        <p14:creationId xmlns:p14="http://schemas.microsoft.com/office/powerpoint/2010/main" val="2242807298"/>
+        <p14:creationId xmlns:p14="http://schemas.microsoft.com/office/powerpoint/2010/main" val="1900408697"/>
       </p:ext>
     </p:extLst>
   </p:cSld>
@@ -1252,7 +1255,7 @@
     </p:spTree>
     <p:extLst>
       <p:ext uri="{BB962C8B-B14F-4D97-AF65-F5344CB8AC3E}">
-        <p14:creationId xmlns:p14="http://schemas.microsoft.com/office/powerpoint/2010/main" val="2413600801"/>
+        <p14:creationId xmlns:p14="http://schemas.microsoft.com/office/powerpoint/2010/main" val="1719458320"/>
       </p:ext>
     </p:extLst>
   </p:cSld>
@@ -1306,10 +1309,6 @@
           <a:bodyPr/>
           <a:lstStyle/>
           <a:p>
-            <a:pPr marL="171450" indent="-171450">
-              <a:buFont typeface="Arial" panose="020B0604020202020204" pitchFamily="34" charset="0"/>
-              <a:buChar char="•"/>
-            </a:pPr>
             <a:endParaRPr lang="en-US" dirty="0"/>
           </a:p>
         </p:txBody>
@@ -1340,7 +1339,7 @@
     </p:spTree>
     <p:extLst>
       <p:ext uri="{BB962C8B-B14F-4D97-AF65-F5344CB8AC3E}">
-        <p14:creationId xmlns:p14="http://schemas.microsoft.com/office/powerpoint/2010/main" val="2226236680"/>
+        <p14:creationId xmlns:p14="http://schemas.microsoft.com/office/powerpoint/2010/main" val="840027298"/>
       </p:ext>
     </p:extLst>
   </p:cSld>
@@ -1394,6 +1393,10 @@
           <a:bodyPr/>
           <a:lstStyle/>
           <a:p>
+            <a:pPr marL="171450" indent="-171450">
+              <a:buFont typeface="Arial" panose="020B0604020202020204" pitchFamily="34" charset="0"/>
+              <a:buChar char="•"/>
+            </a:pPr>
             <a:endParaRPr lang="en-US" dirty="0"/>
           </a:p>
         </p:txBody>
@@ -1424,7 +1427,7 @@
     </p:spTree>
     <p:extLst>
       <p:ext uri="{BB962C8B-B14F-4D97-AF65-F5344CB8AC3E}">
-        <p14:creationId xmlns:p14="http://schemas.microsoft.com/office/powerpoint/2010/main" val="3725140350"/>
+        <p14:creationId xmlns:p14="http://schemas.microsoft.com/office/powerpoint/2010/main" val="2242807298"/>
       </p:ext>
     </p:extLst>
   </p:cSld>
@@ -1562,6 +1565,90 @@
           <a:bodyPr/>
           <a:lstStyle/>
           <a:p>
+            <a:endParaRPr lang="en-US" dirty="0"/>
+          </a:p>
+        </p:txBody>
+      </p:sp>
+      <p:sp>
+        <p:nvSpPr>
+          <p:cNvPr id="4" name="Slide Number Placeholder 3"/>
+          <p:cNvSpPr>
+            <a:spLocks noGrp="1"/>
+          </p:cNvSpPr>
+          <p:nvPr>
+            <p:ph type="sldNum" sz="quarter" idx="10"/>
+          </p:nvPr>
+        </p:nvSpPr>
+        <p:spPr/>
+        <p:txBody>
+          <a:bodyPr/>
+          <a:lstStyle/>
+          <a:p>
+            <a:fld id="{2F6F93F9-6E01-423B-ABB3-8FB3B0651941}" type="slidenum">
+              <a:rPr lang="en-US" smtClean="0"/>
+              <a:t>20</a:t>
+            </a:fld>
+            <a:endParaRPr lang="en-US"/>
+          </a:p>
+        </p:txBody>
+      </p:sp>
+    </p:spTree>
+    <p:extLst>
+      <p:ext uri="{BB962C8B-B14F-4D97-AF65-F5344CB8AC3E}">
+        <p14:creationId xmlns:p14="http://schemas.microsoft.com/office/powerpoint/2010/main" val="2413600801"/>
+      </p:ext>
+    </p:extLst>
+  </p:cSld>
+  <p:clrMapOvr>
+    <a:masterClrMapping/>
+  </p:clrMapOvr>
+</p:notes>
+</file>
+
+<file path=ppt/notesSlides/notesSlide21.xml><?xml version="1.0" encoding="utf-8"?>
+<p:notes xmlns:a="http://schemas.openxmlformats.org/drawingml/2006/main" xmlns:r="http://schemas.openxmlformats.org/officeDocument/2006/relationships" xmlns:p="http://schemas.openxmlformats.org/presentationml/2006/main">
+  <p:cSld>
+    <p:spTree>
+      <p:nvGrpSpPr>
+        <p:cNvPr id="1" name=""/>
+        <p:cNvGrpSpPr/>
+        <p:nvPr/>
+      </p:nvGrpSpPr>
+      <p:grpSpPr>
+        <a:xfrm>
+          <a:off x="0" y="0"/>
+          <a:ext cx="0" cy="0"/>
+          <a:chOff x="0" y="0"/>
+          <a:chExt cx="0" cy="0"/>
+        </a:xfrm>
+      </p:grpSpPr>
+      <p:sp>
+        <p:nvSpPr>
+          <p:cNvPr id="2" name="Slide Image Placeholder 1"/>
+          <p:cNvSpPr>
+            <a:spLocks noGrp="1" noRot="1" noChangeAspect="1"/>
+          </p:cNvSpPr>
+          <p:nvPr>
+            <p:ph type="sldImg"/>
+          </p:nvPr>
+        </p:nvSpPr>
+        <p:spPr/>
+      </p:sp>
+      <p:sp>
+        <p:nvSpPr>
+          <p:cNvPr id="3" name="Notes Placeholder 2"/>
+          <p:cNvSpPr>
+            <a:spLocks noGrp="1"/>
+          </p:cNvSpPr>
+          <p:nvPr>
+            <p:ph type="body" idx="1"/>
+          </p:nvPr>
+        </p:nvSpPr>
+        <p:spPr/>
+        <p:txBody>
+          <a:bodyPr/>
+          <a:lstStyle/>
+          <a:p>
             <a:pPr marL="171450" indent="-171450">
               <a:buFont typeface="Arial" panose="020B0604020202020204" pitchFamily="34" charset="0"/>
               <a:buChar char="•"/>
@@ -1587,7 +1674,179 @@
           <a:p>
             <a:fld id="{2F6F93F9-6E01-423B-ABB3-8FB3B0651941}" type="slidenum">
               <a:rPr lang="en-US" smtClean="0"/>
-              <a:t>20</a:t>
+              <a:t>21</a:t>
+            </a:fld>
+            <a:endParaRPr lang="en-US"/>
+          </a:p>
+        </p:txBody>
+      </p:sp>
+    </p:spTree>
+    <p:extLst>
+      <p:ext uri="{BB962C8B-B14F-4D97-AF65-F5344CB8AC3E}">
+        <p14:creationId xmlns:p14="http://schemas.microsoft.com/office/powerpoint/2010/main" val="2226236680"/>
+      </p:ext>
+    </p:extLst>
+  </p:cSld>
+  <p:clrMapOvr>
+    <a:masterClrMapping/>
+  </p:clrMapOvr>
+</p:notes>
+</file>
+
+<file path=ppt/notesSlides/notesSlide22.xml><?xml version="1.0" encoding="utf-8"?>
+<p:notes xmlns:a="http://schemas.openxmlformats.org/drawingml/2006/main" xmlns:r="http://schemas.openxmlformats.org/officeDocument/2006/relationships" xmlns:p="http://schemas.openxmlformats.org/presentationml/2006/main">
+  <p:cSld>
+    <p:spTree>
+      <p:nvGrpSpPr>
+        <p:cNvPr id="1" name=""/>
+        <p:cNvGrpSpPr/>
+        <p:nvPr/>
+      </p:nvGrpSpPr>
+      <p:grpSpPr>
+        <a:xfrm>
+          <a:off x="0" y="0"/>
+          <a:ext cx="0" cy="0"/>
+          <a:chOff x="0" y="0"/>
+          <a:chExt cx="0" cy="0"/>
+        </a:xfrm>
+      </p:grpSpPr>
+      <p:sp>
+        <p:nvSpPr>
+          <p:cNvPr id="2" name="Slide Image Placeholder 1"/>
+          <p:cNvSpPr>
+            <a:spLocks noGrp="1" noRot="1" noChangeAspect="1"/>
+          </p:cNvSpPr>
+          <p:nvPr>
+            <p:ph type="sldImg"/>
+          </p:nvPr>
+        </p:nvSpPr>
+        <p:spPr/>
+      </p:sp>
+      <p:sp>
+        <p:nvSpPr>
+          <p:cNvPr id="3" name="Notes Placeholder 2"/>
+          <p:cNvSpPr>
+            <a:spLocks noGrp="1"/>
+          </p:cNvSpPr>
+          <p:nvPr>
+            <p:ph type="body" idx="1"/>
+          </p:nvPr>
+        </p:nvSpPr>
+        <p:spPr/>
+        <p:txBody>
+          <a:bodyPr/>
+          <a:lstStyle/>
+          <a:p>
+            <a:endParaRPr lang="en-US" dirty="0"/>
+          </a:p>
+        </p:txBody>
+      </p:sp>
+      <p:sp>
+        <p:nvSpPr>
+          <p:cNvPr id="4" name="Slide Number Placeholder 3"/>
+          <p:cNvSpPr>
+            <a:spLocks noGrp="1"/>
+          </p:cNvSpPr>
+          <p:nvPr>
+            <p:ph type="sldNum" sz="quarter" idx="10"/>
+          </p:nvPr>
+        </p:nvSpPr>
+        <p:spPr/>
+        <p:txBody>
+          <a:bodyPr/>
+          <a:lstStyle/>
+          <a:p>
+            <a:fld id="{2F6F93F9-6E01-423B-ABB3-8FB3B0651941}" type="slidenum">
+              <a:rPr lang="en-US" smtClean="0"/>
+              <a:t>22</a:t>
+            </a:fld>
+            <a:endParaRPr lang="en-US"/>
+          </a:p>
+        </p:txBody>
+      </p:sp>
+    </p:spTree>
+    <p:extLst>
+      <p:ext uri="{BB962C8B-B14F-4D97-AF65-F5344CB8AC3E}">
+        <p14:creationId xmlns:p14="http://schemas.microsoft.com/office/powerpoint/2010/main" val="3725140350"/>
+      </p:ext>
+    </p:extLst>
+  </p:cSld>
+  <p:clrMapOvr>
+    <a:masterClrMapping/>
+  </p:clrMapOvr>
+</p:notes>
+</file>
+
+<file path=ppt/notesSlides/notesSlide23.xml><?xml version="1.0" encoding="utf-8"?>
+<p:notes xmlns:a="http://schemas.openxmlformats.org/drawingml/2006/main" xmlns:r="http://schemas.openxmlformats.org/officeDocument/2006/relationships" xmlns:p="http://schemas.openxmlformats.org/presentationml/2006/main">
+  <p:cSld>
+    <p:spTree>
+      <p:nvGrpSpPr>
+        <p:cNvPr id="1" name=""/>
+        <p:cNvGrpSpPr/>
+        <p:nvPr/>
+      </p:nvGrpSpPr>
+      <p:grpSpPr>
+        <a:xfrm>
+          <a:off x="0" y="0"/>
+          <a:ext cx="0" cy="0"/>
+          <a:chOff x="0" y="0"/>
+          <a:chExt cx="0" cy="0"/>
+        </a:xfrm>
+      </p:grpSpPr>
+      <p:sp>
+        <p:nvSpPr>
+          <p:cNvPr id="2" name="Slide Image Placeholder 1"/>
+          <p:cNvSpPr>
+            <a:spLocks noGrp="1" noRot="1" noChangeAspect="1"/>
+          </p:cNvSpPr>
+          <p:nvPr>
+            <p:ph type="sldImg"/>
+          </p:nvPr>
+        </p:nvSpPr>
+        <p:spPr/>
+      </p:sp>
+      <p:sp>
+        <p:nvSpPr>
+          <p:cNvPr id="3" name="Notes Placeholder 2"/>
+          <p:cNvSpPr>
+            <a:spLocks noGrp="1"/>
+          </p:cNvSpPr>
+          <p:nvPr>
+            <p:ph type="body" idx="1"/>
+          </p:nvPr>
+        </p:nvSpPr>
+        <p:spPr/>
+        <p:txBody>
+          <a:bodyPr/>
+          <a:lstStyle/>
+          <a:p>
+            <a:pPr marL="171450" indent="-171450">
+              <a:buFont typeface="Arial" panose="020B0604020202020204" pitchFamily="34" charset="0"/>
+              <a:buChar char="•"/>
+            </a:pPr>
+            <a:endParaRPr lang="en-US" dirty="0"/>
+          </a:p>
+        </p:txBody>
+      </p:sp>
+      <p:sp>
+        <p:nvSpPr>
+          <p:cNvPr id="4" name="Slide Number Placeholder 3"/>
+          <p:cNvSpPr>
+            <a:spLocks noGrp="1"/>
+          </p:cNvSpPr>
+          <p:nvPr>
+            <p:ph type="sldNum" sz="quarter" idx="10"/>
+          </p:nvPr>
+        </p:nvSpPr>
+        <p:spPr/>
+        <p:txBody>
+          <a:bodyPr/>
+          <a:lstStyle/>
+          <a:p>
+            <a:fld id="{2F6F93F9-6E01-423B-ABB3-8FB3B0651941}" type="slidenum">
+              <a:rPr lang="en-US" smtClean="0"/>
+              <a:t>23</a:t>
             </a:fld>
             <a:endParaRPr lang="en-US"/>
           </a:p>
@@ -1826,6 +2085,10 @@
           <a:bodyPr/>
           <a:lstStyle/>
           <a:p>
+            <a:pPr marL="171450" indent="-171450">
+              <a:buFont typeface="Arial" panose="020B0604020202020204" pitchFamily="34" charset="0"/>
+              <a:buChar char="•"/>
+            </a:pPr>
             <a:endParaRPr lang="en-US" dirty="0"/>
           </a:p>
         </p:txBody>
@@ -1856,7 +2119,7 @@
     </p:spTree>
     <p:extLst>
       <p:ext uri="{BB962C8B-B14F-4D97-AF65-F5344CB8AC3E}">
-        <p14:creationId xmlns:p14="http://schemas.microsoft.com/office/powerpoint/2010/main" val="2820634941"/>
+        <p14:creationId xmlns:p14="http://schemas.microsoft.com/office/powerpoint/2010/main" val="1578084209"/>
       </p:ext>
     </p:extLst>
   </p:cSld>
@@ -1910,6 +2173,20 @@
           <a:bodyPr/>
           <a:lstStyle/>
           <a:p>
+            <a:r>
+              <a:rPr lang="en-US" dirty="0"/>
+              <a:t>Game of Go taken as example: this is clearly an overstatement !! Very narrow field but </a:t>
+            </a:r>
+            <a:r>
+              <a:rPr lang="en-US" dirty="0" err="1"/>
+              <a:t>Deepmind</a:t>
+            </a:r>
+            <a:r>
+              <a:rPr lang="en-US" dirty="0"/>
+              <a:t> breakthrough captured the imagination</a:t>
+            </a:r>
+          </a:p>
+          <a:p>
             <a:endParaRPr lang="en-US" dirty="0"/>
           </a:p>
         </p:txBody>
@@ -1940,7 +2217,7 @@
     </p:spTree>
     <p:extLst>
       <p:ext uri="{BB962C8B-B14F-4D97-AF65-F5344CB8AC3E}">
-        <p14:creationId xmlns:p14="http://schemas.microsoft.com/office/powerpoint/2010/main" val="2419125101"/>
+        <p14:creationId xmlns:p14="http://schemas.microsoft.com/office/powerpoint/2010/main" val="2820634941"/>
       </p:ext>
     </p:extLst>
   </p:cSld>
@@ -1994,10 +2271,20 @@
           <a:bodyPr/>
           <a:lstStyle/>
           <a:p>
-            <a:pPr marL="171450" indent="-171450">
-              <a:buFont typeface="Arial" panose="020B0604020202020204" pitchFamily="34" charset="0"/>
-              <a:buChar char="•"/>
-            </a:pPr>
+            <a:r>
+              <a:rPr lang="en-US" dirty="0"/>
+              <a:t>Game of Go taken as example: this is clearly an overstatement !! Very narrow field but </a:t>
+            </a:r>
+            <a:r>
+              <a:rPr lang="en-US" dirty="0" err="1"/>
+              <a:t>Deepmind</a:t>
+            </a:r>
+            <a:r>
+              <a:rPr lang="en-US" dirty="0"/>
+              <a:t> breakthrough captured the imagination</a:t>
+            </a:r>
+          </a:p>
+          <a:p>
             <a:endParaRPr lang="en-US" dirty="0"/>
           </a:p>
         </p:txBody>
@@ -2028,7 +2315,7 @@
     </p:spTree>
     <p:extLst>
       <p:ext uri="{BB962C8B-B14F-4D97-AF65-F5344CB8AC3E}">
-        <p14:creationId xmlns:p14="http://schemas.microsoft.com/office/powerpoint/2010/main" val="1583422498"/>
+        <p14:creationId xmlns:p14="http://schemas.microsoft.com/office/powerpoint/2010/main" val="1700005099"/>
       </p:ext>
     </p:extLst>
   </p:cSld>
@@ -2082,6 +2369,10 @@
           <a:bodyPr/>
           <a:lstStyle/>
           <a:p>
+            <a:pPr marL="171450" indent="-171450">
+              <a:buFont typeface="Arial" panose="020B0604020202020204" pitchFamily="34" charset="0"/>
+              <a:buChar char="•"/>
+            </a:pPr>
             <a:endParaRPr lang="en-US" dirty="0"/>
           </a:p>
         </p:txBody>
@@ -2112,7 +2403,7 @@
     </p:spTree>
     <p:extLst>
       <p:ext uri="{BB962C8B-B14F-4D97-AF65-F5344CB8AC3E}">
-        <p14:creationId xmlns:p14="http://schemas.microsoft.com/office/powerpoint/2010/main" val="1465998514"/>
+        <p14:creationId xmlns:p14="http://schemas.microsoft.com/office/powerpoint/2010/main" val="2526642562"/>
       </p:ext>
     </p:extLst>
   </p:cSld>
@@ -2196,7 +2487,7 @@
     </p:spTree>
     <p:extLst>
       <p:ext uri="{BB962C8B-B14F-4D97-AF65-F5344CB8AC3E}">
-        <p14:creationId xmlns:p14="http://schemas.microsoft.com/office/powerpoint/2010/main" val="1987829258"/>
+        <p14:creationId xmlns:p14="http://schemas.microsoft.com/office/powerpoint/2010/main" val="2419125101"/>
       </p:ext>
     </p:extLst>
   </p:cSld>
@@ -5001,6 +5292,598 @@
                 </a:solidFill>
                 <a:latin typeface="Cambria" panose="02040503050406030204" pitchFamily="18" charset="0"/>
               </a:rPr>
+              <a:t>LACK OF TRANSPARENCY</a:t>
+            </a:r>
+          </a:p>
+        </p:txBody>
+      </p:sp>
+      <p:cxnSp>
+        <p:nvCxnSpPr>
+          <p:cNvPr id="5" name="Straight Connector 4">
+            <a:extLst>
+              <a:ext uri="{FF2B5EF4-FFF2-40B4-BE49-F238E27FC236}">
+                <a16:creationId xmlns:a16="http://schemas.microsoft.com/office/drawing/2014/main" id="{2571E43F-CCA3-BB47-A7AF-81B47EA888E0}"/>
+              </a:ext>
+            </a:extLst>
+          </p:cNvPr>
+          <p:cNvCxnSpPr>
+            <a:cxnSpLocks/>
+          </p:cNvCxnSpPr>
+          <p:nvPr/>
+        </p:nvCxnSpPr>
+        <p:spPr>
+          <a:xfrm>
+            <a:off x="2300750" y="1879133"/>
+            <a:ext cx="0" cy="720684"/>
+          </a:xfrm>
+          <a:prstGeom prst="line">
+            <a:avLst/>
+          </a:prstGeom>
+          <a:ln w="38100"/>
+        </p:spPr>
+        <p:style>
+          <a:lnRef idx="1">
+            <a:schemeClr val="accent1"/>
+          </a:lnRef>
+          <a:fillRef idx="0">
+            <a:schemeClr val="accent1"/>
+          </a:fillRef>
+          <a:effectRef idx="0">
+            <a:schemeClr val="accent1"/>
+          </a:effectRef>
+          <a:fontRef idx="minor">
+            <a:schemeClr val="tx1"/>
+          </a:fontRef>
+        </p:style>
+      </p:cxnSp>
+    </p:spTree>
+    <p:extLst>
+      <p:ext uri="{BB962C8B-B14F-4D97-AF65-F5344CB8AC3E}">
+        <p14:creationId xmlns:p14="http://schemas.microsoft.com/office/powerpoint/2010/main" val="255772197"/>
+      </p:ext>
+    </p:extLst>
+  </p:cSld>
+  <p:clrMapOvr>
+    <a:masterClrMapping/>
+  </p:clrMapOvr>
+  <mc:AlternateContent xmlns:mc="http://schemas.openxmlformats.org/markup-compatibility/2006" xmlns:p14="http://schemas.microsoft.com/office/powerpoint/2010/main">
+    <mc:Choice Requires="p14">
+      <p:transition spd="med" p14:dur="700">
+        <p:fade/>
+      </p:transition>
+    </mc:Choice>
+    <mc:Fallback xmlns="">
+      <p:transition spd="med">
+        <p:fade/>
+      </p:transition>
+    </mc:Fallback>
+  </mc:AlternateContent>
+</p:sld>
+</file>
+
+<file path=ppt/slides/slide11.xml><?xml version="1.0" encoding="utf-8"?>
+<p:sld xmlns:a="http://schemas.openxmlformats.org/drawingml/2006/main" xmlns:r="http://schemas.openxmlformats.org/officeDocument/2006/relationships" xmlns:p="http://schemas.openxmlformats.org/presentationml/2006/main">
+  <p:cSld>
+    <p:spTree>
+      <p:nvGrpSpPr>
+        <p:cNvPr id="1" name=""/>
+        <p:cNvGrpSpPr/>
+        <p:nvPr/>
+      </p:nvGrpSpPr>
+      <p:grpSpPr>
+        <a:xfrm>
+          <a:off x="0" y="0"/>
+          <a:ext cx="0" cy="0"/>
+          <a:chOff x="0" y="0"/>
+          <a:chExt cx="0" cy="0"/>
+        </a:xfrm>
+      </p:grpSpPr>
+      <p:sp>
+        <p:nvSpPr>
+          <p:cNvPr id="8" name="TextBox 7"/>
+          <p:cNvSpPr txBox="1"/>
+          <p:nvPr/>
+        </p:nvSpPr>
+        <p:spPr>
+          <a:xfrm>
+            <a:off x="1271768" y="1115051"/>
+            <a:ext cx="9196386" cy="553998"/>
+          </a:xfrm>
+          <a:prstGeom prst="rect">
+            <a:avLst/>
+          </a:prstGeom>
+          <a:noFill/>
+        </p:spPr>
+        <p:txBody>
+          <a:bodyPr wrap="square" rtlCol="0">
+            <a:spAutoFit/>
+          </a:bodyPr>
+          <a:lstStyle/>
+          <a:p>
+            <a:r>
+              <a:rPr lang="en-US" sz="3000" b="1" dirty="0">
+                <a:solidFill>
+                  <a:schemeClr val="accent1"/>
+                </a:solidFill>
+                <a:latin typeface="Cambria" panose="02040503050406030204" pitchFamily="18" charset="0"/>
+              </a:rPr>
+              <a:t>THE BLACK-BOX PHENOMENON</a:t>
+            </a:r>
+          </a:p>
+        </p:txBody>
+      </p:sp>
+      <p:sp>
+        <p:nvSpPr>
+          <p:cNvPr id="9" name="TextBox 8"/>
+          <p:cNvSpPr txBox="1"/>
+          <p:nvPr/>
+        </p:nvSpPr>
+        <p:spPr>
+          <a:xfrm>
+            <a:off x="1275701" y="1830236"/>
+            <a:ext cx="9909364" cy="4154984"/>
+          </a:xfrm>
+          <a:prstGeom prst="rect">
+            <a:avLst/>
+          </a:prstGeom>
+          <a:noFill/>
+        </p:spPr>
+        <p:txBody>
+          <a:bodyPr wrap="square" rtlCol="0">
+            <a:spAutoFit/>
+          </a:bodyPr>
+          <a:lstStyle/>
+          <a:p>
+            <a:pPr marL="342900" indent="-342900">
+              <a:buFont typeface="Arial"/>
+              <a:buChar char="•"/>
+            </a:pPr>
+            <a:r>
+              <a:rPr lang="en-US" sz="2400" b="1" dirty="0">
+                <a:solidFill>
+                  <a:schemeClr val="accent1"/>
+                </a:solidFill>
+                <a:latin typeface="Cambria" panose="02040503050406030204" pitchFamily="18" charset="0"/>
+              </a:rPr>
+              <a:t>SIMPLE MODELS LIKE DECISION TREE ARE EASY TO EXPLAIN</a:t>
+            </a:r>
+            <a:br>
+              <a:rPr lang="en-US" sz="2400" b="1" dirty="0">
+                <a:solidFill>
+                  <a:schemeClr val="accent1"/>
+                </a:solidFill>
+                <a:latin typeface="Cambria" panose="02040503050406030204" pitchFamily="18" charset="0"/>
+              </a:rPr>
+            </a:br>
+            <a:endParaRPr lang="en-US" sz="2400" b="1" dirty="0">
+              <a:solidFill>
+                <a:schemeClr val="accent1"/>
+              </a:solidFill>
+              <a:latin typeface="Cambria" panose="02040503050406030204" pitchFamily="18" charset="0"/>
+            </a:endParaRPr>
+          </a:p>
+          <a:p>
+            <a:pPr marL="342900" indent="-342900">
+              <a:buFont typeface="Arial"/>
+              <a:buChar char="•"/>
+            </a:pPr>
+            <a:r>
+              <a:rPr lang="en-US" sz="2400" b="1" dirty="0">
+                <a:solidFill>
+                  <a:schemeClr val="accent1"/>
+                </a:solidFill>
+                <a:latin typeface="Cambria" panose="02040503050406030204" pitchFamily="18" charset="0"/>
+              </a:rPr>
+              <a:t>STATE-OF-THE ART ENSEMBLE METHODS INCREASED PERFORMANCE OBSCURE …</a:t>
+            </a:r>
+            <a:br>
+              <a:rPr lang="en-US" sz="2400" dirty="0">
+                <a:solidFill>
+                  <a:schemeClr val="accent1"/>
+                </a:solidFill>
+                <a:latin typeface="Cambria" panose="02040503050406030204" pitchFamily="18" charset="0"/>
+              </a:rPr>
+            </a:br>
+            <a:endParaRPr lang="en-US" sz="2400" b="1" dirty="0">
+              <a:solidFill>
+                <a:schemeClr val="accent1"/>
+              </a:solidFill>
+              <a:latin typeface="Cambria" panose="02040503050406030204" pitchFamily="18" charset="0"/>
+            </a:endParaRPr>
+          </a:p>
+          <a:p>
+            <a:pPr marL="342900" indent="-342900">
+              <a:buFont typeface="Arial"/>
+              <a:buChar char="•"/>
+            </a:pPr>
+            <a:r>
+              <a:rPr lang="en-US" sz="2400" b="1" dirty="0">
+                <a:solidFill>
+                  <a:schemeClr val="accent1"/>
+                </a:solidFill>
+                <a:latin typeface="Cambria" panose="02040503050406030204" pitchFamily="18" charset="0"/>
+              </a:rPr>
+              <a:t>IDEM WITH DEEP NEURAL NETWORKS</a:t>
+            </a:r>
+            <a:br>
+              <a:rPr lang="en-US" sz="2400" b="1" dirty="0">
+                <a:solidFill>
+                  <a:schemeClr val="accent1"/>
+                </a:solidFill>
+                <a:latin typeface="Cambria" panose="02040503050406030204" pitchFamily="18" charset="0"/>
+              </a:rPr>
+            </a:br>
+            <a:endParaRPr lang="en-US" sz="2400" b="1" dirty="0">
+              <a:solidFill>
+                <a:schemeClr val="accent1"/>
+              </a:solidFill>
+              <a:latin typeface="Cambria" panose="02040503050406030204" pitchFamily="18" charset="0"/>
+            </a:endParaRPr>
+          </a:p>
+          <a:p>
+            <a:pPr marL="342900" indent="-342900">
+              <a:buFont typeface="Arial"/>
+              <a:buChar char="•"/>
+            </a:pPr>
+            <a:r>
+              <a:rPr lang="en-US" sz="2400" b="1" dirty="0">
+                <a:solidFill>
+                  <a:schemeClr val="accent1"/>
+                </a:solidFill>
+                <a:latin typeface="Cambria" panose="02040503050406030204" pitchFamily="18" charset="0"/>
+              </a:rPr>
+              <a:t>UNABLE TO JUSTIFY/EXPLAIN THE PREDICTION</a:t>
+            </a:r>
+            <a:br>
+              <a:rPr lang="en-US" sz="2400" b="1" dirty="0">
+                <a:solidFill>
+                  <a:schemeClr val="accent1"/>
+                </a:solidFill>
+                <a:latin typeface="Cambria" panose="02040503050406030204" pitchFamily="18" charset="0"/>
+              </a:rPr>
+            </a:br>
+            <a:endParaRPr lang="en-US" sz="2400" b="1" dirty="0">
+              <a:solidFill>
+                <a:schemeClr val="accent1"/>
+              </a:solidFill>
+              <a:latin typeface="Cambria" panose="02040503050406030204" pitchFamily="18" charset="0"/>
+            </a:endParaRPr>
+          </a:p>
+          <a:p>
+            <a:pPr marL="342900" indent="-342900">
+              <a:buFont typeface="Arial"/>
+              <a:buChar char="•"/>
+            </a:pPr>
+            <a:r>
+              <a:rPr lang="en-US" sz="2400" b="1" dirty="0">
+                <a:solidFill>
+                  <a:schemeClr val="accent1"/>
+                </a:solidFill>
+                <a:latin typeface="Cambria" panose="02040503050406030204" pitchFamily="18" charset="0"/>
+              </a:rPr>
+              <a:t>DEMOCRATIC ISSUE </a:t>
+            </a:r>
+            <a:br>
+              <a:rPr lang="en-US" sz="2400" dirty="0">
+                <a:solidFill>
+                  <a:schemeClr val="accent1"/>
+                </a:solidFill>
+                <a:latin typeface="Cambria" panose="02040503050406030204" pitchFamily="18" charset="0"/>
+              </a:rPr>
+            </a:br>
+            <a:endParaRPr lang="en-US" sz="2400" dirty="0">
+              <a:solidFill>
+                <a:schemeClr val="accent1"/>
+              </a:solidFill>
+              <a:latin typeface="Cambria" panose="02040503050406030204" pitchFamily="18" charset="0"/>
+            </a:endParaRPr>
+          </a:p>
+        </p:txBody>
+      </p:sp>
+      <p:cxnSp>
+        <p:nvCxnSpPr>
+          <p:cNvPr id="4" name="Straight Connector 3">
+            <a:extLst>
+              <a:ext uri="{FF2B5EF4-FFF2-40B4-BE49-F238E27FC236}">
+                <a16:creationId xmlns:a16="http://schemas.microsoft.com/office/drawing/2014/main" id="{225C82A8-2506-B348-8B2D-5D15191060C0}"/>
+              </a:ext>
+            </a:extLst>
+          </p:cNvPr>
+          <p:cNvCxnSpPr>
+            <a:cxnSpLocks/>
+          </p:cNvCxnSpPr>
+          <p:nvPr/>
+        </p:nvCxnSpPr>
+        <p:spPr>
+          <a:xfrm>
+            <a:off x="1378101" y="1753299"/>
+            <a:ext cx="8741259" cy="0"/>
+          </a:xfrm>
+          <a:prstGeom prst="line">
+            <a:avLst/>
+          </a:prstGeom>
+          <a:ln w="12700"/>
+        </p:spPr>
+        <p:style>
+          <a:lnRef idx="1">
+            <a:schemeClr val="accent1"/>
+          </a:lnRef>
+          <a:fillRef idx="0">
+            <a:schemeClr val="accent1"/>
+          </a:fillRef>
+          <a:effectRef idx="0">
+            <a:schemeClr val="accent1"/>
+          </a:effectRef>
+          <a:fontRef idx="minor">
+            <a:schemeClr val="tx1"/>
+          </a:fontRef>
+        </p:style>
+      </p:cxnSp>
+    </p:spTree>
+    <p:extLst>
+      <p:ext uri="{BB962C8B-B14F-4D97-AF65-F5344CB8AC3E}">
+        <p14:creationId xmlns:p14="http://schemas.microsoft.com/office/powerpoint/2010/main" val="1131173991"/>
+      </p:ext>
+    </p:extLst>
+  </p:cSld>
+  <p:clrMapOvr>
+    <a:masterClrMapping/>
+  </p:clrMapOvr>
+  <mc:AlternateContent xmlns:mc="http://schemas.openxmlformats.org/markup-compatibility/2006" xmlns:p14="http://schemas.microsoft.com/office/powerpoint/2010/main">
+    <mc:Choice Requires="p14">
+      <p:transition spd="med" p14:dur="700">
+        <p:fade/>
+      </p:transition>
+    </mc:Choice>
+    <mc:Fallback xmlns="">
+      <p:transition spd="med">
+        <p:fade/>
+      </p:transition>
+    </mc:Fallback>
+  </mc:AlternateContent>
+</p:sld>
+</file>
+
+<file path=ppt/slides/slide12.xml><?xml version="1.0" encoding="utf-8"?>
+<p:sld xmlns:a="http://schemas.openxmlformats.org/drawingml/2006/main" xmlns:r="http://schemas.openxmlformats.org/officeDocument/2006/relationships" xmlns:p="http://schemas.openxmlformats.org/presentationml/2006/main">
+  <p:cSld>
+    <p:spTree>
+      <p:nvGrpSpPr>
+        <p:cNvPr id="1" name=""/>
+        <p:cNvGrpSpPr/>
+        <p:nvPr/>
+      </p:nvGrpSpPr>
+      <p:grpSpPr>
+        <a:xfrm>
+          <a:off x="0" y="0"/>
+          <a:ext cx="0" cy="0"/>
+          <a:chOff x="0" y="0"/>
+          <a:chExt cx="0" cy="0"/>
+        </a:xfrm>
+      </p:grpSpPr>
+      <p:sp>
+        <p:nvSpPr>
+          <p:cNvPr id="8" name="TextBox 7"/>
+          <p:cNvSpPr txBox="1"/>
+          <p:nvPr/>
+        </p:nvSpPr>
+        <p:spPr>
+          <a:xfrm>
+            <a:off x="1271768" y="1115051"/>
+            <a:ext cx="9196386" cy="553998"/>
+          </a:xfrm>
+          <a:prstGeom prst="rect">
+            <a:avLst/>
+          </a:prstGeom>
+          <a:noFill/>
+        </p:spPr>
+        <p:txBody>
+          <a:bodyPr wrap="square" rtlCol="0">
+            <a:spAutoFit/>
+          </a:bodyPr>
+          <a:lstStyle/>
+          <a:p>
+            <a:r>
+              <a:rPr lang="en-US" sz="3000" b="1" dirty="0">
+                <a:solidFill>
+                  <a:schemeClr val="accent1"/>
+                </a:solidFill>
+                <a:latin typeface="Cambria" panose="02040503050406030204" pitchFamily="18" charset="0"/>
+              </a:rPr>
+              <a:t>EXPLAINABLE AI</a:t>
+            </a:r>
+          </a:p>
+        </p:txBody>
+      </p:sp>
+      <p:pic>
+        <p:nvPicPr>
+          <p:cNvPr id="2" name="Picture 1">
+            <a:extLst>
+              <a:ext uri="{FF2B5EF4-FFF2-40B4-BE49-F238E27FC236}">
+                <a16:creationId xmlns:a16="http://schemas.microsoft.com/office/drawing/2014/main" id="{9E5F68D6-8700-7145-848C-E17C5DEE30F6}"/>
+              </a:ext>
+            </a:extLst>
+          </p:cNvPr>
+          <p:cNvPicPr>
+            <a:picLocks noChangeAspect="1"/>
+          </p:cNvPicPr>
+          <p:nvPr/>
+        </p:nvPicPr>
+        <p:blipFill>
+          <a:blip r:embed="rId3"/>
+          <a:stretch>
+            <a:fillRect/>
+          </a:stretch>
+        </p:blipFill>
+        <p:spPr>
+          <a:xfrm>
+            <a:off x="1271768" y="1911421"/>
+            <a:ext cx="5477198" cy="4043680"/>
+          </a:xfrm>
+          <a:prstGeom prst="rect">
+            <a:avLst/>
+          </a:prstGeom>
+        </p:spPr>
+      </p:pic>
+      <p:sp>
+        <p:nvSpPr>
+          <p:cNvPr id="3" name="Rectangle 2">
+            <a:extLst>
+              <a:ext uri="{FF2B5EF4-FFF2-40B4-BE49-F238E27FC236}">
+                <a16:creationId xmlns:a16="http://schemas.microsoft.com/office/drawing/2014/main" id="{071BEB91-FB3E-A04A-9EFB-53EED6C40630}"/>
+              </a:ext>
+            </a:extLst>
+          </p:cNvPr>
+          <p:cNvSpPr/>
+          <p:nvPr/>
+        </p:nvSpPr>
+        <p:spPr>
+          <a:xfrm>
+            <a:off x="1271768" y="5970955"/>
+            <a:ext cx="7521712" cy="369332"/>
+          </a:xfrm>
+          <a:prstGeom prst="rect">
+            <a:avLst/>
+          </a:prstGeom>
+        </p:spPr>
+        <p:txBody>
+          <a:bodyPr wrap="square">
+            <a:spAutoFit/>
+          </a:bodyPr>
+          <a:lstStyle/>
+          <a:p>
+            <a:r>
+              <a:rPr lang="en-US" dirty="0">
+                <a:hlinkClick r:id="rId4"/>
+              </a:rPr>
+              <a:t>https://</a:t>
+            </a:r>
+            <a:r>
+              <a:rPr lang="en-US" dirty="0" err="1">
+                <a:hlinkClick r:id="rId4"/>
+              </a:rPr>
+              <a:t>www.darpa.mil</a:t>
+            </a:r>
+            <a:r>
+              <a:rPr lang="en-US" dirty="0">
+                <a:hlinkClick r:id="rId4"/>
+              </a:rPr>
+              <a:t>/program/explainable-artificial-intelligence</a:t>
+            </a:r>
+            <a:endParaRPr lang="en-US" dirty="0"/>
+          </a:p>
+        </p:txBody>
+      </p:sp>
+      <p:cxnSp>
+        <p:nvCxnSpPr>
+          <p:cNvPr id="5" name="Straight Connector 4">
+            <a:extLst>
+              <a:ext uri="{FF2B5EF4-FFF2-40B4-BE49-F238E27FC236}">
+                <a16:creationId xmlns:a16="http://schemas.microsoft.com/office/drawing/2014/main" id="{A2388163-5489-4B4B-8320-3B11B7782F38}"/>
+              </a:ext>
+            </a:extLst>
+          </p:cNvPr>
+          <p:cNvCxnSpPr>
+            <a:cxnSpLocks/>
+          </p:cNvCxnSpPr>
+          <p:nvPr/>
+        </p:nvCxnSpPr>
+        <p:spPr>
+          <a:xfrm>
+            <a:off x="1378101" y="1753299"/>
+            <a:ext cx="6081879" cy="0"/>
+          </a:xfrm>
+          <a:prstGeom prst="line">
+            <a:avLst/>
+          </a:prstGeom>
+          <a:ln w="12700"/>
+        </p:spPr>
+        <p:style>
+          <a:lnRef idx="1">
+            <a:schemeClr val="accent1"/>
+          </a:lnRef>
+          <a:fillRef idx="0">
+            <a:schemeClr val="accent1"/>
+          </a:fillRef>
+          <a:effectRef idx="0">
+            <a:schemeClr val="accent1"/>
+          </a:effectRef>
+          <a:fontRef idx="minor">
+            <a:schemeClr val="tx1"/>
+          </a:fontRef>
+        </p:style>
+      </p:cxnSp>
+    </p:spTree>
+    <p:extLst>
+      <p:ext uri="{BB962C8B-B14F-4D97-AF65-F5344CB8AC3E}">
+        <p14:creationId xmlns:p14="http://schemas.microsoft.com/office/powerpoint/2010/main" val="2952107966"/>
+      </p:ext>
+    </p:extLst>
+  </p:cSld>
+  <p:clrMapOvr>
+    <a:masterClrMapping/>
+  </p:clrMapOvr>
+  <mc:AlternateContent xmlns:mc="http://schemas.openxmlformats.org/markup-compatibility/2006" xmlns:p14="http://schemas.microsoft.com/office/powerpoint/2010/main">
+    <mc:Choice Requires="p14">
+      <p:transition spd="med" p14:dur="700">
+        <p:fade/>
+      </p:transition>
+    </mc:Choice>
+    <mc:Fallback xmlns="">
+      <p:transition spd="med">
+        <p:fade/>
+      </p:transition>
+    </mc:Fallback>
+  </mc:AlternateContent>
+</p:sld>
+</file>
+
+<file path=ppt/slides/slide13.xml><?xml version="1.0" encoding="utf-8"?>
+<p:sld xmlns:a="http://schemas.openxmlformats.org/drawingml/2006/main" xmlns:r="http://schemas.openxmlformats.org/officeDocument/2006/relationships" xmlns:p="http://schemas.openxmlformats.org/presentationml/2006/main">
+  <p:cSld>
+    <p:spTree>
+      <p:nvGrpSpPr>
+        <p:cNvPr id="1" name=""/>
+        <p:cNvGrpSpPr/>
+        <p:nvPr/>
+      </p:nvGrpSpPr>
+      <p:grpSpPr>
+        <a:xfrm>
+          <a:off x="0" y="0"/>
+          <a:ext cx="0" cy="0"/>
+          <a:chOff x="0" y="0"/>
+          <a:chExt cx="0" cy="0"/>
+        </a:xfrm>
+      </p:grpSpPr>
+      <p:sp>
+        <p:nvSpPr>
+          <p:cNvPr id="3" name="TextBox 2"/>
+          <p:cNvSpPr txBox="1"/>
+          <p:nvPr/>
+        </p:nvSpPr>
+        <p:spPr>
+          <a:xfrm>
+            <a:off x="2513338" y="1738043"/>
+            <a:ext cx="8924282" cy="861774"/>
+          </a:xfrm>
+          <a:prstGeom prst="rect">
+            <a:avLst/>
+          </a:prstGeom>
+          <a:noFill/>
+        </p:spPr>
+        <p:txBody>
+          <a:bodyPr wrap="square" rtlCol="0">
+            <a:spAutoFit/>
+          </a:bodyPr>
+          <a:lstStyle/>
+          <a:p>
+            <a:r>
+              <a:rPr lang="en-US" sz="5000" b="1" dirty="0">
+                <a:solidFill>
+                  <a:schemeClr val="accent1"/>
+                </a:solidFill>
+                <a:latin typeface="Cambria" panose="02040503050406030204" pitchFamily="18" charset="0"/>
+              </a:rPr>
               <a:t>JUDGMENT DELEGATION</a:t>
             </a:r>
           </a:p>
@@ -5070,7 +5953,7 @@
 </p:sld>
 </file>
 
-<file path=ppt/slides/slide11.xml><?xml version="1.0" encoding="utf-8"?>
+<file path=ppt/slides/slide14.xml><?xml version="1.0" encoding="utf-8"?>
 <p:sld xmlns:a="http://schemas.openxmlformats.org/drawingml/2006/main" xmlns:r="http://schemas.openxmlformats.org/officeDocument/2006/relationships" xmlns:p="http://schemas.openxmlformats.org/presentationml/2006/main">
   <p:cSld>
     <p:spTree>
@@ -5382,7 +6265,7 @@
 </p:sld>
 </file>
 
-<file path=ppt/slides/slide12.xml><?xml version="1.0" encoding="utf-8"?>
+<file path=ppt/slides/slide15.xml><?xml version="1.0" encoding="utf-8"?>
 <p:sld xmlns:a="http://schemas.openxmlformats.org/drawingml/2006/main" xmlns:r="http://schemas.openxmlformats.org/officeDocument/2006/relationships" xmlns:p="http://schemas.openxmlformats.org/presentationml/2006/main">
   <p:cSld>
     <p:spTree>
@@ -5578,7 +6461,7 @@
 </p:sld>
 </file>
 
-<file path=ppt/slides/slide13.xml><?xml version="1.0" encoding="utf-8"?>
+<file path=ppt/slides/slide16.xml><?xml version="1.0" encoding="utf-8"?>
 <p:sld xmlns:a="http://schemas.openxmlformats.org/drawingml/2006/main" xmlns:r="http://schemas.openxmlformats.org/officeDocument/2006/relationships" xmlns:p="http://schemas.openxmlformats.org/presentationml/2006/main">
   <p:cSld>
     <p:spTree>
@@ -5693,7 +6576,7 @@
 </p:sld>
 </file>
 
-<file path=ppt/slides/slide14.xml><?xml version="1.0" encoding="utf-8"?>
+<file path=ppt/slides/slide17.xml><?xml version="1.0" encoding="utf-8"?>
 <p:sld xmlns:a="http://schemas.openxmlformats.org/drawingml/2006/main" xmlns:r="http://schemas.openxmlformats.org/officeDocument/2006/relationships" xmlns:p="http://schemas.openxmlformats.org/presentationml/2006/main">
   <p:cSld>
     <p:spTree>
@@ -5853,7 +6736,7 @@
 </p:sld>
 </file>
 
-<file path=ppt/slides/slide15.xml><?xml version="1.0" encoding="utf-8"?>
+<file path=ppt/slides/slide18.xml><?xml version="1.0" encoding="utf-8"?>
 <p:sld xmlns:a="http://schemas.openxmlformats.org/drawingml/2006/main" xmlns:r="http://schemas.openxmlformats.org/officeDocument/2006/relationships" xmlns:p="http://schemas.openxmlformats.org/presentationml/2006/main">
   <p:cSld>
     <p:spTree>
@@ -6107,7 +6990,7 @@
 </p:sld>
 </file>
 
-<file path=ppt/slides/slide16.xml><?xml version="1.0" encoding="utf-8"?>
+<file path=ppt/slides/slide19.xml><?xml version="1.0" encoding="utf-8"?>
 <p:sld xmlns:a="http://schemas.openxmlformats.org/drawingml/2006/main" xmlns:r="http://schemas.openxmlformats.org/officeDocument/2006/relationships" xmlns:p="http://schemas.openxmlformats.org/presentationml/2006/main">
   <p:cSld>
     <p:spTree>
@@ -6201,714 +7084,6 @@
     <p:extLst>
       <p:ext uri="{BB962C8B-B14F-4D97-AF65-F5344CB8AC3E}">
         <p14:creationId xmlns:p14="http://schemas.microsoft.com/office/powerpoint/2010/main" val="153313566"/>
-      </p:ext>
-    </p:extLst>
-  </p:cSld>
-  <p:clrMapOvr>
-    <a:masterClrMapping/>
-  </p:clrMapOvr>
-  <mc:AlternateContent xmlns:mc="http://schemas.openxmlformats.org/markup-compatibility/2006" xmlns:p14="http://schemas.microsoft.com/office/powerpoint/2010/main">
-    <mc:Choice Requires="p14">
-      <p:transition spd="med" p14:dur="700">
-        <p:fade/>
-      </p:transition>
-    </mc:Choice>
-    <mc:Fallback xmlns="">
-      <p:transition spd="med">
-        <p:fade/>
-      </p:transition>
-    </mc:Fallback>
-  </mc:AlternateContent>
-</p:sld>
-</file>
-
-<file path=ppt/slides/slide17.xml><?xml version="1.0" encoding="utf-8"?>
-<p:sld xmlns:a="http://schemas.openxmlformats.org/drawingml/2006/main" xmlns:r="http://schemas.openxmlformats.org/officeDocument/2006/relationships" xmlns:p="http://schemas.openxmlformats.org/presentationml/2006/main">
-  <p:cSld>
-    <p:spTree>
-      <p:nvGrpSpPr>
-        <p:cNvPr id="1" name=""/>
-        <p:cNvGrpSpPr/>
-        <p:nvPr/>
-      </p:nvGrpSpPr>
-      <p:grpSpPr>
-        <a:xfrm>
-          <a:off x="0" y="0"/>
-          <a:ext cx="0" cy="0"/>
-          <a:chOff x="0" y="0"/>
-          <a:chExt cx="0" cy="0"/>
-        </a:xfrm>
-      </p:grpSpPr>
-      <p:sp>
-        <p:nvSpPr>
-          <p:cNvPr id="8" name="TextBox 7"/>
-          <p:cNvSpPr txBox="1"/>
-          <p:nvPr/>
-        </p:nvSpPr>
-        <p:spPr>
-          <a:xfrm>
-            <a:off x="1271768" y="1115051"/>
-            <a:ext cx="9196386" cy="630942"/>
-          </a:xfrm>
-          <a:prstGeom prst="rect">
-            <a:avLst/>
-          </a:prstGeom>
-          <a:noFill/>
-        </p:spPr>
-        <p:txBody>
-          <a:bodyPr wrap="square" rtlCol="0">
-            <a:spAutoFit/>
-          </a:bodyPr>
-          <a:lstStyle/>
-          <a:p>
-            <a:r>
-              <a:rPr lang="en-US" sz="3500" b="1" dirty="0">
-                <a:solidFill>
-                  <a:schemeClr val="accent1"/>
-                </a:solidFill>
-                <a:latin typeface="Cambria" panose="02040503050406030204" pitchFamily="18" charset="0"/>
-              </a:rPr>
-              <a:t>SURPRISING CREATIVITY</a:t>
-            </a:r>
-          </a:p>
-        </p:txBody>
-      </p:sp>
-      <p:pic>
-        <p:nvPicPr>
-          <p:cNvPr id="3" name="Picture 2">
-            <a:extLst>
-              <a:ext uri="{FF2B5EF4-FFF2-40B4-BE49-F238E27FC236}">
-                <a16:creationId xmlns:a16="http://schemas.microsoft.com/office/drawing/2014/main" id="{FDB82490-863A-AC47-B981-32E3E038D9E3}"/>
-              </a:ext>
-            </a:extLst>
-          </p:cNvPr>
-          <p:cNvPicPr>
-            <a:picLocks noChangeAspect="1"/>
-          </p:cNvPicPr>
-          <p:nvPr/>
-        </p:nvPicPr>
-        <p:blipFill>
-          <a:blip r:embed="rId3"/>
-          <a:stretch>
-            <a:fillRect/>
-          </a:stretch>
-        </p:blipFill>
-        <p:spPr>
-          <a:xfrm>
-            <a:off x="1271768" y="1957070"/>
-            <a:ext cx="8559800" cy="3111500"/>
-          </a:xfrm>
-          <a:prstGeom prst="rect">
-            <a:avLst/>
-          </a:prstGeom>
-        </p:spPr>
-      </p:pic>
-      <p:sp>
-        <p:nvSpPr>
-          <p:cNvPr id="4" name="Rectangle 3">
-            <a:extLst>
-              <a:ext uri="{FF2B5EF4-FFF2-40B4-BE49-F238E27FC236}">
-                <a16:creationId xmlns:a16="http://schemas.microsoft.com/office/drawing/2014/main" id="{A8AEDB6F-5F36-8145-BD54-8E9D2FC0F92D}"/>
-              </a:ext>
-            </a:extLst>
-          </p:cNvPr>
-          <p:cNvSpPr/>
-          <p:nvPr/>
-        </p:nvSpPr>
-        <p:spPr>
-          <a:xfrm>
-            <a:off x="1483089" y="5347454"/>
-            <a:ext cx="3312702" cy="369332"/>
-          </a:xfrm>
-          <a:prstGeom prst="rect">
-            <a:avLst/>
-          </a:prstGeom>
-        </p:spPr>
-        <p:txBody>
-          <a:bodyPr wrap="none">
-            <a:spAutoFit/>
-          </a:bodyPr>
-          <a:lstStyle/>
-          <a:p>
-            <a:r>
-              <a:rPr lang="fr-FR" dirty="0">
-                <a:hlinkClick r:id="rId4"/>
-              </a:rPr>
-              <a:t>https://</a:t>
-            </a:r>
-            <a:r>
-              <a:rPr lang="fr-FR" dirty="0" err="1">
-                <a:hlinkClick r:id="rId4"/>
-              </a:rPr>
-              <a:t>arxiv.org</a:t>
-            </a:r>
-            <a:r>
-              <a:rPr lang="fr-FR" dirty="0">
-                <a:hlinkClick r:id="rId4"/>
-              </a:rPr>
-              <a:t>/abs/1803.03453</a:t>
-            </a:r>
-            <a:endParaRPr lang="fr-FR" dirty="0"/>
-          </a:p>
-        </p:txBody>
-      </p:sp>
-      <p:sp>
-        <p:nvSpPr>
-          <p:cNvPr id="5" name="Rectangle 4">
-            <a:extLst>
-              <a:ext uri="{FF2B5EF4-FFF2-40B4-BE49-F238E27FC236}">
-                <a16:creationId xmlns:a16="http://schemas.microsoft.com/office/drawing/2014/main" id="{BC855DAA-90C7-D648-9809-008C3E67ADEF}"/>
-              </a:ext>
-            </a:extLst>
-          </p:cNvPr>
-          <p:cNvSpPr/>
-          <p:nvPr/>
-        </p:nvSpPr>
-        <p:spPr>
-          <a:xfrm>
-            <a:off x="1483089" y="5725398"/>
-            <a:ext cx="7353300" cy="369332"/>
-          </a:xfrm>
-          <a:prstGeom prst="rect">
-            <a:avLst/>
-          </a:prstGeom>
-        </p:spPr>
-        <p:txBody>
-          <a:bodyPr wrap="square">
-            <a:spAutoFit/>
-          </a:bodyPr>
-          <a:lstStyle/>
-          <a:p>
-            <a:r>
-              <a:rPr lang="fr-FR" dirty="0">
-                <a:hlinkClick r:id="rId5"/>
-              </a:rPr>
-              <a:t>https://</a:t>
-            </a:r>
-            <a:r>
-              <a:rPr lang="fr-FR" dirty="0" err="1">
-                <a:hlinkClick r:id="rId5"/>
-              </a:rPr>
-              <a:t>www.youtube.com</a:t>
-            </a:r>
-            <a:r>
-              <a:rPr lang="fr-FR" dirty="0">
-                <a:hlinkClick r:id="rId5"/>
-              </a:rPr>
-              <a:t>/</a:t>
-            </a:r>
-            <a:r>
-              <a:rPr lang="fr-FR" dirty="0" err="1">
-                <a:hlinkClick r:id="rId5"/>
-              </a:rPr>
-              <a:t>watch?v</a:t>
-            </a:r>
-            <a:r>
-              <a:rPr lang="fr-FR" dirty="0">
-                <a:hlinkClick r:id="rId5"/>
-              </a:rPr>
-              <a:t>=</a:t>
-            </a:r>
-            <a:r>
-              <a:rPr lang="fr-FR" dirty="0" err="1">
-                <a:hlinkClick r:id="rId5"/>
-              </a:rPr>
-              <a:t>GdTBqBnqhaQ&amp;feature</a:t>
-            </a:r>
-            <a:r>
-              <a:rPr lang="fr-FR" dirty="0">
-                <a:hlinkClick r:id="rId5"/>
-              </a:rPr>
-              <a:t>=</a:t>
-            </a:r>
-            <a:r>
-              <a:rPr lang="fr-FR" dirty="0" err="1">
-                <a:hlinkClick r:id="rId5"/>
-              </a:rPr>
-              <a:t>youtu.be</a:t>
-            </a:r>
-            <a:endParaRPr lang="fr-FR" dirty="0"/>
-          </a:p>
-        </p:txBody>
-      </p:sp>
-      <p:cxnSp>
-        <p:nvCxnSpPr>
-          <p:cNvPr id="6" name="Straight Connector 5">
-            <a:extLst>
-              <a:ext uri="{FF2B5EF4-FFF2-40B4-BE49-F238E27FC236}">
-                <a16:creationId xmlns:a16="http://schemas.microsoft.com/office/drawing/2014/main" id="{46B832AC-E361-5C45-9F0B-93E65A9CBFF2}"/>
-              </a:ext>
-            </a:extLst>
-          </p:cNvPr>
-          <p:cNvCxnSpPr>
-            <a:cxnSpLocks/>
-          </p:cNvCxnSpPr>
-          <p:nvPr/>
-        </p:nvCxnSpPr>
-        <p:spPr>
-          <a:xfrm>
-            <a:off x="1378101" y="1753299"/>
-            <a:ext cx="8070699" cy="0"/>
-          </a:xfrm>
-          <a:prstGeom prst="line">
-            <a:avLst/>
-          </a:prstGeom>
-          <a:ln w="12700"/>
-        </p:spPr>
-        <p:style>
-          <a:lnRef idx="1">
-            <a:schemeClr val="accent1"/>
-          </a:lnRef>
-          <a:fillRef idx="0">
-            <a:schemeClr val="accent1"/>
-          </a:fillRef>
-          <a:effectRef idx="0">
-            <a:schemeClr val="accent1"/>
-          </a:effectRef>
-          <a:fontRef idx="minor">
-            <a:schemeClr val="tx1"/>
-          </a:fontRef>
-        </p:style>
-      </p:cxnSp>
-    </p:spTree>
-    <p:extLst>
-      <p:ext uri="{BB962C8B-B14F-4D97-AF65-F5344CB8AC3E}">
-        <p14:creationId xmlns:p14="http://schemas.microsoft.com/office/powerpoint/2010/main" val="1454547491"/>
-      </p:ext>
-    </p:extLst>
-  </p:cSld>
-  <p:clrMapOvr>
-    <a:masterClrMapping/>
-  </p:clrMapOvr>
-  <mc:AlternateContent xmlns:mc="http://schemas.openxmlformats.org/markup-compatibility/2006" xmlns:p14="http://schemas.microsoft.com/office/powerpoint/2010/main">
-    <mc:Choice Requires="p14">
-      <p:transition spd="med" p14:dur="700">
-        <p:fade/>
-      </p:transition>
-    </mc:Choice>
-    <mc:Fallback xmlns="">
-      <p:transition spd="med">
-        <p:fade/>
-      </p:transition>
-    </mc:Fallback>
-  </mc:AlternateContent>
-</p:sld>
-</file>
-
-<file path=ppt/slides/slide18.xml><?xml version="1.0" encoding="utf-8"?>
-<p:sld xmlns:a="http://schemas.openxmlformats.org/drawingml/2006/main" xmlns:r="http://schemas.openxmlformats.org/officeDocument/2006/relationships" xmlns:p="http://schemas.openxmlformats.org/presentationml/2006/main">
-  <p:cSld>
-    <p:spTree>
-      <p:nvGrpSpPr>
-        <p:cNvPr id="1" name=""/>
-        <p:cNvGrpSpPr/>
-        <p:nvPr/>
-      </p:nvGrpSpPr>
-      <p:grpSpPr>
-        <a:xfrm>
-          <a:off x="0" y="0"/>
-          <a:ext cx="0" cy="0"/>
-          <a:chOff x="0" y="0"/>
-          <a:chExt cx="0" cy="0"/>
-        </a:xfrm>
-      </p:grpSpPr>
-      <p:sp>
-        <p:nvSpPr>
-          <p:cNvPr id="3" name="TextBox 2"/>
-          <p:cNvSpPr txBox="1"/>
-          <p:nvPr/>
-        </p:nvSpPr>
-        <p:spPr>
-          <a:xfrm>
-            <a:off x="2513338" y="1738043"/>
-            <a:ext cx="8924282" cy="1631216"/>
-          </a:xfrm>
-          <a:prstGeom prst="rect">
-            <a:avLst/>
-          </a:prstGeom>
-          <a:noFill/>
-        </p:spPr>
-        <p:txBody>
-          <a:bodyPr wrap="square" rtlCol="0">
-            <a:spAutoFit/>
-          </a:bodyPr>
-          <a:lstStyle/>
-          <a:p>
-            <a:r>
-              <a:rPr lang="en-US" sz="5000" b="1" dirty="0">
-                <a:solidFill>
-                  <a:schemeClr val="accent1"/>
-                </a:solidFill>
-                <a:latin typeface="Cambria" panose="02040503050406030204" pitchFamily="18" charset="0"/>
-              </a:rPr>
-              <a:t>PUBLIC DEBATES NEED TO RALLY</a:t>
-            </a:r>
-          </a:p>
-        </p:txBody>
-      </p:sp>
-      <p:cxnSp>
-        <p:nvCxnSpPr>
-          <p:cNvPr id="5" name="Straight Connector 4">
-            <a:extLst>
-              <a:ext uri="{FF2B5EF4-FFF2-40B4-BE49-F238E27FC236}">
-                <a16:creationId xmlns:a16="http://schemas.microsoft.com/office/drawing/2014/main" id="{2571E43F-CCA3-BB47-A7AF-81B47EA888E0}"/>
-              </a:ext>
-            </a:extLst>
-          </p:cNvPr>
-          <p:cNvCxnSpPr>
-            <a:cxnSpLocks/>
-          </p:cNvCxnSpPr>
-          <p:nvPr/>
-        </p:nvCxnSpPr>
-        <p:spPr>
-          <a:xfrm>
-            <a:off x="2300750" y="1879133"/>
-            <a:ext cx="0" cy="1298407"/>
-          </a:xfrm>
-          <a:prstGeom prst="line">
-            <a:avLst/>
-          </a:prstGeom>
-          <a:ln w="38100"/>
-        </p:spPr>
-        <p:style>
-          <a:lnRef idx="1">
-            <a:schemeClr val="accent1"/>
-          </a:lnRef>
-          <a:fillRef idx="0">
-            <a:schemeClr val="accent1"/>
-          </a:fillRef>
-          <a:effectRef idx="0">
-            <a:schemeClr val="accent1"/>
-          </a:effectRef>
-          <a:fontRef idx="minor">
-            <a:schemeClr val="tx1"/>
-          </a:fontRef>
-        </p:style>
-      </p:cxnSp>
-    </p:spTree>
-    <p:extLst>
-      <p:ext uri="{BB962C8B-B14F-4D97-AF65-F5344CB8AC3E}">
-        <p14:creationId xmlns:p14="http://schemas.microsoft.com/office/powerpoint/2010/main" val="957213995"/>
-      </p:ext>
-    </p:extLst>
-  </p:cSld>
-  <p:clrMapOvr>
-    <a:masterClrMapping/>
-  </p:clrMapOvr>
-  <mc:AlternateContent xmlns:mc="http://schemas.openxmlformats.org/markup-compatibility/2006" xmlns:p14="http://schemas.microsoft.com/office/powerpoint/2010/main">
-    <mc:Choice Requires="p14">
-      <p:transition spd="med" p14:dur="700">
-        <p:fade/>
-      </p:transition>
-    </mc:Choice>
-    <mc:Fallback xmlns="">
-      <p:transition spd="med">
-        <p:fade/>
-      </p:transition>
-    </mc:Fallback>
-  </mc:AlternateContent>
-</p:sld>
-</file>
-
-<file path=ppt/slides/slide19.xml><?xml version="1.0" encoding="utf-8"?>
-<p:sld xmlns:a="http://schemas.openxmlformats.org/drawingml/2006/main" xmlns:r="http://schemas.openxmlformats.org/officeDocument/2006/relationships" xmlns:p="http://schemas.openxmlformats.org/presentationml/2006/main">
-  <p:cSld>
-    <p:spTree>
-      <p:nvGrpSpPr>
-        <p:cNvPr id="1" name=""/>
-        <p:cNvGrpSpPr/>
-        <p:nvPr/>
-      </p:nvGrpSpPr>
-      <p:grpSpPr>
-        <a:xfrm>
-          <a:off x="0" y="0"/>
-          <a:ext cx="0" cy="0"/>
-          <a:chOff x="0" y="0"/>
-          <a:chExt cx="0" cy="0"/>
-        </a:xfrm>
-      </p:grpSpPr>
-      <p:sp>
-        <p:nvSpPr>
-          <p:cNvPr id="8" name="TextBox 7"/>
-          <p:cNvSpPr txBox="1"/>
-          <p:nvPr/>
-        </p:nvSpPr>
-        <p:spPr>
-          <a:xfrm>
-            <a:off x="1271768" y="1115051"/>
-            <a:ext cx="9196386" cy="553998"/>
-          </a:xfrm>
-          <a:prstGeom prst="rect">
-            <a:avLst/>
-          </a:prstGeom>
-          <a:noFill/>
-        </p:spPr>
-        <p:txBody>
-          <a:bodyPr wrap="square" rtlCol="0">
-            <a:spAutoFit/>
-          </a:bodyPr>
-          <a:lstStyle/>
-          <a:p>
-            <a:r>
-              <a:rPr lang="en-US" sz="3000" b="1" dirty="0">
-                <a:solidFill>
-                  <a:schemeClr val="accent1"/>
-                </a:solidFill>
-                <a:latin typeface="Cambria" panose="02040503050406030204" pitchFamily="18" charset="0"/>
-              </a:rPr>
-              <a:t>SOCIETY AT LARGE &amp; RISK AWARENESS	</a:t>
-            </a:r>
-          </a:p>
-        </p:txBody>
-      </p:sp>
-      <p:sp>
-        <p:nvSpPr>
-          <p:cNvPr id="9" name="TextBox 8"/>
-          <p:cNvSpPr txBox="1"/>
-          <p:nvPr/>
-        </p:nvSpPr>
-        <p:spPr>
-          <a:xfrm>
-            <a:off x="1363208" y="2089316"/>
-            <a:ext cx="9909364" cy="4893647"/>
-          </a:xfrm>
-          <a:prstGeom prst="rect">
-            <a:avLst/>
-          </a:prstGeom>
-          <a:noFill/>
-        </p:spPr>
-        <p:txBody>
-          <a:bodyPr wrap="square" rtlCol="0">
-            <a:spAutoFit/>
-          </a:bodyPr>
-          <a:lstStyle/>
-          <a:p>
-            <a:pPr marL="342900" indent="-342900">
-              <a:buFont typeface="Arial"/>
-              <a:buChar char="•"/>
-            </a:pPr>
-            <a:r>
-              <a:rPr lang="en-US" sz="2400" b="1" dirty="0">
-                <a:solidFill>
-                  <a:schemeClr val="accent1"/>
-                </a:solidFill>
-                <a:latin typeface="Cambria" panose="02040503050406030204" pitchFamily="18" charset="0"/>
-              </a:rPr>
-              <a:t>EDUCATION, SCIENTIFIC COMMUNITY</a:t>
-            </a:r>
-            <a:br>
-              <a:rPr lang="en-US" sz="2400" b="1" dirty="0">
-                <a:solidFill>
-                  <a:schemeClr val="accent1"/>
-                </a:solidFill>
-                <a:latin typeface="Cambria" panose="02040503050406030204" pitchFamily="18" charset="0"/>
-              </a:rPr>
-            </a:br>
-            <a:endParaRPr lang="en-US" sz="2400" b="1" dirty="0">
-              <a:solidFill>
-                <a:schemeClr val="accent1"/>
-              </a:solidFill>
-              <a:latin typeface="Cambria" panose="02040503050406030204" pitchFamily="18" charset="0"/>
-            </a:endParaRPr>
-          </a:p>
-          <a:p>
-            <a:pPr marL="342900" indent="-342900">
-              <a:buFont typeface="Arial"/>
-              <a:buChar char="•"/>
-            </a:pPr>
-            <a:r>
-              <a:rPr lang="en-US" sz="2400" b="1" dirty="0">
-                <a:solidFill>
-                  <a:schemeClr val="accent1"/>
-                </a:solidFill>
-                <a:latin typeface="Cambria" panose="02040503050406030204" pitchFamily="18" charset="0"/>
-              </a:rPr>
-              <a:t>PUBLIC AUTHORITIES [CERTIFIED PUBLIC EXPERT AUDIT …]</a:t>
-            </a:r>
-            <a:br>
-              <a:rPr lang="en-US" sz="2400" b="1" dirty="0">
-                <a:solidFill>
-                  <a:schemeClr val="accent1"/>
-                </a:solidFill>
-                <a:latin typeface="Cambria" panose="02040503050406030204" pitchFamily="18" charset="0"/>
-              </a:rPr>
-            </a:br>
-            <a:endParaRPr lang="en-US" sz="2400" b="1" dirty="0">
-              <a:solidFill>
-                <a:schemeClr val="accent1"/>
-              </a:solidFill>
-              <a:latin typeface="Cambria" panose="02040503050406030204" pitchFamily="18" charset="0"/>
-            </a:endParaRPr>
-          </a:p>
-          <a:p>
-            <a:pPr marL="342900" indent="-342900">
-              <a:buFont typeface="Arial"/>
-              <a:buChar char="•"/>
-            </a:pPr>
-            <a:r>
-              <a:rPr lang="en-US" sz="2400" b="1" dirty="0">
-                <a:solidFill>
-                  <a:schemeClr val="accent1"/>
-                </a:solidFill>
-                <a:latin typeface="Cambria" panose="02040503050406030204" pitchFamily="18" charset="0"/>
-              </a:rPr>
-              <a:t>INDUSTRY: ETHICS BY DESIGN [RIGHT QUESTION RIGH TIME]</a:t>
-            </a:r>
-            <a:br>
-              <a:rPr lang="en-US" sz="2400" b="1" dirty="0">
-                <a:solidFill>
-                  <a:schemeClr val="accent1"/>
-                </a:solidFill>
-                <a:latin typeface="Cambria" panose="02040503050406030204" pitchFamily="18" charset="0"/>
-              </a:rPr>
-            </a:br>
-            <a:endParaRPr lang="en-US" sz="2400" b="1" dirty="0">
-              <a:solidFill>
-                <a:schemeClr val="accent1"/>
-              </a:solidFill>
-              <a:latin typeface="Cambria" panose="02040503050406030204" pitchFamily="18" charset="0"/>
-            </a:endParaRPr>
-          </a:p>
-          <a:p>
-            <a:pPr marL="342900" indent="-342900">
-              <a:buFont typeface="Arial"/>
-              <a:buChar char="•"/>
-            </a:pPr>
-            <a:r>
-              <a:rPr lang="en-US" sz="2400" b="1" dirty="0">
-                <a:solidFill>
-                  <a:schemeClr val="accent1"/>
-                </a:solidFill>
-                <a:latin typeface="Cambria" panose="02040503050406030204" pitchFamily="18" charset="0"/>
-              </a:rPr>
-              <a:t>BUSINESS OWNERS</a:t>
-            </a:r>
-            <a:br>
-              <a:rPr lang="en-US" sz="2400" b="1" dirty="0">
-                <a:solidFill>
-                  <a:schemeClr val="accent1"/>
-                </a:solidFill>
-                <a:latin typeface="Cambria" panose="02040503050406030204" pitchFamily="18" charset="0"/>
-              </a:rPr>
-            </a:br>
-            <a:endParaRPr lang="en-US" sz="2400" b="1" dirty="0">
-              <a:solidFill>
-                <a:schemeClr val="accent1"/>
-              </a:solidFill>
-              <a:latin typeface="Cambria" panose="02040503050406030204" pitchFamily="18" charset="0"/>
-            </a:endParaRPr>
-          </a:p>
-          <a:p>
-            <a:pPr marL="342900" indent="-342900">
-              <a:buFont typeface="Arial"/>
-              <a:buChar char="•"/>
-            </a:pPr>
-            <a:r>
-              <a:rPr lang="en-US" sz="2400" b="1" dirty="0">
-                <a:solidFill>
-                  <a:schemeClr val="accent1"/>
-                </a:solidFill>
-                <a:latin typeface="Cambria" panose="02040503050406030204" pitchFamily="18" charset="0"/>
-              </a:rPr>
-              <a:t>CIVIL SOCIETY</a:t>
-            </a:r>
-            <a:br>
-              <a:rPr lang="en-US" sz="2400" b="1" dirty="0">
-                <a:solidFill>
-                  <a:schemeClr val="accent1"/>
-                </a:solidFill>
-                <a:latin typeface="Cambria" panose="02040503050406030204" pitchFamily="18" charset="0"/>
-              </a:rPr>
-            </a:br>
-            <a:endParaRPr lang="en-US" sz="2400" b="1" dirty="0">
-              <a:solidFill>
-                <a:schemeClr val="accent1"/>
-              </a:solidFill>
-              <a:latin typeface="Cambria" panose="02040503050406030204" pitchFamily="18" charset="0"/>
-            </a:endParaRPr>
-          </a:p>
-          <a:p>
-            <a:pPr marL="342900" indent="-342900">
-              <a:buFont typeface="Arial"/>
-              <a:buChar char="•"/>
-            </a:pPr>
-            <a:r>
-              <a:rPr lang="en-US" sz="2400" b="1" dirty="0">
-                <a:solidFill>
-                  <a:schemeClr val="accent1"/>
-                </a:solidFill>
-                <a:latin typeface="Cambria" panose="02040503050406030204" pitchFamily="18" charset="0"/>
-              </a:rPr>
-              <a:t>…</a:t>
-            </a:r>
-            <a:br>
-              <a:rPr lang="en-US" sz="2400" b="1" dirty="0">
-                <a:solidFill>
-                  <a:schemeClr val="accent1"/>
-                </a:solidFill>
-                <a:latin typeface="Cambria" panose="02040503050406030204" pitchFamily="18" charset="0"/>
-              </a:rPr>
-            </a:br>
-            <a:br>
-              <a:rPr lang="en-US" sz="2400" dirty="0">
-                <a:solidFill>
-                  <a:schemeClr val="accent1"/>
-                </a:solidFill>
-                <a:latin typeface="Cambria" panose="02040503050406030204" pitchFamily="18" charset="0"/>
-              </a:rPr>
-            </a:br>
-            <a:endParaRPr lang="en-US" sz="2400" dirty="0">
-              <a:solidFill>
-                <a:schemeClr val="accent1"/>
-              </a:solidFill>
-              <a:latin typeface="Cambria" panose="02040503050406030204" pitchFamily="18" charset="0"/>
-            </a:endParaRPr>
-          </a:p>
-        </p:txBody>
-      </p:sp>
-      <p:cxnSp>
-        <p:nvCxnSpPr>
-          <p:cNvPr id="4" name="Straight Connector 3">
-            <a:extLst>
-              <a:ext uri="{FF2B5EF4-FFF2-40B4-BE49-F238E27FC236}">
-                <a16:creationId xmlns:a16="http://schemas.microsoft.com/office/drawing/2014/main" id="{69223EC3-7B3E-124B-8D71-5CD434FC49C5}"/>
-              </a:ext>
-            </a:extLst>
-          </p:cNvPr>
-          <p:cNvCxnSpPr>
-            <a:cxnSpLocks/>
-          </p:cNvCxnSpPr>
-          <p:nvPr/>
-        </p:nvCxnSpPr>
-        <p:spPr>
-          <a:xfrm>
-            <a:off x="1378101" y="1753299"/>
-            <a:ext cx="8703159" cy="0"/>
-          </a:xfrm>
-          <a:prstGeom prst="line">
-            <a:avLst/>
-          </a:prstGeom>
-          <a:ln w="12700"/>
-        </p:spPr>
-        <p:style>
-          <a:lnRef idx="1">
-            <a:schemeClr val="accent1"/>
-          </a:lnRef>
-          <a:fillRef idx="0">
-            <a:schemeClr val="accent1"/>
-          </a:fillRef>
-          <a:effectRef idx="0">
-            <a:schemeClr val="accent1"/>
-          </a:effectRef>
-          <a:fontRef idx="minor">
-            <a:schemeClr val="tx1"/>
-          </a:fontRef>
-        </p:style>
-      </p:cxnSp>
-    </p:spTree>
-    <p:extLst>
-      <p:ext uri="{BB962C8B-B14F-4D97-AF65-F5344CB8AC3E}">
-        <p14:creationId xmlns:p14="http://schemas.microsoft.com/office/powerpoint/2010/main" val="3340402887"/>
       </p:ext>
     </p:extLst>
   </p:cSld>
@@ -7137,14 +7312,14 @@
       </p:grpSpPr>
       <p:sp>
         <p:nvSpPr>
-          <p:cNvPr id="3" name="TextBox 2"/>
+          <p:cNvPr id="8" name="TextBox 7"/>
           <p:cNvSpPr txBox="1"/>
           <p:nvPr/>
         </p:nvSpPr>
         <p:spPr>
           <a:xfrm>
-            <a:off x="2513338" y="1738043"/>
-            <a:ext cx="8924282" cy="861774"/>
+            <a:off x="1271768" y="1115051"/>
+            <a:ext cx="9196386" cy="630942"/>
           </a:xfrm>
           <a:prstGeom prst="rect">
             <a:avLst/>
@@ -7158,23 +7333,181 @@
           <a:lstStyle/>
           <a:p>
             <a:r>
-              <a:rPr lang="en-US" sz="5000" b="1" dirty="0">
-                <a:solidFill>
-                  <a:schemeClr val="accent1"/>
-                </a:solidFill>
-                <a:latin typeface="Cambria" panose="02040503050406030204" pitchFamily="18" charset="0"/>
-              </a:rPr>
-              <a:t>WORKING GROUP SESSION</a:t>
-            </a:r>
+              <a:rPr lang="en-US" sz="3500" b="1" dirty="0">
+                <a:solidFill>
+                  <a:schemeClr val="accent1"/>
+                </a:solidFill>
+                <a:latin typeface="Cambria" panose="02040503050406030204" pitchFamily="18" charset="0"/>
+              </a:rPr>
+              <a:t>SURPRISING CREATIVITY</a:t>
+            </a:r>
+          </a:p>
+        </p:txBody>
+      </p:sp>
+      <p:pic>
+        <p:nvPicPr>
+          <p:cNvPr id="3" name="Picture 2">
+            <a:extLst>
+              <a:ext uri="{FF2B5EF4-FFF2-40B4-BE49-F238E27FC236}">
+                <a16:creationId xmlns:a16="http://schemas.microsoft.com/office/drawing/2014/main" id="{FDB82490-863A-AC47-B981-32E3E038D9E3}"/>
+              </a:ext>
+            </a:extLst>
+          </p:cNvPr>
+          <p:cNvPicPr>
+            <a:picLocks noChangeAspect="1"/>
+          </p:cNvPicPr>
+          <p:nvPr/>
+        </p:nvPicPr>
+        <p:blipFill>
+          <a:blip r:embed="rId3"/>
+          <a:stretch>
+            <a:fillRect/>
+          </a:stretch>
+        </p:blipFill>
+        <p:spPr>
+          <a:xfrm>
+            <a:off x="1271768" y="1957070"/>
+            <a:ext cx="8559800" cy="3111500"/>
+          </a:xfrm>
+          <a:prstGeom prst="rect">
+            <a:avLst/>
+          </a:prstGeom>
+        </p:spPr>
+      </p:pic>
+      <p:sp>
+        <p:nvSpPr>
+          <p:cNvPr id="4" name="Rectangle 3">
+            <a:extLst>
+              <a:ext uri="{FF2B5EF4-FFF2-40B4-BE49-F238E27FC236}">
+                <a16:creationId xmlns:a16="http://schemas.microsoft.com/office/drawing/2014/main" id="{A8AEDB6F-5F36-8145-BD54-8E9D2FC0F92D}"/>
+              </a:ext>
+            </a:extLst>
+          </p:cNvPr>
+          <p:cNvSpPr/>
+          <p:nvPr/>
+        </p:nvSpPr>
+        <p:spPr>
+          <a:xfrm>
+            <a:off x="1483089" y="5347454"/>
+            <a:ext cx="3312702" cy="369332"/>
+          </a:xfrm>
+          <a:prstGeom prst="rect">
+            <a:avLst/>
+          </a:prstGeom>
+        </p:spPr>
+        <p:txBody>
+          <a:bodyPr wrap="none">
+            <a:spAutoFit/>
+          </a:bodyPr>
+          <a:lstStyle/>
+          <a:p>
+            <a:r>
+              <a:rPr lang="fr-FR" dirty="0">
+                <a:hlinkClick r:id="rId4"/>
+              </a:rPr>
+              <a:t>https://</a:t>
+            </a:r>
+            <a:r>
+              <a:rPr lang="fr-FR" dirty="0" err="1">
+                <a:hlinkClick r:id="rId4"/>
+              </a:rPr>
+              <a:t>arxiv.org</a:t>
+            </a:r>
+            <a:r>
+              <a:rPr lang="fr-FR" dirty="0">
+                <a:hlinkClick r:id="rId4"/>
+              </a:rPr>
+              <a:t>/abs/1803.03453</a:t>
+            </a:r>
+            <a:endParaRPr lang="fr-FR" dirty="0"/>
+          </a:p>
+        </p:txBody>
+      </p:sp>
+      <p:sp>
+        <p:nvSpPr>
+          <p:cNvPr id="5" name="Rectangle 4">
+            <a:extLst>
+              <a:ext uri="{FF2B5EF4-FFF2-40B4-BE49-F238E27FC236}">
+                <a16:creationId xmlns:a16="http://schemas.microsoft.com/office/drawing/2014/main" id="{BC855DAA-90C7-D648-9809-008C3E67ADEF}"/>
+              </a:ext>
+            </a:extLst>
+          </p:cNvPr>
+          <p:cNvSpPr/>
+          <p:nvPr/>
+        </p:nvSpPr>
+        <p:spPr>
+          <a:xfrm>
+            <a:off x="1483089" y="5725398"/>
+            <a:ext cx="7353300" cy="369332"/>
+          </a:xfrm>
+          <a:prstGeom prst="rect">
+            <a:avLst/>
+          </a:prstGeom>
+        </p:spPr>
+        <p:txBody>
+          <a:bodyPr wrap="square">
+            <a:spAutoFit/>
+          </a:bodyPr>
+          <a:lstStyle/>
+          <a:p>
+            <a:r>
+              <a:rPr lang="fr-FR" dirty="0">
+                <a:hlinkClick r:id="rId5"/>
+              </a:rPr>
+              <a:t>https://</a:t>
+            </a:r>
+            <a:r>
+              <a:rPr lang="fr-FR" dirty="0" err="1">
+                <a:hlinkClick r:id="rId5"/>
+              </a:rPr>
+              <a:t>www.youtube.com</a:t>
+            </a:r>
+            <a:r>
+              <a:rPr lang="fr-FR" dirty="0">
+                <a:hlinkClick r:id="rId5"/>
+              </a:rPr>
+              <a:t>/</a:t>
+            </a:r>
+            <a:r>
+              <a:rPr lang="fr-FR" dirty="0" err="1">
+                <a:hlinkClick r:id="rId5"/>
+              </a:rPr>
+              <a:t>watch?v</a:t>
+            </a:r>
+            <a:r>
+              <a:rPr lang="fr-FR" dirty="0">
+                <a:hlinkClick r:id="rId5"/>
+              </a:rPr>
+              <a:t>=</a:t>
+            </a:r>
+            <a:r>
+              <a:rPr lang="fr-FR" dirty="0" err="1">
+                <a:hlinkClick r:id="rId5"/>
+              </a:rPr>
+              <a:t>GdTBqBnqhaQ&amp;feature</a:t>
+            </a:r>
+            <a:r>
+              <a:rPr lang="fr-FR" dirty="0">
+                <a:hlinkClick r:id="rId5"/>
+              </a:rPr>
+              <a:t>=</a:t>
+            </a:r>
+            <a:r>
+              <a:rPr lang="fr-FR" dirty="0" err="1">
+                <a:hlinkClick r:id="rId5"/>
+              </a:rPr>
+              <a:t>youtu.be</a:t>
+            </a:r>
+            <a:endParaRPr lang="fr-FR" dirty="0"/>
           </a:p>
         </p:txBody>
       </p:sp>
       <p:cxnSp>
         <p:nvCxnSpPr>
-          <p:cNvPr id="5" name="Straight Connector 4">
+          <p:cNvPr id="6" name="Straight Connector 5">
             <a:extLst>
               <a:ext uri="{FF2B5EF4-FFF2-40B4-BE49-F238E27FC236}">
-                <a16:creationId xmlns:a16="http://schemas.microsoft.com/office/drawing/2014/main" id="{2571E43F-CCA3-BB47-A7AF-81B47EA888E0}"/>
+                <a16:creationId xmlns:a16="http://schemas.microsoft.com/office/drawing/2014/main" id="{46B832AC-E361-5C45-9F0B-93E65A9CBFF2}"/>
               </a:ext>
             </a:extLst>
           </p:cNvPr>
@@ -7185,13 +7518,13 @@
         </p:nvCxnSpPr>
         <p:spPr>
           <a:xfrm>
-            <a:off x="2300750" y="1879133"/>
-            <a:ext cx="0" cy="720684"/>
+            <a:off x="1378101" y="1753299"/>
+            <a:ext cx="8070699" cy="0"/>
           </a:xfrm>
           <a:prstGeom prst="line">
             <a:avLst/>
           </a:prstGeom>
-          <a:ln w="38100"/>
+          <a:ln w="12700"/>
         </p:spPr>
         <p:style>
           <a:lnRef idx="1">
@@ -7208,6 +7541,626 @@
           </a:fontRef>
         </p:style>
       </p:cxnSp>
+    </p:spTree>
+    <p:extLst>
+      <p:ext uri="{BB962C8B-B14F-4D97-AF65-F5344CB8AC3E}">
+        <p14:creationId xmlns:p14="http://schemas.microsoft.com/office/powerpoint/2010/main" val="1454547491"/>
+      </p:ext>
+    </p:extLst>
+  </p:cSld>
+  <p:clrMapOvr>
+    <a:masterClrMapping/>
+  </p:clrMapOvr>
+  <mc:AlternateContent xmlns:mc="http://schemas.openxmlformats.org/markup-compatibility/2006" xmlns:p14="http://schemas.microsoft.com/office/powerpoint/2010/main">
+    <mc:Choice Requires="p14">
+      <p:transition spd="med" p14:dur="700">
+        <p:fade/>
+      </p:transition>
+    </mc:Choice>
+    <mc:Fallback xmlns="">
+      <p:transition spd="med">
+        <p:fade/>
+      </p:transition>
+    </mc:Fallback>
+  </mc:AlternateContent>
+</p:sld>
+</file>
+
+<file path=ppt/slides/slide21.xml><?xml version="1.0" encoding="utf-8"?>
+<p:sld xmlns:a="http://schemas.openxmlformats.org/drawingml/2006/main" xmlns:r="http://schemas.openxmlformats.org/officeDocument/2006/relationships" xmlns:p="http://schemas.openxmlformats.org/presentationml/2006/main">
+  <p:cSld>
+    <p:spTree>
+      <p:nvGrpSpPr>
+        <p:cNvPr id="1" name=""/>
+        <p:cNvGrpSpPr/>
+        <p:nvPr/>
+      </p:nvGrpSpPr>
+      <p:grpSpPr>
+        <a:xfrm>
+          <a:off x="0" y="0"/>
+          <a:ext cx="0" cy="0"/>
+          <a:chOff x="0" y="0"/>
+          <a:chExt cx="0" cy="0"/>
+        </a:xfrm>
+      </p:grpSpPr>
+      <p:sp>
+        <p:nvSpPr>
+          <p:cNvPr id="3" name="TextBox 2"/>
+          <p:cNvSpPr txBox="1"/>
+          <p:nvPr/>
+        </p:nvSpPr>
+        <p:spPr>
+          <a:xfrm>
+            <a:off x="2513338" y="1738043"/>
+            <a:ext cx="8924282" cy="1631216"/>
+          </a:xfrm>
+          <a:prstGeom prst="rect">
+            <a:avLst/>
+          </a:prstGeom>
+          <a:noFill/>
+        </p:spPr>
+        <p:txBody>
+          <a:bodyPr wrap="square" rtlCol="0">
+            <a:spAutoFit/>
+          </a:bodyPr>
+          <a:lstStyle/>
+          <a:p>
+            <a:r>
+              <a:rPr lang="en-US" sz="5000" b="1" dirty="0">
+                <a:solidFill>
+                  <a:schemeClr val="accent1"/>
+                </a:solidFill>
+                <a:latin typeface="Cambria" panose="02040503050406030204" pitchFamily="18" charset="0"/>
+              </a:rPr>
+              <a:t>PUBLIC DEBATES NEED TO RALLY</a:t>
+            </a:r>
+          </a:p>
+        </p:txBody>
+      </p:sp>
+      <p:cxnSp>
+        <p:nvCxnSpPr>
+          <p:cNvPr id="5" name="Straight Connector 4">
+            <a:extLst>
+              <a:ext uri="{FF2B5EF4-FFF2-40B4-BE49-F238E27FC236}">
+                <a16:creationId xmlns:a16="http://schemas.microsoft.com/office/drawing/2014/main" id="{2571E43F-CCA3-BB47-A7AF-81B47EA888E0}"/>
+              </a:ext>
+            </a:extLst>
+          </p:cNvPr>
+          <p:cNvCxnSpPr>
+            <a:cxnSpLocks/>
+          </p:cNvCxnSpPr>
+          <p:nvPr/>
+        </p:nvCxnSpPr>
+        <p:spPr>
+          <a:xfrm>
+            <a:off x="2300750" y="1879133"/>
+            <a:ext cx="0" cy="1298407"/>
+          </a:xfrm>
+          <a:prstGeom prst="line">
+            <a:avLst/>
+          </a:prstGeom>
+          <a:ln w="38100"/>
+        </p:spPr>
+        <p:style>
+          <a:lnRef idx="1">
+            <a:schemeClr val="accent1"/>
+          </a:lnRef>
+          <a:fillRef idx="0">
+            <a:schemeClr val="accent1"/>
+          </a:fillRef>
+          <a:effectRef idx="0">
+            <a:schemeClr val="accent1"/>
+          </a:effectRef>
+          <a:fontRef idx="minor">
+            <a:schemeClr val="tx1"/>
+          </a:fontRef>
+        </p:style>
+      </p:cxnSp>
+    </p:spTree>
+    <p:extLst>
+      <p:ext uri="{BB962C8B-B14F-4D97-AF65-F5344CB8AC3E}">
+        <p14:creationId xmlns:p14="http://schemas.microsoft.com/office/powerpoint/2010/main" val="957213995"/>
+      </p:ext>
+    </p:extLst>
+  </p:cSld>
+  <p:clrMapOvr>
+    <a:masterClrMapping/>
+  </p:clrMapOvr>
+  <mc:AlternateContent xmlns:mc="http://schemas.openxmlformats.org/markup-compatibility/2006" xmlns:p14="http://schemas.microsoft.com/office/powerpoint/2010/main">
+    <mc:Choice Requires="p14">
+      <p:transition spd="med" p14:dur="700">
+        <p:fade/>
+      </p:transition>
+    </mc:Choice>
+    <mc:Fallback xmlns="">
+      <p:transition spd="med">
+        <p:fade/>
+      </p:transition>
+    </mc:Fallback>
+  </mc:AlternateContent>
+</p:sld>
+</file>
+
+<file path=ppt/slides/slide22.xml><?xml version="1.0" encoding="utf-8"?>
+<p:sld xmlns:a="http://schemas.openxmlformats.org/drawingml/2006/main" xmlns:r="http://schemas.openxmlformats.org/officeDocument/2006/relationships" xmlns:p="http://schemas.openxmlformats.org/presentationml/2006/main">
+  <p:cSld>
+    <p:spTree>
+      <p:nvGrpSpPr>
+        <p:cNvPr id="1" name=""/>
+        <p:cNvGrpSpPr/>
+        <p:nvPr/>
+      </p:nvGrpSpPr>
+      <p:grpSpPr>
+        <a:xfrm>
+          <a:off x="0" y="0"/>
+          <a:ext cx="0" cy="0"/>
+          <a:chOff x="0" y="0"/>
+          <a:chExt cx="0" cy="0"/>
+        </a:xfrm>
+      </p:grpSpPr>
+      <p:sp>
+        <p:nvSpPr>
+          <p:cNvPr id="8" name="TextBox 7"/>
+          <p:cNvSpPr txBox="1"/>
+          <p:nvPr/>
+        </p:nvSpPr>
+        <p:spPr>
+          <a:xfrm>
+            <a:off x="1271768" y="1115051"/>
+            <a:ext cx="9196386" cy="553998"/>
+          </a:xfrm>
+          <a:prstGeom prst="rect">
+            <a:avLst/>
+          </a:prstGeom>
+          <a:noFill/>
+        </p:spPr>
+        <p:txBody>
+          <a:bodyPr wrap="square" rtlCol="0">
+            <a:spAutoFit/>
+          </a:bodyPr>
+          <a:lstStyle/>
+          <a:p>
+            <a:r>
+              <a:rPr lang="en-US" sz="3000" b="1" dirty="0">
+                <a:solidFill>
+                  <a:schemeClr val="accent1"/>
+                </a:solidFill>
+                <a:latin typeface="Cambria" panose="02040503050406030204" pitchFamily="18" charset="0"/>
+              </a:rPr>
+              <a:t>SOCIETY AT LARGE &amp; RISK AWARENESS	</a:t>
+            </a:r>
+          </a:p>
+        </p:txBody>
+      </p:sp>
+      <p:sp>
+        <p:nvSpPr>
+          <p:cNvPr id="9" name="TextBox 8"/>
+          <p:cNvSpPr txBox="1"/>
+          <p:nvPr/>
+        </p:nvSpPr>
+        <p:spPr>
+          <a:xfrm>
+            <a:off x="1363208" y="2089316"/>
+            <a:ext cx="9909364" cy="4893647"/>
+          </a:xfrm>
+          <a:prstGeom prst="rect">
+            <a:avLst/>
+          </a:prstGeom>
+          <a:noFill/>
+        </p:spPr>
+        <p:txBody>
+          <a:bodyPr wrap="square" rtlCol="0">
+            <a:spAutoFit/>
+          </a:bodyPr>
+          <a:lstStyle/>
+          <a:p>
+            <a:pPr marL="342900" indent="-342900">
+              <a:buFont typeface="Arial"/>
+              <a:buChar char="•"/>
+            </a:pPr>
+            <a:r>
+              <a:rPr lang="en-US" sz="2400" b="1" dirty="0">
+                <a:solidFill>
+                  <a:schemeClr val="accent1"/>
+                </a:solidFill>
+                <a:latin typeface="Cambria" panose="02040503050406030204" pitchFamily="18" charset="0"/>
+              </a:rPr>
+              <a:t>EDUCATION, SCIENTIFIC COMMUNITY</a:t>
+            </a:r>
+            <a:br>
+              <a:rPr lang="en-US" sz="2400" b="1" dirty="0">
+                <a:solidFill>
+                  <a:schemeClr val="accent1"/>
+                </a:solidFill>
+                <a:latin typeface="Cambria" panose="02040503050406030204" pitchFamily="18" charset="0"/>
+              </a:rPr>
+            </a:br>
+            <a:endParaRPr lang="en-US" sz="2400" b="1" dirty="0">
+              <a:solidFill>
+                <a:schemeClr val="accent1"/>
+              </a:solidFill>
+              <a:latin typeface="Cambria" panose="02040503050406030204" pitchFamily="18" charset="0"/>
+            </a:endParaRPr>
+          </a:p>
+          <a:p>
+            <a:pPr marL="342900" indent="-342900">
+              <a:buFont typeface="Arial"/>
+              <a:buChar char="•"/>
+            </a:pPr>
+            <a:r>
+              <a:rPr lang="en-US" sz="2400" b="1" dirty="0">
+                <a:solidFill>
+                  <a:schemeClr val="accent1"/>
+                </a:solidFill>
+                <a:latin typeface="Cambria" panose="02040503050406030204" pitchFamily="18" charset="0"/>
+              </a:rPr>
+              <a:t>PUBLIC AUTHORITIES [CERTIFIED PUBLIC EXPERT AUDIT …]</a:t>
+            </a:r>
+            <a:br>
+              <a:rPr lang="en-US" sz="2400" b="1" dirty="0">
+                <a:solidFill>
+                  <a:schemeClr val="accent1"/>
+                </a:solidFill>
+                <a:latin typeface="Cambria" panose="02040503050406030204" pitchFamily="18" charset="0"/>
+              </a:rPr>
+            </a:br>
+            <a:endParaRPr lang="en-US" sz="2400" b="1" dirty="0">
+              <a:solidFill>
+                <a:schemeClr val="accent1"/>
+              </a:solidFill>
+              <a:latin typeface="Cambria" panose="02040503050406030204" pitchFamily="18" charset="0"/>
+            </a:endParaRPr>
+          </a:p>
+          <a:p>
+            <a:pPr marL="342900" indent="-342900">
+              <a:buFont typeface="Arial"/>
+              <a:buChar char="•"/>
+            </a:pPr>
+            <a:r>
+              <a:rPr lang="en-US" sz="2400" b="1" dirty="0">
+                <a:solidFill>
+                  <a:schemeClr val="accent1"/>
+                </a:solidFill>
+                <a:latin typeface="Cambria" panose="02040503050406030204" pitchFamily="18" charset="0"/>
+              </a:rPr>
+              <a:t>INDUSTRY: ETHICS BY DESIGN [RIGHT QUESTION RIGH TIME]</a:t>
+            </a:r>
+            <a:br>
+              <a:rPr lang="en-US" sz="2400" b="1" dirty="0">
+                <a:solidFill>
+                  <a:schemeClr val="accent1"/>
+                </a:solidFill>
+                <a:latin typeface="Cambria" panose="02040503050406030204" pitchFamily="18" charset="0"/>
+              </a:rPr>
+            </a:br>
+            <a:endParaRPr lang="en-US" sz="2400" b="1" dirty="0">
+              <a:solidFill>
+                <a:schemeClr val="accent1"/>
+              </a:solidFill>
+              <a:latin typeface="Cambria" panose="02040503050406030204" pitchFamily="18" charset="0"/>
+            </a:endParaRPr>
+          </a:p>
+          <a:p>
+            <a:pPr marL="342900" indent="-342900">
+              <a:buFont typeface="Arial"/>
+              <a:buChar char="•"/>
+            </a:pPr>
+            <a:r>
+              <a:rPr lang="en-US" sz="2400" b="1" dirty="0">
+                <a:solidFill>
+                  <a:schemeClr val="accent1"/>
+                </a:solidFill>
+                <a:latin typeface="Cambria" panose="02040503050406030204" pitchFamily="18" charset="0"/>
+              </a:rPr>
+              <a:t>BUSINESS OWNERS</a:t>
+            </a:r>
+            <a:br>
+              <a:rPr lang="en-US" sz="2400" b="1" dirty="0">
+                <a:solidFill>
+                  <a:schemeClr val="accent1"/>
+                </a:solidFill>
+                <a:latin typeface="Cambria" panose="02040503050406030204" pitchFamily="18" charset="0"/>
+              </a:rPr>
+            </a:br>
+            <a:endParaRPr lang="en-US" sz="2400" b="1" dirty="0">
+              <a:solidFill>
+                <a:schemeClr val="accent1"/>
+              </a:solidFill>
+              <a:latin typeface="Cambria" panose="02040503050406030204" pitchFamily="18" charset="0"/>
+            </a:endParaRPr>
+          </a:p>
+          <a:p>
+            <a:pPr marL="342900" indent="-342900">
+              <a:buFont typeface="Arial"/>
+              <a:buChar char="•"/>
+            </a:pPr>
+            <a:r>
+              <a:rPr lang="en-US" sz="2400" b="1" dirty="0">
+                <a:solidFill>
+                  <a:schemeClr val="accent1"/>
+                </a:solidFill>
+                <a:latin typeface="Cambria" panose="02040503050406030204" pitchFamily="18" charset="0"/>
+              </a:rPr>
+              <a:t>CIVIL SOCIETY</a:t>
+            </a:r>
+            <a:br>
+              <a:rPr lang="en-US" sz="2400" b="1" dirty="0">
+                <a:solidFill>
+                  <a:schemeClr val="accent1"/>
+                </a:solidFill>
+                <a:latin typeface="Cambria" panose="02040503050406030204" pitchFamily="18" charset="0"/>
+              </a:rPr>
+            </a:br>
+            <a:endParaRPr lang="en-US" sz="2400" b="1" dirty="0">
+              <a:solidFill>
+                <a:schemeClr val="accent1"/>
+              </a:solidFill>
+              <a:latin typeface="Cambria" panose="02040503050406030204" pitchFamily="18" charset="0"/>
+            </a:endParaRPr>
+          </a:p>
+          <a:p>
+            <a:pPr marL="342900" indent="-342900">
+              <a:buFont typeface="Arial"/>
+              <a:buChar char="•"/>
+            </a:pPr>
+            <a:r>
+              <a:rPr lang="en-US" sz="2400" b="1" dirty="0">
+                <a:solidFill>
+                  <a:schemeClr val="accent1"/>
+                </a:solidFill>
+                <a:latin typeface="Cambria" panose="02040503050406030204" pitchFamily="18" charset="0"/>
+              </a:rPr>
+              <a:t>…</a:t>
+            </a:r>
+            <a:br>
+              <a:rPr lang="en-US" sz="2400" b="1" dirty="0">
+                <a:solidFill>
+                  <a:schemeClr val="accent1"/>
+                </a:solidFill>
+                <a:latin typeface="Cambria" panose="02040503050406030204" pitchFamily="18" charset="0"/>
+              </a:rPr>
+            </a:br>
+            <a:br>
+              <a:rPr lang="en-US" sz="2400" dirty="0">
+                <a:solidFill>
+                  <a:schemeClr val="accent1"/>
+                </a:solidFill>
+                <a:latin typeface="Cambria" panose="02040503050406030204" pitchFamily="18" charset="0"/>
+              </a:rPr>
+            </a:br>
+            <a:endParaRPr lang="en-US" sz="2400" dirty="0">
+              <a:solidFill>
+                <a:schemeClr val="accent1"/>
+              </a:solidFill>
+              <a:latin typeface="Cambria" panose="02040503050406030204" pitchFamily="18" charset="0"/>
+            </a:endParaRPr>
+          </a:p>
+        </p:txBody>
+      </p:sp>
+      <p:cxnSp>
+        <p:nvCxnSpPr>
+          <p:cNvPr id="4" name="Straight Connector 3">
+            <a:extLst>
+              <a:ext uri="{FF2B5EF4-FFF2-40B4-BE49-F238E27FC236}">
+                <a16:creationId xmlns:a16="http://schemas.microsoft.com/office/drawing/2014/main" id="{69223EC3-7B3E-124B-8D71-5CD434FC49C5}"/>
+              </a:ext>
+            </a:extLst>
+          </p:cNvPr>
+          <p:cNvCxnSpPr>
+            <a:cxnSpLocks/>
+          </p:cNvCxnSpPr>
+          <p:nvPr/>
+        </p:nvCxnSpPr>
+        <p:spPr>
+          <a:xfrm>
+            <a:off x="1378101" y="1753299"/>
+            <a:ext cx="8703159" cy="0"/>
+          </a:xfrm>
+          <a:prstGeom prst="line">
+            <a:avLst/>
+          </a:prstGeom>
+          <a:ln w="12700"/>
+        </p:spPr>
+        <p:style>
+          <a:lnRef idx="1">
+            <a:schemeClr val="accent1"/>
+          </a:lnRef>
+          <a:fillRef idx="0">
+            <a:schemeClr val="accent1"/>
+          </a:fillRef>
+          <a:effectRef idx="0">
+            <a:schemeClr val="accent1"/>
+          </a:effectRef>
+          <a:fontRef idx="minor">
+            <a:schemeClr val="tx1"/>
+          </a:fontRef>
+        </p:style>
+      </p:cxnSp>
+    </p:spTree>
+    <p:extLst>
+      <p:ext uri="{BB962C8B-B14F-4D97-AF65-F5344CB8AC3E}">
+        <p14:creationId xmlns:p14="http://schemas.microsoft.com/office/powerpoint/2010/main" val="3340402887"/>
+      </p:ext>
+    </p:extLst>
+  </p:cSld>
+  <p:clrMapOvr>
+    <a:masterClrMapping/>
+  </p:clrMapOvr>
+  <mc:AlternateContent xmlns:mc="http://schemas.openxmlformats.org/markup-compatibility/2006" xmlns:p14="http://schemas.microsoft.com/office/powerpoint/2010/main">
+    <mc:Choice Requires="p14">
+      <p:transition spd="med" p14:dur="700">
+        <p:fade/>
+      </p:transition>
+    </mc:Choice>
+    <mc:Fallback xmlns="">
+      <p:transition spd="med">
+        <p:fade/>
+      </p:transition>
+    </mc:Fallback>
+  </mc:AlternateContent>
+</p:sld>
+</file>
+
+<file path=ppt/slides/slide23.xml><?xml version="1.0" encoding="utf-8"?>
+<p:sld xmlns:a="http://schemas.openxmlformats.org/drawingml/2006/main" xmlns:r="http://schemas.openxmlformats.org/officeDocument/2006/relationships" xmlns:p="http://schemas.openxmlformats.org/presentationml/2006/main">
+  <p:cSld>
+    <p:spTree>
+      <p:nvGrpSpPr>
+        <p:cNvPr id="1" name=""/>
+        <p:cNvGrpSpPr/>
+        <p:nvPr/>
+      </p:nvGrpSpPr>
+      <p:grpSpPr>
+        <a:xfrm>
+          <a:off x="0" y="0"/>
+          <a:ext cx="0" cy="0"/>
+          <a:chOff x="0" y="0"/>
+          <a:chExt cx="0" cy="0"/>
+        </a:xfrm>
+      </p:grpSpPr>
+      <p:sp>
+        <p:nvSpPr>
+          <p:cNvPr id="3" name="TextBox 2"/>
+          <p:cNvSpPr txBox="1"/>
+          <p:nvPr/>
+        </p:nvSpPr>
+        <p:spPr>
+          <a:xfrm>
+            <a:off x="2513338" y="1738043"/>
+            <a:ext cx="8924282" cy="861774"/>
+          </a:xfrm>
+          <a:prstGeom prst="rect">
+            <a:avLst/>
+          </a:prstGeom>
+          <a:noFill/>
+        </p:spPr>
+        <p:txBody>
+          <a:bodyPr wrap="square" rtlCol="0">
+            <a:spAutoFit/>
+          </a:bodyPr>
+          <a:lstStyle/>
+          <a:p>
+            <a:r>
+              <a:rPr lang="en-US" sz="5000" b="1" dirty="0">
+                <a:solidFill>
+                  <a:schemeClr val="accent1"/>
+                </a:solidFill>
+                <a:latin typeface="Cambria" panose="02040503050406030204" pitchFamily="18" charset="0"/>
+              </a:rPr>
+              <a:t>WORKING GROUP SESSION</a:t>
+            </a:r>
+          </a:p>
+        </p:txBody>
+      </p:sp>
+      <p:cxnSp>
+        <p:nvCxnSpPr>
+          <p:cNvPr id="5" name="Straight Connector 4">
+            <a:extLst>
+              <a:ext uri="{FF2B5EF4-FFF2-40B4-BE49-F238E27FC236}">
+                <a16:creationId xmlns:a16="http://schemas.microsoft.com/office/drawing/2014/main" id="{2571E43F-CCA3-BB47-A7AF-81B47EA888E0}"/>
+              </a:ext>
+            </a:extLst>
+          </p:cNvPr>
+          <p:cNvCxnSpPr>
+            <a:cxnSpLocks/>
+          </p:cNvCxnSpPr>
+          <p:nvPr/>
+        </p:nvCxnSpPr>
+        <p:spPr>
+          <a:xfrm>
+            <a:off x="2300750" y="1879133"/>
+            <a:ext cx="0" cy="3979965"/>
+          </a:xfrm>
+          <a:prstGeom prst="line">
+            <a:avLst/>
+          </a:prstGeom>
+          <a:ln w="38100"/>
+        </p:spPr>
+        <p:style>
+          <a:lnRef idx="1">
+            <a:schemeClr val="accent1"/>
+          </a:lnRef>
+          <a:fillRef idx="0">
+            <a:schemeClr val="accent1"/>
+          </a:fillRef>
+          <a:effectRef idx="0">
+            <a:schemeClr val="accent1"/>
+          </a:effectRef>
+          <a:fontRef idx="minor">
+            <a:schemeClr val="tx1"/>
+          </a:fontRef>
+        </p:style>
+      </p:cxnSp>
+      <p:sp>
+        <p:nvSpPr>
+          <p:cNvPr id="4" name="TextBox 3">
+            <a:extLst>
+              <a:ext uri="{FF2B5EF4-FFF2-40B4-BE49-F238E27FC236}">
+                <a16:creationId xmlns:a16="http://schemas.microsoft.com/office/drawing/2014/main" id="{25B7574A-2213-BC4F-89C4-FB08A182DF24}"/>
+              </a:ext>
+            </a:extLst>
+          </p:cNvPr>
+          <p:cNvSpPr txBox="1"/>
+          <p:nvPr/>
+        </p:nvSpPr>
+        <p:spPr>
+          <a:xfrm>
+            <a:off x="2574298" y="2482616"/>
+            <a:ext cx="8924282" cy="400110"/>
+          </a:xfrm>
+          <a:prstGeom prst="rect">
+            <a:avLst/>
+          </a:prstGeom>
+          <a:noFill/>
+        </p:spPr>
+        <p:txBody>
+          <a:bodyPr wrap="square" rtlCol="0">
+            <a:spAutoFit/>
+          </a:bodyPr>
+          <a:lstStyle/>
+          <a:p>
+            <a:r>
+              <a:rPr lang="en-US" sz="2000" b="1" dirty="0">
+                <a:solidFill>
+                  <a:schemeClr val="accent1"/>
+                </a:solidFill>
+                <a:latin typeface="Cambria" panose="02040503050406030204" pitchFamily="18" charset="0"/>
+              </a:rPr>
+              <a:t>MEDIUM-TO-LONG TERMS ETHICAL ISSUES</a:t>
+            </a:r>
+          </a:p>
+        </p:txBody>
+      </p:sp>
+      <p:pic>
+        <p:nvPicPr>
+          <p:cNvPr id="7" name="Picture 6">
+            <a:extLst>
+              <a:ext uri="{FF2B5EF4-FFF2-40B4-BE49-F238E27FC236}">
+                <a16:creationId xmlns:a16="http://schemas.microsoft.com/office/drawing/2014/main" id="{2CF9F2E1-96AF-014C-BD3E-7CFC61B05EEF}"/>
+              </a:ext>
+            </a:extLst>
+          </p:cNvPr>
+          <p:cNvPicPr>
+            <a:picLocks noChangeAspect="1"/>
+          </p:cNvPicPr>
+          <p:nvPr/>
+        </p:nvPicPr>
+        <p:blipFill>
+          <a:blip r:embed="rId3"/>
+          <a:stretch>
+            <a:fillRect/>
+          </a:stretch>
+        </p:blipFill>
+        <p:spPr>
+          <a:xfrm>
+            <a:off x="2674620" y="2981786"/>
+            <a:ext cx="4945380" cy="2877312"/>
+          </a:xfrm>
+          <a:prstGeom prst="rect">
+            <a:avLst/>
+          </a:prstGeom>
+        </p:spPr>
+      </p:pic>
     </p:spTree>
     <p:extLst>
       <p:ext uri="{BB962C8B-B14F-4D97-AF65-F5344CB8AC3E}">
@@ -7518,14 +8471,14 @@
       </p:grpSpPr>
       <p:sp>
         <p:nvSpPr>
-          <p:cNvPr id="8" name="TextBox 7"/>
+          <p:cNvPr id="3" name="TextBox 2"/>
           <p:cNvSpPr txBox="1"/>
           <p:nvPr/>
         </p:nvSpPr>
         <p:spPr>
           <a:xfrm>
-            <a:off x="1271768" y="1115051"/>
-            <a:ext cx="9196386" cy="553998"/>
+            <a:off x="2513338" y="1364663"/>
+            <a:ext cx="8924282" cy="861774"/>
           </a:xfrm>
           <a:prstGeom prst="rect">
             <a:avLst/>
@@ -7539,114 +8492,23 @@
           <a:lstStyle/>
           <a:p>
             <a:r>
-              <a:rPr lang="en-US" sz="3000" b="1" dirty="0">
-                <a:solidFill>
-                  <a:schemeClr val="accent1"/>
-                </a:solidFill>
-                <a:latin typeface="Cambria" panose="02040503050406030204" pitchFamily="18" charset="0"/>
-              </a:rPr>
-              <a:t>THE EXISTENTIAL THREAT …</a:t>
-            </a:r>
-          </a:p>
-        </p:txBody>
-      </p:sp>
-      <p:sp>
-        <p:nvSpPr>
-          <p:cNvPr id="2" name="Rectangle 1">
-            <a:extLst>
-              <a:ext uri="{FF2B5EF4-FFF2-40B4-BE49-F238E27FC236}">
-                <a16:creationId xmlns:a16="http://schemas.microsoft.com/office/drawing/2014/main" id="{5C2C392E-83C1-DC46-8100-C1E568A0B207}"/>
-              </a:ext>
-            </a:extLst>
-          </p:cNvPr>
-          <p:cNvSpPr/>
-          <p:nvPr/>
-        </p:nvSpPr>
-        <p:spPr>
-          <a:xfrm>
-            <a:off x="1339044" y="4960499"/>
-            <a:ext cx="4880952" cy="369332"/>
-          </a:xfrm>
-          <a:prstGeom prst="rect">
-            <a:avLst/>
-          </a:prstGeom>
-        </p:spPr>
-        <p:txBody>
-          <a:bodyPr wrap="none">
-            <a:spAutoFit/>
-          </a:bodyPr>
-          <a:lstStyle/>
-          <a:p>
-            <a:r>
-              <a:rPr lang="fr-FR" dirty="0">
-                <a:hlinkClick r:id="rId3"/>
-              </a:rPr>
-              <a:t>https://</a:t>
-            </a:r>
-            <a:r>
-              <a:rPr lang="fr-FR" dirty="0" err="1">
-                <a:hlinkClick r:id="rId3"/>
-              </a:rPr>
-              <a:t>www.youtube.com</a:t>
-            </a:r>
-            <a:r>
-              <a:rPr lang="fr-FR" dirty="0">
-                <a:hlinkClick r:id="rId3"/>
-              </a:rPr>
-              <a:t>/</a:t>
-            </a:r>
-            <a:r>
-              <a:rPr lang="fr-FR" dirty="0" err="1">
-                <a:hlinkClick r:id="rId3"/>
-              </a:rPr>
-              <a:t>watch?v</a:t>
-            </a:r>
-            <a:r>
-              <a:rPr lang="fr-FR" dirty="0">
-                <a:hlinkClick r:id="rId3"/>
-              </a:rPr>
-              <a:t>=3BlYq3jO6xw</a:t>
-            </a:r>
-            <a:endParaRPr lang="fr-FR" dirty="0"/>
-          </a:p>
-        </p:txBody>
-      </p:sp>
-      <p:pic>
-        <p:nvPicPr>
-          <p:cNvPr id="3" name="Picture 2">
-            <a:extLst>
-              <a:ext uri="{FF2B5EF4-FFF2-40B4-BE49-F238E27FC236}">
-                <a16:creationId xmlns:a16="http://schemas.microsoft.com/office/drawing/2014/main" id="{2ACF23E4-2F0E-5B4B-9979-EE85D0413C7D}"/>
-              </a:ext>
-            </a:extLst>
-          </p:cNvPr>
-          <p:cNvPicPr>
-            <a:picLocks noChangeAspect="1"/>
-          </p:cNvPicPr>
-          <p:nvPr/>
-        </p:nvPicPr>
-        <p:blipFill>
-          <a:blip r:embed="rId4"/>
-          <a:stretch>
-            <a:fillRect/>
-          </a:stretch>
-        </p:blipFill>
-        <p:spPr>
-          <a:xfrm>
-            <a:off x="1417320" y="2012323"/>
-            <a:ext cx="3314700" cy="2711582"/>
-          </a:xfrm>
-          <a:prstGeom prst="rect">
-            <a:avLst/>
-          </a:prstGeom>
-        </p:spPr>
-      </p:pic>
+              <a:rPr lang="en-US" sz="5000" b="1" dirty="0">
+                <a:solidFill>
+                  <a:schemeClr val="accent1"/>
+                </a:solidFill>
+                <a:latin typeface="Cambria" panose="02040503050406030204" pitchFamily="18" charset="0"/>
+              </a:rPr>
+              <a:t>EXISTENTIAL THREAT</a:t>
+            </a:r>
+          </a:p>
+        </p:txBody>
+      </p:sp>
       <p:cxnSp>
         <p:nvCxnSpPr>
           <p:cNvPr id="5" name="Straight Connector 4">
             <a:extLst>
               <a:ext uri="{FF2B5EF4-FFF2-40B4-BE49-F238E27FC236}">
-                <a16:creationId xmlns:a16="http://schemas.microsoft.com/office/drawing/2014/main" id="{73953460-BAE6-3844-985E-0864BF7B7C49}"/>
+                <a16:creationId xmlns:a16="http://schemas.microsoft.com/office/drawing/2014/main" id="{2571E43F-CCA3-BB47-A7AF-81B47EA888E0}"/>
               </a:ext>
             </a:extLst>
           </p:cNvPr>
@@ -7657,13 +8519,13 @@
         </p:nvCxnSpPr>
         <p:spPr>
           <a:xfrm>
-            <a:off x="1378101" y="1753299"/>
-            <a:ext cx="5037939" cy="0"/>
+            <a:off x="2300750" y="1505753"/>
+            <a:ext cx="0" cy="4552147"/>
           </a:xfrm>
           <a:prstGeom prst="line">
             <a:avLst/>
           </a:prstGeom>
-          <a:ln w="12700"/>
+          <a:ln w="38100"/>
         </p:spPr>
         <p:style>
           <a:lnRef idx="1">
@@ -7680,10 +8542,141 @@
           </a:fontRef>
         </p:style>
       </p:cxnSp>
+      <p:sp>
+        <p:nvSpPr>
+          <p:cNvPr id="4" name="TextBox 3">
+            <a:extLst>
+              <a:ext uri="{FF2B5EF4-FFF2-40B4-BE49-F238E27FC236}">
+                <a16:creationId xmlns:a16="http://schemas.microsoft.com/office/drawing/2014/main" id="{771E1848-B671-4A42-A8D2-91B1885BAAC6}"/>
+              </a:ext>
+            </a:extLst>
+          </p:cNvPr>
+          <p:cNvSpPr txBox="1"/>
+          <p:nvPr/>
+        </p:nvSpPr>
+        <p:spPr>
+          <a:xfrm>
+            <a:off x="2543818" y="2123019"/>
+            <a:ext cx="7350609" cy="400110"/>
+          </a:xfrm>
+          <a:prstGeom prst="rect">
+            <a:avLst/>
+          </a:prstGeom>
+          <a:noFill/>
+        </p:spPr>
+        <p:txBody>
+          <a:bodyPr wrap="square" rtlCol="0">
+            <a:spAutoFit/>
+          </a:bodyPr>
+          <a:lstStyle/>
+          <a:p>
+            <a:r>
+              <a:rPr lang="en-US" sz="2000" b="1" dirty="0">
+                <a:solidFill>
+                  <a:schemeClr val="accent1"/>
+                </a:solidFill>
+                <a:latin typeface="Cambria" panose="02040503050406030204" pitchFamily="18" charset="0"/>
+              </a:rPr>
+              <a:t>WIDELY DEBATED SCENARIOS …</a:t>
+            </a:r>
+          </a:p>
+        </p:txBody>
+      </p:sp>
+      <p:pic>
+        <p:nvPicPr>
+          <p:cNvPr id="7" name="Picture 6">
+            <a:extLst>
+              <a:ext uri="{FF2B5EF4-FFF2-40B4-BE49-F238E27FC236}">
+                <a16:creationId xmlns:a16="http://schemas.microsoft.com/office/drawing/2014/main" id="{F3C711DD-C6F4-E643-A42D-AE560B689D2B}"/>
+              </a:ext>
+            </a:extLst>
+          </p:cNvPr>
+          <p:cNvPicPr>
+            <a:picLocks noChangeAspect="1"/>
+          </p:cNvPicPr>
+          <p:nvPr/>
+        </p:nvPicPr>
+        <p:blipFill>
+          <a:blip r:embed="rId3"/>
+          <a:stretch>
+            <a:fillRect/>
+          </a:stretch>
+        </p:blipFill>
+        <p:spPr>
+          <a:xfrm>
+            <a:off x="2628900" y="2629542"/>
+            <a:ext cx="3718560" cy="3041959"/>
+          </a:xfrm>
+          <a:prstGeom prst="rect">
+            <a:avLst/>
+          </a:prstGeom>
+        </p:spPr>
+      </p:pic>
+      <p:sp>
+        <p:nvSpPr>
+          <p:cNvPr id="8" name="Rectangle 7">
+            <a:extLst>
+              <a:ext uri="{FF2B5EF4-FFF2-40B4-BE49-F238E27FC236}">
+                <a16:creationId xmlns:a16="http://schemas.microsoft.com/office/drawing/2014/main" id="{5E83DE1D-18C6-1C4E-8566-DFBFAB751BB7}"/>
+              </a:ext>
+            </a:extLst>
+          </p:cNvPr>
+          <p:cNvSpPr/>
+          <p:nvPr/>
+        </p:nvSpPr>
+        <p:spPr>
+          <a:xfrm>
+            <a:off x="2513338" y="5772248"/>
+            <a:ext cx="4880952" cy="369332"/>
+          </a:xfrm>
+          <a:prstGeom prst="rect">
+            <a:avLst/>
+          </a:prstGeom>
+        </p:spPr>
+        <p:txBody>
+          <a:bodyPr wrap="none">
+            <a:spAutoFit/>
+          </a:bodyPr>
+          <a:lstStyle/>
+          <a:p>
+            <a:r>
+              <a:rPr lang="fr-FR" dirty="0">
+                <a:hlinkClick r:id="rId4"/>
+              </a:rPr>
+              <a:t>https://</a:t>
+            </a:r>
+            <a:r>
+              <a:rPr lang="fr-FR" dirty="0" err="1">
+                <a:hlinkClick r:id="rId4"/>
+              </a:rPr>
+              <a:t>www.youtube.com</a:t>
+            </a:r>
+            <a:r>
+              <a:rPr lang="fr-FR" dirty="0">
+                <a:hlinkClick r:id="rId4"/>
+              </a:rPr>
+              <a:t>/</a:t>
+            </a:r>
+            <a:r>
+              <a:rPr lang="fr-FR" dirty="0" err="1">
+                <a:hlinkClick r:id="rId4"/>
+              </a:rPr>
+              <a:t>watch?v</a:t>
+            </a:r>
+            <a:r>
+              <a:rPr lang="fr-FR" dirty="0">
+                <a:hlinkClick r:id="rId4"/>
+              </a:rPr>
+              <a:t>=3BlYq3jO6xw</a:t>
+            </a:r>
+            <a:endParaRPr lang="fr-FR" dirty="0"/>
+          </a:p>
+        </p:txBody>
+      </p:sp>
     </p:spTree>
     <p:extLst>
       <p:ext uri="{BB962C8B-B14F-4D97-AF65-F5344CB8AC3E}">
-        <p14:creationId xmlns:p14="http://schemas.microsoft.com/office/powerpoint/2010/main" val="4243481658"/>
+        <p14:creationId xmlns:p14="http://schemas.microsoft.com/office/powerpoint/2010/main" val="1509973574"/>
       </p:ext>
     </p:extLst>
   </p:cSld>
@@ -7751,185 +8744,17 @@
                 </a:solidFill>
                 <a:latin typeface="Cambria" panose="02040503050406030204" pitchFamily="18" charset="0"/>
               </a:rPr>
-              <a:t>RATHER FOCUS ON ALREADY PRESENT ISSUES</a:t>
-            </a:r>
-          </a:p>
-        </p:txBody>
-      </p:sp>
-      <p:sp>
-        <p:nvSpPr>
-          <p:cNvPr id="9" name="TextBox 8"/>
-          <p:cNvSpPr txBox="1"/>
-          <p:nvPr/>
-        </p:nvSpPr>
-        <p:spPr>
-          <a:xfrm>
-            <a:off x="1378101" y="1990256"/>
-            <a:ext cx="9909364" cy="3785652"/>
-          </a:xfrm>
-          <a:prstGeom prst="rect">
-            <a:avLst/>
-          </a:prstGeom>
-          <a:noFill/>
-        </p:spPr>
-        <p:txBody>
-          <a:bodyPr wrap="square" rtlCol="0">
-            <a:spAutoFit/>
-          </a:bodyPr>
-          <a:lstStyle/>
-          <a:p>
-            <a:pPr marL="342900" indent="-342900">
-              <a:buFont typeface="Arial"/>
-              <a:buChar char="•"/>
-            </a:pPr>
-            <a:r>
-              <a:rPr lang="en-US" sz="2400" b="1" dirty="0">
-                <a:solidFill>
-                  <a:schemeClr val="accent1"/>
-                </a:solidFill>
-                <a:latin typeface="Cambria" panose="02040503050406030204" pitchFamily="18" charset="0"/>
-              </a:rPr>
-              <a:t>LACK OF TRANSPARENCY &amp; TRUST</a:t>
-            </a:r>
-            <a:br>
-              <a:rPr lang="en-US" sz="2400" b="1" dirty="0">
-                <a:solidFill>
-                  <a:schemeClr val="accent1"/>
-                </a:solidFill>
-                <a:latin typeface="Cambria" panose="02040503050406030204" pitchFamily="18" charset="0"/>
-              </a:rPr>
-            </a:br>
-            <a:endParaRPr lang="en-US" sz="2400" b="1" dirty="0">
-              <a:solidFill>
-                <a:schemeClr val="accent1"/>
-              </a:solidFill>
-              <a:latin typeface="Cambria" panose="02040503050406030204" pitchFamily="18" charset="0"/>
-            </a:endParaRPr>
-          </a:p>
-          <a:p>
-            <a:pPr marL="342900" indent="-342900">
-              <a:buFont typeface="Arial"/>
-              <a:buChar char="•"/>
-            </a:pPr>
-            <a:r>
-              <a:rPr lang="en-US" sz="2400" b="1" dirty="0">
-                <a:solidFill>
-                  <a:schemeClr val="accent1"/>
-                </a:solidFill>
-                <a:latin typeface="Cambria" panose="02040503050406030204" pitchFamily="18" charset="0"/>
-              </a:rPr>
-              <a:t>DELEGATE JUDGEMENT IN SENSITIVE AREAS</a:t>
-            </a:r>
-            <a:br>
-              <a:rPr lang="en-US" sz="2400" b="1" dirty="0">
-                <a:solidFill>
-                  <a:schemeClr val="accent1"/>
-                </a:solidFill>
-                <a:latin typeface="Cambria" panose="02040503050406030204" pitchFamily="18" charset="0"/>
-              </a:rPr>
-            </a:br>
-            <a:endParaRPr lang="en-US" sz="2400" b="1" dirty="0">
-              <a:solidFill>
-                <a:schemeClr val="accent1"/>
-              </a:solidFill>
-              <a:latin typeface="Cambria" panose="02040503050406030204" pitchFamily="18" charset="0"/>
-            </a:endParaRPr>
-          </a:p>
-          <a:p>
-            <a:pPr marL="342900" indent="-342900">
-              <a:buFont typeface="Arial"/>
-              <a:buChar char="•"/>
-            </a:pPr>
-            <a:r>
-              <a:rPr lang="en-US" sz="2400" b="1" dirty="0">
-                <a:solidFill>
-                  <a:schemeClr val="accent1"/>
-                </a:solidFill>
-                <a:latin typeface="Cambria" panose="02040503050406030204" pitchFamily="18" charset="0"/>
-              </a:rPr>
-              <a:t>INJECTING HUMAN BIAS</a:t>
-            </a:r>
-            <a:br>
-              <a:rPr lang="en-US" sz="2400" b="1" dirty="0">
-                <a:solidFill>
-                  <a:schemeClr val="accent1"/>
-                </a:solidFill>
-                <a:latin typeface="Cambria" panose="02040503050406030204" pitchFamily="18" charset="0"/>
-              </a:rPr>
-            </a:br>
-            <a:endParaRPr lang="en-US" sz="2400" b="1" dirty="0">
-              <a:solidFill>
-                <a:schemeClr val="accent1"/>
-              </a:solidFill>
-              <a:latin typeface="Cambria" panose="02040503050406030204" pitchFamily="18" charset="0"/>
-            </a:endParaRPr>
-          </a:p>
-          <a:p>
-            <a:pPr marL="342900" indent="-342900">
-              <a:buFont typeface="Arial"/>
-              <a:buChar char="•"/>
-            </a:pPr>
-            <a:r>
-              <a:rPr lang="en-US" sz="2400" b="1" dirty="0">
-                <a:solidFill>
-                  <a:schemeClr val="accent1"/>
-                </a:solidFill>
-                <a:latin typeface="Cambria" panose="02040503050406030204" pitchFamily="18" charset="0"/>
-              </a:rPr>
-              <a:t>COMPLIANCE WITH SOCIAL AND VALUE NORMS</a:t>
-            </a:r>
-            <a:br>
-              <a:rPr lang="en-US" sz="2400" b="1" dirty="0">
-                <a:solidFill>
-                  <a:schemeClr val="accent1"/>
-                </a:solidFill>
-                <a:latin typeface="Cambria" panose="02040503050406030204" pitchFamily="18" charset="0"/>
-              </a:rPr>
-            </a:br>
-            <a:endParaRPr lang="en-US" sz="2400" b="1" dirty="0">
-              <a:solidFill>
-                <a:schemeClr val="accent1"/>
-              </a:solidFill>
-              <a:latin typeface="Cambria" panose="02040503050406030204" pitchFamily="18" charset="0"/>
-            </a:endParaRPr>
-          </a:p>
-          <a:p>
-            <a:pPr marL="342900" indent="-342900">
-              <a:buFont typeface="Arial"/>
-              <a:buChar char="•"/>
-            </a:pPr>
-            <a:r>
-              <a:rPr lang="en-US" sz="2400" b="1" dirty="0">
-                <a:solidFill>
-                  <a:schemeClr val="accent1"/>
-                </a:solidFill>
-                <a:latin typeface="Cambria" panose="02040503050406030204" pitchFamily="18" charset="0"/>
-              </a:rPr>
-              <a:t>…</a:t>
-            </a:r>
-            <a:br>
-              <a:rPr lang="en-US" sz="2400" dirty="0">
-                <a:solidFill>
-                  <a:schemeClr val="accent1"/>
-                </a:solidFill>
-                <a:latin typeface="Cambria" panose="02040503050406030204" pitchFamily="18" charset="0"/>
-              </a:rPr>
-            </a:br>
-            <a:endParaRPr lang="en-US" sz="2400" dirty="0">
-              <a:solidFill>
-                <a:schemeClr val="accent1"/>
-              </a:solidFill>
-              <a:latin typeface="Cambria" panose="02040503050406030204" pitchFamily="18" charset="0"/>
-            </a:endParaRPr>
+              <a:t>THE BASIC ARGUMENTS</a:t>
+            </a:r>
           </a:p>
         </p:txBody>
       </p:sp>
       <p:cxnSp>
         <p:nvCxnSpPr>
-          <p:cNvPr id="4" name="Straight Connector 3">
+          <p:cNvPr id="5" name="Straight Connector 4">
             <a:extLst>
               <a:ext uri="{FF2B5EF4-FFF2-40B4-BE49-F238E27FC236}">
-                <a16:creationId xmlns:a16="http://schemas.microsoft.com/office/drawing/2014/main" id="{8C700E82-5E39-704F-873F-B84E6BE47707}"/>
+                <a16:creationId xmlns:a16="http://schemas.microsoft.com/office/drawing/2014/main" id="{73953460-BAE6-3844-985E-0864BF7B7C49}"/>
               </a:ext>
             </a:extLst>
           </p:cNvPr>
@@ -7941,7 +8766,7 @@
         <p:spPr>
           <a:xfrm>
             <a:off x="1378101" y="1753299"/>
-            <a:ext cx="8017359" cy="0"/>
+            <a:ext cx="4146399" cy="0"/>
           </a:xfrm>
           <a:prstGeom prst="line">
             <a:avLst/>
@@ -7963,10 +8788,207 @@
           </a:fontRef>
         </p:style>
       </p:cxnSp>
+      <p:sp>
+        <p:nvSpPr>
+          <p:cNvPr id="9" name="TextBox 8">
+            <a:extLst>
+              <a:ext uri="{FF2B5EF4-FFF2-40B4-BE49-F238E27FC236}">
+                <a16:creationId xmlns:a16="http://schemas.microsoft.com/office/drawing/2014/main" id="{2E7C4573-4FBE-264B-B514-CB0B5F4A8E42}"/>
+              </a:ext>
+            </a:extLst>
+          </p:cNvPr>
+          <p:cNvSpPr txBox="1"/>
+          <p:nvPr/>
+        </p:nvSpPr>
+        <p:spPr>
+          <a:xfrm>
+            <a:off x="1378101" y="1990256"/>
+            <a:ext cx="9909364" cy="3416320"/>
+          </a:xfrm>
+          <a:prstGeom prst="rect">
+            <a:avLst/>
+          </a:prstGeom>
+          <a:noFill/>
+        </p:spPr>
+        <p:txBody>
+          <a:bodyPr wrap="square" rtlCol="0">
+            <a:spAutoFit/>
+          </a:bodyPr>
+          <a:lstStyle/>
+          <a:p>
+            <a:pPr marL="342900" indent="-342900">
+              <a:buFont typeface="Arial"/>
+              <a:buChar char="•"/>
+            </a:pPr>
+            <a:r>
+              <a:rPr lang="en-US" sz="2400" b="1" dirty="0">
+                <a:solidFill>
+                  <a:schemeClr val="accent1"/>
+                </a:solidFill>
+                <a:latin typeface="Cambria" panose="02040503050406030204" pitchFamily="18" charset="0"/>
+              </a:rPr>
+              <a:t>SUPERINTELLIGENCE IS PHYSICALLY POSSIBLE</a:t>
+            </a:r>
+            <a:br>
+              <a:rPr lang="en-US" sz="2400" b="1" dirty="0">
+                <a:solidFill>
+                  <a:schemeClr val="accent1"/>
+                </a:solidFill>
+                <a:latin typeface="Cambria" panose="02040503050406030204" pitchFamily="18" charset="0"/>
+              </a:rPr>
+            </a:br>
+            <a:endParaRPr lang="en-US" sz="2400" b="1" dirty="0">
+              <a:solidFill>
+                <a:schemeClr val="accent1"/>
+              </a:solidFill>
+              <a:latin typeface="Cambria" panose="02040503050406030204" pitchFamily="18" charset="0"/>
+            </a:endParaRPr>
+          </a:p>
+          <a:p>
+            <a:pPr marL="342900" indent="-342900">
+              <a:buFont typeface="Arial"/>
+              <a:buChar char="•"/>
+            </a:pPr>
+            <a:r>
+              <a:rPr lang="en-US" sz="2400" b="1" dirty="0">
+                <a:solidFill>
+                  <a:schemeClr val="accent1"/>
+                </a:solidFill>
+                <a:latin typeface="Cambria" panose="02040503050406030204" pitchFamily="18" charset="0"/>
+              </a:rPr>
+              <a:t>TOWARDS CREATIVITY, STRATEGIC PLANNING, SOCIAL SKILLS</a:t>
+            </a:r>
+            <a:br>
+              <a:rPr lang="en-US" sz="2400" b="1" dirty="0">
+                <a:solidFill>
+                  <a:schemeClr val="accent1"/>
+                </a:solidFill>
+                <a:latin typeface="Cambria" panose="02040503050406030204" pitchFamily="18" charset="0"/>
+              </a:rPr>
+            </a:br>
+            <a:endParaRPr lang="en-US" sz="2400" b="1" dirty="0">
+              <a:solidFill>
+                <a:schemeClr val="accent1"/>
+              </a:solidFill>
+              <a:latin typeface="Cambria" panose="02040503050406030204" pitchFamily="18" charset="0"/>
+            </a:endParaRPr>
+          </a:p>
+          <a:p>
+            <a:pPr marL="342900" indent="-342900">
+              <a:buFont typeface="Arial"/>
+              <a:buChar char="•"/>
+            </a:pPr>
+            <a:r>
+              <a:rPr lang="en-US" sz="2400" b="1" dirty="0">
+                <a:solidFill>
+                  <a:schemeClr val="accent1"/>
+                </a:solidFill>
+                <a:latin typeface="Cambria" panose="02040503050406030204" pitchFamily="18" charset="0"/>
+              </a:rPr>
+              <a:t>RECURSIVE AUTO-IMPROVEMENT</a:t>
+            </a:r>
+            <a:br>
+              <a:rPr lang="en-US" sz="2400" b="1" dirty="0">
+                <a:solidFill>
+                  <a:schemeClr val="accent1"/>
+                </a:solidFill>
+                <a:latin typeface="Cambria" panose="02040503050406030204" pitchFamily="18" charset="0"/>
+              </a:rPr>
+            </a:br>
+            <a:endParaRPr lang="en-US" sz="2400" b="1" dirty="0">
+              <a:solidFill>
+                <a:schemeClr val="accent1"/>
+              </a:solidFill>
+              <a:latin typeface="Cambria" panose="02040503050406030204" pitchFamily="18" charset="0"/>
+            </a:endParaRPr>
+          </a:p>
+          <a:p>
+            <a:pPr marL="342900" indent="-342900">
+              <a:buFont typeface="Arial"/>
+              <a:buChar char="•"/>
+            </a:pPr>
+            <a:r>
+              <a:rPr lang="en-US" sz="2400" b="1" dirty="0">
+                <a:solidFill>
+                  <a:schemeClr val="accent1"/>
+                </a:solidFill>
+                <a:latin typeface="Cambria" panose="02040503050406030204" pitchFamily="18" charset="0"/>
+              </a:rPr>
+              <a:t>LOOK AT GAME OF GO RECENT BREAKTHROUGH …</a:t>
+            </a:r>
+            <a:br>
+              <a:rPr lang="en-US" sz="2400" b="1" dirty="0">
+                <a:solidFill>
+                  <a:schemeClr val="accent1"/>
+                </a:solidFill>
+                <a:latin typeface="Cambria" panose="02040503050406030204" pitchFamily="18" charset="0"/>
+              </a:rPr>
+            </a:br>
+            <a:endParaRPr lang="en-US" sz="2400" b="1" dirty="0">
+              <a:solidFill>
+                <a:schemeClr val="accent1"/>
+              </a:solidFill>
+              <a:latin typeface="Cambria" panose="02040503050406030204" pitchFamily="18" charset="0"/>
+            </a:endParaRPr>
+          </a:p>
+          <a:p>
+            <a:pPr marL="342900" indent="-342900">
+              <a:buFont typeface="Arial"/>
+              <a:buChar char="•"/>
+            </a:pPr>
+            <a:endParaRPr lang="en-US" sz="2400" b="1" dirty="0">
+              <a:solidFill>
+                <a:schemeClr val="accent1"/>
+              </a:solidFill>
+              <a:latin typeface="Cambria" panose="02040503050406030204" pitchFamily="18" charset="0"/>
+            </a:endParaRPr>
+          </a:p>
+        </p:txBody>
+      </p:sp>
+      <p:sp>
+        <p:nvSpPr>
+          <p:cNvPr id="10" name="TextBox 9">
+            <a:extLst>
+              <a:ext uri="{FF2B5EF4-FFF2-40B4-BE49-F238E27FC236}">
+                <a16:creationId xmlns:a16="http://schemas.microsoft.com/office/drawing/2014/main" id="{2D3E0F1F-3F52-1140-A327-59AE4CE25A6E}"/>
+              </a:ext>
+            </a:extLst>
+          </p:cNvPr>
+          <p:cNvSpPr txBox="1"/>
+          <p:nvPr/>
+        </p:nvSpPr>
+        <p:spPr>
+          <a:xfrm>
+            <a:off x="1734590" y="4637355"/>
+            <a:ext cx="9196386" cy="707886"/>
+          </a:xfrm>
+          <a:prstGeom prst="rect">
+            <a:avLst/>
+          </a:prstGeom>
+          <a:noFill/>
+        </p:spPr>
+        <p:txBody>
+          <a:bodyPr wrap="square" rtlCol="0">
+            <a:spAutoFit/>
+          </a:bodyPr>
+          <a:lstStyle/>
+          <a:p>
+            <a:r>
+              <a:rPr lang="en-US" sz="4000" b="1" dirty="0">
+                <a:solidFill>
+                  <a:srgbClr val="C00000"/>
+                </a:solidFill>
+                <a:latin typeface="Cambria" panose="02040503050406030204" pitchFamily="18" charset="0"/>
+              </a:rPr>
+              <a:t>REALLY ??</a:t>
+            </a:r>
+          </a:p>
+        </p:txBody>
+      </p:sp>
     </p:spTree>
     <p:extLst>
       <p:ext uri="{BB962C8B-B14F-4D97-AF65-F5344CB8AC3E}">
-        <p14:creationId xmlns:p14="http://schemas.microsoft.com/office/powerpoint/2010/main" val="2924337503"/>
+        <p14:creationId xmlns:p14="http://schemas.microsoft.com/office/powerpoint/2010/main" val="4243481658"/>
       </p:ext>
     </p:extLst>
   </p:cSld>
@@ -8007,14 +9029,14 @@
       </p:grpSpPr>
       <p:sp>
         <p:nvSpPr>
-          <p:cNvPr id="3" name="TextBox 2"/>
+          <p:cNvPr id="8" name="TextBox 7"/>
           <p:cNvSpPr txBox="1"/>
           <p:nvPr/>
         </p:nvSpPr>
         <p:spPr>
           <a:xfrm>
-            <a:off x="2513338" y="1738043"/>
-            <a:ext cx="8924282" cy="861774"/>
+            <a:off x="1271768" y="1115051"/>
+            <a:ext cx="9196386" cy="553998"/>
           </a:xfrm>
           <a:prstGeom prst="rect">
             <a:avLst/>
@@ -8028,13 +9050,13 @@
           <a:lstStyle/>
           <a:p>
             <a:r>
-              <a:rPr lang="en-US" sz="5000" b="1" dirty="0">
-                <a:solidFill>
-                  <a:schemeClr val="accent1"/>
-                </a:solidFill>
-                <a:latin typeface="Cambria" panose="02040503050406030204" pitchFamily="18" charset="0"/>
-              </a:rPr>
-              <a:t>LACK OF TRANSPARENCY</a:t>
+              <a:rPr lang="en-US" sz="3000" b="1" dirty="0">
+                <a:solidFill>
+                  <a:schemeClr val="accent1"/>
+                </a:solidFill>
+                <a:latin typeface="Cambria" panose="02040503050406030204" pitchFamily="18" charset="0"/>
+              </a:rPr>
+              <a:t>THE BASIC ARGUMENTS</a:t>
             </a:r>
           </a:p>
         </p:txBody>
@@ -8044,7 +9066,7 @@
           <p:cNvPr id="5" name="Straight Connector 4">
             <a:extLst>
               <a:ext uri="{FF2B5EF4-FFF2-40B4-BE49-F238E27FC236}">
-                <a16:creationId xmlns:a16="http://schemas.microsoft.com/office/drawing/2014/main" id="{2571E43F-CCA3-BB47-A7AF-81B47EA888E0}"/>
+                <a16:creationId xmlns:a16="http://schemas.microsoft.com/office/drawing/2014/main" id="{73953460-BAE6-3844-985E-0864BF7B7C49}"/>
               </a:ext>
             </a:extLst>
           </p:cNvPr>
@@ -8055,13 +9077,13 @@
         </p:nvCxnSpPr>
         <p:spPr>
           <a:xfrm>
-            <a:off x="2300750" y="1879133"/>
-            <a:ext cx="0" cy="720684"/>
+            <a:off x="1378101" y="1753299"/>
+            <a:ext cx="4146399" cy="0"/>
           </a:xfrm>
           <a:prstGeom prst="line">
             <a:avLst/>
           </a:prstGeom>
-          <a:ln w="38100"/>
+          <a:ln w="12700"/>
         </p:spPr>
         <p:style>
           <a:lnRef idx="1">
@@ -8078,10 +9100,207 @@
           </a:fontRef>
         </p:style>
       </p:cxnSp>
+      <p:sp>
+        <p:nvSpPr>
+          <p:cNvPr id="9" name="TextBox 8">
+            <a:extLst>
+              <a:ext uri="{FF2B5EF4-FFF2-40B4-BE49-F238E27FC236}">
+                <a16:creationId xmlns:a16="http://schemas.microsoft.com/office/drawing/2014/main" id="{2E7C4573-4FBE-264B-B514-CB0B5F4A8E42}"/>
+              </a:ext>
+            </a:extLst>
+          </p:cNvPr>
+          <p:cNvSpPr txBox="1"/>
+          <p:nvPr/>
+        </p:nvSpPr>
+        <p:spPr>
+          <a:xfrm>
+            <a:off x="1378101" y="1990256"/>
+            <a:ext cx="9909364" cy="3416320"/>
+          </a:xfrm>
+          <a:prstGeom prst="rect">
+            <a:avLst/>
+          </a:prstGeom>
+          <a:noFill/>
+        </p:spPr>
+        <p:txBody>
+          <a:bodyPr wrap="square" rtlCol="0">
+            <a:spAutoFit/>
+          </a:bodyPr>
+          <a:lstStyle/>
+          <a:p>
+            <a:pPr marL="342900" indent="-342900">
+              <a:buFont typeface="Arial"/>
+              <a:buChar char="•"/>
+            </a:pPr>
+            <a:r>
+              <a:rPr lang="en-US" sz="2400" b="1" dirty="0">
+                <a:solidFill>
+                  <a:schemeClr val="accent1"/>
+                </a:solidFill>
+                <a:latin typeface="Cambria" panose="02040503050406030204" pitchFamily="18" charset="0"/>
+              </a:rPr>
+              <a:t>SUPERINTELLIGENCE IS PHYSICALLY POSSIBLE</a:t>
+            </a:r>
+            <a:br>
+              <a:rPr lang="en-US" sz="2400" b="1" dirty="0">
+                <a:solidFill>
+                  <a:schemeClr val="accent1"/>
+                </a:solidFill>
+                <a:latin typeface="Cambria" panose="02040503050406030204" pitchFamily="18" charset="0"/>
+              </a:rPr>
+            </a:br>
+            <a:endParaRPr lang="en-US" sz="2400" b="1" dirty="0">
+              <a:solidFill>
+                <a:schemeClr val="accent1"/>
+              </a:solidFill>
+              <a:latin typeface="Cambria" panose="02040503050406030204" pitchFamily="18" charset="0"/>
+            </a:endParaRPr>
+          </a:p>
+          <a:p>
+            <a:pPr marL="342900" indent="-342900">
+              <a:buFont typeface="Arial"/>
+              <a:buChar char="•"/>
+            </a:pPr>
+            <a:r>
+              <a:rPr lang="en-US" sz="2400" b="1" dirty="0">
+                <a:solidFill>
+                  <a:schemeClr val="accent1"/>
+                </a:solidFill>
+                <a:latin typeface="Cambria" panose="02040503050406030204" pitchFamily="18" charset="0"/>
+              </a:rPr>
+              <a:t>TOWARDS CREATIVITY, STRATEGIC PLANNING, SOCIAL SKILLS</a:t>
+            </a:r>
+            <a:br>
+              <a:rPr lang="en-US" sz="2400" b="1" dirty="0">
+                <a:solidFill>
+                  <a:schemeClr val="accent1"/>
+                </a:solidFill>
+                <a:latin typeface="Cambria" panose="02040503050406030204" pitchFamily="18" charset="0"/>
+              </a:rPr>
+            </a:br>
+            <a:endParaRPr lang="en-US" sz="2400" b="1" dirty="0">
+              <a:solidFill>
+                <a:schemeClr val="accent1"/>
+              </a:solidFill>
+              <a:latin typeface="Cambria" panose="02040503050406030204" pitchFamily="18" charset="0"/>
+            </a:endParaRPr>
+          </a:p>
+          <a:p>
+            <a:pPr marL="342900" indent="-342900">
+              <a:buFont typeface="Arial"/>
+              <a:buChar char="•"/>
+            </a:pPr>
+            <a:r>
+              <a:rPr lang="en-US" sz="2400" b="1" dirty="0">
+                <a:solidFill>
+                  <a:schemeClr val="accent1"/>
+                </a:solidFill>
+                <a:latin typeface="Cambria" panose="02040503050406030204" pitchFamily="18" charset="0"/>
+              </a:rPr>
+              <a:t>RECURSIVE AUTO-IMPROVEMENT</a:t>
+            </a:r>
+            <a:br>
+              <a:rPr lang="en-US" sz="2400" b="1" dirty="0">
+                <a:solidFill>
+                  <a:schemeClr val="accent1"/>
+                </a:solidFill>
+                <a:latin typeface="Cambria" panose="02040503050406030204" pitchFamily="18" charset="0"/>
+              </a:rPr>
+            </a:br>
+            <a:endParaRPr lang="en-US" sz="2400" b="1" dirty="0">
+              <a:solidFill>
+                <a:schemeClr val="accent1"/>
+              </a:solidFill>
+              <a:latin typeface="Cambria" panose="02040503050406030204" pitchFamily="18" charset="0"/>
+            </a:endParaRPr>
+          </a:p>
+          <a:p>
+            <a:pPr marL="342900" indent="-342900">
+              <a:buFont typeface="Arial"/>
+              <a:buChar char="•"/>
+            </a:pPr>
+            <a:r>
+              <a:rPr lang="en-US" sz="2400" b="1" dirty="0">
+                <a:solidFill>
+                  <a:schemeClr val="accent1"/>
+                </a:solidFill>
+                <a:latin typeface="Cambria" panose="02040503050406030204" pitchFamily="18" charset="0"/>
+              </a:rPr>
+              <a:t>LOOK AT GAME OF GO RECENT BREAKTHROUGH …</a:t>
+            </a:r>
+            <a:br>
+              <a:rPr lang="en-US" sz="2400" b="1" dirty="0">
+                <a:solidFill>
+                  <a:schemeClr val="accent1"/>
+                </a:solidFill>
+                <a:latin typeface="Cambria" panose="02040503050406030204" pitchFamily="18" charset="0"/>
+              </a:rPr>
+            </a:br>
+            <a:endParaRPr lang="en-US" sz="2400" b="1" dirty="0">
+              <a:solidFill>
+                <a:schemeClr val="accent1"/>
+              </a:solidFill>
+              <a:latin typeface="Cambria" panose="02040503050406030204" pitchFamily="18" charset="0"/>
+            </a:endParaRPr>
+          </a:p>
+          <a:p>
+            <a:pPr marL="342900" indent="-342900">
+              <a:buFont typeface="Arial"/>
+              <a:buChar char="•"/>
+            </a:pPr>
+            <a:endParaRPr lang="en-US" sz="2400" b="1" dirty="0">
+              <a:solidFill>
+                <a:schemeClr val="accent1"/>
+              </a:solidFill>
+              <a:latin typeface="Cambria" panose="02040503050406030204" pitchFamily="18" charset="0"/>
+            </a:endParaRPr>
+          </a:p>
+        </p:txBody>
+      </p:sp>
+      <p:sp>
+        <p:nvSpPr>
+          <p:cNvPr id="10" name="TextBox 9">
+            <a:extLst>
+              <a:ext uri="{FF2B5EF4-FFF2-40B4-BE49-F238E27FC236}">
+                <a16:creationId xmlns:a16="http://schemas.microsoft.com/office/drawing/2014/main" id="{2D3E0F1F-3F52-1140-A327-59AE4CE25A6E}"/>
+              </a:ext>
+            </a:extLst>
+          </p:cNvPr>
+          <p:cNvSpPr txBox="1"/>
+          <p:nvPr/>
+        </p:nvSpPr>
+        <p:spPr>
+          <a:xfrm>
+            <a:off x="1734590" y="4637355"/>
+            <a:ext cx="9196386" cy="707886"/>
+          </a:xfrm>
+          <a:prstGeom prst="rect">
+            <a:avLst/>
+          </a:prstGeom>
+          <a:noFill/>
+        </p:spPr>
+        <p:txBody>
+          <a:bodyPr wrap="square" rtlCol="0">
+            <a:spAutoFit/>
+          </a:bodyPr>
+          <a:lstStyle/>
+          <a:p>
+            <a:r>
+              <a:rPr lang="en-US" sz="4000" b="1" dirty="0">
+                <a:solidFill>
+                  <a:srgbClr val="C00000"/>
+                </a:solidFill>
+                <a:latin typeface="Cambria" panose="02040503050406030204" pitchFamily="18" charset="0"/>
+              </a:rPr>
+              <a:t>REALLY ??</a:t>
+            </a:r>
+          </a:p>
+        </p:txBody>
+      </p:sp>
     </p:spTree>
     <p:extLst>
       <p:ext uri="{BB962C8B-B14F-4D97-AF65-F5344CB8AC3E}">
-        <p14:creationId xmlns:p14="http://schemas.microsoft.com/office/powerpoint/2010/main" val="255772197"/>
+        <p14:creationId xmlns:p14="http://schemas.microsoft.com/office/powerpoint/2010/main" val="2497422580"/>
       </p:ext>
     </p:extLst>
   </p:cSld>
@@ -8122,14 +9341,14 @@
       </p:grpSpPr>
       <p:sp>
         <p:nvSpPr>
-          <p:cNvPr id="8" name="TextBox 7"/>
+          <p:cNvPr id="3" name="TextBox 2"/>
           <p:cNvSpPr txBox="1"/>
           <p:nvPr/>
         </p:nvSpPr>
         <p:spPr>
           <a:xfrm>
-            <a:off x="1271768" y="1115051"/>
-            <a:ext cx="9196386" cy="553998"/>
+            <a:off x="2513338" y="1745663"/>
+            <a:ext cx="8924282" cy="861774"/>
           </a:xfrm>
           <a:prstGeom prst="rect">
             <a:avLst/>
@@ -8143,191 +9362,23 @@
           <a:lstStyle/>
           <a:p>
             <a:r>
-              <a:rPr lang="en-US" sz="3000" b="1" dirty="0">
-                <a:solidFill>
-                  <a:schemeClr val="accent1"/>
-                </a:solidFill>
-                <a:latin typeface="Cambria" panose="02040503050406030204" pitchFamily="18" charset="0"/>
-              </a:rPr>
-              <a:t>THE BLACK-BOX PHENOMENON</a:t>
-            </a:r>
-          </a:p>
-        </p:txBody>
-      </p:sp>
-      <p:sp>
-        <p:nvSpPr>
-          <p:cNvPr id="9" name="TextBox 8"/>
-          <p:cNvSpPr txBox="1"/>
-          <p:nvPr/>
-        </p:nvSpPr>
-        <p:spPr>
-          <a:xfrm>
-            <a:off x="1275701" y="1830236"/>
-            <a:ext cx="9909364" cy="4154984"/>
-          </a:xfrm>
-          <a:prstGeom prst="rect">
-            <a:avLst/>
-          </a:prstGeom>
-          <a:noFill/>
-        </p:spPr>
-        <p:txBody>
-          <a:bodyPr wrap="square" rtlCol="0">
-            <a:spAutoFit/>
-          </a:bodyPr>
-          <a:lstStyle/>
-          <a:p>
-            <a:pPr marL="342900" indent="-342900">
-              <a:buFont typeface="Arial"/>
-              <a:buChar char="•"/>
-            </a:pPr>
-            <a:r>
-              <a:rPr lang="en-US" sz="2400" b="1" dirty="0">
-                <a:solidFill>
-                  <a:schemeClr val="accent1"/>
-                </a:solidFill>
-                <a:latin typeface="Cambria" panose="02040503050406030204" pitchFamily="18" charset="0"/>
-              </a:rPr>
-              <a:t>SIMPLE MODELS LIKE DECISION TREE ARE EASY TO EXPLAIN</a:t>
-            </a:r>
-            <a:br>
-              <a:rPr lang="en-US" sz="2400" b="1" dirty="0">
-                <a:solidFill>
-                  <a:schemeClr val="accent1"/>
-                </a:solidFill>
-                <a:latin typeface="Cambria" panose="02040503050406030204" pitchFamily="18" charset="0"/>
-              </a:rPr>
-            </a:br>
-            <a:endParaRPr lang="en-US" sz="2400" b="1" dirty="0">
-              <a:solidFill>
-                <a:schemeClr val="accent1"/>
-              </a:solidFill>
-              <a:latin typeface="Cambria" panose="02040503050406030204" pitchFamily="18" charset="0"/>
-            </a:endParaRPr>
-          </a:p>
-          <a:p>
-            <a:pPr marL="342900" indent="-342900">
-              <a:buFont typeface="Arial"/>
-              <a:buChar char="•"/>
-            </a:pPr>
-            <a:r>
-              <a:rPr lang="en-US" sz="2400" b="1" dirty="0">
-                <a:solidFill>
-                  <a:schemeClr val="accent1"/>
-                </a:solidFill>
-                <a:latin typeface="Cambria" panose="02040503050406030204" pitchFamily="18" charset="0"/>
-              </a:rPr>
-              <a:t>STATE-OF-THE ART ENSEMBLE METHODS INCREASED PERFORMANCE OBSCURE …</a:t>
-            </a:r>
-            <a:br>
-              <a:rPr lang="en-US" sz="2400" dirty="0">
-                <a:solidFill>
-                  <a:schemeClr val="accent1"/>
-                </a:solidFill>
-                <a:latin typeface="Cambria" panose="02040503050406030204" pitchFamily="18" charset="0"/>
-              </a:rPr>
-            </a:br>
-            <a:endParaRPr lang="en-US" sz="2400" b="1" dirty="0">
-              <a:solidFill>
-                <a:schemeClr val="accent1"/>
-              </a:solidFill>
-              <a:latin typeface="Cambria" panose="02040503050406030204" pitchFamily="18" charset="0"/>
-            </a:endParaRPr>
-          </a:p>
-          <a:p>
-            <a:pPr marL="342900" indent="-342900">
-              <a:buFont typeface="Arial"/>
-              <a:buChar char="•"/>
-            </a:pPr>
-            <a:r>
-              <a:rPr lang="en-US" sz="2400" b="1" dirty="0">
-                <a:solidFill>
-                  <a:schemeClr val="accent1"/>
-                </a:solidFill>
-                <a:latin typeface="Cambria" panose="02040503050406030204" pitchFamily="18" charset="0"/>
-              </a:rPr>
-              <a:t>IDEM WITH DEEP NEURAL NETWORKS</a:t>
-            </a:r>
-            <a:br>
-              <a:rPr lang="en-US" sz="2400" b="1" dirty="0">
-                <a:solidFill>
-                  <a:schemeClr val="accent1"/>
-                </a:solidFill>
-                <a:latin typeface="Cambria" panose="02040503050406030204" pitchFamily="18" charset="0"/>
-              </a:rPr>
-            </a:br>
-            <a:endParaRPr lang="en-US" sz="2400" b="1" dirty="0">
-              <a:solidFill>
-                <a:schemeClr val="accent1"/>
-              </a:solidFill>
-              <a:latin typeface="Cambria" panose="02040503050406030204" pitchFamily="18" charset="0"/>
-            </a:endParaRPr>
-          </a:p>
-          <a:p>
-            <a:pPr marL="342900" indent="-342900">
-              <a:buFont typeface="Arial"/>
-              <a:buChar char="•"/>
-            </a:pPr>
-            <a:r>
-              <a:rPr lang="en-US" sz="2400" b="1" dirty="0">
-                <a:solidFill>
-                  <a:schemeClr val="accent1"/>
-                </a:solidFill>
-                <a:latin typeface="Cambria" panose="02040503050406030204" pitchFamily="18" charset="0"/>
-              </a:rPr>
-              <a:t>UNABLE TO JUSTIFY/EXPLAIN THE PREDICTION</a:t>
-            </a:r>
-            <a:br>
-              <a:rPr lang="en-US" sz="2400" b="1" dirty="0">
-                <a:solidFill>
-                  <a:schemeClr val="accent1"/>
-                </a:solidFill>
-                <a:latin typeface="Cambria" panose="02040503050406030204" pitchFamily="18" charset="0"/>
-              </a:rPr>
-            </a:br>
-            <a:endParaRPr lang="en-US" sz="2400" b="1" dirty="0">
-              <a:solidFill>
-                <a:schemeClr val="accent1"/>
-              </a:solidFill>
-              <a:latin typeface="Cambria" panose="02040503050406030204" pitchFamily="18" charset="0"/>
-            </a:endParaRPr>
-          </a:p>
-          <a:p>
-            <a:pPr marL="342900" indent="-342900">
-              <a:buFont typeface="Arial"/>
-              <a:buChar char="•"/>
-            </a:pPr>
-            <a:r>
-              <a:rPr lang="en-US" sz="2400" b="1" dirty="0">
-                <a:solidFill>
-                  <a:schemeClr val="accent1"/>
-                </a:solidFill>
-                <a:latin typeface="Cambria" panose="02040503050406030204" pitchFamily="18" charset="0"/>
-              </a:rPr>
-              <a:t>DEMOCRATIC ISSUE </a:t>
-            </a:r>
-            <a:br>
-              <a:rPr lang="en-US" sz="2400" dirty="0">
-                <a:solidFill>
-                  <a:schemeClr val="accent1"/>
-                </a:solidFill>
-                <a:latin typeface="Cambria" panose="02040503050406030204" pitchFamily="18" charset="0"/>
-              </a:rPr>
-            </a:br>
-            <a:endParaRPr lang="en-US" sz="2400" dirty="0">
-              <a:solidFill>
-                <a:schemeClr val="accent1"/>
-              </a:solidFill>
-              <a:latin typeface="Cambria" panose="02040503050406030204" pitchFamily="18" charset="0"/>
-            </a:endParaRPr>
+              <a:rPr lang="en-US" sz="5000" b="1" dirty="0">
+                <a:solidFill>
+                  <a:schemeClr val="accent1"/>
+                </a:solidFill>
+                <a:latin typeface="Cambria" panose="02040503050406030204" pitchFamily="18" charset="0"/>
+              </a:rPr>
+              <a:t>ALREADY CURRENT ISSUES</a:t>
+            </a:r>
           </a:p>
         </p:txBody>
       </p:sp>
       <p:cxnSp>
         <p:nvCxnSpPr>
-          <p:cNvPr id="4" name="Straight Connector 3">
+          <p:cNvPr id="5" name="Straight Connector 4">
             <a:extLst>
               <a:ext uri="{FF2B5EF4-FFF2-40B4-BE49-F238E27FC236}">
-                <a16:creationId xmlns:a16="http://schemas.microsoft.com/office/drawing/2014/main" id="{225C82A8-2506-B348-8B2D-5D15191060C0}"/>
+                <a16:creationId xmlns:a16="http://schemas.microsoft.com/office/drawing/2014/main" id="{2571E43F-CCA3-BB47-A7AF-81B47EA888E0}"/>
               </a:ext>
             </a:extLst>
           </p:cNvPr>
@@ -8338,13 +9389,13 @@
         </p:nvCxnSpPr>
         <p:spPr>
           <a:xfrm>
-            <a:off x="1378101" y="1753299"/>
-            <a:ext cx="8741259" cy="0"/>
+            <a:off x="2300750" y="1879133"/>
+            <a:ext cx="0" cy="633408"/>
           </a:xfrm>
           <a:prstGeom prst="line">
             <a:avLst/>
           </a:prstGeom>
-          <a:ln w="12700"/>
+          <a:ln w="38100"/>
         </p:spPr>
         <p:style>
           <a:lnRef idx="1">
@@ -8364,7 +9415,7 @@
     </p:spTree>
     <p:extLst>
       <p:ext uri="{BB962C8B-B14F-4D97-AF65-F5344CB8AC3E}">
-        <p14:creationId xmlns:p14="http://schemas.microsoft.com/office/powerpoint/2010/main" val="1131173991"/>
+        <p14:creationId xmlns:p14="http://schemas.microsoft.com/office/powerpoint/2010/main" val="2455821496"/>
       </p:ext>
     </p:extLst>
   </p:cSld>
@@ -8432,96 +9483,185 @@
                 </a:solidFill>
                 <a:latin typeface="Cambria" panose="02040503050406030204" pitchFamily="18" charset="0"/>
               </a:rPr>
-              <a:t>EXPLAINABLE AI</a:t>
-            </a:r>
-          </a:p>
-        </p:txBody>
-      </p:sp>
-      <p:pic>
-        <p:nvPicPr>
-          <p:cNvPr id="2" name="Picture 1">
-            <a:extLst>
-              <a:ext uri="{FF2B5EF4-FFF2-40B4-BE49-F238E27FC236}">
-                <a16:creationId xmlns:a16="http://schemas.microsoft.com/office/drawing/2014/main" id="{9E5F68D6-8700-7145-848C-E17C5DEE30F6}"/>
-              </a:ext>
-            </a:extLst>
-          </p:cNvPr>
-          <p:cNvPicPr>
-            <a:picLocks noChangeAspect="1"/>
-          </p:cNvPicPr>
+              <a:t>RATHER FOCUS ON ALREADY PRESENT ISSUES</a:t>
+            </a:r>
+          </a:p>
+        </p:txBody>
+      </p:sp>
+      <p:sp>
+        <p:nvSpPr>
+          <p:cNvPr id="9" name="TextBox 8"/>
+          <p:cNvSpPr txBox="1"/>
           <p:nvPr/>
-        </p:nvPicPr>
-        <p:blipFill>
-          <a:blip r:embed="rId3"/>
-          <a:stretch>
-            <a:fillRect/>
-          </a:stretch>
-        </p:blipFill>
-        <p:spPr>
-          <a:xfrm>
-            <a:off x="1271768" y="1911421"/>
-            <a:ext cx="5477198" cy="4043680"/>
+        </p:nvSpPr>
+        <p:spPr>
+          <a:xfrm>
+            <a:off x="1378101" y="1990256"/>
+            <a:ext cx="9909364" cy="3785652"/>
           </a:xfrm>
           <a:prstGeom prst="rect">
             <a:avLst/>
           </a:prstGeom>
-        </p:spPr>
-      </p:pic>
-      <p:sp>
-        <p:nvSpPr>
-          <p:cNvPr id="3" name="Rectangle 2">
+          <a:noFill/>
+        </p:spPr>
+        <p:txBody>
+          <a:bodyPr wrap="square" rtlCol="0">
+            <a:spAutoFit/>
+          </a:bodyPr>
+          <a:lstStyle/>
+          <a:p>
+            <a:pPr marL="342900" indent="-342900">
+              <a:buFont typeface="Arial"/>
+              <a:buChar char="•"/>
+            </a:pPr>
+            <a:r>
+              <a:rPr lang="en-US" sz="2400" b="1" dirty="0">
+                <a:solidFill>
+                  <a:schemeClr val="accent1"/>
+                </a:solidFill>
+                <a:latin typeface="Cambria" panose="02040503050406030204" pitchFamily="18" charset="0"/>
+              </a:rPr>
+              <a:t>LACK OF TRANSPARENCY &amp; TRUST</a:t>
+            </a:r>
+            <a:br>
+              <a:rPr lang="en-US" sz="2400" b="1" dirty="0">
+                <a:solidFill>
+                  <a:schemeClr val="accent1"/>
+                </a:solidFill>
+                <a:latin typeface="Cambria" panose="02040503050406030204" pitchFamily="18" charset="0"/>
+              </a:rPr>
+            </a:br>
+            <a:endParaRPr lang="en-US" sz="2400" b="1" dirty="0">
+              <a:solidFill>
+                <a:schemeClr val="accent1"/>
+              </a:solidFill>
+              <a:latin typeface="Cambria" panose="02040503050406030204" pitchFamily="18" charset="0"/>
+            </a:endParaRPr>
+          </a:p>
+          <a:p>
+            <a:pPr marL="342900" indent="-342900">
+              <a:buFont typeface="Arial"/>
+              <a:buChar char="•"/>
+            </a:pPr>
+            <a:r>
+              <a:rPr lang="en-US" sz="2400" b="1" dirty="0">
+                <a:solidFill>
+                  <a:schemeClr val="accent1"/>
+                </a:solidFill>
+                <a:latin typeface="Cambria" panose="02040503050406030204" pitchFamily="18" charset="0"/>
+              </a:rPr>
+              <a:t>DELEGATE JUDGEMENT IN SENSITIVE AREAS</a:t>
+            </a:r>
+            <a:br>
+              <a:rPr lang="en-US" sz="2400" b="1" dirty="0">
+                <a:solidFill>
+                  <a:schemeClr val="accent1"/>
+                </a:solidFill>
+                <a:latin typeface="Cambria" panose="02040503050406030204" pitchFamily="18" charset="0"/>
+              </a:rPr>
+            </a:br>
+            <a:endParaRPr lang="en-US" sz="2400" b="1" dirty="0">
+              <a:solidFill>
+                <a:schemeClr val="accent1"/>
+              </a:solidFill>
+              <a:latin typeface="Cambria" panose="02040503050406030204" pitchFamily="18" charset="0"/>
+            </a:endParaRPr>
+          </a:p>
+          <a:p>
+            <a:pPr marL="342900" indent="-342900">
+              <a:buFont typeface="Arial"/>
+              <a:buChar char="•"/>
+            </a:pPr>
+            <a:r>
+              <a:rPr lang="en-US" sz="2400" b="1" dirty="0">
+                <a:solidFill>
+                  <a:schemeClr val="accent1"/>
+                </a:solidFill>
+                <a:latin typeface="Cambria" panose="02040503050406030204" pitchFamily="18" charset="0"/>
+              </a:rPr>
+              <a:t>INJECTING HUMAN BIAS</a:t>
+            </a:r>
+            <a:br>
+              <a:rPr lang="en-US" sz="2400" b="1" dirty="0">
+                <a:solidFill>
+                  <a:schemeClr val="accent1"/>
+                </a:solidFill>
+                <a:latin typeface="Cambria" panose="02040503050406030204" pitchFamily="18" charset="0"/>
+              </a:rPr>
+            </a:br>
+            <a:endParaRPr lang="en-US" sz="2400" b="1" dirty="0">
+              <a:solidFill>
+                <a:schemeClr val="accent1"/>
+              </a:solidFill>
+              <a:latin typeface="Cambria" panose="02040503050406030204" pitchFamily="18" charset="0"/>
+            </a:endParaRPr>
+          </a:p>
+          <a:p>
+            <a:pPr marL="342900" indent="-342900">
+              <a:buFont typeface="Arial"/>
+              <a:buChar char="•"/>
+            </a:pPr>
+            <a:r>
+              <a:rPr lang="en-US" sz="2400" b="1" dirty="0">
+                <a:solidFill>
+                  <a:schemeClr val="accent1"/>
+                </a:solidFill>
+                <a:latin typeface="Cambria" panose="02040503050406030204" pitchFamily="18" charset="0"/>
+              </a:rPr>
+              <a:t>COMPLIANCE WITH SOCIAL AND VALUE NORMS</a:t>
+            </a:r>
+            <a:br>
+              <a:rPr lang="en-US" sz="2400" b="1" dirty="0">
+                <a:solidFill>
+                  <a:schemeClr val="accent1"/>
+                </a:solidFill>
+                <a:latin typeface="Cambria" panose="02040503050406030204" pitchFamily="18" charset="0"/>
+              </a:rPr>
+            </a:br>
+            <a:endParaRPr lang="en-US" sz="2400" b="1" dirty="0">
+              <a:solidFill>
+                <a:schemeClr val="accent1"/>
+              </a:solidFill>
+              <a:latin typeface="Cambria" panose="02040503050406030204" pitchFamily="18" charset="0"/>
+            </a:endParaRPr>
+          </a:p>
+          <a:p>
+            <a:pPr marL="342900" indent="-342900">
+              <a:buFont typeface="Arial"/>
+              <a:buChar char="•"/>
+            </a:pPr>
+            <a:r>
+              <a:rPr lang="en-US" sz="2400" b="1" dirty="0">
+                <a:solidFill>
+                  <a:schemeClr val="accent1"/>
+                </a:solidFill>
+                <a:latin typeface="Cambria" panose="02040503050406030204" pitchFamily="18" charset="0"/>
+              </a:rPr>
+              <a:t>…</a:t>
+            </a:r>
+            <a:br>
+              <a:rPr lang="en-US" sz="2400" dirty="0">
+                <a:solidFill>
+                  <a:schemeClr val="accent1"/>
+                </a:solidFill>
+                <a:latin typeface="Cambria" panose="02040503050406030204" pitchFamily="18" charset="0"/>
+              </a:rPr>
+            </a:br>
+            <a:endParaRPr lang="en-US" sz="2400" dirty="0">
+              <a:solidFill>
+                <a:schemeClr val="accent1"/>
+              </a:solidFill>
+              <a:latin typeface="Cambria" panose="02040503050406030204" pitchFamily="18" charset="0"/>
+            </a:endParaRPr>
+          </a:p>
+        </p:txBody>
+      </p:sp>
+      <p:cxnSp>
+        <p:nvCxnSpPr>
+          <p:cNvPr id="4" name="Straight Connector 3">
             <a:extLst>
               <a:ext uri="{FF2B5EF4-FFF2-40B4-BE49-F238E27FC236}">
-                <a16:creationId xmlns:a16="http://schemas.microsoft.com/office/drawing/2014/main" id="{071BEB91-FB3E-A04A-9EFB-53EED6C40630}"/>
-              </a:ext>
-            </a:extLst>
-          </p:cNvPr>
-          <p:cNvSpPr/>
-          <p:nvPr/>
-        </p:nvSpPr>
-        <p:spPr>
-          <a:xfrm>
-            <a:off x="1271768" y="5970955"/>
-            <a:ext cx="7521712" cy="369332"/>
-          </a:xfrm>
-          <a:prstGeom prst="rect">
-            <a:avLst/>
-          </a:prstGeom>
-        </p:spPr>
-        <p:txBody>
-          <a:bodyPr wrap="square">
-            <a:spAutoFit/>
-          </a:bodyPr>
-          <a:lstStyle/>
-          <a:p>
-            <a:r>
-              <a:rPr lang="en-US" dirty="0">
-                <a:hlinkClick r:id="rId4"/>
-              </a:rPr>
-              <a:t>https://</a:t>
-            </a:r>
-            <a:r>
-              <a:rPr lang="en-US" dirty="0" err="1">
-                <a:hlinkClick r:id="rId4"/>
-              </a:rPr>
-              <a:t>www.darpa.mil</a:t>
-            </a:r>
-            <a:r>
-              <a:rPr lang="en-US" dirty="0">
-                <a:hlinkClick r:id="rId4"/>
-              </a:rPr>
-              <a:t>/program/explainable-artificial-intelligence</a:t>
-            </a:r>
-            <a:endParaRPr lang="en-US" dirty="0"/>
-          </a:p>
-        </p:txBody>
-      </p:sp>
-      <p:cxnSp>
-        <p:nvCxnSpPr>
-          <p:cNvPr id="5" name="Straight Connector 4">
-            <a:extLst>
-              <a:ext uri="{FF2B5EF4-FFF2-40B4-BE49-F238E27FC236}">
-                <a16:creationId xmlns:a16="http://schemas.microsoft.com/office/drawing/2014/main" id="{A2388163-5489-4B4B-8320-3B11B7782F38}"/>
+                <a16:creationId xmlns:a16="http://schemas.microsoft.com/office/drawing/2014/main" id="{8C700E82-5E39-704F-873F-B84E6BE47707}"/>
               </a:ext>
             </a:extLst>
           </p:cNvPr>
@@ -8533,7 +9673,7 @@
         <p:spPr>
           <a:xfrm>
             <a:off x="1378101" y="1753299"/>
-            <a:ext cx="6081879" cy="0"/>
+            <a:ext cx="8017359" cy="0"/>
           </a:xfrm>
           <a:prstGeom prst="line">
             <a:avLst/>
@@ -8558,7 +9698,7 @@
     </p:spTree>
     <p:extLst>
       <p:ext uri="{BB962C8B-B14F-4D97-AF65-F5344CB8AC3E}">
-        <p14:creationId xmlns:p14="http://schemas.microsoft.com/office/powerpoint/2010/main" val="2952107966"/>
+        <p14:creationId xmlns:p14="http://schemas.microsoft.com/office/powerpoint/2010/main" val="2924337503"/>
       </p:ext>
     </p:extLst>
   </p:cSld>

--- a/presentations/session-6-ethics-of-ai.pptx
+++ b/presentations/session-6-ethics-of-ai.pptx
@@ -5,7 +5,7 @@
     <p:sldMasterId id="2147483648" r:id="rId1"/>
   </p:sldMasterIdLst>
   <p:notesMasterIdLst>
-    <p:notesMasterId r:id="rId25"/>
+    <p:notesMasterId r:id="rId28"/>
   </p:notesMasterIdLst>
   <p:sldIdLst>
     <p:sldId id="263" r:id="rId2"/>
@@ -14,7 +14,7 @@
     <p:sldId id="542" r:id="rId5"/>
     <p:sldId id="593" r:id="rId6"/>
     <p:sldId id="433" r:id="rId7"/>
-    <p:sldId id="594" r:id="rId8"/>
+    <p:sldId id="595" r:id="rId8"/>
     <p:sldId id="591" r:id="rId9"/>
     <p:sldId id="557" r:id="rId10"/>
     <p:sldId id="585" r:id="rId11"/>
@@ -31,6 +31,9 @@
     <p:sldId id="589" r:id="rId22"/>
     <p:sldId id="568" r:id="rId23"/>
     <p:sldId id="590" r:id="rId24"/>
+    <p:sldId id="601" r:id="rId25"/>
+    <p:sldId id="599" r:id="rId26"/>
+    <p:sldId id="597" r:id="rId27"/>
   </p:sldIdLst>
   <p:sldSz cx="12192000" cy="6858000"/>
   <p:notesSz cx="6797675" cy="9874250"/>
@@ -1825,7 +1828,10 @@
               <a:buFont typeface="Arial" panose="020B0604020202020204" pitchFamily="34" charset="0"/>
               <a:buChar char="•"/>
             </a:pPr>
-            <a:endParaRPr lang="en-US" dirty="0"/>
+            <a:r>
+              <a:rPr lang="en-US" dirty="0"/>
+              <a:t>Medium-to-long term likely scenarios</a:t>
+            </a:r>
           </a:p>
         </p:txBody>
       </p:sp>
@@ -1856,6 +1862,261 @@
     <p:extLst>
       <p:ext uri="{BB962C8B-B14F-4D97-AF65-F5344CB8AC3E}">
         <p14:creationId xmlns:p14="http://schemas.microsoft.com/office/powerpoint/2010/main" val="2324582466"/>
+      </p:ext>
+    </p:extLst>
+  </p:cSld>
+  <p:clrMapOvr>
+    <a:masterClrMapping/>
+  </p:clrMapOvr>
+</p:notes>
+</file>
+
+<file path=ppt/notesSlides/notesSlide24.xml><?xml version="1.0" encoding="utf-8"?>
+<p:notes xmlns:a="http://schemas.openxmlformats.org/drawingml/2006/main" xmlns:r="http://schemas.openxmlformats.org/officeDocument/2006/relationships" xmlns:p="http://schemas.openxmlformats.org/presentationml/2006/main">
+  <p:cSld>
+    <p:spTree>
+      <p:nvGrpSpPr>
+        <p:cNvPr id="1" name=""/>
+        <p:cNvGrpSpPr/>
+        <p:nvPr/>
+      </p:nvGrpSpPr>
+      <p:grpSpPr>
+        <a:xfrm>
+          <a:off x="0" y="0"/>
+          <a:ext cx="0" cy="0"/>
+          <a:chOff x="0" y="0"/>
+          <a:chExt cx="0" cy="0"/>
+        </a:xfrm>
+      </p:grpSpPr>
+      <p:sp>
+        <p:nvSpPr>
+          <p:cNvPr id="2" name="Slide Image Placeholder 1"/>
+          <p:cNvSpPr>
+            <a:spLocks noGrp="1" noRot="1" noChangeAspect="1"/>
+          </p:cNvSpPr>
+          <p:nvPr>
+            <p:ph type="sldImg"/>
+          </p:nvPr>
+        </p:nvSpPr>
+        <p:spPr/>
+      </p:sp>
+      <p:sp>
+        <p:nvSpPr>
+          <p:cNvPr id="3" name="Notes Placeholder 2"/>
+          <p:cNvSpPr>
+            <a:spLocks noGrp="1"/>
+          </p:cNvSpPr>
+          <p:nvPr>
+            <p:ph type="body" idx="1"/>
+          </p:nvPr>
+        </p:nvSpPr>
+        <p:spPr/>
+        <p:txBody>
+          <a:bodyPr/>
+          <a:lstStyle/>
+          <a:p>
+            <a:endParaRPr lang="en-US" dirty="0"/>
+          </a:p>
+        </p:txBody>
+      </p:sp>
+      <p:sp>
+        <p:nvSpPr>
+          <p:cNvPr id="4" name="Slide Number Placeholder 3"/>
+          <p:cNvSpPr>
+            <a:spLocks noGrp="1"/>
+          </p:cNvSpPr>
+          <p:nvPr>
+            <p:ph type="sldNum" sz="quarter" idx="10"/>
+          </p:nvPr>
+        </p:nvSpPr>
+        <p:spPr/>
+        <p:txBody>
+          <a:bodyPr/>
+          <a:lstStyle/>
+          <a:p>
+            <a:fld id="{2F6F93F9-6E01-423B-ABB3-8FB3B0651941}" type="slidenum">
+              <a:rPr lang="en-US" smtClean="0"/>
+              <a:t>24</a:t>
+            </a:fld>
+            <a:endParaRPr lang="en-US"/>
+          </a:p>
+        </p:txBody>
+      </p:sp>
+    </p:spTree>
+    <p:extLst>
+      <p:ext uri="{BB962C8B-B14F-4D97-AF65-F5344CB8AC3E}">
+        <p14:creationId xmlns:p14="http://schemas.microsoft.com/office/powerpoint/2010/main" val="4078216384"/>
+      </p:ext>
+    </p:extLst>
+  </p:cSld>
+  <p:clrMapOvr>
+    <a:masterClrMapping/>
+  </p:clrMapOvr>
+</p:notes>
+</file>
+
+<file path=ppt/notesSlides/notesSlide25.xml><?xml version="1.0" encoding="utf-8"?>
+<p:notes xmlns:a="http://schemas.openxmlformats.org/drawingml/2006/main" xmlns:r="http://schemas.openxmlformats.org/officeDocument/2006/relationships" xmlns:p="http://schemas.openxmlformats.org/presentationml/2006/main">
+  <p:cSld>
+    <p:spTree>
+      <p:nvGrpSpPr>
+        <p:cNvPr id="1" name=""/>
+        <p:cNvGrpSpPr/>
+        <p:nvPr/>
+      </p:nvGrpSpPr>
+      <p:grpSpPr>
+        <a:xfrm>
+          <a:off x="0" y="0"/>
+          <a:ext cx="0" cy="0"/>
+          <a:chOff x="0" y="0"/>
+          <a:chExt cx="0" cy="0"/>
+        </a:xfrm>
+      </p:grpSpPr>
+      <p:sp>
+        <p:nvSpPr>
+          <p:cNvPr id="2" name="Slide Image Placeholder 1"/>
+          <p:cNvSpPr>
+            <a:spLocks noGrp="1" noRot="1" noChangeAspect="1"/>
+          </p:cNvSpPr>
+          <p:nvPr>
+            <p:ph type="sldImg"/>
+          </p:nvPr>
+        </p:nvSpPr>
+        <p:spPr/>
+      </p:sp>
+      <p:sp>
+        <p:nvSpPr>
+          <p:cNvPr id="3" name="Notes Placeholder 2"/>
+          <p:cNvSpPr>
+            <a:spLocks noGrp="1"/>
+          </p:cNvSpPr>
+          <p:nvPr>
+            <p:ph type="body" idx="1"/>
+          </p:nvPr>
+        </p:nvSpPr>
+        <p:spPr/>
+        <p:txBody>
+          <a:bodyPr/>
+          <a:lstStyle/>
+          <a:p>
+            <a:endParaRPr lang="en-US" dirty="0"/>
+          </a:p>
+        </p:txBody>
+      </p:sp>
+      <p:sp>
+        <p:nvSpPr>
+          <p:cNvPr id="4" name="Slide Number Placeholder 3"/>
+          <p:cNvSpPr>
+            <a:spLocks noGrp="1"/>
+          </p:cNvSpPr>
+          <p:nvPr>
+            <p:ph type="sldNum" sz="quarter" idx="10"/>
+          </p:nvPr>
+        </p:nvSpPr>
+        <p:spPr/>
+        <p:txBody>
+          <a:bodyPr/>
+          <a:lstStyle/>
+          <a:p>
+            <a:fld id="{2F6F93F9-6E01-423B-ABB3-8FB3B0651941}" type="slidenum">
+              <a:rPr lang="en-US" smtClean="0"/>
+              <a:t>25</a:t>
+            </a:fld>
+            <a:endParaRPr lang="en-US"/>
+          </a:p>
+        </p:txBody>
+      </p:sp>
+    </p:spTree>
+    <p:extLst>
+      <p:ext uri="{BB962C8B-B14F-4D97-AF65-F5344CB8AC3E}">
+        <p14:creationId xmlns:p14="http://schemas.microsoft.com/office/powerpoint/2010/main" val="1137159190"/>
+      </p:ext>
+    </p:extLst>
+  </p:cSld>
+  <p:clrMapOvr>
+    <a:masterClrMapping/>
+  </p:clrMapOvr>
+</p:notes>
+</file>
+
+<file path=ppt/notesSlides/notesSlide26.xml><?xml version="1.0" encoding="utf-8"?>
+<p:notes xmlns:a="http://schemas.openxmlformats.org/drawingml/2006/main" xmlns:r="http://schemas.openxmlformats.org/officeDocument/2006/relationships" xmlns:p="http://schemas.openxmlformats.org/presentationml/2006/main">
+  <p:cSld>
+    <p:spTree>
+      <p:nvGrpSpPr>
+        <p:cNvPr id="1" name=""/>
+        <p:cNvGrpSpPr/>
+        <p:nvPr/>
+      </p:nvGrpSpPr>
+      <p:grpSpPr>
+        <a:xfrm>
+          <a:off x="0" y="0"/>
+          <a:ext cx="0" cy="0"/>
+          <a:chOff x="0" y="0"/>
+          <a:chExt cx="0" cy="0"/>
+        </a:xfrm>
+      </p:grpSpPr>
+      <p:sp>
+        <p:nvSpPr>
+          <p:cNvPr id="2" name="Slide Image Placeholder 1"/>
+          <p:cNvSpPr>
+            <a:spLocks noGrp="1" noRot="1" noChangeAspect="1"/>
+          </p:cNvSpPr>
+          <p:nvPr>
+            <p:ph type="sldImg"/>
+          </p:nvPr>
+        </p:nvSpPr>
+        <p:spPr/>
+      </p:sp>
+      <p:sp>
+        <p:nvSpPr>
+          <p:cNvPr id="3" name="Notes Placeholder 2"/>
+          <p:cNvSpPr>
+            <a:spLocks noGrp="1"/>
+          </p:cNvSpPr>
+          <p:nvPr>
+            <p:ph type="body" idx="1"/>
+          </p:nvPr>
+        </p:nvSpPr>
+        <p:spPr/>
+        <p:txBody>
+          <a:bodyPr/>
+          <a:lstStyle/>
+          <a:p>
+            <a:r>
+              <a:rPr lang="en-US" dirty="0"/>
+              <a:t>Not new: second world war Alan Turing and Enigma </a:t>
+            </a:r>
+          </a:p>
+        </p:txBody>
+      </p:sp>
+      <p:sp>
+        <p:nvSpPr>
+          <p:cNvPr id="4" name="Slide Number Placeholder 3"/>
+          <p:cNvSpPr>
+            <a:spLocks noGrp="1"/>
+          </p:cNvSpPr>
+          <p:nvPr>
+            <p:ph type="sldNum" sz="quarter" idx="10"/>
+          </p:nvPr>
+        </p:nvSpPr>
+        <p:spPr/>
+        <p:txBody>
+          <a:bodyPr/>
+          <a:lstStyle/>
+          <a:p>
+            <a:fld id="{2F6F93F9-6E01-423B-ABB3-8FB3B0651941}" type="slidenum">
+              <a:rPr lang="en-US" smtClean="0"/>
+              <a:t>26</a:t>
+            </a:fld>
+            <a:endParaRPr lang="en-US"/>
+          </a:p>
+        </p:txBody>
+      </p:sp>
+    </p:spTree>
+    <p:extLst>
+      <p:ext uri="{BB962C8B-B14F-4D97-AF65-F5344CB8AC3E}">
+        <p14:creationId xmlns:p14="http://schemas.microsoft.com/office/powerpoint/2010/main" val="3288281183"/>
       </p:ext>
     </p:extLst>
   </p:cSld>
@@ -2186,9 +2447,6 @@
               <a:t> breakthrough captured the imagination</a:t>
             </a:r>
           </a:p>
-          <a:p>
-            <a:endParaRPr lang="en-US" dirty="0"/>
-          </a:p>
         </p:txBody>
       </p:sp>
       <p:sp>
@@ -2271,18 +2529,335 @@
           <a:bodyPr/>
           <a:lstStyle/>
           <a:p>
-            <a:r>
-              <a:rPr lang="en-US" dirty="0"/>
-              <a:t>Game of Go taken as example: this is clearly an overstatement !! Very narrow field but </a:t>
-            </a:r>
-            <a:r>
-              <a:rPr lang="en-US" dirty="0" err="1"/>
-              <a:t>Deepmind</a:t>
-            </a:r>
-            <a:r>
-              <a:rPr lang="en-US" dirty="0"/>
-              <a:t> breakthrough captured the imagination</a:t>
-            </a:r>
+            <a:pPr marL="0" marR="0" lvl="0" indent="0" algn="l" defTabSz="914400" rtl="0" eaLnBrk="1" fontAlgn="auto" latinLnBrk="0" hangingPunct="1">
+              <a:lnSpc>
+                <a:spcPct val="100000"/>
+              </a:lnSpc>
+              <a:spcBef>
+                <a:spcPts val="0"/>
+              </a:spcBef>
+              <a:spcAft>
+                <a:spcPts val="0"/>
+              </a:spcAft>
+              <a:buClrTx/>
+              <a:buSzTx/>
+              <a:buFontTx/>
+              <a:buNone/>
+              <a:tabLst/>
+              <a:defRPr/>
+            </a:pPr>
+            <a:r>
+              <a:rPr lang="fr-FR" sz="1200" b="0" i="0" kern="1200" dirty="0">
+                <a:solidFill>
+                  <a:schemeClr val="tx1"/>
+                </a:solidFill>
+                <a:effectLst/>
+                <a:latin typeface="+mn-lt"/>
+                <a:ea typeface="+mn-ea"/>
+                <a:cs typeface="+mn-cs"/>
+              </a:rPr>
+              <a:t>Cassandra </a:t>
+            </a:r>
+            <a:r>
+              <a:rPr lang="fr-FR" sz="1200" b="0" i="0" kern="1200" dirty="0" err="1">
+                <a:solidFill>
+                  <a:schemeClr val="tx1"/>
+                </a:solidFill>
+                <a:effectLst/>
+                <a:latin typeface="+mn-lt"/>
+                <a:ea typeface="+mn-ea"/>
+                <a:cs typeface="+mn-cs"/>
+              </a:rPr>
+              <a:t>was</a:t>
+            </a:r>
+            <a:r>
+              <a:rPr lang="fr-FR" sz="1200" b="0" i="0" kern="1200" dirty="0">
+                <a:solidFill>
+                  <a:schemeClr val="tx1"/>
+                </a:solidFill>
+                <a:effectLst/>
+                <a:latin typeface="+mn-lt"/>
+                <a:ea typeface="+mn-ea"/>
+                <a:cs typeface="+mn-cs"/>
+              </a:rPr>
+              <a:t> </a:t>
+            </a:r>
+            <a:r>
+              <a:rPr lang="fr-FR" sz="1200" b="0" i="0" kern="1200" dirty="0" err="1">
+                <a:solidFill>
+                  <a:schemeClr val="tx1"/>
+                </a:solidFill>
+                <a:effectLst/>
+                <a:latin typeface="+mn-lt"/>
+                <a:ea typeface="+mn-ea"/>
+                <a:cs typeface="+mn-cs"/>
+              </a:rPr>
+              <a:t>cursed</a:t>
+            </a:r>
+            <a:r>
+              <a:rPr lang="fr-FR" sz="1200" b="0" i="0" kern="1200" dirty="0">
+                <a:solidFill>
+                  <a:schemeClr val="tx1"/>
+                </a:solidFill>
+                <a:effectLst/>
+                <a:latin typeface="+mn-lt"/>
+                <a:ea typeface="+mn-ea"/>
+                <a:cs typeface="+mn-cs"/>
+              </a:rPr>
+              <a:t> to </a:t>
+            </a:r>
+            <a:r>
+              <a:rPr lang="fr-FR" sz="1200" b="0" i="0" kern="1200" dirty="0" err="1">
+                <a:solidFill>
+                  <a:schemeClr val="tx1"/>
+                </a:solidFill>
+                <a:effectLst/>
+                <a:latin typeface="+mn-lt"/>
+                <a:ea typeface="+mn-ea"/>
+                <a:cs typeface="+mn-cs"/>
+              </a:rPr>
+              <a:t>utter</a:t>
+            </a:r>
+            <a:r>
+              <a:rPr lang="fr-FR" sz="1200" b="0" i="0" kern="1200" dirty="0">
+                <a:solidFill>
+                  <a:schemeClr val="tx1"/>
+                </a:solidFill>
+                <a:effectLst/>
+                <a:latin typeface="+mn-lt"/>
+                <a:ea typeface="+mn-ea"/>
+                <a:cs typeface="+mn-cs"/>
+              </a:rPr>
+              <a:t> </a:t>
+            </a:r>
+            <a:r>
+              <a:rPr lang="fr-FR" sz="1200" b="0" i="0" u="none" strike="noStrike" kern="1200" dirty="0">
+                <a:solidFill>
+                  <a:schemeClr val="tx1"/>
+                </a:solidFill>
+                <a:effectLst/>
+                <a:latin typeface="+mn-lt"/>
+                <a:ea typeface="+mn-ea"/>
+                <a:cs typeface="+mn-cs"/>
+                <a:hlinkClick r:id="rId3" tooltip="Prophecy"/>
+              </a:rPr>
+              <a:t>prophecies</a:t>
+            </a:r>
+            <a:r>
+              <a:rPr lang="fr-FR" sz="1200" b="0" i="0" kern="1200" dirty="0">
+                <a:solidFill>
+                  <a:schemeClr val="tx1"/>
+                </a:solidFill>
+                <a:effectLst/>
+                <a:latin typeface="+mn-lt"/>
+                <a:ea typeface="+mn-ea"/>
+                <a:cs typeface="+mn-cs"/>
+              </a:rPr>
+              <a:t> </a:t>
+            </a:r>
+            <a:r>
+              <a:rPr lang="fr-FR" sz="1200" b="0" i="0" kern="1200" dirty="0" err="1">
+                <a:solidFill>
+                  <a:schemeClr val="tx1"/>
+                </a:solidFill>
+                <a:effectLst/>
+                <a:latin typeface="+mn-lt"/>
+                <a:ea typeface="+mn-ea"/>
+                <a:cs typeface="+mn-cs"/>
+              </a:rPr>
+              <a:t>that</a:t>
+            </a:r>
+            <a:r>
+              <a:rPr lang="fr-FR" sz="1200" b="0" i="0" kern="1200" dirty="0">
+                <a:solidFill>
+                  <a:schemeClr val="tx1"/>
+                </a:solidFill>
+                <a:effectLst/>
+                <a:latin typeface="+mn-lt"/>
+                <a:ea typeface="+mn-ea"/>
+                <a:cs typeface="+mn-cs"/>
+              </a:rPr>
+              <a:t> </a:t>
+            </a:r>
+            <a:r>
+              <a:rPr lang="fr-FR" sz="1200" b="0" i="0" kern="1200" dirty="0" err="1">
+                <a:solidFill>
+                  <a:schemeClr val="tx1"/>
+                </a:solidFill>
+                <a:effectLst/>
+                <a:latin typeface="+mn-lt"/>
+                <a:ea typeface="+mn-ea"/>
+                <a:cs typeface="+mn-cs"/>
+              </a:rPr>
+              <a:t>were</a:t>
+            </a:r>
+            <a:r>
+              <a:rPr lang="fr-FR" sz="1200" b="0" i="0" kern="1200" dirty="0">
+                <a:solidFill>
+                  <a:schemeClr val="tx1"/>
+                </a:solidFill>
+                <a:effectLst/>
+                <a:latin typeface="+mn-lt"/>
+                <a:ea typeface="+mn-ea"/>
+                <a:cs typeface="+mn-cs"/>
+              </a:rPr>
+              <a:t> </a:t>
+            </a:r>
+            <a:r>
+              <a:rPr lang="fr-FR" sz="1200" b="0" i="0" kern="1200" dirty="0" err="1">
+                <a:solidFill>
+                  <a:schemeClr val="tx1"/>
+                </a:solidFill>
+                <a:effectLst/>
+                <a:latin typeface="+mn-lt"/>
+                <a:ea typeface="+mn-ea"/>
+                <a:cs typeface="+mn-cs"/>
+              </a:rPr>
+              <a:t>true</a:t>
+            </a:r>
+            <a:r>
+              <a:rPr lang="fr-FR" sz="1200" b="0" i="0" kern="1200" dirty="0">
+                <a:solidFill>
+                  <a:schemeClr val="tx1"/>
+                </a:solidFill>
+                <a:effectLst/>
+                <a:latin typeface="+mn-lt"/>
+                <a:ea typeface="+mn-ea"/>
+                <a:cs typeface="+mn-cs"/>
+              </a:rPr>
+              <a:t> but </a:t>
+            </a:r>
+            <a:r>
+              <a:rPr lang="fr-FR" sz="1200" b="0" i="0" kern="1200" dirty="0" err="1">
+                <a:solidFill>
+                  <a:schemeClr val="tx1"/>
+                </a:solidFill>
+                <a:effectLst/>
+                <a:latin typeface="+mn-lt"/>
+                <a:ea typeface="+mn-ea"/>
+                <a:cs typeface="+mn-cs"/>
+              </a:rPr>
+              <a:t>that</a:t>
+            </a:r>
+            <a:r>
+              <a:rPr lang="fr-FR" sz="1200" b="0" i="0" kern="1200" dirty="0">
+                <a:solidFill>
+                  <a:schemeClr val="tx1"/>
+                </a:solidFill>
+                <a:effectLst/>
+                <a:latin typeface="+mn-lt"/>
+                <a:ea typeface="+mn-ea"/>
+                <a:cs typeface="+mn-cs"/>
+              </a:rPr>
+              <a:t> no one </a:t>
+            </a:r>
+            <a:r>
+              <a:rPr lang="fr-FR" sz="1200" b="0" i="0" kern="1200" dirty="0" err="1">
+                <a:solidFill>
+                  <a:schemeClr val="tx1"/>
+                </a:solidFill>
+                <a:effectLst/>
+                <a:latin typeface="+mn-lt"/>
+                <a:ea typeface="+mn-ea"/>
+                <a:cs typeface="+mn-cs"/>
+              </a:rPr>
+              <a:t>believed</a:t>
+            </a:r>
+            <a:r>
+              <a:rPr lang="fr-FR" sz="1200" b="0" i="0" kern="1200" dirty="0">
+                <a:solidFill>
+                  <a:schemeClr val="tx1"/>
+                </a:solidFill>
+                <a:effectLst/>
+                <a:latin typeface="+mn-lt"/>
+                <a:ea typeface="+mn-ea"/>
+                <a:cs typeface="+mn-cs"/>
+              </a:rPr>
+              <a:t>, </a:t>
+            </a:r>
+            <a:r>
+              <a:rPr lang="fr-FR" sz="1200" b="0" i="0" kern="1200" dirty="0" err="1">
+                <a:solidFill>
+                  <a:schemeClr val="tx1"/>
+                </a:solidFill>
+                <a:effectLst/>
+                <a:latin typeface="+mn-lt"/>
+                <a:ea typeface="+mn-ea"/>
+                <a:cs typeface="+mn-cs"/>
+              </a:rPr>
+              <a:t>troy</a:t>
+            </a:r>
+            <a:r>
+              <a:rPr lang="fr-FR" sz="1200" b="0" i="0" kern="1200" dirty="0">
+                <a:solidFill>
+                  <a:schemeClr val="tx1"/>
+                </a:solidFill>
+                <a:effectLst/>
+                <a:latin typeface="+mn-lt"/>
+                <a:ea typeface="+mn-ea"/>
+                <a:cs typeface="+mn-cs"/>
+              </a:rPr>
+              <a:t> </a:t>
+            </a:r>
+            <a:r>
+              <a:rPr lang="fr-FR" sz="1200" b="0" i="0" kern="1200" dirty="0" err="1">
+                <a:solidFill>
+                  <a:schemeClr val="tx1"/>
+                </a:solidFill>
+                <a:effectLst/>
+                <a:latin typeface="+mn-lt"/>
+                <a:ea typeface="+mn-ea"/>
+                <a:cs typeface="+mn-cs"/>
+              </a:rPr>
+              <a:t>war</a:t>
+            </a:r>
+            <a:r>
+              <a:rPr lang="fr-FR" sz="1200" b="0" i="0" kern="1200" dirty="0">
+                <a:solidFill>
+                  <a:schemeClr val="tx1"/>
+                </a:solidFill>
+                <a:effectLst/>
+                <a:latin typeface="+mn-lt"/>
+                <a:ea typeface="+mn-ea"/>
+                <a:cs typeface="+mn-cs"/>
+              </a:rPr>
+              <a:t> and Agamemnon </a:t>
+            </a:r>
+            <a:r>
+              <a:rPr lang="fr-FR" sz="1200" b="0" i="0" kern="1200" dirty="0" err="1">
+                <a:solidFill>
+                  <a:schemeClr val="tx1"/>
+                </a:solidFill>
+                <a:effectLst/>
+                <a:latin typeface="+mn-lt"/>
+                <a:ea typeface="+mn-ea"/>
+                <a:cs typeface="+mn-cs"/>
+              </a:rPr>
+              <a:t>going</a:t>
+            </a:r>
+            <a:r>
+              <a:rPr lang="fr-FR" sz="1200" b="0" i="0" kern="1200" dirty="0">
+                <a:solidFill>
+                  <a:schemeClr val="tx1"/>
+                </a:solidFill>
+                <a:effectLst/>
+                <a:latin typeface="+mn-lt"/>
+                <a:ea typeface="+mn-ea"/>
+                <a:cs typeface="+mn-cs"/>
+              </a:rPr>
+              <a:t> back home.</a:t>
+            </a:r>
+          </a:p>
+          <a:p>
+            <a:endParaRPr lang="fr-FR" sz="1200" b="0" i="0" kern="1200" dirty="0">
+              <a:solidFill>
+                <a:schemeClr val="tx1"/>
+              </a:solidFill>
+              <a:effectLst/>
+              <a:latin typeface="+mn-lt"/>
+              <a:ea typeface="+mn-ea"/>
+              <a:cs typeface="+mn-cs"/>
+            </a:endParaRPr>
           </a:p>
           <a:p>
             <a:endParaRPr lang="en-US" dirty="0"/>
@@ -2315,7 +2890,7 @@
     </p:spTree>
     <p:extLst>
       <p:ext uri="{BB962C8B-B14F-4D97-AF65-F5344CB8AC3E}">
-        <p14:creationId xmlns:p14="http://schemas.microsoft.com/office/powerpoint/2010/main" val="1700005099"/>
+        <p14:creationId xmlns:p14="http://schemas.microsoft.com/office/powerpoint/2010/main" val="4178696235"/>
       </p:ext>
     </p:extLst>
   </p:cSld>
@@ -8069,7 +8644,7 @@
         <p:spPr>
           <a:xfrm>
             <a:off x="2300750" y="1879133"/>
-            <a:ext cx="0" cy="3979965"/>
+            <a:ext cx="0" cy="720684"/>
           </a:xfrm>
           <a:prstGeom prst="line">
             <a:avLst/>
@@ -8091,12 +8666,127 @@
           </a:fontRef>
         </p:style>
       </p:cxnSp>
-      <p:sp>
-        <p:nvSpPr>
-          <p:cNvPr id="4" name="TextBox 3">
+    </p:spTree>
+    <p:extLst>
+      <p:ext uri="{BB962C8B-B14F-4D97-AF65-F5344CB8AC3E}">
+        <p14:creationId xmlns:p14="http://schemas.microsoft.com/office/powerpoint/2010/main" val="2422789895"/>
+      </p:ext>
+    </p:extLst>
+  </p:cSld>
+  <p:clrMapOvr>
+    <a:masterClrMapping/>
+  </p:clrMapOvr>
+  <mc:AlternateContent xmlns:mc="http://schemas.openxmlformats.org/markup-compatibility/2006" xmlns:p14="http://schemas.microsoft.com/office/powerpoint/2010/main">
+    <mc:Choice Requires="p14">
+      <p:transition spd="med" p14:dur="700">
+        <p:fade/>
+      </p:transition>
+    </mc:Choice>
+    <mc:Fallback xmlns="">
+      <p:transition spd="med">
+        <p:fade/>
+      </p:transition>
+    </mc:Fallback>
+  </mc:AlternateContent>
+</p:sld>
+</file>
+
+<file path=ppt/slides/slide24.xml><?xml version="1.0" encoding="utf-8"?>
+<p:sld xmlns:a="http://schemas.openxmlformats.org/drawingml/2006/main" xmlns:r="http://schemas.openxmlformats.org/officeDocument/2006/relationships" xmlns:p="http://schemas.openxmlformats.org/presentationml/2006/main">
+  <p:cSld>
+    <p:spTree>
+      <p:nvGrpSpPr>
+        <p:cNvPr id="1" name=""/>
+        <p:cNvGrpSpPr/>
+        <p:nvPr/>
+      </p:nvGrpSpPr>
+      <p:grpSpPr>
+        <a:xfrm>
+          <a:off x="0" y="0"/>
+          <a:ext cx="0" cy="0"/>
+          <a:chOff x="0" y="0"/>
+          <a:chExt cx="0" cy="0"/>
+        </a:xfrm>
+      </p:grpSpPr>
+      <p:sp>
+        <p:nvSpPr>
+          <p:cNvPr id="8" name="TextBox 7"/>
+          <p:cNvSpPr txBox="1"/>
+          <p:nvPr/>
+        </p:nvSpPr>
+        <p:spPr>
+          <a:xfrm>
+            <a:off x="1271768" y="1115051"/>
+            <a:ext cx="9196386" cy="553998"/>
+          </a:xfrm>
+          <a:prstGeom prst="rect">
+            <a:avLst/>
+          </a:prstGeom>
+          <a:noFill/>
+        </p:spPr>
+        <p:txBody>
+          <a:bodyPr wrap="square" rtlCol="0">
+            <a:spAutoFit/>
+          </a:bodyPr>
+          <a:lstStyle/>
+          <a:p>
+            <a:r>
+              <a:rPr lang="en-US" sz="3000" b="1" dirty="0">
+                <a:solidFill>
+                  <a:schemeClr val="accent1"/>
+                </a:solidFill>
+                <a:latin typeface="Cambria" panose="02040503050406030204" pitchFamily="18" charset="0"/>
+              </a:rPr>
+              <a:t>WORKING GROUP SETUP</a:t>
+            </a:r>
+          </a:p>
+        </p:txBody>
+      </p:sp>
+      <p:cxnSp>
+        <p:nvCxnSpPr>
+          <p:cNvPr id="4" name="Straight Connector 3">
             <a:extLst>
               <a:ext uri="{FF2B5EF4-FFF2-40B4-BE49-F238E27FC236}">
-                <a16:creationId xmlns:a16="http://schemas.microsoft.com/office/drawing/2014/main" id="{25B7574A-2213-BC4F-89C4-FB08A182DF24}"/>
+                <a16:creationId xmlns:a16="http://schemas.microsoft.com/office/drawing/2014/main" id="{69223EC3-7B3E-124B-8D71-5CD434FC49C5}"/>
+              </a:ext>
+            </a:extLst>
+          </p:cNvPr>
+          <p:cNvCxnSpPr>
+            <a:cxnSpLocks/>
+          </p:cNvCxnSpPr>
+          <p:nvPr/>
+        </p:nvCxnSpPr>
+        <p:spPr>
+          <a:xfrm>
+            <a:off x="1378101" y="1753299"/>
+            <a:ext cx="8703159" cy="0"/>
+          </a:xfrm>
+          <a:prstGeom prst="line">
+            <a:avLst/>
+          </a:prstGeom>
+          <a:ln w="12700"/>
+        </p:spPr>
+        <p:style>
+          <a:lnRef idx="1">
+            <a:schemeClr val="accent1"/>
+          </a:lnRef>
+          <a:fillRef idx="0">
+            <a:schemeClr val="accent1"/>
+          </a:fillRef>
+          <a:effectRef idx="0">
+            <a:schemeClr val="accent1"/>
+          </a:effectRef>
+          <a:fontRef idx="minor">
+            <a:schemeClr val="tx1"/>
+          </a:fontRef>
+        </p:style>
+      </p:cxnSp>
+      <p:sp>
+        <p:nvSpPr>
+          <p:cNvPr id="5" name="TextBox 4">
+            <a:extLst>
+              <a:ext uri="{FF2B5EF4-FFF2-40B4-BE49-F238E27FC236}">
+                <a16:creationId xmlns:a16="http://schemas.microsoft.com/office/drawing/2014/main" id="{49440640-A049-6442-9516-531ED1982149}"/>
               </a:ext>
             </a:extLst>
           </p:cNvPr>
@@ -8105,8 +8795,8 @@
         </p:nvSpPr>
         <p:spPr>
           <a:xfrm>
-            <a:off x="2574298" y="2482616"/>
-            <a:ext cx="8924282" cy="400110"/>
+            <a:off x="1363208" y="2089316"/>
+            <a:ext cx="9909364" cy="4893647"/>
           </a:xfrm>
           <a:prstGeom prst="rect">
             <a:avLst/>
@@ -8119,24 +8809,627 @@
           </a:bodyPr>
           <a:lstStyle/>
           <a:p>
-            <a:r>
-              <a:rPr lang="en-US" sz="2000" b="1" dirty="0">
-                <a:solidFill>
-                  <a:schemeClr val="accent1"/>
-                </a:solidFill>
-                <a:latin typeface="Cambria" panose="02040503050406030204" pitchFamily="18" charset="0"/>
-              </a:rPr>
-              <a:t>MEDIUM-TO-LONG TERMS ETHICAL ISSUES</a:t>
-            </a:r>
+            <a:pPr marL="342900" indent="-342900">
+              <a:buFont typeface="Arial"/>
+              <a:buChar char="•"/>
+            </a:pPr>
+            <a:r>
+              <a:rPr lang="en-US" sz="2400" b="1" dirty="0">
+                <a:solidFill>
+                  <a:schemeClr val="accent1"/>
+                </a:solidFill>
+                <a:latin typeface="Cambria" panose="02040503050406030204" pitchFamily="18" charset="0"/>
+              </a:rPr>
+              <a:t>CHOOSE A CASE STUDY FOR YOUR TEAM</a:t>
+            </a:r>
+          </a:p>
+          <a:p>
+            <a:endParaRPr lang="en-US" sz="2400" b="1" dirty="0">
+              <a:solidFill>
+                <a:schemeClr val="accent1"/>
+              </a:solidFill>
+              <a:latin typeface="Cambria" panose="02040503050406030204" pitchFamily="18" charset="0"/>
+            </a:endParaRPr>
+          </a:p>
+          <a:p>
+            <a:pPr marL="342900" indent="-342900">
+              <a:buFont typeface="Arial"/>
+              <a:buChar char="•"/>
+            </a:pPr>
+            <a:r>
+              <a:rPr lang="en-US" sz="2400" b="1" dirty="0">
+                <a:solidFill>
+                  <a:schemeClr val="accent1"/>
+                </a:solidFill>
+                <a:latin typeface="Cambria" panose="02040503050406030204" pitchFamily="18" charset="0"/>
+              </a:rPr>
+              <a:t>WHAT TYPE OF DATA, WHAT WOULD YOU MEASURE?</a:t>
+            </a:r>
+            <a:br>
+              <a:rPr lang="en-US" sz="2400" b="1" dirty="0">
+                <a:solidFill>
+                  <a:schemeClr val="accent1"/>
+                </a:solidFill>
+                <a:latin typeface="Cambria" panose="02040503050406030204" pitchFamily="18" charset="0"/>
+              </a:rPr>
+            </a:br>
+            <a:endParaRPr lang="en-US" sz="2400" b="1" dirty="0">
+              <a:solidFill>
+                <a:schemeClr val="accent1"/>
+              </a:solidFill>
+              <a:latin typeface="Cambria" panose="02040503050406030204" pitchFamily="18" charset="0"/>
+            </a:endParaRPr>
+          </a:p>
+          <a:p>
+            <a:pPr marL="342900" indent="-342900">
+              <a:buFont typeface="Arial"/>
+              <a:buChar char="•"/>
+            </a:pPr>
+            <a:r>
+              <a:rPr lang="en-US" sz="2400" b="1" dirty="0">
+                <a:solidFill>
+                  <a:schemeClr val="accent1"/>
+                </a:solidFill>
+                <a:latin typeface="Cambria" panose="02040503050406030204" pitchFamily="18" charset="0"/>
+              </a:rPr>
+              <a:t>WHAT TYPE OF PREDICTION?</a:t>
+            </a:r>
+            <a:br>
+              <a:rPr lang="en-US" sz="2400" b="1" dirty="0">
+                <a:solidFill>
+                  <a:schemeClr val="accent1"/>
+                </a:solidFill>
+                <a:latin typeface="Cambria" panose="02040503050406030204" pitchFamily="18" charset="0"/>
+              </a:rPr>
+            </a:br>
+            <a:endParaRPr lang="en-US" sz="2400" b="1" dirty="0">
+              <a:solidFill>
+                <a:schemeClr val="accent1"/>
+              </a:solidFill>
+              <a:latin typeface="Cambria" panose="02040503050406030204" pitchFamily="18" charset="0"/>
+            </a:endParaRPr>
+          </a:p>
+          <a:p>
+            <a:pPr marL="342900" indent="-342900">
+              <a:buFont typeface="Arial"/>
+              <a:buChar char="•"/>
+            </a:pPr>
+            <a:r>
+              <a:rPr lang="en-US" sz="2400" b="1" dirty="0">
+                <a:solidFill>
+                  <a:schemeClr val="accent1"/>
+                </a:solidFill>
+                <a:latin typeface="Cambria" panose="02040503050406030204" pitchFamily="18" charset="0"/>
+              </a:rPr>
+              <a:t>HOW WOULD YOU MONITOR SUCCESS/FAILURE?</a:t>
+            </a:r>
+            <a:br>
+              <a:rPr lang="en-US" sz="2400" b="1" dirty="0">
+                <a:solidFill>
+                  <a:schemeClr val="accent1"/>
+                </a:solidFill>
+                <a:latin typeface="Cambria" panose="02040503050406030204" pitchFamily="18" charset="0"/>
+              </a:rPr>
+            </a:br>
+            <a:endParaRPr lang="en-US" sz="2400" b="1" dirty="0">
+              <a:solidFill>
+                <a:schemeClr val="accent1"/>
+              </a:solidFill>
+              <a:latin typeface="Cambria" panose="02040503050406030204" pitchFamily="18" charset="0"/>
+            </a:endParaRPr>
+          </a:p>
+          <a:p>
+            <a:pPr marL="342900" indent="-342900">
+              <a:buFont typeface="Arial"/>
+              <a:buChar char="•"/>
+            </a:pPr>
+            <a:r>
+              <a:rPr lang="en-US" sz="2400" b="1" dirty="0">
+                <a:solidFill>
+                  <a:schemeClr val="accent1"/>
+                </a:solidFill>
+                <a:latin typeface="Cambria" panose="02040503050406030204" pitchFamily="18" charset="0"/>
+              </a:rPr>
+              <a:t>EXPOSE AND PROMOTE YOUR APPROACH</a:t>
+            </a:r>
+            <a:br>
+              <a:rPr lang="en-US" sz="2400" b="1" dirty="0">
+                <a:solidFill>
+                  <a:schemeClr val="accent1"/>
+                </a:solidFill>
+                <a:latin typeface="Cambria" panose="02040503050406030204" pitchFamily="18" charset="0"/>
+              </a:rPr>
+            </a:br>
+            <a:endParaRPr lang="en-US" sz="2400" b="1" dirty="0">
+              <a:solidFill>
+                <a:schemeClr val="accent1"/>
+              </a:solidFill>
+              <a:latin typeface="Cambria" panose="02040503050406030204" pitchFamily="18" charset="0"/>
+            </a:endParaRPr>
+          </a:p>
+          <a:p>
+            <a:pPr marL="342900" indent="-342900">
+              <a:buFont typeface="Arial"/>
+              <a:buChar char="•"/>
+            </a:pPr>
+            <a:r>
+              <a:rPr lang="en-US" sz="2400" b="1" dirty="0">
+                <a:solidFill>
+                  <a:srgbClr val="C00000"/>
+                </a:solidFill>
+                <a:latin typeface="Cambria" panose="02040503050406030204" pitchFamily="18" charset="0"/>
+              </a:rPr>
+              <a:t>OTHER TEAMS ACT AS ETHICAL AUDITING COMMITEE</a:t>
+            </a:r>
+            <a:br>
+              <a:rPr lang="en-US" sz="2400" b="1" dirty="0">
+                <a:solidFill>
+                  <a:srgbClr val="C00000"/>
+                </a:solidFill>
+                <a:latin typeface="Cambria" panose="02040503050406030204" pitchFamily="18" charset="0"/>
+              </a:rPr>
+            </a:br>
+            <a:br>
+              <a:rPr lang="en-US" sz="2400" dirty="0">
+                <a:solidFill>
+                  <a:schemeClr val="accent1"/>
+                </a:solidFill>
+                <a:latin typeface="Cambria" panose="02040503050406030204" pitchFamily="18" charset="0"/>
+              </a:rPr>
+            </a:br>
+            <a:endParaRPr lang="en-US" sz="2400" dirty="0">
+              <a:solidFill>
+                <a:schemeClr val="accent1"/>
+              </a:solidFill>
+              <a:latin typeface="Cambria" panose="02040503050406030204" pitchFamily="18" charset="0"/>
+            </a:endParaRPr>
+          </a:p>
+        </p:txBody>
+      </p:sp>
+    </p:spTree>
+    <p:extLst>
+      <p:ext uri="{BB962C8B-B14F-4D97-AF65-F5344CB8AC3E}">
+        <p14:creationId xmlns:p14="http://schemas.microsoft.com/office/powerpoint/2010/main" val="3960242510"/>
+      </p:ext>
+    </p:extLst>
+  </p:cSld>
+  <p:clrMapOvr>
+    <a:masterClrMapping/>
+  </p:clrMapOvr>
+  <mc:AlternateContent xmlns:mc="http://schemas.openxmlformats.org/markup-compatibility/2006" xmlns:p14="http://schemas.microsoft.com/office/powerpoint/2010/main">
+    <mc:Choice Requires="p14">
+      <p:transition spd="med" p14:dur="700">
+        <p:fade/>
+      </p:transition>
+    </mc:Choice>
+    <mc:Fallback xmlns="">
+      <p:transition spd="med">
+        <p:fade/>
+      </p:transition>
+    </mc:Fallback>
+  </mc:AlternateContent>
+</p:sld>
+</file>
+
+<file path=ppt/slides/slide25.xml><?xml version="1.0" encoding="utf-8"?>
+<p:sld xmlns:a="http://schemas.openxmlformats.org/drawingml/2006/main" xmlns:r="http://schemas.openxmlformats.org/officeDocument/2006/relationships" xmlns:p="http://schemas.openxmlformats.org/presentationml/2006/main">
+  <p:cSld>
+    <p:spTree>
+      <p:nvGrpSpPr>
+        <p:cNvPr id="1" name=""/>
+        <p:cNvGrpSpPr/>
+        <p:nvPr/>
+      </p:nvGrpSpPr>
+      <p:grpSpPr>
+        <a:xfrm>
+          <a:off x="0" y="0"/>
+          <a:ext cx="0" cy="0"/>
+          <a:chOff x="0" y="0"/>
+          <a:chExt cx="0" cy="0"/>
+        </a:xfrm>
+      </p:grpSpPr>
+      <p:sp>
+        <p:nvSpPr>
+          <p:cNvPr id="8" name="TextBox 7"/>
+          <p:cNvSpPr txBox="1"/>
+          <p:nvPr/>
+        </p:nvSpPr>
+        <p:spPr>
+          <a:xfrm>
+            <a:off x="1271768" y="1115051"/>
+            <a:ext cx="9196386" cy="553998"/>
+          </a:xfrm>
+          <a:prstGeom prst="rect">
+            <a:avLst/>
+          </a:prstGeom>
+          <a:noFill/>
+        </p:spPr>
+        <p:txBody>
+          <a:bodyPr wrap="square" rtlCol="0">
+            <a:spAutoFit/>
+          </a:bodyPr>
+          <a:lstStyle/>
+          <a:p>
+            <a:r>
+              <a:rPr lang="en-US" sz="3000" b="1" dirty="0">
+                <a:solidFill>
+                  <a:schemeClr val="accent1"/>
+                </a:solidFill>
+                <a:latin typeface="Cambria" panose="02040503050406030204" pitchFamily="18" charset="0"/>
+              </a:rPr>
+              <a:t>CASE STUDIES PROPOSAL</a:t>
+            </a:r>
+          </a:p>
+        </p:txBody>
+      </p:sp>
+      <p:cxnSp>
+        <p:nvCxnSpPr>
+          <p:cNvPr id="4" name="Straight Connector 3">
+            <a:extLst>
+              <a:ext uri="{FF2B5EF4-FFF2-40B4-BE49-F238E27FC236}">
+                <a16:creationId xmlns:a16="http://schemas.microsoft.com/office/drawing/2014/main" id="{69223EC3-7B3E-124B-8D71-5CD434FC49C5}"/>
+              </a:ext>
+            </a:extLst>
+          </p:cNvPr>
+          <p:cNvCxnSpPr>
+            <a:cxnSpLocks/>
+          </p:cNvCxnSpPr>
+          <p:nvPr/>
+        </p:nvCxnSpPr>
+        <p:spPr>
+          <a:xfrm>
+            <a:off x="1378101" y="1753299"/>
+            <a:ext cx="8703159" cy="0"/>
+          </a:xfrm>
+          <a:prstGeom prst="line">
+            <a:avLst/>
+          </a:prstGeom>
+          <a:ln w="12700"/>
+        </p:spPr>
+        <p:style>
+          <a:lnRef idx="1">
+            <a:schemeClr val="accent1"/>
+          </a:lnRef>
+          <a:fillRef idx="0">
+            <a:schemeClr val="accent1"/>
+          </a:fillRef>
+          <a:effectRef idx="0">
+            <a:schemeClr val="accent1"/>
+          </a:effectRef>
+          <a:fontRef idx="minor">
+            <a:schemeClr val="tx1"/>
+          </a:fontRef>
+        </p:style>
+      </p:cxnSp>
+      <p:sp>
+        <p:nvSpPr>
+          <p:cNvPr id="9" name="TextBox 8">
+            <a:extLst>
+              <a:ext uri="{FF2B5EF4-FFF2-40B4-BE49-F238E27FC236}">
+                <a16:creationId xmlns:a16="http://schemas.microsoft.com/office/drawing/2014/main" id="{4BAB355C-D7B0-BD40-AC70-A9F96AA47992}"/>
+              </a:ext>
+            </a:extLst>
+          </p:cNvPr>
+          <p:cNvSpPr txBox="1"/>
+          <p:nvPr/>
+        </p:nvSpPr>
+        <p:spPr>
+          <a:xfrm>
+            <a:off x="1363208" y="2089316"/>
+            <a:ext cx="9909364" cy="3785652"/>
+          </a:xfrm>
+          <a:prstGeom prst="rect">
+            <a:avLst/>
+          </a:prstGeom>
+          <a:noFill/>
+        </p:spPr>
+        <p:txBody>
+          <a:bodyPr wrap="square" rtlCol="0">
+            <a:spAutoFit/>
+          </a:bodyPr>
+          <a:lstStyle/>
+          <a:p>
+            <a:pPr marL="457200" indent="-457200">
+              <a:buFont typeface="+mj-lt"/>
+              <a:buAutoNum type="arabicPeriod"/>
+            </a:pPr>
+            <a:r>
+              <a:rPr lang="en-US" sz="2400" b="1" dirty="0">
+                <a:solidFill>
+                  <a:schemeClr val="accent1"/>
+                </a:solidFill>
+                <a:latin typeface="Cambria" panose="02040503050406030204" pitchFamily="18" charset="0"/>
+              </a:rPr>
+              <a:t>CRIME PREDICTION/PREVENTION [CITY OF YOUR CHOICE]</a:t>
+            </a:r>
+          </a:p>
+          <a:p>
+            <a:pPr marL="457200" indent="-457200">
+              <a:buFont typeface="+mj-lt"/>
+              <a:buAutoNum type="arabicPeriod"/>
+            </a:pPr>
+            <a:endParaRPr lang="en-US" sz="2400" b="1" dirty="0">
+              <a:solidFill>
+                <a:schemeClr val="accent1"/>
+              </a:solidFill>
+              <a:latin typeface="Cambria" panose="02040503050406030204" pitchFamily="18" charset="0"/>
+            </a:endParaRPr>
+          </a:p>
+          <a:p>
+            <a:pPr marL="457200" indent="-457200">
+              <a:buFont typeface="+mj-lt"/>
+              <a:buAutoNum type="arabicPeriod"/>
+            </a:pPr>
+            <a:r>
+              <a:rPr lang="en-US" sz="2400" b="1" dirty="0">
+                <a:solidFill>
+                  <a:schemeClr val="accent1"/>
+                </a:solidFill>
+                <a:latin typeface="Cambria" panose="02040503050406030204" pitchFamily="18" charset="0"/>
+              </a:rPr>
+              <a:t>TEACHER ASSESSMENT SYSTEM [COUNTRY SCALE]</a:t>
+            </a:r>
+            <a:br>
+              <a:rPr lang="en-US" sz="2400" b="1" dirty="0">
+                <a:solidFill>
+                  <a:schemeClr val="accent1"/>
+                </a:solidFill>
+                <a:latin typeface="Cambria" panose="02040503050406030204" pitchFamily="18" charset="0"/>
+              </a:rPr>
+            </a:br>
+            <a:endParaRPr lang="en-US" sz="2400" b="1" dirty="0">
+              <a:solidFill>
+                <a:schemeClr val="accent1"/>
+              </a:solidFill>
+              <a:latin typeface="Cambria" panose="02040503050406030204" pitchFamily="18" charset="0"/>
+            </a:endParaRPr>
+          </a:p>
+          <a:p>
+            <a:pPr marL="457200" indent="-457200">
+              <a:buFont typeface="+mj-lt"/>
+              <a:buAutoNum type="arabicPeriod"/>
+            </a:pPr>
+            <a:r>
+              <a:rPr lang="en-US" sz="2400" b="1" dirty="0">
+                <a:solidFill>
+                  <a:schemeClr val="accent1"/>
+                </a:solidFill>
+                <a:latin typeface="Cambria" panose="02040503050406030204" pitchFamily="18" charset="0"/>
+              </a:rPr>
+              <a:t>“WORKFORCE READY HR” SYSTEM</a:t>
+            </a:r>
+            <a:br>
+              <a:rPr lang="en-US" sz="2400" b="1" dirty="0">
+                <a:solidFill>
+                  <a:schemeClr val="accent1"/>
+                </a:solidFill>
+                <a:latin typeface="Cambria" panose="02040503050406030204" pitchFamily="18" charset="0"/>
+              </a:rPr>
+            </a:br>
+            <a:endParaRPr lang="en-US" sz="2400" b="1" dirty="0">
+              <a:solidFill>
+                <a:schemeClr val="accent1"/>
+              </a:solidFill>
+              <a:latin typeface="Cambria" panose="02040503050406030204" pitchFamily="18" charset="0"/>
+            </a:endParaRPr>
+          </a:p>
+          <a:p>
+            <a:pPr marL="457200" indent="-457200">
+              <a:buFont typeface="+mj-lt"/>
+              <a:buAutoNum type="arabicPeriod"/>
+            </a:pPr>
+            <a:r>
+              <a:rPr lang="en-US" sz="2400" b="1" dirty="0">
+                <a:solidFill>
+                  <a:schemeClr val="accent1"/>
+                </a:solidFill>
+                <a:latin typeface="Cambria" panose="02040503050406030204" pitchFamily="18" charset="0"/>
+              </a:rPr>
+              <a:t>ELECTION CAMPAIGN AI SYSTEM</a:t>
+            </a:r>
+            <a:br>
+              <a:rPr lang="en-US" sz="2400" b="1" dirty="0">
+                <a:solidFill>
+                  <a:schemeClr val="accent1"/>
+                </a:solidFill>
+                <a:latin typeface="Cambria" panose="02040503050406030204" pitchFamily="18" charset="0"/>
+              </a:rPr>
+            </a:br>
+            <a:br>
+              <a:rPr lang="en-US" sz="2400" b="1" dirty="0">
+                <a:solidFill>
+                  <a:schemeClr val="accent1"/>
+                </a:solidFill>
+                <a:latin typeface="Cambria" panose="02040503050406030204" pitchFamily="18" charset="0"/>
+              </a:rPr>
+            </a:br>
+            <a:endParaRPr lang="en-US" sz="2400" b="1" dirty="0">
+              <a:solidFill>
+                <a:schemeClr val="accent1"/>
+              </a:solidFill>
+              <a:latin typeface="Cambria" panose="02040503050406030204" pitchFamily="18" charset="0"/>
+            </a:endParaRPr>
+          </a:p>
+          <a:p>
+            <a:endParaRPr lang="en-US" sz="2400" b="1" dirty="0">
+              <a:solidFill>
+                <a:schemeClr val="accent1"/>
+              </a:solidFill>
+              <a:latin typeface="Cambria" panose="02040503050406030204" pitchFamily="18" charset="0"/>
+            </a:endParaRPr>
+          </a:p>
+        </p:txBody>
+      </p:sp>
+    </p:spTree>
+    <p:extLst>
+      <p:ext uri="{BB962C8B-B14F-4D97-AF65-F5344CB8AC3E}">
+        <p14:creationId xmlns:p14="http://schemas.microsoft.com/office/powerpoint/2010/main" val="54955824"/>
+      </p:ext>
+    </p:extLst>
+  </p:cSld>
+  <p:clrMapOvr>
+    <a:masterClrMapping/>
+  </p:clrMapOvr>
+  <mc:AlternateContent xmlns:mc="http://schemas.openxmlformats.org/markup-compatibility/2006" xmlns:p14="http://schemas.microsoft.com/office/powerpoint/2010/main">
+    <mc:Choice Requires="p14">
+      <p:transition spd="med" p14:dur="700">
+        <p:fade/>
+      </p:transition>
+    </mc:Choice>
+    <mc:Fallback xmlns="">
+      <p:transition spd="med">
+        <p:fade/>
+      </p:transition>
+    </mc:Fallback>
+  </mc:AlternateContent>
+</p:sld>
+</file>
+
+<file path=ppt/slides/slide26.xml><?xml version="1.0" encoding="utf-8"?>
+<p:sld xmlns:a="http://schemas.openxmlformats.org/drawingml/2006/main" xmlns:r="http://schemas.openxmlformats.org/officeDocument/2006/relationships" xmlns:p="http://schemas.openxmlformats.org/presentationml/2006/main">
+  <p:cSld>
+    <p:spTree>
+      <p:nvGrpSpPr>
+        <p:cNvPr id="1" name=""/>
+        <p:cNvGrpSpPr/>
+        <p:nvPr/>
+      </p:nvGrpSpPr>
+      <p:grpSpPr>
+        <a:xfrm>
+          <a:off x="0" y="0"/>
+          <a:ext cx="0" cy="0"/>
+          <a:chOff x="0" y="0"/>
+          <a:chExt cx="0" cy="0"/>
+        </a:xfrm>
+      </p:grpSpPr>
+      <p:sp>
+        <p:nvSpPr>
+          <p:cNvPr id="8" name="TextBox 7"/>
+          <p:cNvSpPr txBox="1"/>
+          <p:nvPr/>
+        </p:nvSpPr>
+        <p:spPr>
+          <a:xfrm>
+            <a:off x="1271768" y="1115051"/>
+            <a:ext cx="9196386" cy="553998"/>
+          </a:xfrm>
+          <a:prstGeom prst="rect">
+            <a:avLst/>
+          </a:prstGeom>
+          <a:noFill/>
+        </p:spPr>
+        <p:txBody>
+          <a:bodyPr wrap="square" rtlCol="0">
+            <a:spAutoFit/>
+          </a:bodyPr>
+          <a:lstStyle/>
+          <a:p>
+            <a:r>
+              <a:rPr lang="en-US" sz="3000" b="1" dirty="0">
+                <a:solidFill>
+                  <a:schemeClr val="accent1"/>
+                </a:solidFill>
+                <a:latin typeface="Cambria" panose="02040503050406030204" pitchFamily="18" charset="0"/>
+              </a:rPr>
+              <a:t>ASSIGNMENT: EXPERIMENTING MORAL DILEMNA</a:t>
+            </a:r>
+          </a:p>
+        </p:txBody>
+      </p:sp>
+      <p:cxnSp>
+        <p:nvCxnSpPr>
+          <p:cNvPr id="4" name="Straight Connector 3">
+            <a:extLst>
+              <a:ext uri="{FF2B5EF4-FFF2-40B4-BE49-F238E27FC236}">
+                <a16:creationId xmlns:a16="http://schemas.microsoft.com/office/drawing/2014/main" id="{69223EC3-7B3E-124B-8D71-5CD434FC49C5}"/>
+              </a:ext>
+            </a:extLst>
+          </p:cNvPr>
+          <p:cNvCxnSpPr>
+            <a:cxnSpLocks/>
+          </p:cNvCxnSpPr>
+          <p:nvPr/>
+        </p:nvCxnSpPr>
+        <p:spPr>
+          <a:xfrm>
+            <a:off x="1378101" y="1753299"/>
+            <a:ext cx="8556731" cy="0"/>
+          </a:xfrm>
+          <a:prstGeom prst="line">
+            <a:avLst/>
+          </a:prstGeom>
+          <a:ln w="12700"/>
+        </p:spPr>
+        <p:style>
+          <a:lnRef idx="1">
+            <a:schemeClr val="accent1"/>
+          </a:lnRef>
+          <a:fillRef idx="0">
+            <a:schemeClr val="accent1"/>
+          </a:fillRef>
+          <a:effectRef idx="0">
+            <a:schemeClr val="accent1"/>
+          </a:effectRef>
+          <a:fontRef idx="minor">
+            <a:schemeClr val="tx1"/>
+          </a:fontRef>
+        </p:style>
+      </p:cxnSp>
+      <p:sp>
+        <p:nvSpPr>
+          <p:cNvPr id="5" name="Rectangle 4">
+            <a:extLst>
+              <a:ext uri="{FF2B5EF4-FFF2-40B4-BE49-F238E27FC236}">
+                <a16:creationId xmlns:a16="http://schemas.microsoft.com/office/drawing/2014/main" id="{AD5E983F-5099-B649-943A-18BE75AEDF93}"/>
+              </a:ext>
+            </a:extLst>
+          </p:cNvPr>
+          <p:cNvSpPr/>
+          <p:nvPr/>
+        </p:nvSpPr>
+        <p:spPr>
+          <a:xfrm>
+            <a:off x="4034054" y="6101338"/>
+            <a:ext cx="3047116" cy="369332"/>
+          </a:xfrm>
+          <a:prstGeom prst="rect">
+            <a:avLst/>
+          </a:prstGeom>
+        </p:spPr>
+        <p:txBody>
+          <a:bodyPr wrap="none">
+            <a:spAutoFit/>
+          </a:bodyPr>
+          <a:lstStyle/>
+          <a:p>
+            <a:r>
+              <a:rPr lang="fr-FR" dirty="0">
+                <a:hlinkClick r:id="rId3"/>
+              </a:rPr>
+              <a:t>http://</a:t>
+            </a:r>
+            <a:r>
+              <a:rPr lang="fr-FR" dirty="0" err="1">
+                <a:hlinkClick r:id="rId3"/>
+              </a:rPr>
+              <a:t>moralmachine.mit.edu</a:t>
+            </a:r>
+            <a:r>
+              <a:rPr lang="fr-FR" dirty="0">
+                <a:hlinkClick r:id="rId3"/>
+              </a:rPr>
+              <a:t>/</a:t>
+            </a:r>
+            <a:endParaRPr lang="fr-FR" dirty="0"/>
           </a:p>
         </p:txBody>
       </p:sp>
       <p:pic>
         <p:nvPicPr>
-          <p:cNvPr id="7" name="Picture 6">
+          <p:cNvPr id="6" name="Picture 5">
             <a:extLst>
               <a:ext uri="{FF2B5EF4-FFF2-40B4-BE49-F238E27FC236}">
-                <a16:creationId xmlns:a16="http://schemas.microsoft.com/office/drawing/2014/main" id="{2CF9F2E1-96AF-014C-BD3E-7CFC61B05EEF}"/>
+                <a16:creationId xmlns:a16="http://schemas.microsoft.com/office/drawing/2014/main" id="{B42C97EE-FC19-D147-9DC8-24FD04602B94}"/>
               </a:ext>
             </a:extLst>
           </p:cNvPr>
@@ -8146,15 +9439,45 @@
           <p:nvPr/>
         </p:nvPicPr>
         <p:blipFill>
-          <a:blip r:embed="rId3"/>
+          <a:blip r:embed="rId4"/>
           <a:stretch>
             <a:fillRect/>
           </a:stretch>
         </p:blipFill>
         <p:spPr>
           <a:xfrm>
-            <a:off x="2674620" y="2981786"/>
-            <a:ext cx="4945380" cy="2877312"/>
+            <a:off x="3552889" y="2886731"/>
+            <a:ext cx="4009445" cy="3122935"/>
+          </a:xfrm>
+          <a:prstGeom prst="rect">
+            <a:avLst/>
+          </a:prstGeom>
+        </p:spPr>
+      </p:pic>
+      <p:pic>
+        <p:nvPicPr>
+          <p:cNvPr id="7" name="Picture 6">
+            <a:extLst>
+              <a:ext uri="{FF2B5EF4-FFF2-40B4-BE49-F238E27FC236}">
+                <a16:creationId xmlns:a16="http://schemas.microsoft.com/office/drawing/2014/main" id="{A48C5D76-1EF2-8541-B957-36A2A49C2E02}"/>
+              </a:ext>
+            </a:extLst>
+          </p:cNvPr>
+          <p:cNvPicPr>
+            <a:picLocks noChangeAspect="1"/>
+          </p:cNvPicPr>
+          <p:nvPr/>
+        </p:nvPicPr>
+        <p:blipFill>
+          <a:blip r:embed="rId5"/>
+          <a:stretch>
+            <a:fillRect/>
+          </a:stretch>
+        </p:blipFill>
+        <p:spPr>
+          <a:xfrm>
+            <a:off x="4617457" y="2085834"/>
+            <a:ext cx="1748503" cy="443650"/>
           </a:xfrm>
           <a:prstGeom prst="rect">
             <a:avLst/>
@@ -8164,7 +9487,7 @@
     </p:spTree>
     <p:extLst>
       <p:ext uri="{BB962C8B-B14F-4D97-AF65-F5344CB8AC3E}">
-        <p14:creationId xmlns:p14="http://schemas.microsoft.com/office/powerpoint/2010/main" val="2422789895"/>
+        <p14:creationId xmlns:p14="http://schemas.microsoft.com/office/powerpoint/2010/main" val="2934770447"/>
       </p:ext>
     </p:extLst>
   </p:cSld>
@@ -8738,14 +10061,24 @@
           <a:lstStyle/>
           <a:p>
             <a:r>
-              <a:rPr lang="en-US" sz="3000" b="1" dirty="0">
-                <a:solidFill>
-                  <a:schemeClr val="accent1"/>
-                </a:solidFill>
-                <a:latin typeface="Cambria" panose="02040503050406030204" pitchFamily="18" charset="0"/>
-              </a:rPr>
-              <a:t>THE BASIC ARGUMENTS</a:t>
-            </a:r>
+              <a:rPr lang="fr-FR" sz="3000" b="1" dirty="0">
+                <a:solidFill>
+                  <a:schemeClr val="accent1"/>
+                </a:solidFill>
+                <a:latin typeface="Cambria" panose="02040503050406030204" pitchFamily="18" charset="0"/>
+              </a:rPr>
+              <a:t>THE CATCHING HUMANITY BY SURPRISE SCENARIO</a:t>
+            </a:r>
+            <a:r>
+              <a:rPr lang="fr-FR" dirty="0"/>
+              <a:t> </a:t>
+            </a:r>
+            <a:endParaRPr lang="en-US" sz="3000" b="1" dirty="0">
+              <a:solidFill>
+                <a:schemeClr val="accent1"/>
+              </a:solidFill>
+              <a:latin typeface="Cambria" panose="02040503050406030204" pitchFamily="18" charset="0"/>
+            </a:endParaRPr>
           </a:p>
         </p:txBody>
       </p:sp>
@@ -8766,7 +10099,7 @@
         <p:spPr>
           <a:xfrm>
             <a:off x="1378101" y="1753299"/>
-            <a:ext cx="4146399" cy="0"/>
+            <a:ext cx="8855559" cy="0"/>
           </a:xfrm>
           <a:prstGeom prst="line">
             <a:avLst/>
@@ -9050,14 +10383,20 @@
           <a:lstStyle/>
           <a:p>
             <a:r>
-              <a:rPr lang="en-US" sz="3000" b="1" dirty="0">
-                <a:solidFill>
-                  <a:schemeClr val="accent1"/>
-                </a:solidFill>
-                <a:latin typeface="Cambria" panose="02040503050406030204" pitchFamily="18" charset="0"/>
-              </a:rPr>
-              <a:t>THE BASIC ARGUMENTS</a:t>
-            </a:r>
+              <a:rPr lang="fr-FR" sz="3000" b="1" dirty="0">
+                <a:solidFill>
+                  <a:schemeClr val="accent1"/>
+                </a:solidFill>
+                <a:latin typeface="Cambria" panose="02040503050406030204" pitchFamily="18" charset="0"/>
+              </a:rPr>
+              <a:t>TOWARDS PHILOSOPHICAL DEBATES</a:t>
+            </a:r>
+            <a:endParaRPr lang="en-US" sz="3000" b="1" dirty="0">
+              <a:solidFill>
+                <a:schemeClr val="accent1"/>
+              </a:solidFill>
+              <a:latin typeface="Cambria" panose="02040503050406030204" pitchFamily="18" charset="0"/>
+            </a:endParaRPr>
           </a:p>
         </p:txBody>
       </p:sp>
@@ -9078,7 +10417,7 @@
         <p:spPr>
           <a:xfrm>
             <a:off x="1378101" y="1753299"/>
-            <a:ext cx="4146399" cy="0"/>
+            <a:ext cx="8855559" cy="0"/>
           </a:xfrm>
           <a:prstGeom prst="line">
             <a:avLst/>
@@ -9139,7 +10478,7 @@
                 </a:solidFill>
                 <a:latin typeface="Cambria" panose="02040503050406030204" pitchFamily="18" charset="0"/>
               </a:rPr>
-              <a:t>SUPERINTELLIGENCE IS PHYSICALLY POSSIBLE</a:t>
+              <a:t>THE OBJECTIVE/UTILITY FUNCTIONS &amp; CONTROL PROBLEM</a:t>
             </a:r>
             <a:br>
               <a:rPr lang="en-US" sz="2400" b="1" dirty="0">
@@ -9168,7 +10507,7 @@
                 </a:solidFill>
                 <a:latin typeface="Cambria" panose="02040503050406030204" pitchFamily="18" charset="0"/>
               </a:rPr>
-              <a:t>TOWARDS CREATIVITY, STRATEGIC PLANNING, SOCIAL SKILLS</a:t>
+              <a:t>WHAT DRIVES HUMAN/MACHINE?</a:t>
             </a:r>
             <a:br>
               <a:rPr lang="en-US" sz="2400" b="1" dirty="0">
@@ -9197,7 +10536,7 @@
                 </a:solidFill>
                 <a:latin typeface="Cambria" panose="02040503050406030204" pitchFamily="18" charset="0"/>
               </a:rPr>
-              <a:t>RECURSIVE AUTO-IMPROVEMENT</a:t>
+              <a:t>INTELLIGENCE – MORALITY </a:t>
             </a:r>
             <a:br>
               <a:rPr lang="en-US" sz="2400" b="1" dirty="0">
@@ -9226,7 +10565,7 @@
                 </a:solidFill>
                 <a:latin typeface="Cambria" panose="02040503050406030204" pitchFamily="18" charset="0"/>
               </a:rPr>
-              <a:t>LOOK AT GAME OF GO RECENT BREAKTHROUGH …</a:t>
+              <a:t>CASSANDRA, TECHNO-OPTIMISM &amp; SCEPTICISM</a:t>
             </a:r>
             <a:br>
               <a:rPr lang="en-US" sz="2400" b="1" dirty="0">
@@ -9271,7 +10610,7 @@
         </p:nvSpPr>
         <p:spPr>
           <a:xfrm>
-            <a:off x="1734590" y="4637355"/>
+            <a:off x="1734590" y="4705935"/>
             <a:ext cx="9196386" cy="707886"/>
           </a:xfrm>
           <a:prstGeom prst="rect">
@@ -9292,7 +10631,7 @@
                 </a:solidFill>
                 <a:latin typeface="Cambria" panose="02040503050406030204" pitchFamily="18" charset="0"/>
               </a:rPr>
-              <a:t>REALLY ??</a:t>
+              <a:t>TIMEFRAME ??</a:t>
             </a:r>
           </a:p>
         </p:txBody>
@@ -9300,7 +10639,7 @@
     </p:spTree>
     <p:extLst>
       <p:ext uri="{BB962C8B-B14F-4D97-AF65-F5344CB8AC3E}">
-        <p14:creationId xmlns:p14="http://schemas.microsoft.com/office/powerpoint/2010/main" val="2497422580"/>
+        <p14:creationId xmlns:p14="http://schemas.microsoft.com/office/powerpoint/2010/main" val="486684540"/>
       </p:ext>
     </p:extLst>
   </p:cSld>
@@ -9348,7 +10687,7 @@
         <p:spPr>
           <a:xfrm>
             <a:off x="2513338" y="1745663"/>
-            <a:ext cx="8924282" cy="861774"/>
+            <a:ext cx="8924282" cy="1631216"/>
           </a:xfrm>
           <a:prstGeom prst="rect">
             <a:avLst/>
@@ -9368,7 +10707,7 @@
                 </a:solidFill>
                 <a:latin typeface="Cambria" panose="02040503050406030204" pitchFamily="18" charset="0"/>
               </a:rPr>
-              <a:t>ALREADY CURRENT ISSUES</a:t>
+              <a:t>RATHER FOCUS ON ALREADY CURRENT ISSUES</a:t>
             </a:r>
           </a:p>
         </p:txBody>
@@ -9390,7 +10729,7 @@
         <p:spPr>
           <a:xfrm>
             <a:off x="2300750" y="1879133"/>
-            <a:ext cx="0" cy="633408"/>
+            <a:ext cx="0" cy="1366987"/>
           </a:xfrm>
           <a:prstGeom prst="line">
             <a:avLst/>

--- a/presentations/session-6-ethics-of-ai.pptx
+++ b/presentations/session-6-ethics-of-ai.pptx
@@ -5995,7 +5995,7 @@
         </p:nvSpPr>
         <p:spPr>
           <a:xfrm>
-            <a:off x="1275701" y="1830236"/>
+            <a:off x="1275701" y="1896140"/>
             <a:ext cx="9909364" cy="4154984"/>
           </a:xfrm>
           <a:prstGeom prst="rect">
@@ -6587,7 +6587,7 @@
         </p:nvSpPr>
         <p:spPr>
           <a:xfrm>
-            <a:off x="1275701" y="1830236"/>
+            <a:off x="1275701" y="1863188"/>
             <a:ext cx="9909364" cy="4524315"/>
           </a:xfrm>
           <a:prstGeom prst="rect">
@@ -6899,7 +6899,7 @@
         </p:nvSpPr>
         <p:spPr>
           <a:xfrm>
-            <a:off x="1275701" y="1929296"/>
+            <a:off x="1275701" y="1970486"/>
             <a:ext cx="9909364" cy="1938992"/>
           </a:xfrm>
           <a:prstGeom prst="rect">
@@ -7746,7 +7746,7 @@
         <p:spPr>
           <a:xfrm>
             <a:off x="1263001" y="2050947"/>
-            <a:ext cx="9909364" cy="1200329"/>
+            <a:ext cx="9909364" cy="1569660"/>
           </a:xfrm>
           <a:prstGeom prst="rect">
             <a:avLst/>
@@ -7770,7 +7770,7 @@
                 </a:solidFill>
                 <a:latin typeface="Cambria" panose="02040503050406030204" pitchFamily="18" charset="0"/>
               </a:rPr>
-              <a:t>PROVIDE AN OVERVIEW OF ETHICAL IMPLICATIONS OF AI</a:t>
+              <a:t>PREPARE WORKING GROUP SESSION WITH AN OVERVIEW OF AI ETHICAL IMPLICATIONS</a:t>
             </a:r>
             <a:br>
               <a:rPr lang="en-US" sz="2400" b="1" dirty="0">
@@ -7799,7 +7799,7 @@
                 </a:solidFill>
                 <a:latin typeface="Cambria" panose="02040503050406030204" pitchFamily="18" charset="0"/>
               </a:rPr>
-              <a:t>INTRODUCE WORKING GROUP SESSION</a:t>
+              <a:t>BE JUDGE &amp; JURY DURING WORKING GROUP SESSION</a:t>
             </a:r>
           </a:p>
         </p:txBody>
@@ -10292,7 +10292,7 @@
         </p:nvSpPr>
         <p:spPr>
           <a:xfrm>
-            <a:off x="1734590" y="4637355"/>
+            <a:off x="1734590" y="4662069"/>
             <a:ext cx="9196386" cy="707886"/>
           </a:xfrm>
           <a:prstGeom prst="rect">
@@ -10707,7 +10707,7 @@
                 </a:solidFill>
                 <a:latin typeface="Cambria" panose="02040503050406030204" pitchFamily="18" charset="0"/>
               </a:rPr>
-              <a:t>RATHER FOCUS ON ALREADY CURRENT ISSUES</a:t>
+              <a:t>FOCUS ON ALREADY CURRENT ISSUES INSTEAD</a:t>
             </a:r>
           </a:p>
         </p:txBody>

--- a/presentations/session-6-ethics-of-ai.pptx
+++ b/presentations/session-6-ethics-of-ai.pptx
@@ -10836,7 +10836,7 @@
         <p:spPr>
           <a:xfrm>
             <a:off x="1378101" y="1990256"/>
-            <a:ext cx="9909364" cy="3785652"/>
+            <a:ext cx="9909364" cy="4524315"/>
           </a:xfrm>
           <a:prstGeom prst="rect">
             <a:avLst/>
@@ -10976,7 +10976,36 @@
                 </a:solidFill>
                 <a:latin typeface="Cambria" panose="02040503050406030204" pitchFamily="18" charset="0"/>
               </a:rPr>
-              <a:t>…</a:t>
+              <a:t>DATA PRIVACY</a:t>
+            </a:r>
+            <a:br>
+              <a:rPr lang="en-US" sz="2400" b="1" dirty="0">
+                <a:solidFill>
+                  <a:schemeClr val="accent1"/>
+                </a:solidFill>
+                <a:latin typeface="Cambria" panose="02040503050406030204" pitchFamily="18" charset="0"/>
+              </a:rPr>
+            </a:br>
+            <a:endParaRPr lang="en-US" sz="2400" b="1" dirty="0">
+              <a:solidFill>
+                <a:schemeClr val="accent1"/>
+              </a:solidFill>
+              <a:latin typeface="Cambria" panose="02040503050406030204" pitchFamily="18" charset="0"/>
+            </a:endParaRPr>
+          </a:p>
+          <a:p>
+            <a:pPr marL="342900" indent="-342900">
+              <a:buFont typeface="Arial"/>
+              <a:buChar char="•"/>
+            </a:pPr>
+            <a:r>
+              <a:rPr lang="en-US" sz="2400" b="1" dirty="0">
+                <a:solidFill>
+                  <a:schemeClr val="accent1"/>
+                </a:solidFill>
+                <a:latin typeface="Cambria" panose="02040503050406030204" pitchFamily="18" charset="0"/>
+              </a:rPr>
+              <a:t>SOCIAL INEQUALITIES</a:t>
             </a:r>
             <a:br>
               <a:rPr lang="en-US" sz="2400" dirty="0">
